--- a/INPRFM/glm.pptx
+++ b/INPRFM/glm.pptx
@@ -5,7 +5,7 @@
     <p:sldMasterId id="2147483648" r:id="rId1"/>
   </p:sldMasterIdLst>
   <p:notesMasterIdLst>
-    <p:notesMasterId r:id="rId33"/>
+    <p:notesMasterId r:id="rId36"/>
   </p:notesMasterIdLst>
   <p:sldIdLst>
     <p:sldId id="925" r:id="rId2"/>
@@ -24,21 +24,24 @@
     <p:sldId id="936" r:id="rId15"/>
     <p:sldId id="932" r:id="rId16"/>
     <p:sldId id="937" r:id="rId17"/>
-    <p:sldId id="940" r:id="rId18"/>
-    <p:sldId id="939" r:id="rId19"/>
-    <p:sldId id="938" r:id="rId20"/>
-    <p:sldId id="949" r:id="rId21"/>
-    <p:sldId id="950" r:id="rId22"/>
-    <p:sldId id="952" r:id="rId23"/>
-    <p:sldId id="953" r:id="rId24"/>
-    <p:sldId id="954" r:id="rId25"/>
-    <p:sldId id="941" r:id="rId26"/>
-    <p:sldId id="951" r:id="rId27"/>
-    <p:sldId id="942" r:id="rId28"/>
-    <p:sldId id="943" r:id="rId29"/>
-    <p:sldId id="946" r:id="rId30"/>
-    <p:sldId id="947" r:id="rId31"/>
-    <p:sldId id="948" r:id="rId32"/>
+    <p:sldId id="955" r:id="rId18"/>
+    <p:sldId id="940" r:id="rId19"/>
+    <p:sldId id="939" r:id="rId20"/>
+    <p:sldId id="938" r:id="rId21"/>
+    <p:sldId id="956" r:id="rId22"/>
+    <p:sldId id="949" r:id="rId23"/>
+    <p:sldId id="957" r:id="rId24"/>
+    <p:sldId id="950" r:id="rId25"/>
+    <p:sldId id="952" r:id="rId26"/>
+    <p:sldId id="953" r:id="rId27"/>
+    <p:sldId id="954" r:id="rId28"/>
+    <p:sldId id="941" r:id="rId29"/>
+    <p:sldId id="951" r:id="rId30"/>
+    <p:sldId id="942" r:id="rId31"/>
+    <p:sldId id="943" r:id="rId32"/>
+    <p:sldId id="946" r:id="rId33"/>
+    <p:sldId id="947" r:id="rId34"/>
+    <p:sldId id="948" r:id="rId35"/>
   </p:sldIdLst>
   <p:sldSz cx="12192000" cy="6858000"/>
   <p:notesSz cx="6858000" cy="9144000"/>
@@ -162,10 +165,13 @@
             <p14:sldId id="936"/>
             <p14:sldId id="932"/>
             <p14:sldId id="937"/>
+            <p14:sldId id="955"/>
             <p14:sldId id="940"/>
             <p14:sldId id="939"/>
             <p14:sldId id="938"/>
+            <p14:sldId id="956"/>
             <p14:sldId id="949"/>
+            <p14:sldId id="957"/>
             <p14:sldId id="950"/>
             <p14:sldId id="952"/>
             <p14:sldId id="953"/>
@@ -188,12 +194,20 @@
 </p:presentation>
 </file>
 
+<file path=ppt/revisionInfo.xml><?xml version="1.0" encoding="utf-8"?>
+<p1510:revInfo xmlns:a="http://schemas.openxmlformats.org/drawingml/2006/main" xmlns:r="http://schemas.openxmlformats.org/officeDocument/2006/relationships" xmlns:p1510="http://schemas.microsoft.com/office/powerpoint/2015/10/main">
+  <p1510:revLst>
+    <p1510:client id="{3E094558-9642-4798-A9B8-BAE52C8AE0EB}" v="135" dt="2025-06-18T14:22:42.386"/>
+  </p1510:revLst>
+</p1510:revInfo>
+</file>
+
 <file path=ppt/changesInfos/changesInfo1.xml><?xml version="1.0" encoding="utf-8"?>
 <pc:chgInfo xmlns:a="http://schemas.openxmlformats.org/drawingml/2006/main" xmlns:r="http://schemas.openxmlformats.org/officeDocument/2006/relationships" xmlns:ac="http://schemas.microsoft.com/office/drawing/2013/main/command" xmlns:pc="http://schemas.microsoft.com/office/powerpoint/2013/main/command">
   <pc:docChgLst>
     <pc:chgData name="Castiello de Obeso, Santiago" userId="b4fc0b8e-1f0e-417a-8aad-015961d2398a" providerId="ADAL" clId="{3E094558-9642-4798-A9B8-BAE52C8AE0EB}"/>
-    <pc:docChg chg="delSld delSection modSection">
-      <pc:chgData name="Castiello de Obeso, Santiago" userId="b4fc0b8e-1f0e-417a-8aad-015961d2398a" providerId="ADAL" clId="{3E094558-9642-4798-A9B8-BAE52C8AE0EB}" dt="2025-06-11T14:30:41.869" v="3" actId="17851"/>
+    <pc:docChg chg="undo custSel addSld delSld modSld sldOrd delSection modSection">
+      <pc:chgData name="Castiello de Obeso, Santiago" userId="b4fc0b8e-1f0e-417a-8aad-015961d2398a" providerId="ADAL" clId="{3E094558-9642-4798-A9B8-BAE52C8AE0EB}" dt="2025-06-18T14:23:11.298" v="771" actId="20577"/>
       <pc:docMkLst>
         <pc:docMk/>
       </pc:docMkLst>
@@ -323,6 +337,182 @@
           <pc:sldMk cId="3026933271" sldId="922"/>
         </pc:sldMkLst>
       </pc:sldChg>
+      <pc:sldChg chg="ord">
+        <pc:chgData name="Castiello de Obeso, Santiago" userId="b4fc0b8e-1f0e-417a-8aad-015961d2398a" providerId="ADAL" clId="{3E094558-9642-4798-A9B8-BAE52C8AE0EB}" dt="2025-06-18T13:05:48.243" v="103"/>
+        <pc:sldMkLst>
+          <pc:docMk/>
+          <pc:sldMk cId="2429201209" sldId="949"/>
+        </pc:sldMkLst>
+      </pc:sldChg>
+      <pc:sldChg chg="modSp mod">
+        <pc:chgData name="Castiello de Obeso, Santiago" userId="b4fc0b8e-1f0e-417a-8aad-015961d2398a" providerId="ADAL" clId="{3E094558-9642-4798-A9B8-BAE52C8AE0EB}" dt="2025-06-18T13:14:32.349" v="166" actId="1076"/>
+        <pc:sldMkLst>
+          <pc:docMk/>
+          <pc:sldMk cId="2750749904" sldId="950"/>
+        </pc:sldMkLst>
+        <pc:spChg chg="mod">
+          <ac:chgData name="Castiello de Obeso, Santiago" userId="b4fc0b8e-1f0e-417a-8aad-015961d2398a" providerId="ADAL" clId="{3E094558-9642-4798-A9B8-BAE52C8AE0EB}" dt="2025-06-18T13:14:32.349" v="166" actId="1076"/>
+          <ac:spMkLst>
+            <pc:docMk/>
+            <pc:sldMk cId="2750749904" sldId="950"/>
+            <ac:spMk id="16" creationId="{61985E85-24FB-2AFB-3D74-E2CFB2F98215}"/>
+          </ac:spMkLst>
+        </pc:spChg>
+      </pc:sldChg>
+      <pc:sldChg chg="addSp modSp mod">
+        <pc:chgData name="Castiello de Obeso, Santiago" userId="b4fc0b8e-1f0e-417a-8aad-015961d2398a" providerId="ADAL" clId="{3E094558-9642-4798-A9B8-BAE52C8AE0EB}" dt="2025-06-18T13:44:56.443" v="745" actId="1076"/>
+        <pc:sldMkLst>
+          <pc:docMk/>
+          <pc:sldMk cId="1202468470" sldId="953"/>
+        </pc:sldMkLst>
+        <pc:spChg chg="add mod">
+          <ac:chgData name="Castiello de Obeso, Santiago" userId="b4fc0b8e-1f0e-417a-8aad-015961d2398a" providerId="ADAL" clId="{3E094558-9642-4798-A9B8-BAE52C8AE0EB}" dt="2025-06-18T13:44:45.024" v="743" actId="1076"/>
+          <ac:spMkLst>
+            <pc:docMk/>
+            <pc:sldMk cId="1202468470" sldId="953"/>
+            <ac:spMk id="2" creationId="{A8B84229-3507-5F71-7693-8E163C72392F}"/>
+          </ac:spMkLst>
+        </pc:spChg>
+        <pc:spChg chg="add mod">
+          <ac:chgData name="Castiello de Obeso, Santiago" userId="b4fc0b8e-1f0e-417a-8aad-015961d2398a" providerId="ADAL" clId="{3E094558-9642-4798-A9B8-BAE52C8AE0EB}" dt="2025-06-18T13:44:56.443" v="745" actId="1076"/>
+          <ac:spMkLst>
+            <pc:docMk/>
+            <pc:sldMk cId="1202468470" sldId="953"/>
+            <ac:spMk id="4" creationId="{76367DDF-7481-156B-76F5-9CD8568B8177}"/>
+          </ac:spMkLst>
+        </pc:spChg>
+        <pc:spChg chg="mod">
+          <ac:chgData name="Castiello de Obeso, Santiago" userId="b4fc0b8e-1f0e-417a-8aad-015961d2398a" providerId="ADAL" clId="{3E094558-9642-4798-A9B8-BAE52C8AE0EB}" dt="2025-06-18T13:44:40.004" v="740" actId="1076"/>
+          <ac:spMkLst>
+            <pc:docMk/>
+            <pc:sldMk cId="1202468470" sldId="953"/>
+            <ac:spMk id="13" creationId="{0D1D9771-92EF-89D4-7161-26083BCC0BC3}"/>
+          </ac:spMkLst>
+        </pc:spChg>
+        <pc:picChg chg="mod">
+          <ac:chgData name="Castiello de Obeso, Santiago" userId="b4fc0b8e-1f0e-417a-8aad-015961d2398a" providerId="ADAL" clId="{3E094558-9642-4798-A9B8-BAE52C8AE0EB}" dt="2025-06-18T13:44:42.862" v="742" actId="1076"/>
+          <ac:picMkLst>
+            <pc:docMk/>
+            <pc:sldMk cId="1202468470" sldId="953"/>
+            <ac:picMk id="8" creationId="{CA75B4E3-5637-C583-F5BA-77331B074C66}"/>
+          </ac:picMkLst>
+        </pc:picChg>
+        <pc:picChg chg="mod">
+          <ac:chgData name="Castiello de Obeso, Santiago" userId="b4fc0b8e-1f0e-417a-8aad-015961d2398a" providerId="ADAL" clId="{3E094558-9642-4798-A9B8-BAE52C8AE0EB}" dt="2025-06-18T13:31:51.466" v="504" actId="14100"/>
+          <ac:picMkLst>
+            <pc:docMk/>
+            <pc:sldMk cId="1202468470" sldId="953"/>
+            <ac:picMk id="10" creationId="{17E05891-BA88-7DE0-322F-3EE6D123B1AC}"/>
+          </ac:picMkLst>
+        </pc:picChg>
+      </pc:sldChg>
+      <pc:sldChg chg="modSp add mod">
+        <pc:chgData name="Castiello de Obeso, Santiago" userId="b4fc0b8e-1f0e-417a-8aad-015961d2398a" providerId="ADAL" clId="{3E094558-9642-4798-A9B8-BAE52C8AE0EB}" dt="2025-06-18T13:03:33.692" v="39" actId="1076"/>
+        <pc:sldMkLst>
+          <pc:docMk/>
+          <pc:sldMk cId="586756568" sldId="955"/>
+        </pc:sldMkLst>
+        <pc:spChg chg="mod">
+          <ac:chgData name="Castiello de Obeso, Santiago" userId="b4fc0b8e-1f0e-417a-8aad-015961d2398a" providerId="ADAL" clId="{3E094558-9642-4798-A9B8-BAE52C8AE0EB}" dt="2025-06-18T13:03:33.692" v="39" actId="1076"/>
+          <ac:spMkLst>
+            <pc:docMk/>
+            <pc:sldMk cId="586756568" sldId="955"/>
+            <ac:spMk id="2" creationId="{0AEB8DB7-3A05-446B-0037-96C0F2776FC1}"/>
+          </ac:spMkLst>
+        </pc:spChg>
+      </pc:sldChg>
+      <pc:sldChg chg="modSp add mod">
+        <pc:chgData name="Castiello de Obeso, Santiago" userId="b4fc0b8e-1f0e-417a-8aad-015961d2398a" providerId="ADAL" clId="{3E094558-9642-4798-A9B8-BAE52C8AE0EB}" dt="2025-06-18T13:10:50.221" v="164" actId="20577"/>
+        <pc:sldMkLst>
+          <pc:docMk/>
+          <pc:sldMk cId="1913368588" sldId="956"/>
+        </pc:sldMkLst>
+        <pc:spChg chg="mod">
+          <ac:chgData name="Castiello de Obeso, Santiago" userId="b4fc0b8e-1f0e-417a-8aad-015961d2398a" providerId="ADAL" clId="{3E094558-9642-4798-A9B8-BAE52C8AE0EB}" dt="2025-06-18T13:05:15.275" v="75" actId="404"/>
+          <ac:spMkLst>
+            <pc:docMk/>
+            <pc:sldMk cId="1913368588" sldId="956"/>
+            <ac:spMk id="2" creationId="{1A5AB14D-3FCD-2A2E-685E-86ABB586D1B3}"/>
+          </ac:spMkLst>
+        </pc:spChg>
+        <pc:spChg chg="mod">
+          <ac:chgData name="Castiello de Obeso, Santiago" userId="b4fc0b8e-1f0e-417a-8aad-015961d2398a" providerId="ADAL" clId="{3E094558-9642-4798-A9B8-BAE52C8AE0EB}" dt="2025-06-18T13:10:50.221" v="164" actId="20577"/>
+          <ac:spMkLst>
+            <pc:docMk/>
+            <pc:sldMk cId="1913368588" sldId="956"/>
+            <ac:spMk id="3" creationId="{9ADF8804-F9BE-1EA6-99DE-B9CA5911E087}"/>
+          </ac:spMkLst>
+        </pc:spChg>
+        <pc:spChg chg="mod">
+          <ac:chgData name="Castiello de Obeso, Santiago" userId="b4fc0b8e-1f0e-417a-8aad-015961d2398a" providerId="ADAL" clId="{3E094558-9642-4798-A9B8-BAE52C8AE0EB}" dt="2025-06-18T13:05:35.657" v="99" actId="404"/>
+          <ac:spMkLst>
+            <pc:docMk/>
+            <pc:sldMk cId="1913368588" sldId="956"/>
+            <ac:spMk id="4" creationId="{9FB73538-A8FB-E5B6-5089-8ADDACB3657F}"/>
+          </ac:spMkLst>
+        </pc:spChg>
+        <pc:spChg chg="mod">
+          <ac:chgData name="Castiello de Obeso, Santiago" userId="b4fc0b8e-1f0e-417a-8aad-015961d2398a" providerId="ADAL" clId="{3E094558-9642-4798-A9B8-BAE52C8AE0EB}" dt="2025-06-18T13:05:39.114" v="101" actId="404"/>
+          <ac:spMkLst>
+            <pc:docMk/>
+            <pc:sldMk cId="1913368588" sldId="956"/>
+            <ac:spMk id="8" creationId="{1EE0BF6A-1FB2-82AB-E67D-F2EF1411DAAF}"/>
+          </ac:spMkLst>
+        </pc:spChg>
+      </pc:sldChg>
+      <pc:sldChg chg="modSp add mod">
+        <pc:chgData name="Castiello de Obeso, Santiago" userId="b4fc0b8e-1f0e-417a-8aad-015961d2398a" providerId="ADAL" clId="{3E094558-9642-4798-A9B8-BAE52C8AE0EB}" dt="2025-06-18T14:23:11.298" v="771" actId="20577"/>
+        <pc:sldMkLst>
+          <pc:docMk/>
+          <pc:sldMk cId="2130992899" sldId="957"/>
+        </pc:sldMkLst>
+        <pc:spChg chg="mod">
+          <ac:chgData name="Castiello de Obeso, Santiago" userId="b4fc0b8e-1f0e-417a-8aad-015961d2398a" providerId="ADAL" clId="{3E094558-9642-4798-A9B8-BAE52C8AE0EB}" dt="2025-06-18T14:23:07.386" v="762" actId="20577"/>
+          <ac:spMkLst>
+            <pc:docMk/>
+            <pc:sldMk cId="2130992899" sldId="957"/>
+            <ac:spMk id="2" creationId="{D0A990A2-6BCB-F8B3-6E56-110258C9A00E}"/>
+          </ac:spMkLst>
+        </pc:spChg>
+        <pc:spChg chg="mod">
+          <ac:chgData name="Castiello de Obeso, Santiago" userId="b4fc0b8e-1f0e-417a-8aad-015961d2398a" providerId="ADAL" clId="{3E094558-9642-4798-A9B8-BAE52C8AE0EB}" dt="2025-06-18T14:23:11.298" v="771" actId="20577"/>
+          <ac:spMkLst>
+            <pc:docMk/>
+            <pc:sldMk cId="2130992899" sldId="957"/>
+            <ac:spMk id="8" creationId="{603B5D2C-266A-9929-300E-983C81F7C307}"/>
+          </ac:spMkLst>
+        </pc:spChg>
+      </pc:sldChg>
+      <pc:sldChg chg="delSp modSp add del mod">
+        <pc:chgData name="Castiello de Obeso, Santiago" userId="b4fc0b8e-1f0e-417a-8aad-015961d2398a" providerId="ADAL" clId="{3E094558-9642-4798-A9B8-BAE52C8AE0EB}" dt="2025-06-18T13:44:58.066" v="746" actId="47"/>
+        <pc:sldMkLst>
+          <pc:docMk/>
+          <pc:sldMk cId="3229653582" sldId="957"/>
+        </pc:sldMkLst>
+        <pc:spChg chg="del">
+          <ac:chgData name="Castiello de Obeso, Santiago" userId="b4fc0b8e-1f0e-417a-8aad-015961d2398a" providerId="ADAL" clId="{3E094558-9642-4798-A9B8-BAE52C8AE0EB}" dt="2025-06-18T13:36:45.151" v="593" actId="478"/>
+          <ac:spMkLst>
+            <pc:docMk/>
+            <pc:sldMk cId="3229653582" sldId="957"/>
+            <ac:spMk id="2" creationId="{3685846C-1B48-CF22-6355-C6EB734AACF9}"/>
+          </ac:spMkLst>
+        </pc:spChg>
+        <pc:spChg chg="mod">
+          <ac:chgData name="Castiello de Obeso, Santiago" userId="b4fc0b8e-1f0e-417a-8aad-015961d2398a" providerId="ADAL" clId="{3E094558-9642-4798-A9B8-BAE52C8AE0EB}" dt="2025-06-18T13:43:31.181" v="739" actId="20577"/>
+          <ac:spMkLst>
+            <pc:docMk/>
+            <pc:sldMk cId="3229653582" sldId="957"/>
+            <ac:spMk id="13" creationId="{0C3B6901-FEA7-3487-5B49-DBF83C97C518}"/>
+          </ac:spMkLst>
+        </pc:spChg>
+      </pc:sldChg>
+      <pc:sldChg chg="add del">
+        <pc:chgData name="Castiello de Obeso, Santiago" userId="b4fc0b8e-1f0e-417a-8aad-015961d2398a" providerId="ADAL" clId="{3E094558-9642-4798-A9B8-BAE52C8AE0EB}" dt="2025-06-18T13:38:06.271" v="619"/>
+        <pc:sldMkLst>
+          <pc:docMk/>
+          <pc:sldMk cId="1285825049" sldId="958"/>
+        </pc:sldMkLst>
+      </pc:sldChg>
     </pc:docChg>
   </pc:docChgLst>
 </pc:chgInfo>
@@ -410,7 +600,7 @@
           <a:p>
             <a:fld id="{2A7E0360-EE77-4603-BD83-B6E308B4255C}" type="datetimeFigureOut">
               <a:rPr lang="en-GB" smtClean="0"/>
-              <a:t>11/06/2025</a:t>
+              <a:t>18/06/2025</a:t>
             </a:fld>
             <a:endParaRPr lang="en-GB"/>
           </a:p>
@@ -827,7 +1017,7 @@
           <a:p>
             <a:fld id="{93653256-A176-4E8A-BC36-7C03370D5D24}" type="datetime1">
               <a:rPr lang="en-GB" smtClean="0"/>
-              <a:t>11/06/2025</a:t>
+              <a:t>18/06/2025</a:t>
             </a:fld>
             <a:endParaRPr lang="en-GB"/>
           </a:p>
@@ -1030,7 +1220,7 @@
           <a:p>
             <a:fld id="{4A0EC24C-68C4-4BBF-9274-D95F7253B67E}" type="datetime1">
               <a:rPr lang="en-GB" smtClean="0"/>
-              <a:t>11/06/2025</a:t>
+              <a:t>18/06/2025</a:t>
             </a:fld>
             <a:endParaRPr lang="en-GB"/>
           </a:p>
@@ -1243,7 +1433,7 @@
           <a:p>
             <a:fld id="{4E3445D5-9FDE-425E-A1A1-54CD9BCE6E09}" type="datetime1">
               <a:rPr lang="en-GB" smtClean="0"/>
-              <a:t>11/06/2025</a:t>
+              <a:t>18/06/2025</a:t>
             </a:fld>
             <a:endParaRPr lang="en-GB"/>
           </a:p>
@@ -1446,7 +1636,7 @@
           <a:p>
             <a:fld id="{7D15BC87-CB2A-4A43-895C-ADD7C09AFD24}" type="datetime1">
               <a:rPr lang="en-GB" smtClean="0"/>
-              <a:t>11/06/2025</a:t>
+              <a:t>18/06/2025</a:t>
             </a:fld>
             <a:endParaRPr lang="en-GB"/>
           </a:p>
@@ -1725,7 +1915,7 @@
           <a:p>
             <a:fld id="{3A486E3F-441B-47EF-8EDF-4F629B14B556}" type="datetime1">
               <a:rPr lang="en-GB" smtClean="0"/>
-              <a:t>11/06/2025</a:t>
+              <a:t>18/06/2025</a:t>
             </a:fld>
             <a:endParaRPr lang="en-GB"/>
           </a:p>
@@ -1996,7 +2186,7 @@
           <a:p>
             <a:fld id="{AFCA27F4-A8F1-4095-B17C-0FDD4E4834B5}" type="datetime1">
               <a:rPr lang="en-GB" smtClean="0"/>
-              <a:t>11/06/2025</a:t>
+              <a:t>18/06/2025</a:t>
             </a:fld>
             <a:endParaRPr lang="en-GB"/>
           </a:p>
@@ -2414,7 +2604,7 @@
           <a:p>
             <a:fld id="{AB8055EE-6BF7-4B53-802F-D175E49646CF}" type="datetime1">
               <a:rPr lang="en-GB" smtClean="0"/>
-              <a:t>11/06/2025</a:t>
+              <a:t>18/06/2025</a:t>
             </a:fld>
             <a:endParaRPr lang="en-GB"/>
           </a:p>
@@ -2559,7 +2749,7 @@
           <a:p>
             <a:fld id="{E2B0EFB8-EE02-435B-9CF1-1D53B08DC122}" type="datetime1">
               <a:rPr lang="en-GB" smtClean="0"/>
-              <a:t>11/06/2025</a:t>
+              <a:t>18/06/2025</a:t>
             </a:fld>
             <a:endParaRPr lang="en-GB"/>
           </a:p>
@@ -2675,7 +2865,7 @@
           <a:p>
             <a:fld id="{FFB3AF6A-F948-4DC8-A710-E3C0183F531B}" type="datetime1">
               <a:rPr lang="en-GB" smtClean="0"/>
-              <a:t>11/06/2025</a:t>
+              <a:t>18/06/2025</a:t>
             </a:fld>
             <a:endParaRPr lang="en-GB"/>
           </a:p>
@@ -2991,7 +3181,7 @@
           <a:p>
             <a:fld id="{2573D767-A3EE-4960-BC6F-9724805AE439}" type="datetime1">
               <a:rPr lang="en-GB" smtClean="0"/>
-              <a:t>11/06/2025</a:t>
+              <a:t>18/06/2025</a:t>
             </a:fld>
             <a:endParaRPr lang="en-GB"/>
           </a:p>
@@ -3283,7 +3473,7 @@
           <a:p>
             <a:fld id="{75900A3F-4432-4646-BCBF-510DC366486F}" type="datetime1">
               <a:rPr lang="en-GB" smtClean="0"/>
-              <a:t>11/06/2025</a:t>
+              <a:t>18/06/2025</a:t>
             </a:fld>
             <a:endParaRPr lang="en-GB"/>
           </a:p>
@@ -3529,7 +3719,7 @@
           <a:p>
             <a:fld id="{C18FD3FE-A0EA-41B0-8B29-595A08EDC4A4}" type="datetime1">
               <a:rPr lang="en-GB" smtClean="0"/>
-              <a:t>11/06/2025</a:t>
+              <a:t>18/06/2025</a:t>
             </a:fld>
             <a:endParaRPr lang="en-GB"/>
           </a:p>
@@ -8621,6 +8811,142 @@
         <p:cNvPr id="1" name="">
           <a:extLst>
             <a:ext uri="{FF2B5EF4-FFF2-40B4-BE49-F238E27FC236}">
+              <a16:creationId xmlns:a16="http://schemas.microsoft.com/office/drawing/2014/main" id="{BBF16179-CB13-F605-9823-F95E02477AA7}"/>
+            </a:ext>
+          </a:extLst>
+        </p:cNvPr>
+        <p:cNvGrpSpPr/>
+        <p:nvPr/>
+      </p:nvGrpSpPr>
+      <p:grpSpPr>
+        <a:xfrm>
+          <a:off x="0" y="0"/>
+          <a:ext cx="0" cy="0"/>
+          <a:chOff x="0" y="0"/>
+          <a:chExt cx="0" cy="0"/>
+        </a:xfrm>
+      </p:grpSpPr>
+      <p:sp>
+        <p:nvSpPr>
+          <p:cNvPr id="4" name="Footer Placeholder 3">
+            <a:extLst>
+              <a:ext uri="{FF2B5EF4-FFF2-40B4-BE49-F238E27FC236}">
+                <a16:creationId xmlns:a16="http://schemas.microsoft.com/office/drawing/2014/main" id="{B77B014D-446C-0AB6-604E-B08A55A43917}"/>
+              </a:ext>
+            </a:extLst>
+          </p:cNvPr>
+          <p:cNvSpPr>
+            <a:spLocks noGrp="1"/>
+          </p:cNvSpPr>
+          <p:nvPr>
+            <p:ph type="ftr" sz="quarter" idx="11"/>
+          </p:nvPr>
+        </p:nvSpPr>
+        <p:spPr/>
+        <p:txBody>
+          <a:bodyPr/>
+          <a:lstStyle/>
+          <a:p>
+            <a:r>
+              <a:rPr lang="en-GB"/>
+              <a:t>INPRFM</a:t>
+            </a:r>
+          </a:p>
+        </p:txBody>
+      </p:sp>
+      <p:sp>
+        <p:nvSpPr>
+          <p:cNvPr id="5" name="Slide Number Placeholder 4">
+            <a:extLst>
+              <a:ext uri="{FF2B5EF4-FFF2-40B4-BE49-F238E27FC236}">
+                <a16:creationId xmlns:a16="http://schemas.microsoft.com/office/drawing/2014/main" id="{53A7ECE1-67EE-6DE5-9C26-135821F22A04}"/>
+              </a:ext>
+            </a:extLst>
+          </p:cNvPr>
+          <p:cNvSpPr>
+            <a:spLocks noGrp="1"/>
+          </p:cNvSpPr>
+          <p:nvPr>
+            <p:ph type="sldNum" sz="quarter" idx="12"/>
+          </p:nvPr>
+        </p:nvSpPr>
+        <p:spPr/>
+        <p:txBody>
+          <a:bodyPr/>
+          <a:lstStyle/>
+          <a:p>
+            <a:fld id="{D0FF140B-F376-4A1D-AAB0-11FF1D5631F2}" type="slidenum">
+              <a:rPr lang="en-GB" smtClean="0"/>
+              <a:t>17</a:t>
+            </a:fld>
+            <a:endParaRPr lang="en-GB"/>
+          </a:p>
+        </p:txBody>
+      </p:sp>
+      <p:sp>
+        <p:nvSpPr>
+          <p:cNvPr id="2" name="TextBox 1">
+            <a:extLst>
+              <a:ext uri="{FF2B5EF4-FFF2-40B4-BE49-F238E27FC236}">
+                <a16:creationId xmlns:a16="http://schemas.microsoft.com/office/drawing/2014/main" id="{0AEB8DB7-3A05-446B-0037-96C0F2776FC1}"/>
+              </a:ext>
+            </a:extLst>
+          </p:cNvPr>
+          <p:cNvSpPr txBox="1"/>
+          <p:nvPr/>
+        </p:nvSpPr>
+        <p:spPr>
+          <a:xfrm>
+            <a:off x="606356" y="2967335"/>
+            <a:ext cx="10979288" cy="923330"/>
+          </a:xfrm>
+          <a:prstGeom prst="rect">
+            <a:avLst/>
+          </a:prstGeom>
+          <a:noFill/>
+        </p:spPr>
+        <p:txBody>
+          <a:bodyPr wrap="none" rtlCol="0">
+            <a:spAutoFit/>
+          </a:bodyPr>
+          <a:lstStyle/>
+          <a:p>
+            <a:pPr algn="ctr"/>
+            <a:r>
+              <a:rPr lang="en-GB" sz="5400" dirty="0" err="1">
+                <a:latin typeface="Courier New" panose="02070309020205020404" pitchFamily="49" charset="0"/>
+                <a:cs typeface="Courier New" panose="02070309020205020404" pitchFamily="49" charset="0"/>
+              </a:rPr>
+              <a:t>Relacion_entre_variables.R</a:t>
+            </a:r>
+            <a:endParaRPr lang="en-GB" sz="5400" dirty="0">
+              <a:latin typeface="Courier New" panose="02070309020205020404" pitchFamily="49" charset="0"/>
+              <a:cs typeface="Courier New" panose="02070309020205020404" pitchFamily="49" charset="0"/>
+            </a:endParaRPr>
+          </a:p>
+        </p:txBody>
+      </p:sp>
+    </p:spTree>
+    <p:extLst>
+      <p:ext uri="{BB962C8B-B14F-4D97-AF65-F5344CB8AC3E}">
+        <p14:creationId xmlns:p14="http://schemas.microsoft.com/office/powerpoint/2010/main" val="586756568"/>
+      </p:ext>
+    </p:extLst>
+  </p:cSld>
+  <p:clrMapOvr>
+    <a:masterClrMapping/>
+  </p:clrMapOvr>
+</p:sld>
+</file>
+
+<file path=ppt/slides/slide18.xml><?xml version="1.0" encoding="utf-8"?>
+<p:sld xmlns:a="http://schemas.openxmlformats.org/drawingml/2006/main" xmlns:r="http://schemas.openxmlformats.org/officeDocument/2006/relationships" xmlns:p="http://schemas.openxmlformats.org/presentationml/2006/main">
+  <p:cSld>
+    <p:spTree>
+      <p:nvGrpSpPr>
+        <p:cNvPr id="1" name="">
+          <a:extLst>
+            <a:ext uri="{FF2B5EF4-FFF2-40B4-BE49-F238E27FC236}">
               <a16:creationId xmlns:a16="http://schemas.microsoft.com/office/drawing/2014/main" id="{8F1DB2AC-2803-E3EB-52DF-499C17E7E47E}"/>
             </a:ext>
           </a:extLst>
@@ -8941,7 +9267,7 @@
 </p:sld>
 </file>
 
-<file path=ppt/slides/slide18.xml><?xml version="1.0" encoding="utf-8"?>
+<file path=ppt/slides/slide19.xml><?xml version="1.0" encoding="utf-8"?>
 <p:sld xmlns:a="http://schemas.openxmlformats.org/drawingml/2006/main" xmlns:r="http://schemas.openxmlformats.org/officeDocument/2006/relationships" xmlns:p="http://schemas.openxmlformats.org/presentationml/2006/main">
   <p:cSld>
     <p:spTree>
@@ -8964,8 +9290,8 @@
           <a:chExt cx="0" cy="0"/>
         </a:xfrm>
       </p:grpSpPr>
-      <mc:AlternateContent xmlns:mc="http://schemas.openxmlformats.org/markup-compatibility/2006">
-        <mc:Choice xmlns:a14="http://schemas.microsoft.com/office/drawing/2010/main" Requires="a14">
+      <mc:AlternateContent xmlns:mc="http://schemas.openxmlformats.org/markup-compatibility/2006" xmlns:a14="http://schemas.microsoft.com/office/drawing/2010/main">
+        <mc:Choice Requires="a14">
           <p:sp>
             <p:nvSpPr>
               <p:cNvPr id="11" name="TextBox 10">
@@ -9258,13 +9584,7 @@
                         <a:rPr lang="en-GB" i="1">
                           <a:latin typeface="Cambria Math" panose="02040503050406030204" pitchFamily="18" charset="0"/>
                         </a:rPr>
-                        <m:t>=.61−.82</m:t>
-                      </m:r>
-                      <m:r>
-                        <a:rPr lang="en-GB" i="1">
-                          <a:latin typeface="Cambria Math" panose="02040503050406030204" pitchFamily="18" charset="0"/>
-                        </a:rPr>
-                        <m:t>∗0</m:t>
+                        <m:t>=.61−.82∗0</m:t>
                       </m:r>
                     </m:oMath>
                   </m:oMathPara>
@@ -9299,7 +9619,7 @@
             </p:txBody>
           </p:sp>
         </mc:Choice>
-        <mc:Fallback>
+        <mc:Fallback xmlns="">
           <p:sp>
             <p:nvSpPr>
               <p:cNvPr id="11" name="TextBox 10">
@@ -9476,486 +9796,6 @@
     <p:extLst>
       <p:ext uri="{BB962C8B-B14F-4D97-AF65-F5344CB8AC3E}">
         <p14:creationId xmlns:p14="http://schemas.microsoft.com/office/powerpoint/2010/main" val="3308104362"/>
-      </p:ext>
-    </p:extLst>
-  </p:cSld>
-  <p:clrMapOvr>
-    <a:masterClrMapping/>
-  </p:clrMapOvr>
-</p:sld>
-</file>
-
-<file path=ppt/slides/slide19.xml><?xml version="1.0" encoding="utf-8"?>
-<p:sld xmlns:a="http://schemas.openxmlformats.org/drawingml/2006/main" xmlns:r="http://schemas.openxmlformats.org/officeDocument/2006/relationships" xmlns:p="http://schemas.openxmlformats.org/presentationml/2006/main">
-  <p:cSld>
-    <p:spTree>
-      <p:nvGrpSpPr>
-        <p:cNvPr id="1" name="">
-          <a:extLst>
-            <a:ext uri="{FF2B5EF4-FFF2-40B4-BE49-F238E27FC236}">
-              <a16:creationId xmlns:a16="http://schemas.microsoft.com/office/drawing/2014/main" id="{41FF2733-81B6-A95E-8080-EE88E8AC37CE}"/>
-            </a:ext>
-          </a:extLst>
-        </p:cNvPr>
-        <p:cNvGrpSpPr/>
-        <p:nvPr/>
-      </p:nvGrpSpPr>
-      <p:grpSpPr>
-        <a:xfrm>
-          <a:off x="0" y="0"/>
-          <a:ext cx="0" cy="0"/>
-          <a:chOff x="0" y="0"/>
-          <a:chExt cx="0" cy="0"/>
-        </a:xfrm>
-      </p:grpSpPr>
-      <mc:AlternateContent xmlns:mc="http://schemas.openxmlformats.org/markup-compatibility/2006" xmlns:a14="http://schemas.microsoft.com/office/drawing/2010/main">
-        <mc:Choice Requires="a14">
-          <p:sp>
-            <p:nvSpPr>
-              <p:cNvPr id="5" name="TextBox 4">
-                <a:extLst>
-                  <a:ext uri="{FF2B5EF4-FFF2-40B4-BE49-F238E27FC236}">
-                    <a16:creationId xmlns:a16="http://schemas.microsoft.com/office/drawing/2014/main" id="{E167FFEF-D8CC-DBC2-A11B-F07DD869257A}"/>
-                  </a:ext>
-                </a:extLst>
-              </p:cNvPr>
-              <p:cNvSpPr txBox="1"/>
-              <p:nvPr/>
-            </p:nvSpPr>
-            <p:spPr>
-              <a:xfrm>
-                <a:off x="4948517" y="5998918"/>
-                <a:ext cx="2411927" cy="369332"/>
-              </a:xfrm>
-              <a:prstGeom prst="rect">
-                <a:avLst/>
-              </a:prstGeom>
-              <a:noFill/>
-            </p:spPr>
-            <p:txBody>
-              <a:bodyPr wrap="square">
-                <a:spAutoFit/>
-              </a:bodyPr>
-              <a:lstStyle/>
-              <a:p>
-                <a:pPr/>
-                <a14:m>
-                  <m:oMathPara xmlns:m="http://schemas.openxmlformats.org/officeDocument/2006/math">
-                    <m:oMathParaPr>
-                      <m:jc m:val="centerGroup"/>
-                    </m:oMathParaPr>
-                    <m:oMath xmlns:m="http://schemas.openxmlformats.org/officeDocument/2006/math">
-                      <m:r>
-                        <m:rPr>
-                          <m:sty m:val="p"/>
-                        </m:rPr>
-                        <a:rPr lang="en-GB" sz="1800" b="0" i="0" smtClean="0">
-                          <a:latin typeface="Cambria Math" panose="02040503050406030204" pitchFamily="18" charset="0"/>
-                        </a:rPr>
-                        <m:t>aff</m:t>
-                      </m:r>
-                      <m:r>
-                        <a:rPr lang="en-GB" sz="1800" b="0" i="0" smtClean="0">
-                          <a:latin typeface="Cambria Math" panose="02040503050406030204" pitchFamily="18" charset="0"/>
-                        </a:rPr>
-                        <m:t>_</m:t>
-                      </m:r>
-                      <m:r>
-                        <m:rPr>
-                          <m:sty m:val="p"/>
-                        </m:rPr>
-                        <a:rPr lang="en-GB" sz="1800" b="0" i="0" smtClean="0">
-                          <a:latin typeface="Cambria Math" panose="02040503050406030204" pitchFamily="18" charset="0"/>
-                        </a:rPr>
-                        <m:t>score</m:t>
-                      </m:r>
-                      <m:r>
-                        <a:rPr lang="en-GB" sz="1800" b="0" i="1" smtClean="0">
-                          <a:latin typeface="Cambria Math" panose="02040503050406030204" pitchFamily="18" charset="0"/>
-                        </a:rPr>
-                        <m:t>~</m:t>
-                      </m:r>
-                      <m:sSub>
-                        <m:sSubPr>
-                          <m:ctrlPr>
-                            <a:rPr lang="en-GB" sz="1800" i="1">
-                              <a:latin typeface="Cambria Math" panose="02040503050406030204" pitchFamily="18" charset="0"/>
-                            </a:rPr>
-                          </m:ctrlPr>
-                        </m:sSubPr>
-                        <m:e>
-                          <m:r>
-                            <a:rPr lang="en-GB" sz="1800" i="1">
-                              <a:latin typeface="Cambria Math" panose="02040503050406030204" pitchFamily="18" charset="0"/>
-                              <a:ea typeface="Cambria Math" panose="02040503050406030204" pitchFamily="18" charset="0"/>
-                            </a:rPr>
-                            <m:t>𝛽</m:t>
-                          </m:r>
-                        </m:e>
-                        <m:sub>
-                          <m:r>
-                            <a:rPr lang="en-GB" sz="1800" b="0" i="1" smtClean="0">
-                              <a:latin typeface="Cambria Math" panose="02040503050406030204" pitchFamily="18" charset="0"/>
-                              <a:ea typeface="Cambria Math" panose="02040503050406030204" pitchFamily="18" charset="0"/>
-                            </a:rPr>
-                            <m:t>0</m:t>
-                          </m:r>
-                        </m:sub>
-                      </m:sSub>
-                    </m:oMath>
-                  </m:oMathPara>
-                </a14:m>
-                <a:endParaRPr lang="en-GB" dirty="0"/>
-              </a:p>
-            </p:txBody>
-          </p:sp>
-        </mc:Choice>
-        <mc:Fallback xmlns="">
-          <p:sp>
-            <p:nvSpPr>
-              <p:cNvPr id="5" name="TextBox 4">
-                <a:extLst>
-                  <a:ext uri="{FF2B5EF4-FFF2-40B4-BE49-F238E27FC236}">
-                    <a16:creationId xmlns:a16="http://schemas.microsoft.com/office/drawing/2014/main" id="{E167FFEF-D8CC-DBC2-A11B-F07DD869257A}"/>
-                  </a:ext>
-                </a:extLst>
-              </p:cNvPr>
-              <p:cNvSpPr txBox="1">
-                <a:spLocks noRot="1" noChangeAspect="1" noMove="1" noResize="1" noEditPoints="1" noAdjustHandles="1" noChangeArrowheads="1" noChangeShapeType="1" noTextEdit="1"/>
-              </p:cNvSpPr>
-              <p:nvPr/>
-            </p:nvSpPr>
-            <p:spPr>
-              <a:xfrm>
-                <a:off x="4948517" y="5998918"/>
-                <a:ext cx="2411927" cy="369332"/>
-              </a:xfrm>
-              <a:prstGeom prst="rect">
-                <a:avLst/>
-              </a:prstGeom>
-              <a:blipFill>
-                <a:blip r:embed="rId3"/>
-                <a:stretch>
-                  <a:fillRect b="-13115"/>
-                </a:stretch>
-              </a:blipFill>
-            </p:spPr>
-            <p:txBody>
-              <a:bodyPr/>
-              <a:lstStyle/>
-              <a:p>
-                <a:r>
-                  <a:rPr lang="en-GB">
-                    <a:noFill/>
-                  </a:rPr>
-                  <a:t> </a:t>
-                </a:r>
-              </a:p>
-            </p:txBody>
-          </p:sp>
-        </mc:Fallback>
-      </mc:AlternateContent>
-      <mc:AlternateContent xmlns:mc="http://schemas.openxmlformats.org/markup-compatibility/2006" xmlns:a14="http://schemas.microsoft.com/office/drawing/2010/main">
-        <mc:Choice Requires="a14">
-          <p:sp>
-            <p:nvSpPr>
-              <p:cNvPr id="6" name="TextBox 5">
-                <a:extLst>
-                  <a:ext uri="{FF2B5EF4-FFF2-40B4-BE49-F238E27FC236}">
-                    <a16:creationId xmlns:a16="http://schemas.microsoft.com/office/drawing/2014/main" id="{61C4AF0E-7F95-8668-A9BA-AD8D91E31704}"/>
-                  </a:ext>
-                </a:extLst>
-              </p:cNvPr>
-              <p:cNvSpPr txBox="1"/>
-              <p:nvPr/>
-            </p:nvSpPr>
-            <p:spPr>
-              <a:xfrm>
-                <a:off x="7785437" y="5972939"/>
-                <a:ext cx="3246040" cy="369332"/>
-              </a:xfrm>
-              <a:prstGeom prst="rect">
-                <a:avLst/>
-              </a:prstGeom>
-              <a:noFill/>
-            </p:spPr>
-            <p:txBody>
-              <a:bodyPr wrap="square">
-                <a:spAutoFit/>
-              </a:bodyPr>
-              <a:lstStyle/>
-              <a:p>
-                <a:pPr/>
-                <a14:m>
-                  <m:oMathPara xmlns:m="http://schemas.openxmlformats.org/officeDocument/2006/math">
-                    <m:oMathParaPr>
-                      <m:jc m:val="centerGroup"/>
-                    </m:oMathParaPr>
-                    <m:oMath xmlns:m="http://schemas.openxmlformats.org/officeDocument/2006/math">
-                      <m:r>
-                        <m:rPr>
-                          <m:sty m:val="p"/>
-                        </m:rPr>
-                        <a:rPr lang="en-GB" sz="1800" b="0" i="0" smtClean="0">
-                          <a:latin typeface="Cambria Math" panose="02040503050406030204" pitchFamily="18" charset="0"/>
-                        </a:rPr>
-                        <m:t>aff</m:t>
-                      </m:r>
-                      <m:r>
-                        <a:rPr lang="en-GB" sz="1800" b="0" i="0" smtClean="0">
-                          <a:latin typeface="Cambria Math" panose="02040503050406030204" pitchFamily="18" charset="0"/>
-                        </a:rPr>
-                        <m:t>_</m:t>
-                      </m:r>
-                      <m:r>
-                        <m:rPr>
-                          <m:sty m:val="p"/>
-                        </m:rPr>
-                        <a:rPr lang="en-GB" sz="1800" b="0" i="0" smtClean="0">
-                          <a:latin typeface="Cambria Math" panose="02040503050406030204" pitchFamily="18" charset="0"/>
-                        </a:rPr>
-                        <m:t>score</m:t>
-                      </m:r>
-                      <m:r>
-                        <a:rPr lang="en-GB" sz="1800" b="0" i="1" smtClean="0">
-                          <a:latin typeface="Cambria Math" panose="02040503050406030204" pitchFamily="18" charset="0"/>
-                        </a:rPr>
-                        <m:t>~</m:t>
-                      </m:r>
-                      <m:sSub>
-                        <m:sSubPr>
-                          <m:ctrlPr>
-                            <a:rPr lang="en-GB" sz="1800" i="1">
-                              <a:latin typeface="Cambria Math" panose="02040503050406030204" pitchFamily="18" charset="0"/>
-                            </a:rPr>
-                          </m:ctrlPr>
-                        </m:sSubPr>
-                        <m:e>
-                          <m:r>
-                            <a:rPr lang="en-GB" sz="1800" i="1">
-                              <a:latin typeface="Cambria Math" panose="02040503050406030204" pitchFamily="18" charset="0"/>
-                              <a:ea typeface="Cambria Math" panose="02040503050406030204" pitchFamily="18" charset="0"/>
-                            </a:rPr>
-                            <m:t>𝛽</m:t>
-                          </m:r>
-                        </m:e>
-                        <m:sub>
-                          <m:r>
-                            <a:rPr lang="en-GB" sz="1800" b="0" i="1" smtClean="0">
-                              <a:latin typeface="Cambria Math" panose="02040503050406030204" pitchFamily="18" charset="0"/>
-                              <a:ea typeface="Cambria Math" panose="02040503050406030204" pitchFamily="18" charset="0"/>
-                            </a:rPr>
-                            <m:t>0</m:t>
-                          </m:r>
-                        </m:sub>
-                      </m:sSub>
-                      <m:r>
-                        <a:rPr lang="en-GB" sz="1800" b="0" i="1" smtClean="0">
-                          <a:latin typeface="Cambria Math" panose="02040503050406030204" pitchFamily="18" charset="0"/>
-                        </a:rPr>
-                        <m:t>+</m:t>
-                      </m:r>
-                      <m:sSub>
-                        <m:sSubPr>
-                          <m:ctrlPr>
-                            <a:rPr lang="en-GB" sz="1800" b="0" i="1" smtClean="0">
-                              <a:latin typeface="Cambria Math" panose="02040503050406030204" pitchFamily="18" charset="0"/>
-                            </a:rPr>
-                          </m:ctrlPr>
-                        </m:sSubPr>
-                        <m:e>
-                          <m:r>
-                            <a:rPr lang="en-GB" sz="1800" i="1">
-                              <a:latin typeface="Cambria Math" panose="02040503050406030204" pitchFamily="18" charset="0"/>
-                              <a:ea typeface="Cambria Math" panose="02040503050406030204" pitchFamily="18" charset="0"/>
-                            </a:rPr>
-                            <m:t>𝛽</m:t>
-                          </m:r>
-                        </m:e>
-                        <m:sub>
-                          <m:r>
-                            <a:rPr lang="en-GB" sz="1800" b="0" i="1" smtClean="0">
-                              <a:latin typeface="Cambria Math" panose="02040503050406030204" pitchFamily="18" charset="0"/>
-                            </a:rPr>
-                            <m:t>1</m:t>
-                          </m:r>
-                        </m:sub>
-                      </m:sSub>
-                      <m:r>
-                        <a:rPr lang="en-GB" sz="1800" b="0" i="1" smtClean="0">
-                          <a:latin typeface="Cambria Math" panose="02040503050406030204" pitchFamily="18" charset="0"/>
-                        </a:rPr>
-                        <m:t>𝑐h𝑎𝑡𝑏𝑜𝑡</m:t>
-                      </m:r>
-                    </m:oMath>
-                  </m:oMathPara>
-                </a14:m>
-                <a:endParaRPr lang="en-GB" dirty="0"/>
-              </a:p>
-            </p:txBody>
-          </p:sp>
-        </mc:Choice>
-        <mc:Fallback xmlns="">
-          <p:sp>
-            <p:nvSpPr>
-              <p:cNvPr id="6" name="TextBox 5">
-                <a:extLst>
-                  <a:ext uri="{FF2B5EF4-FFF2-40B4-BE49-F238E27FC236}">
-                    <a16:creationId xmlns:a16="http://schemas.microsoft.com/office/drawing/2014/main" id="{61C4AF0E-7F95-8668-A9BA-AD8D91E31704}"/>
-                  </a:ext>
-                </a:extLst>
-              </p:cNvPr>
-              <p:cNvSpPr txBox="1">
-                <a:spLocks noRot="1" noChangeAspect="1" noMove="1" noResize="1" noEditPoints="1" noAdjustHandles="1" noChangeArrowheads="1" noChangeShapeType="1" noTextEdit="1"/>
-              </p:cNvSpPr>
-              <p:nvPr/>
-            </p:nvSpPr>
-            <p:spPr>
-              <a:xfrm>
-                <a:off x="7785437" y="5972939"/>
-                <a:ext cx="3246040" cy="369332"/>
-              </a:xfrm>
-              <a:prstGeom prst="rect">
-                <a:avLst/>
-              </a:prstGeom>
-              <a:blipFill>
-                <a:blip r:embed="rId4"/>
-                <a:stretch>
-                  <a:fillRect b="-13333"/>
-                </a:stretch>
-              </a:blipFill>
-            </p:spPr>
-            <p:txBody>
-              <a:bodyPr/>
-              <a:lstStyle/>
-              <a:p>
-                <a:r>
-                  <a:rPr lang="en-GB">
-                    <a:noFill/>
-                  </a:rPr>
-                  <a:t> </a:t>
-                </a:r>
-              </a:p>
-            </p:txBody>
-          </p:sp>
-        </mc:Fallback>
-      </mc:AlternateContent>
-      <p:sp>
-        <p:nvSpPr>
-          <p:cNvPr id="11" name="Título 1">
-            <a:extLst>
-              <a:ext uri="{FF2B5EF4-FFF2-40B4-BE49-F238E27FC236}">
-                <a16:creationId xmlns:a16="http://schemas.microsoft.com/office/drawing/2014/main" id="{DE08F7EB-2DC4-F148-4AB0-B3A55958D9A8}"/>
-              </a:ext>
-            </a:extLst>
-          </p:cNvPr>
-          <p:cNvSpPr txBox="1">
-            <a:spLocks/>
-          </p:cNvSpPr>
-          <p:nvPr/>
-        </p:nvSpPr>
-        <p:spPr>
-          <a:xfrm>
-            <a:off x="0" y="0"/>
-            <a:ext cx="12192000" cy="612895"/>
-          </a:xfrm>
-          <a:prstGeom prst="rect">
-            <a:avLst/>
-          </a:prstGeom>
-        </p:spPr>
-        <p:txBody>
-          <a:bodyPr vert="horz" lIns="91440" tIns="45720" rIns="91440" bIns="45720" rtlCol="0" anchor="b">
-            <a:normAutofit lnSpcReduction="10000"/>
-          </a:bodyPr>
-          <a:lstStyle>
-            <a:lvl1pPr algn="ctr" defTabSz="914400" rtl="0" eaLnBrk="1" latinLnBrk="0" hangingPunct="1">
-              <a:lnSpc>
-                <a:spcPct val="90000"/>
-              </a:lnSpc>
-              <a:spcBef>
-                <a:spcPct val="0"/>
-              </a:spcBef>
-              <a:buNone/>
-              <a:defRPr sz="6000" kern="1200">
-                <a:solidFill>
-                  <a:schemeClr val="tx1"/>
-                </a:solidFill>
-                <a:latin typeface="+mj-lt"/>
-                <a:ea typeface="+mj-ea"/>
-                <a:cs typeface="+mj-cs"/>
-              </a:defRPr>
-            </a:lvl1pPr>
-          </a:lstStyle>
-          <a:p>
-            <a:r>
-              <a:rPr lang="es-MX" sz="4000" b="1" dirty="0">
-                <a:latin typeface="Times New Roman" panose="02020603050405020304" pitchFamily="18" charset="0"/>
-                <a:cs typeface="Times New Roman" panose="02020603050405020304" pitchFamily="18" charset="0"/>
-              </a:rPr>
-              <a:t>GLM and </a:t>
-            </a:r>
-            <a:r>
-              <a:rPr lang="es-MX" sz="4000" b="1" dirty="0" err="1">
-                <a:latin typeface="Times New Roman" panose="02020603050405020304" pitchFamily="18" charset="0"/>
-                <a:cs typeface="Times New Roman" panose="02020603050405020304" pitchFamily="18" charset="0"/>
-              </a:rPr>
-              <a:t>model</a:t>
-            </a:r>
-            <a:r>
-              <a:rPr lang="es-MX" sz="4000" b="1" dirty="0">
-                <a:latin typeface="Times New Roman" panose="02020603050405020304" pitchFamily="18" charset="0"/>
-                <a:cs typeface="Times New Roman" panose="02020603050405020304" pitchFamily="18" charset="0"/>
-              </a:rPr>
-              <a:t> </a:t>
-            </a:r>
-            <a:r>
-              <a:rPr lang="es-MX" sz="4000" b="1" dirty="0" err="1">
-                <a:latin typeface="Times New Roman" panose="02020603050405020304" pitchFamily="18" charset="0"/>
-                <a:cs typeface="Times New Roman" panose="02020603050405020304" pitchFamily="18" charset="0"/>
-              </a:rPr>
-              <a:t>comparison</a:t>
-            </a:r>
-            <a:endParaRPr lang="es-MX" sz="4000" b="1" dirty="0">
-              <a:latin typeface="Times New Roman" panose="02020603050405020304" pitchFamily="18" charset="0"/>
-              <a:cs typeface="Times New Roman" panose="02020603050405020304" pitchFamily="18" charset="0"/>
-            </a:endParaRPr>
-          </a:p>
-        </p:txBody>
-      </p:sp>
-      <p:pic>
-        <p:nvPicPr>
-          <p:cNvPr id="8" name="Picture 7">
-            <a:extLst>
-              <a:ext uri="{FF2B5EF4-FFF2-40B4-BE49-F238E27FC236}">
-                <a16:creationId xmlns:a16="http://schemas.microsoft.com/office/drawing/2014/main" id="{DF517D42-B740-58FE-8402-EB06E7DC96B5}"/>
-              </a:ext>
-            </a:extLst>
-          </p:cNvPr>
-          <p:cNvPicPr>
-            <a:picLocks noChangeAspect="1"/>
-          </p:cNvPicPr>
-          <p:nvPr/>
-        </p:nvPicPr>
-        <p:blipFill>
-          <a:blip r:embed="rId5"/>
-          <a:stretch>
-            <a:fillRect/>
-          </a:stretch>
-        </p:blipFill>
-        <p:spPr>
-          <a:xfrm>
-            <a:off x="1416000" y="840963"/>
-            <a:ext cx="9360000" cy="5176073"/>
-          </a:xfrm>
-          <a:prstGeom prst="rect">
-            <a:avLst/>
-          </a:prstGeom>
-        </p:spPr>
-      </p:pic>
-    </p:spTree>
-    <p:extLst>
-      <p:ext uri="{BB962C8B-B14F-4D97-AF65-F5344CB8AC3E}">
-        <p14:creationId xmlns:p14="http://schemas.microsoft.com/office/powerpoint/2010/main" val="2746893576"/>
       </p:ext>
     </p:extLst>
   </p:cSld>
@@ -10376,6 +10216,1191 @@
         <p:cNvPr id="1" name="">
           <a:extLst>
             <a:ext uri="{FF2B5EF4-FFF2-40B4-BE49-F238E27FC236}">
+              <a16:creationId xmlns:a16="http://schemas.microsoft.com/office/drawing/2014/main" id="{41FF2733-81B6-A95E-8080-EE88E8AC37CE}"/>
+            </a:ext>
+          </a:extLst>
+        </p:cNvPr>
+        <p:cNvGrpSpPr/>
+        <p:nvPr/>
+      </p:nvGrpSpPr>
+      <p:grpSpPr>
+        <a:xfrm>
+          <a:off x="0" y="0"/>
+          <a:ext cx="0" cy="0"/>
+          <a:chOff x="0" y="0"/>
+          <a:chExt cx="0" cy="0"/>
+        </a:xfrm>
+      </p:grpSpPr>
+      <mc:AlternateContent xmlns:mc="http://schemas.openxmlformats.org/markup-compatibility/2006" xmlns:a14="http://schemas.microsoft.com/office/drawing/2010/main">
+        <mc:Choice Requires="a14">
+          <p:sp>
+            <p:nvSpPr>
+              <p:cNvPr id="5" name="TextBox 4">
+                <a:extLst>
+                  <a:ext uri="{FF2B5EF4-FFF2-40B4-BE49-F238E27FC236}">
+                    <a16:creationId xmlns:a16="http://schemas.microsoft.com/office/drawing/2014/main" id="{E167FFEF-D8CC-DBC2-A11B-F07DD869257A}"/>
+                  </a:ext>
+                </a:extLst>
+              </p:cNvPr>
+              <p:cNvSpPr txBox="1"/>
+              <p:nvPr/>
+            </p:nvSpPr>
+            <p:spPr>
+              <a:xfrm>
+                <a:off x="4948517" y="5998918"/>
+                <a:ext cx="2411927" cy="369332"/>
+              </a:xfrm>
+              <a:prstGeom prst="rect">
+                <a:avLst/>
+              </a:prstGeom>
+              <a:noFill/>
+            </p:spPr>
+            <p:txBody>
+              <a:bodyPr wrap="square">
+                <a:spAutoFit/>
+              </a:bodyPr>
+              <a:lstStyle/>
+              <a:p>
+                <a:pPr/>
+                <a14:m>
+                  <m:oMathPara xmlns:m="http://schemas.openxmlformats.org/officeDocument/2006/math">
+                    <m:oMathParaPr>
+                      <m:jc m:val="centerGroup"/>
+                    </m:oMathParaPr>
+                    <m:oMath xmlns:m="http://schemas.openxmlformats.org/officeDocument/2006/math">
+                      <m:r>
+                        <m:rPr>
+                          <m:sty m:val="p"/>
+                        </m:rPr>
+                        <a:rPr lang="en-GB" sz="1800" b="0" i="0" smtClean="0">
+                          <a:latin typeface="Cambria Math" panose="02040503050406030204" pitchFamily="18" charset="0"/>
+                        </a:rPr>
+                        <m:t>aff</m:t>
+                      </m:r>
+                      <m:r>
+                        <a:rPr lang="en-GB" sz="1800" b="0" i="0" smtClean="0">
+                          <a:latin typeface="Cambria Math" panose="02040503050406030204" pitchFamily="18" charset="0"/>
+                        </a:rPr>
+                        <m:t>_</m:t>
+                      </m:r>
+                      <m:r>
+                        <m:rPr>
+                          <m:sty m:val="p"/>
+                        </m:rPr>
+                        <a:rPr lang="en-GB" sz="1800" b="0" i="0" smtClean="0">
+                          <a:latin typeface="Cambria Math" panose="02040503050406030204" pitchFamily="18" charset="0"/>
+                        </a:rPr>
+                        <m:t>score</m:t>
+                      </m:r>
+                      <m:r>
+                        <a:rPr lang="en-GB" sz="1800" b="0" i="1" smtClean="0">
+                          <a:latin typeface="Cambria Math" panose="02040503050406030204" pitchFamily="18" charset="0"/>
+                        </a:rPr>
+                        <m:t>~</m:t>
+                      </m:r>
+                      <m:sSub>
+                        <m:sSubPr>
+                          <m:ctrlPr>
+                            <a:rPr lang="en-GB" sz="1800" i="1">
+                              <a:latin typeface="Cambria Math" panose="02040503050406030204" pitchFamily="18" charset="0"/>
+                            </a:rPr>
+                          </m:ctrlPr>
+                        </m:sSubPr>
+                        <m:e>
+                          <m:r>
+                            <a:rPr lang="en-GB" sz="1800" i="1">
+                              <a:latin typeface="Cambria Math" panose="02040503050406030204" pitchFamily="18" charset="0"/>
+                              <a:ea typeface="Cambria Math" panose="02040503050406030204" pitchFamily="18" charset="0"/>
+                            </a:rPr>
+                            <m:t>𝛽</m:t>
+                          </m:r>
+                        </m:e>
+                        <m:sub>
+                          <m:r>
+                            <a:rPr lang="en-GB" sz="1800" b="0" i="1" smtClean="0">
+                              <a:latin typeface="Cambria Math" panose="02040503050406030204" pitchFamily="18" charset="0"/>
+                              <a:ea typeface="Cambria Math" panose="02040503050406030204" pitchFamily="18" charset="0"/>
+                            </a:rPr>
+                            <m:t>0</m:t>
+                          </m:r>
+                        </m:sub>
+                      </m:sSub>
+                    </m:oMath>
+                  </m:oMathPara>
+                </a14:m>
+                <a:endParaRPr lang="en-GB" dirty="0"/>
+              </a:p>
+            </p:txBody>
+          </p:sp>
+        </mc:Choice>
+        <mc:Fallback xmlns="">
+          <p:sp>
+            <p:nvSpPr>
+              <p:cNvPr id="5" name="TextBox 4">
+                <a:extLst>
+                  <a:ext uri="{FF2B5EF4-FFF2-40B4-BE49-F238E27FC236}">
+                    <a16:creationId xmlns:a16="http://schemas.microsoft.com/office/drawing/2014/main" id="{E167FFEF-D8CC-DBC2-A11B-F07DD869257A}"/>
+                  </a:ext>
+                </a:extLst>
+              </p:cNvPr>
+              <p:cNvSpPr txBox="1">
+                <a:spLocks noRot="1" noChangeAspect="1" noMove="1" noResize="1" noEditPoints="1" noAdjustHandles="1" noChangeArrowheads="1" noChangeShapeType="1" noTextEdit="1"/>
+              </p:cNvSpPr>
+              <p:nvPr/>
+            </p:nvSpPr>
+            <p:spPr>
+              <a:xfrm>
+                <a:off x="4948517" y="5998918"/>
+                <a:ext cx="2411927" cy="369332"/>
+              </a:xfrm>
+              <a:prstGeom prst="rect">
+                <a:avLst/>
+              </a:prstGeom>
+              <a:blipFill>
+                <a:blip r:embed="rId3"/>
+                <a:stretch>
+                  <a:fillRect b="-13115"/>
+                </a:stretch>
+              </a:blipFill>
+            </p:spPr>
+            <p:txBody>
+              <a:bodyPr/>
+              <a:lstStyle/>
+              <a:p>
+                <a:r>
+                  <a:rPr lang="en-GB">
+                    <a:noFill/>
+                  </a:rPr>
+                  <a:t> </a:t>
+                </a:r>
+              </a:p>
+            </p:txBody>
+          </p:sp>
+        </mc:Fallback>
+      </mc:AlternateContent>
+      <mc:AlternateContent xmlns:mc="http://schemas.openxmlformats.org/markup-compatibility/2006" xmlns:a14="http://schemas.microsoft.com/office/drawing/2010/main">
+        <mc:Choice Requires="a14">
+          <p:sp>
+            <p:nvSpPr>
+              <p:cNvPr id="6" name="TextBox 5">
+                <a:extLst>
+                  <a:ext uri="{FF2B5EF4-FFF2-40B4-BE49-F238E27FC236}">
+                    <a16:creationId xmlns:a16="http://schemas.microsoft.com/office/drawing/2014/main" id="{61C4AF0E-7F95-8668-A9BA-AD8D91E31704}"/>
+                  </a:ext>
+                </a:extLst>
+              </p:cNvPr>
+              <p:cNvSpPr txBox="1"/>
+              <p:nvPr/>
+            </p:nvSpPr>
+            <p:spPr>
+              <a:xfrm>
+                <a:off x="7785437" y="5972939"/>
+                <a:ext cx="3246040" cy="369332"/>
+              </a:xfrm>
+              <a:prstGeom prst="rect">
+                <a:avLst/>
+              </a:prstGeom>
+              <a:noFill/>
+            </p:spPr>
+            <p:txBody>
+              <a:bodyPr wrap="square">
+                <a:spAutoFit/>
+              </a:bodyPr>
+              <a:lstStyle/>
+              <a:p>
+                <a:pPr/>
+                <a14:m>
+                  <m:oMathPara xmlns:m="http://schemas.openxmlformats.org/officeDocument/2006/math">
+                    <m:oMathParaPr>
+                      <m:jc m:val="centerGroup"/>
+                    </m:oMathParaPr>
+                    <m:oMath xmlns:m="http://schemas.openxmlformats.org/officeDocument/2006/math">
+                      <m:r>
+                        <m:rPr>
+                          <m:sty m:val="p"/>
+                        </m:rPr>
+                        <a:rPr lang="en-GB" sz="1800" b="0" i="0" smtClean="0">
+                          <a:latin typeface="Cambria Math" panose="02040503050406030204" pitchFamily="18" charset="0"/>
+                        </a:rPr>
+                        <m:t>aff</m:t>
+                      </m:r>
+                      <m:r>
+                        <a:rPr lang="en-GB" sz="1800" b="0" i="0" smtClean="0">
+                          <a:latin typeface="Cambria Math" panose="02040503050406030204" pitchFamily="18" charset="0"/>
+                        </a:rPr>
+                        <m:t>_</m:t>
+                      </m:r>
+                      <m:r>
+                        <m:rPr>
+                          <m:sty m:val="p"/>
+                        </m:rPr>
+                        <a:rPr lang="en-GB" sz="1800" b="0" i="0" smtClean="0">
+                          <a:latin typeface="Cambria Math" panose="02040503050406030204" pitchFamily="18" charset="0"/>
+                        </a:rPr>
+                        <m:t>score</m:t>
+                      </m:r>
+                      <m:r>
+                        <a:rPr lang="en-GB" sz="1800" b="0" i="1" smtClean="0">
+                          <a:latin typeface="Cambria Math" panose="02040503050406030204" pitchFamily="18" charset="0"/>
+                        </a:rPr>
+                        <m:t>~</m:t>
+                      </m:r>
+                      <m:sSub>
+                        <m:sSubPr>
+                          <m:ctrlPr>
+                            <a:rPr lang="en-GB" sz="1800" i="1">
+                              <a:latin typeface="Cambria Math" panose="02040503050406030204" pitchFamily="18" charset="0"/>
+                            </a:rPr>
+                          </m:ctrlPr>
+                        </m:sSubPr>
+                        <m:e>
+                          <m:r>
+                            <a:rPr lang="en-GB" sz="1800" i="1">
+                              <a:latin typeface="Cambria Math" panose="02040503050406030204" pitchFamily="18" charset="0"/>
+                              <a:ea typeface="Cambria Math" panose="02040503050406030204" pitchFamily="18" charset="0"/>
+                            </a:rPr>
+                            <m:t>𝛽</m:t>
+                          </m:r>
+                        </m:e>
+                        <m:sub>
+                          <m:r>
+                            <a:rPr lang="en-GB" sz="1800" b="0" i="1" smtClean="0">
+                              <a:latin typeface="Cambria Math" panose="02040503050406030204" pitchFamily="18" charset="0"/>
+                              <a:ea typeface="Cambria Math" panose="02040503050406030204" pitchFamily="18" charset="0"/>
+                            </a:rPr>
+                            <m:t>0</m:t>
+                          </m:r>
+                        </m:sub>
+                      </m:sSub>
+                      <m:r>
+                        <a:rPr lang="en-GB" sz="1800" b="0" i="1" smtClean="0">
+                          <a:latin typeface="Cambria Math" panose="02040503050406030204" pitchFamily="18" charset="0"/>
+                        </a:rPr>
+                        <m:t>+</m:t>
+                      </m:r>
+                      <m:sSub>
+                        <m:sSubPr>
+                          <m:ctrlPr>
+                            <a:rPr lang="en-GB" sz="1800" b="0" i="1" smtClean="0">
+                              <a:latin typeface="Cambria Math" panose="02040503050406030204" pitchFamily="18" charset="0"/>
+                            </a:rPr>
+                          </m:ctrlPr>
+                        </m:sSubPr>
+                        <m:e>
+                          <m:r>
+                            <a:rPr lang="en-GB" sz="1800" i="1">
+                              <a:latin typeface="Cambria Math" panose="02040503050406030204" pitchFamily="18" charset="0"/>
+                              <a:ea typeface="Cambria Math" panose="02040503050406030204" pitchFamily="18" charset="0"/>
+                            </a:rPr>
+                            <m:t>𝛽</m:t>
+                          </m:r>
+                        </m:e>
+                        <m:sub>
+                          <m:r>
+                            <a:rPr lang="en-GB" sz="1800" b="0" i="1" smtClean="0">
+                              <a:latin typeface="Cambria Math" panose="02040503050406030204" pitchFamily="18" charset="0"/>
+                            </a:rPr>
+                            <m:t>1</m:t>
+                          </m:r>
+                        </m:sub>
+                      </m:sSub>
+                      <m:r>
+                        <a:rPr lang="en-GB" sz="1800" b="0" i="1" smtClean="0">
+                          <a:latin typeface="Cambria Math" panose="02040503050406030204" pitchFamily="18" charset="0"/>
+                        </a:rPr>
+                        <m:t>𝑐h𝑎𝑡𝑏𝑜𝑡</m:t>
+                      </m:r>
+                    </m:oMath>
+                  </m:oMathPara>
+                </a14:m>
+                <a:endParaRPr lang="en-GB" dirty="0"/>
+              </a:p>
+            </p:txBody>
+          </p:sp>
+        </mc:Choice>
+        <mc:Fallback xmlns="">
+          <p:sp>
+            <p:nvSpPr>
+              <p:cNvPr id="6" name="TextBox 5">
+                <a:extLst>
+                  <a:ext uri="{FF2B5EF4-FFF2-40B4-BE49-F238E27FC236}">
+                    <a16:creationId xmlns:a16="http://schemas.microsoft.com/office/drawing/2014/main" id="{61C4AF0E-7F95-8668-A9BA-AD8D91E31704}"/>
+                  </a:ext>
+                </a:extLst>
+              </p:cNvPr>
+              <p:cNvSpPr txBox="1">
+                <a:spLocks noRot="1" noChangeAspect="1" noMove="1" noResize="1" noEditPoints="1" noAdjustHandles="1" noChangeArrowheads="1" noChangeShapeType="1" noTextEdit="1"/>
+              </p:cNvSpPr>
+              <p:nvPr/>
+            </p:nvSpPr>
+            <p:spPr>
+              <a:xfrm>
+                <a:off x="7785437" y="5972939"/>
+                <a:ext cx="3246040" cy="369332"/>
+              </a:xfrm>
+              <a:prstGeom prst="rect">
+                <a:avLst/>
+              </a:prstGeom>
+              <a:blipFill>
+                <a:blip r:embed="rId4"/>
+                <a:stretch>
+                  <a:fillRect b="-13333"/>
+                </a:stretch>
+              </a:blipFill>
+            </p:spPr>
+            <p:txBody>
+              <a:bodyPr/>
+              <a:lstStyle/>
+              <a:p>
+                <a:r>
+                  <a:rPr lang="en-GB">
+                    <a:noFill/>
+                  </a:rPr>
+                  <a:t> </a:t>
+                </a:r>
+              </a:p>
+            </p:txBody>
+          </p:sp>
+        </mc:Fallback>
+      </mc:AlternateContent>
+      <p:sp>
+        <p:nvSpPr>
+          <p:cNvPr id="11" name="Título 1">
+            <a:extLst>
+              <a:ext uri="{FF2B5EF4-FFF2-40B4-BE49-F238E27FC236}">
+                <a16:creationId xmlns:a16="http://schemas.microsoft.com/office/drawing/2014/main" id="{DE08F7EB-2DC4-F148-4AB0-B3A55958D9A8}"/>
+              </a:ext>
+            </a:extLst>
+          </p:cNvPr>
+          <p:cNvSpPr txBox="1">
+            <a:spLocks/>
+          </p:cNvSpPr>
+          <p:nvPr/>
+        </p:nvSpPr>
+        <p:spPr>
+          <a:xfrm>
+            <a:off x="0" y="0"/>
+            <a:ext cx="12192000" cy="612895"/>
+          </a:xfrm>
+          <a:prstGeom prst="rect">
+            <a:avLst/>
+          </a:prstGeom>
+        </p:spPr>
+        <p:txBody>
+          <a:bodyPr vert="horz" lIns="91440" tIns="45720" rIns="91440" bIns="45720" rtlCol="0" anchor="b">
+            <a:normAutofit lnSpcReduction="10000"/>
+          </a:bodyPr>
+          <a:lstStyle>
+            <a:lvl1pPr algn="ctr" defTabSz="914400" rtl="0" eaLnBrk="1" latinLnBrk="0" hangingPunct="1">
+              <a:lnSpc>
+                <a:spcPct val="90000"/>
+              </a:lnSpc>
+              <a:spcBef>
+                <a:spcPct val="0"/>
+              </a:spcBef>
+              <a:buNone/>
+              <a:defRPr sz="6000" kern="1200">
+                <a:solidFill>
+                  <a:schemeClr val="tx1"/>
+                </a:solidFill>
+                <a:latin typeface="+mj-lt"/>
+                <a:ea typeface="+mj-ea"/>
+                <a:cs typeface="+mj-cs"/>
+              </a:defRPr>
+            </a:lvl1pPr>
+          </a:lstStyle>
+          <a:p>
+            <a:r>
+              <a:rPr lang="es-MX" sz="4000" b="1" dirty="0">
+                <a:latin typeface="Times New Roman" panose="02020603050405020304" pitchFamily="18" charset="0"/>
+                <a:cs typeface="Times New Roman" panose="02020603050405020304" pitchFamily="18" charset="0"/>
+              </a:rPr>
+              <a:t>GLM and </a:t>
+            </a:r>
+            <a:r>
+              <a:rPr lang="es-MX" sz="4000" b="1" dirty="0" err="1">
+                <a:latin typeface="Times New Roman" panose="02020603050405020304" pitchFamily="18" charset="0"/>
+                <a:cs typeface="Times New Roman" panose="02020603050405020304" pitchFamily="18" charset="0"/>
+              </a:rPr>
+              <a:t>model</a:t>
+            </a:r>
+            <a:r>
+              <a:rPr lang="es-MX" sz="4000" b="1" dirty="0">
+                <a:latin typeface="Times New Roman" panose="02020603050405020304" pitchFamily="18" charset="0"/>
+                <a:cs typeface="Times New Roman" panose="02020603050405020304" pitchFamily="18" charset="0"/>
+              </a:rPr>
+              <a:t> </a:t>
+            </a:r>
+            <a:r>
+              <a:rPr lang="es-MX" sz="4000" b="1" dirty="0" err="1">
+                <a:latin typeface="Times New Roman" panose="02020603050405020304" pitchFamily="18" charset="0"/>
+                <a:cs typeface="Times New Roman" panose="02020603050405020304" pitchFamily="18" charset="0"/>
+              </a:rPr>
+              <a:t>comparison</a:t>
+            </a:r>
+            <a:endParaRPr lang="es-MX" sz="4000" b="1" dirty="0">
+              <a:latin typeface="Times New Roman" panose="02020603050405020304" pitchFamily="18" charset="0"/>
+              <a:cs typeface="Times New Roman" panose="02020603050405020304" pitchFamily="18" charset="0"/>
+            </a:endParaRPr>
+          </a:p>
+        </p:txBody>
+      </p:sp>
+      <p:pic>
+        <p:nvPicPr>
+          <p:cNvPr id="8" name="Picture 7">
+            <a:extLst>
+              <a:ext uri="{FF2B5EF4-FFF2-40B4-BE49-F238E27FC236}">
+                <a16:creationId xmlns:a16="http://schemas.microsoft.com/office/drawing/2014/main" id="{DF517D42-B740-58FE-8402-EB06E7DC96B5}"/>
+              </a:ext>
+            </a:extLst>
+          </p:cNvPr>
+          <p:cNvPicPr>
+            <a:picLocks noChangeAspect="1"/>
+          </p:cNvPicPr>
+          <p:nvPr/>
+        </p:nvPicPr>
+        <p:blipFill>
+          <a:blip r:embed="rId5"/>
+          <a:stretch>
+            <a:fillRect/>
+          </a:stretch>
+        </p:blipFill>
+        <p:spPr>
+          <a:xfrm>
+            <a:off x="1416000" y="840963"/>
+            <a:ext cx="9360000" cy="5176073"/>
+          </a:xfrm>
+          <a:prstGeom prst="rect">
+            <a:avLst/>
+          </a:prstGeom>
+        </p:spPr>
+      </p:pic>
+    </p:spTree>
+    <p:extLst>
+      <p:ext uri="{BB962C8B-B14F-4D97-AF65-F5344CB8AC3E}">
+        <p14:creationId xmlns:p14="http://schemas.microsoft.com/office/powerpoint/2010/main" val="2746893576"/>
+      </p:ext>
+    </p:extLst>
+  </p:cSld>
+  <p:clrMapOvr>
+    <a:masterClrMapping/>
+  </p:clrMapOvr>
+</p:sld>
+</file>
+
+<file path=ppt/slides/slide21.xml><?xml version="1.0" encoding="utf-8"?>
+<p:sld xmlns:a="http://schemas.openxmlformats.org/drawingml/2006/main" xmlns:r="http://schemas.openxmlformats.org/officeDocument/2006/relationships" xmlns:p="http://schemas.openxmlformats.org/presentationml/2006/main">
+  <p:cSld>
+    <p:spTree>
+      <p:nvGrpSpPr>
+        <p:cNvPr id="1" name="">
+          <a:extLst>
+            <a:ext uri="{FF2B5EF4-FFF2-40B4-BE49-F238E27FC236}">
+              <a16:creationId xmlns:a16="http://schemas.microsoft.com/office/drawing/2014/main" id="{C554F6E8-C8A9-425C-04EA-CFAF484769C4}"/>
+            </a:ext>
+          </a:extLst>
+        </p:cNvPr>
+        <p:cNvGrpSpPr/>
+        <p:nvPr/>
+      </p:nvGrpSpPr>
+      <p:grpSpPr>
+        <a:xfrm>
+          <a:off x="0" y="0"/>
+          <a:ext cx="0" cy="0"/>
+          <a:chOff x="0" y="0"/>
+          <a:chExt cx="0" cy="0"/>
+        </a:xfrm>
+      </p:grpSpPr>
+      <p:sp>
+        <p:nvSpPr>
+          <p:cNvPr id="11" name="Título 1">
+            <a:extLst>
+              <a:ext uri="{FF2B5EF4-FFF2-40B4-BE49-F238E27FC236}">
+                <a16:creationId xmlns:a16="http://schemas.microsoft.com/office/drawing/2014/main" id="{984D21B6-D367-BFD4-F760-CDB9A8DBC4E5}"/>
+              </a:ext>
+            </a:extLst>
+          </p:cNvPr>
+          <p:cNvSpPr txBox="1">
+            <a:spLocks/>
+          </p:cNvSpPr>
+          <p:nvPr/>
+        </p:nvSpPr>
+        <p:spPr>
+          <a:xfrm>
+            <a:off x="0" y="0"/>
+            <a:ext cx="12192000" cy="612895"/>
+          </a:xfrm>
+          <a:prstGeom prst="rect">
+            <a:avLst/>
+          </a:prstGeom>
+        </p:spPr>
+        <p:txBody>
+          <a:bodyPr vert="horz" lIns="91440" tIns="45720" rIns="91440" bIns="45720" rtlCol="0" anchor="b">
+            <a:normAutofit lnSpcReduction="10000"/>
+          </a:bodyPr>
+          <a:lstStyle>
+            <a:lvl1pPr algn="ctr" defTabSz="914400" rtl="0" eaLnBrk="1" latinLnBrk="0" hangingPunct="1">
+              <a:lnSpc>
+                <a:spcPct val="90000"/>
+              </a:lnSpc>
+              <a:spcBef>
+                <a:spcPct val="0"/>
+              </a:spcBef>
+              <a:buNone/>
+              <a:defRPr sz="6000" kern="1200">
+                <a:solidFill>
+                  <a:schemeClr val="tx1"/>
+                </a:solidFill>
+                <a:latin typeface="+mj-lt"/>
+                <a:ea typeface="+mj-ea"/>
+                <a:cs typeface="+mj-cs"/>
+              </a:defRPr>
+            </a:lvl1pPr>
+          </a:lstStyle>
+          <a:p>
+            <a:r>
+              <a:rPr lang="es-MX" sz="4000" b="1" dirty="0" err="1">
+                <a:latin typeface="Times New Roman" panose="02020603050405020304" pitchFamily="18" charset="0"/>
+                <a:cs typeface="Times New Roman" panose="02020603050405020304" pitchFamily="18" charset="0"/>
+              </a:rPr>
+              <a:t>Moderation</a:t>
+            </a:r>
+            <a:r>
+              <a:rPr lang="es-MX" sz="4000" b="1" dirty="0">
+                <a:latin typeface="Times New Roman" panose="02020603050405020304" pitchFamily="18" charset="0"/>
+                <a:cs typeface="Times New Roman" panose="02020603050405020304" pitchFamily="18" charset="0"/>
+              </a:rPr>
+              <a:t> </a:t>
+            </a:r>
+            <a:r>
+              <a:rPr lang="es-MX" sz="4000" b="1" dirty="0" err="1">
+                <a:latin typeface="Times New Roman" panose="02020603050405020304" pitchFamily="18" charset="0"/>
+                <a:cs typeface="Times New Roman" panose="02020603050405020304" pitchFamily="18" charset="0"/>
+              </a:rPr>
+              <a:t>or</a:t>
+            </a:r>
+            <a:r>
+              <a:rPr lang="es-MX" sz="4000" b="1" dirty="0">
+                <a:latin typeface="Times New Roman" panose="02020603050405020304" pitchFamily="18" charset="0"/>
+                <a:cs typeface="Times New Roman" panose="02020603050405020304" pitchFamily="18" charset="0"/>
+              </a:rPr>
+              <a:t> </a:t>
+            </a:r>
+            <a:r>
+              <a:rPr lang="es-MX" sz="4000" b="1" dirty="0" err="1">
+                <a:latin typeface="Times New Roman" panose="02020603050405020304" pitchFamily="18" charset="0"/>
+                <a:cs typeface="Times New Roman" panose="02020603050405020304" pitchFamily="18" charset="0"/>
+              </a:rPr>
+              <a:t>Interaction</a:t>
+            </a:r>
+            <a:endParaRPr lang="es-MX" sz="4000" b="1" dirty="0">
+              <a:latin typeface="Times New Roman" panose="02020603050405020304" pitchFamily="18" charset="0"/>
+              <a:cs typeface="Times New Roman" panose="02020603050405020304" pitchFamily="18" charset="0"/>
+            </a:endParaRPr>
+          </a:p>
+        </p:txBody>
+      </p:sp>
+      <p:sp>
+        <p:nvSpPr>
+          <p:cNvPr id="2" name="Oval 1">
+            <a:extLst>
+              <a:ext uri="{FF2B5EF4-FFF2-40B4-BE49-F238E27FC236}">
+                <a16:creationId xmlns:a16="http://schemas.microsoft.com/office/drawing/2014/main" id="{1A5AB14D-3FCD-2A2E-685E-86ABB586D1B3}"/>
+              </a:ext>
+            </a:extLst>
+          </p:cNvPr>
+          <p:cNvSpPr/>
+          <p:nvPr/>
+        </p:nvSpPr>
+        <p:spPr>
+          <a:xfrm>
+            <a:off x="3444080" y="3310792"/>
+            <a:ext cx="1383825" cy="1330036"/>
+          </a:xfrm>
+          <a:prstGeom prst="ellipse">
+            <a:avLst/>
+          </a:prstGeom>
+          <a:solidFill>
+            <a:schemeClr val="bg1"/>
+          </a:solidFill>
+          <a:ln>
+            <a:solidFill>
+              <a:schemeClr val="tx1"/>
+            </a:solidFill>
+          </a:ln>
+        </p:spPr>
+        <p:style>
+          <a:lnRef idx="2">
+            <a:schemeClr val="accent1">
+              <a:shade val="15000"/>
+            </a:schemeClr>
+          </a:lnRef>
+          <a:fillRef idx="1">
+            <a:schemeClr val="accent1"/>
+          </a:fillRef>
+          <a:effectRef idx="0">
+            <a:schemeClr val="accent1"/>
+          </a:effectRef>
+          <a:fontRef idx="minor">
+            <a:schemeClr val="lt1"/>
+          </a:fontRef>
+        </p:style>
+        <p:txBody>
+          <a:bodyPr rtlCol="0" anchor="ctr"/>
+          <a:lstStyle/>
+          <a:p>
+            <a:pPr algn="ctr"/>
+            <a:r>
+              <a:rPr lang="en-GB" dirty="0">
+                <a:solidFill>
+                  <a:schemeClr val="tx1"/>
+                </a:solidFill>
+              </a:rPr>
+              <a:t>Tiempo</a:t>
+            </a:r>
+          </a:p>
+        </p:txBody>
+      </p:sp>
+      <p:sp>
+        <p:nvSpPr>
+          <p:cNvPr id="4" name="Oval 3">
+            <a:extLst>
+              <a:ext uri="{FF2B5EF4-FFF2-40B4-BE49-F238E27FC236}">
+                <a16:creationId xmlns:a16="http://schemas.microsoft.com/office/drawing/2014/main" id="{9FB73538-A8FB-E5B6-5089-8ADDACB3657F}"/>
+              </a:ext>
+            </a:extLst>
+          </p:cNvPr>
+          <p:cNvSpPr/>
+          <p:nvPr/>
+        </p:nvSpPr>
+        <p:spPr>
+          <a:xfrm>
+            <a:off x="7048704" y="3310792"/>
+            <a:ext cx="1383825" cy="1330036"/>
+          </a:xfrm>
+          <a:prstGeom prst="ellipse">
+            <a:avLst/>
+          </a:prstGeom>
+          <a:solidFill>
+            <a:schemeClr val="bg1"/>
+          </a:solidFill>
+          <a:ln>
+            <a:solidFill>
+              <a:schemeClr val="tx1"/>
+            </a:solidFill>
+          </a:ln>
+        </p:spPr>
+        <p:style>
+          <a:lnRef idx="2">
+            <a:schemeClr val="accent1">
+              <a:shade val="15000"/>
+            </a:schemeClr>
+          </a:lnRef>
+          <a:fillRef idx="1">
+            <a:schemeClr val="accent1"/>
+          </a:fillRef>
+          <a:effectRef idx="0">
+            <a:schemeClr val="accent1"/>
+          </a:effectRef>
+          <a:fontRef idx="minor">
+            <a:schemeClr val="lt1"/>
+          </a:fontRef>
+        </p:style>
+        <p:txBody>
+          <a:bodyPr rtlCol="0" anchor="ctr"/>
+          <a:lstStyle/>
+          <a:p>
+            <a:pPr algn="ctr"/>
+            <a:r>
+              <a:rPr lang="en-GB" sz="2000" dirty="0">
+                <a:solidFill>
+                  <a:schemeClr val="tx1"/>
+                </a:solidFill>
+              </a:rPr>
+              <a:t>Des-enlace</a:t>
+            </a:r>
+          </a:p>
+        </p:txBody>
+      </p:sp>
+      <p:cxnSp>
+        <p:nvCxnSpPr>
+          <p:cNvPr id="7" name="Straight Arrow Connector 6">
+            <a:extLst>
+              <a:ext uri="{FF2B5EF4-FFF2-40B4-BE49-F238E27FC236}">
+                <a16:creationId xmlns:a16="http://schemas.microsoft.com/office/drawing/2014/main" id="{5E89C0FA-0D0C-5644-2DCA-4BDE6661D761}"/>
+              </a:ext>
+            </a:extLst>
+          </p:cNvPr>
+          <p:cNvCxnSpPr>
+            <a:cxnSpLocks/>
+            <a:stCxn id="2" idx="6"/>
+            <a:endCxn id="4" idx="2"/>
+          </p:cNvCxnSpPr>
+          <p:nvPr/>
+        </p:nvCxnSpPr>
+        <p:spPr>
+          <a:xfrm>
+            <a:off x="4827905" y="3975810"/>
+            <a:ext cx="2220799" cy="0"/>
+          </a:xfrm>
+          <a:prstGeom prst="straightConnector1">
+            <a:avLst/>
+          </a:prstGeom>
+          <a:ln w="38100">
+            <a:solidFill>
+              <a:schemeClr val="tx1"/>
+            </a:solidFill>
+            <a:tailEnd type="triangle" w="lg" len="lg"/>
+          </a:ln>
+        </p:spPr>
+        <p:style>
+          <a:lnRef idx="2">
+            <a:schemeClr val="accent1"/>
+          </a:lnRef>
+          <a:fillRef idx="0">
+            <a:schemeClr val="accent1"/>
+          </a:fillRef>
+          <a:effectRef idx="1">
+            <a:schemeClr val="accent1"/>
+          </a:effectRef>
+          <a:fontRef idx="minor">
+            <a:schemeClr val="tx1"/>
+          </a:fontRef>
+        </p:style>
+      </p:cxnSp>
+      <p:sp>
+        <p:nvSpPr>
+          <p:cNvPr id="8" name="Oval 7">
+            <a:extLst>
+              <a:ext uri="{FF2B5EF4-FFF2-40B4-BE49-F238E27FC236}">
+                <a16:creationId xmlns:a16="http://schemas.microsoft.com/office/drawing/2014/main" id="{1EE0BF6A-1FB2-82AB-E67D-F2EF1411DAAF}"/>
+              </a:ext>
+            </a:extLst>
+          </p:cNvPr>
+          <p:cNvSpPr/>
+          <p:nvPr/>
+        </p:nvSpPr>
+        <p:spPr>
+          <a:xfrm>
+            <a:off x="5246392" y="1523114"/>
+            <a:ext cx="1383825" cy="1330036"/>
+          </a:xfrm>
+          <a:prstGeom prst="ellipse">
+            <a:avLst/>
+          </a:prstGeom>
+          <a:solidFill>
+            <a:schemeClr val="bg1"/>
+          </a:solidFill>
+          <a:ln>
+            <a:solidFill>
+              <a:schemeClr val="tx1"/>
+            </a:solidFill>
+          </a:ln>
+        </p:spPr>
+        <p:style>
+          <a:lnRef idx="2">
+            <a:schemeClr val="accent1">
+              <a:shade val="15000"/>
+            </a:schemeClr>
+          </a:lnRef>
+          <a:fillRef idx="1">
+            <a:schemeClr val="accent1"/>
+          </a:fillRef>
+          <a:effectRef idx="0">
+            <a:schemeClr val="accent1"/>
+          </a:effectRef>
+          <a:fontRef idx="minor">
+            <a:schemeClr val="lt1"/>
+          </a:fontRef>
+        </p:style>
+        <p:txBody>
+          <a:bodyPr rtlCol="0" anchor="ctr"/>
+          <a:lstStyle/>
+          <a:p>
+            <a:pPr algn="ctr"/>
+            <a:r>
+              <a:rPr lang="en-GB" dirty="0">
+                <a:solidFill>
+                  <a:schemeClr val="tx1"/>
+                </a:solidFill>
+              </a:rPr>
+              <a:t>Inter-</a:t>
+            </a:r>
+            <a:r>
+              <a:rPr lang="en-GB" dirty="0" err="1">
+                <a:solidFill>
+                  <a:schemeClr val="tx1"/>
+                </a:solidFill>
+              </a:rPr>
+              <a:t>vención</a:t>
+            </a:r>
+            <a:endParaRPr lang="en-GB" dirty="0">
+              <a:solidFill>
+                <a:schemeClr val="tx1"/>
+              </a:solidFill>
+            </a:endParaRPr>
+          </a:p>
+        </p:txBody>
+      </p:sp>
+      <p:cxnSp>
+        <p:nvCxnSpPr>
+          <p:cNvPr id="9" name="Straight Arrow Connector 8">
+            <a:extLst>
+              <a:ext uri="{FF2B5EF4-FFF2-40B4-BE49-F238E27FC236}">
+                <a16:creationId xmlns:a16="http://schemas.microsoft.com/office/drawing/2014/main" id="{BCCA547F-99AB-0510-2CB2-21D1135F491D}"/>
+              </a:ext>
+            </a:extLst>
+          </p:cNvPr>
+          <p:cNvCxnSpPr>
+            <a:cxnSpLocks/>
+            <a:stCxn id="8" idx="4"/>
+          </p:cNvCxnSpPr>
+          <p:nvPr/>
+        </p:nvCxnSpPr>
+        <p:spPr>
+          <a:xfrm>
+            <a:off x="5938305" y="2853150"/>
+            <a:ext cx="0" cy="1063611"/>
+          </a:xfrm>
+          <a:prstGeom prst="straightConnector1">
+            <a:avLst/>
+          </a:prstGeom>
+          <a:ln w="38100">
+            <a:solidFill>
+              <a:schemeClr val="tx1"/>
+            </a:solidFill>
+            <a:tailEnd type="triangle" w="lg" len="lg"/>
+          </a:ln>
+        </p:spPr>
+        <p:style>
+          <a:lnRef idx="2">
+            <a:schemeClr val="accent1"/>
+          </a:lnRef>
+          <a:fillRef idx="0">
+            <a:schemeClr val="accent1"/>
+          </a:fillRef>
+          <a:effectRef idx="1">
+            <a:schemeClr val="accent1"/>
+          </a:effectRef>
+          <a:fontRef idx="minor">
+            <a:schemeClr val="tx1"/>
+          </a:fontRef>
+        </p:style>
+      </p:cxnSp>
+      <mc:AlternateContent xmlns:mc="http://schemas.openxmlformats.org/markup-compatibility/2006">
+        <mc:Choice xmlns:a14="http://schemas.microsoft.com/office/drawing/2010/main" Requires="a14">
+          <p:sp>
+            <p:nvSpPr>
+              <p:cNvPr id="3" name="TextBox 2">
+                <a:extLst>
+                  <a:ext uri="{FF2B5EF4-FFF2-40B4-BE49-F238E27FC236}">
+                    <a16:creationId xmlns:a16="http://schemas.microsoft.com/office/drawing/2014/main" id="{9ADF8804-F9BE-1EA6-99DE-B9CA5911E087}"/>
+                  </a:ext>
+                </a:extLst>
+              </p:cNvPr>
+              <p:cNvSpPr txBox="1"/>
+              <p:nvPr/>
+            </p:nvSpPr>
+            <p:spPr>
+              <a:xfrm>
+                <a:off x="80920" y="5386972"/>
+                <a:ext cx="12028811" cy="646331"/>
+              </a:xfrm>
+              <a:prstGeom prst="rect">
+                <a:avLst/>
+              </a:prstGeom>
+              <a:noFill/>
+            </p:spPr>
+            <p:txBody>
+              <a:bodyPr wrap="square">
+                <a:spAutoFit/>
+              </a:bodyPr>
+              <a:lstStyle/>
+              <a:p>
+                <a:pPr/>
+                <a14:m>
+                  <m:oMathPara xmlns:m="http://schemas.openxmlformats.org/officeDocument/2006/math">
+                    <m:oMathParaPr>
+                      <m:jc m:val="centerGroup"/>
+                    </m:oMathParaPr>
+                    <m:oMath xmlns:m="http://schemas.openxmlformats.org/officeDocument/2006/math">
+                      <m:r>
+                        <a:rPr lang="en-GB" sz="3600" b="0" i="1" smtClean="0">
+                          <a:latin typeface="Cambria Math" panose="02040503050406030204" pitchFamily="18" charset="0"/>
+                        </a:rPr>
+                        <m:t>𝑦</m:t>
+                      </m:r>
+                      <m:r>
+                        <a:rPr lang="en-GB" sz="3600" b="0" i="1" smtClean="0">
+                          <a:latin typeface="Cambria Math" panose="02040503050406030204" pitchFamily="18" charset="0"/>
+                        </a:rPr>
+                        <m:t>~</m:t>
+                      </m:r>
+                      <m:sSub>
+                        <m:sSubPr>
+                          <m:ctrlPr>
+                            <a:rPr lang="en-GB" sz="3600" i="1">
+                              <a:latin typeface="Cambria Math" panose="02040503050406030204" pitchFamily="18" charset="0"/>
+                            </a:rPr>
+                          </m:ctrlPr>
+                        </m:sSubPr>
+                        <m:e>
+                          <m:r>
+                            <a:rPr lang="en-GB" sz="3600" i="1">
+                              <a:latin typeface="Cambria Math" panose="02040503050406030204" pitchFamily="18" charset="0"/>
+                              <a:ea typeface="Cambria Math" panose="02040503050406030204" pitchFamily="18" charset="0"/>
+                            </a:rPr>
+                            <m:t>𝛽</m:t>
+                          </m:r>
+                        </m:e>
+                        <m:sub>
+                          <m:r>
+                            <a:rPr lang="en-GB" sz="3600" i="1">
+                              <a:latin typeface="Cambria Math" panose="02040503050406030204" pitchFamily="18" charset="0"/>
+                              <a:ea typeface="Cambria Math" panose="02040503050406030204" pitchFamily="18" charset="0"/>
+                            </a:rPr>
+                            <m:t>0</m:t>
+                          </m:r>
+                        </m:sub>
+                      </m:sSub>
+                      <m:r>
+                        <a:rPr lang="en-GB" sz="3600" b="0" i="1" smtClean="0">
+                          <a:latin typeface="Cambria Math" panose="02040503050406030204" pitchFamily="18" charset="0"/>
+                          <a:ea typeface="Cambria Math" panose="02040503050406030204" pitchFamily="18" charset="0"/>
+                        </a:rPr>
+                        <m:t>+</m:t>
+                      </m:r>
+                      <m:sSub>
+                        <m:sSubPr>
+                          <m:ctrlPr>
+                            <a:rPr lang="en-GB" sz="3600" i="1">
+                              <a:latin typeface="Cambria Math" panose="02040503050406030204" pitchFamily="18" charset="0"/>
+                            </a:rPr>
+                          </m:ctrlPr>
+                        </m:sSubPr>
+                        <m:e>
+                          <m:r>
+                            <a:rPr lang="en-GB" sz="3600" i="1">
+                              <a:latin typeface="Cambria Math" panose="02040503050406030204" pitchFamily="18" charset="0"/>
+                              <a:ea typeface="Cambria Math" panose="02040503050406030204" pitchFamily="18" charset="0"/>
+                            </a:rPr>
+                            <m:t>𝛽</m:t>
+                          </m:r>
+                        </m:e>
+                        <m:sub>
+                          <m:r>
+                            <a:rPr lang="en-GB" sz="3600" b="0" i="1" smtClean="0">
+                              <a:latin typeface="Cambria Math" panose="02040503050406030204" pitchFamily="18" charset="0"/>
+                              <a:ea typeface="Cambria Math" panose="02040503050406030204" pitchFamily="18" charset="0"/>
+                            </a:rPr>
+                            <m:t>1</m:t>
+                          </m:r>
+                        </m:sub>
+                      </m:sSub>
+                      <m:r>
+                        <a:rPr lang="es-MX" sz="3600" b="0" i="1" smtClean="0">
+                          <a:latin typeface="Cambria Math" panose="02040503050406030204" pitchFamily="18" charset="0"/>
+                          <a:ea typeface="Cambria Math" panose="02040503050406030204" pitchFamily="18" charset="0"/>
+                        </a:rPr>
+                        <m:t>𝑡𝑖</m:t>
+                      </m:r>
+                      <m:r>
+                        <a:rPr lang="es-MX" sz="3600" b="0" i="1" smtClean="0">
+                          <a:latin typeface="Cambria Math" panose="02040503050406030204" pitchFamily="18" charset="0"/>
+                          <a:ea typeface="Cambria Math" panose="02040503050406030204" pitchFamily="18" charset="0"/>
+                        </a:rPr>
+                        <m:t>.+</m:t>
+                      </m:r>
+                      <m:sSub>
+                        <m:sSubPr>
+                          <m:ctrlPr>
+                            <a:rPr lang="en-GB" sz="3600" i="1">
+                              <a:latin typeface="Cambria Math" panose="02040503050406030204" pitchFamily="18" charset="0"/>
+                            </a:rPr>
+                          </m:ctrlPr>
+                        </m:sSubPr>
+                        <m:e>
+                          <m:r>
+                            <a:rPr lang="en-GB" sz="3600" i="1">
+                              <a:latin typeface="Cambria Math" panose="02040503050406030204" pitchFamily="18" charset="0"/>
+                              <a:ea typeface="Cambria Math" panose="02040503050406030204" pitchFamily="18" charset="0"/>
+                            </a:rPr>
+                            <m:t>𝛽</m:t>
+                          </m:r>
+                        </m:e>
+                        <m:sub>
+                          <m:r>
+                            <a:rPr lang="en-GB" sz="3600" b="0" i="1" smtClean="0">
+                              <a:latin typeface="Cambria Math" panose="02040503050406030204" pitchFamily="18" charset="0"/>
+                              <a:ea typeface="Cambria Math" panose="02040503050406030204" pitchFamily="18" charset="0"/>
+                            </a:rPr>
+                            <m:t>2</m:t>
+                          </m:r>
+                        </m:sub>
+                      </m:sSub>
+                      <m:r>
+                        <a:rPr lang="es-MX" sz="3600" b="0" i="1" smtClean="0">
+                          <a:latin typeface="Cambria Math" panose="02040503050406030204" pitchFamily="18" charset="0"/>
+                          <a:ea typeface="Cambria Math" panose="02040503050406030204" pitchFamily="18" charset="0"/>
+                        </a:rPr>
+                        <m:t>𝑖𝑛𝑡</m:t>
+                      </m:r>
+                      <m:r>
+                        <a:rPr lang="es-MX" sz="3600" b="0" i="1" smtClean="0">
+                          <a:latin typeface="Cambria Math" panose="02040503050406030204" pitchFamily="18" charset="0"/>
+                          <a:ea typeface="Cambria Math" panose="02040503050406030204" pitchFamily="18" charset="0"/>
+                        </a:rPr>
+                        <m:t>. +</m:t>
+                      </m:r>
+                      <m:sSub>
+                        <m:sSubPr>
+                          <m:ctrlPr>
+                            <a:rPr lang="en-GB" sz="3600" i="1" smtClean="0">
+                              <a:solidFill>
+                                <a:srgbClr val="FF0000"/>
+                              </a:solidFill>
+                              <a:latin typeface="Cambria Math" panose="02040503050406030204" pitchFamily="18" charset="0"/>
+                            </a:rPr>
+                          </m:ctrlPr>
+                        </m:sSubPr>
+                        <m:e>
+                          <m:r>
+                            <a:rPr lang="en-GB" sz="3600" i="1">
+                              <a:solidFill>
+                                <a:srgbClr val="FF0000"/>
+                              </a:solidFill>
+                              <a:latin typeface="Cambria Math" panose="02040503050406030204" pitchFamily="18" charset="0"/>
+                              <a:ea typeface="Cambria Math" panose="02040503050406030204" pitchFamily="18" charset="0"/>
+                            </a:rPr>
+                            <m:t>𝛽</m:t>
+                          </m:r>
+                        </m:e>
+                        <m:sub>
+                          <m:r>
+                            <a:rPr lang="en-GB" sz="3600" b="0" i="1" smtClean="0">
+                              <a:solidFill>
+                                <a:srgbClr val="FF0000"/>
+                              </a:solidFill>
+                              <a:latin typeface="Cambria Math" panose="02040503050406030204" pitchFamily="18" charset="0"/>
+                              <a:ea typeface="Cambria Math" panose="02040503050406030204" pitchFamily="18" charset="0"/>
+                            </a:rPr>
+                            <m:t>3</m:t>
+                          </m:r>
+                        </m:sub>
+                      </m:sSub>
+                      <m:r>
+                        <a:rPr lang="es-MX" sz="3600" b="0" i="1" smtClean="0">
+                          <a:latin typeface="Cambria Math" panose="02040503050406030204" pitchFamily="18" charset="0"/>
+                        </a:rPr>
+                        <m:t>𝑡</m:t>
+                      </m:r>
+                      <m:r>
+                        <a:rPr lang="en-GB" sz="3600" b="0" i="1" smtClean="0">
+                          <a:latin typeface="Cambria Math" panose="02040503050406030204" pitchFamily="18" charset="0"/>
+                        </a:rPr>
+                        <m:t>𝑖</m:t>
+                      </m:r>
+                      <m:r>
+                        <a:rPr lang="es-MX" sz="3600" b="0" i="1" smtClean="0">
+                          <a:latin typeface="Cambria Math" panose="02040503050406030204" pitchFamily="18" charset="0"/>
+                        </a:rPr>
+                        <m:t>.</m:t>
+                      </m:r>
+                      <m:r>
+                        <a:rPr lang="en-GB" sz="3600" b="0" i="1" smtClean="0">
+                          <a:latin typeface="Cambria Math" panose="02040503050406030204" pitchFamily="18" charset="0"/>
+                        </a:rPr>
+                        <m:t>∗</m:t>
+                      </m:r>
+                      <m:r>
+                        <a:rPr lang="en-GB" sz="3600" b="0" i="1" smtClean="0">
+                          <a:latin typeface="Cambria Math" panose="02040503050406030204" pitchFamily="18" charset="0"/>
+                        </a:rPr>
+                        <m:t>𝑖𝑛𝑡</m:t>
+                      </m:r>
+                      <m:r>
+                        <a:rPr lang="en-GB" sz="3600" b="0" i="1" smtClean="0">
+                          <a:latin typeface="Cambria Math" panose="02040503050406030204" pitchFamily="18" charset="0"/>
+                        </a:rPr>
+                        <m:t>.</m:t>
+                      </m:r>
+                    </m:oMath>
+                  </m:oMathPara>
+                </a14:m>
+                <a:endParaRPr lang="en-GB" sz="3600" b="0" i="1" dirty="0">
+                  <a:latin typeface="Cambria Math" panose="02040503050406030204" pitchFamily="18" charset="0"/>
+                  <a:ea typeface="Cambria Math" panose="02040503050406030204" pitchFamily="18" charset="0"/>
+                </a:endParaRPr>
+              </a:p>
+            </p:txBody>
+          </p:sp>
+        </mc:Choice>
+        <mc:Fallback>
+          <p:sp>
+            <p:nvSpPr>
+              <p:cNvPr id="3" name="TextBox 2">
+                <a:extLst>
+                  <a:ext uri="{FF2B5EF4-FFF2-40B4-BE49-F238E27FC236}">
+                    <a16:creationId xmlns:a16="http://schemas.microsoft.com/office/drawing/2014/main" id="{9ADF8804-F9BE-1EA6-99DE-B9CA5911E087}"/>
+                  </a:ext>
+                </a:extLst>
+              </p:cNvPr>
+              <p:cNvSpPr txBox="1">
+                <a:spLocks noRot="1" noChangeAspect="1" noMove="1" noResize="1" noEditPoints="1" noAdjustHandles="1" noChangeArrowheads="1" noChangeShapeType="1" noTextEdit="1"/>
+              </p:cNvSpPr>
+              <p:nvPr/>
+            </p:nvSpPr>
+            <p:spPr>
+              <a:xfrm>
+                <a:off x="80920" y="5386972"/>
+                <a:ext cx="12028811" cy="646331"/>
+              </a:xfrm>
+              <a:prstGeom prst="rect">
+                <a:avLst/>
+              </a:prstGeom>
+              <a:blipFill>
+                <a:blip r:embed="rId2"/>
+                <a:stretch>
+                  <a:fillRect/>
+                </a:stretch>
+              </a:blipFill>
+            </p:spPr>
+            <p:txBody>
+              <a:bodyPr/>
+              <a:lstStyle/>
+              <a:p>
+                <a:r>
+                  <a:rPr lang="en-GB">
+                    <a:noFill/>
+                  </a:rPr>
+                  <a:t> </a:t>
+                </a:r>
+              </a:p>
+            </p:txBody>
+          </p:sp>
+        </mc:Fallback>
+      </mc:AlternateContent>
+    </p:spTree>
+    <p:extLst>
+      <p:ext uri="{BB962C8B-B14F-4D97-AF65-F5344CB8AC3E}">
+        <p14:creationId xmlns:p14="http://schemas.microsoft.com/office/powerpoint/2010/main" val="1913368588"/>
+      </p:ext>
+    </p:extLst>
+  </p:cSld>
+  <p:clrMapOvr>
+    <a:masterClrMapping/>
+  </p:clrMapOvr>
+</p:sld>
+</file>
+
+<file path=ppt/slides/slide22.xml><?xml version="1.0" encoding="utf-8"?>
+<p:sld xmlns:a="http://schemas.openxmlformats.org/drawingml/2006/main" xmlns:r="http://schemas.openxmlformats.org/officeDocument/2006/relationships" xmlns:p="http://schemas.openxmlformats.org/presentationml/2006/main">
+  <p:cSld>
+    <p:spTree>
+      <p:nvGrpSpPr>
+        <p:cNvPr id="1" name="">
+          <a:extLst>
+            <a:ext uri="{FF2B5EF4-FFF2-40B4-BE49-F238E27FC236}">
               <a16:creationId xmlns:a16="http://schemas.microsoft.com/office/drawing/2014/main" id="{F04E1BF7-C7D7-67C4-3BD8-460291A01F28}"/>
             </a:ext>
           </a:extLst>
@@ -11032,7 +12057,676 @@
 </p:sld>
 </file>
 
-<file path=ppt/slides/slide21.xml><?xml version="1.0" encoding="utf-8"?>
+<file path=ppt/slides/slide23.xml><?xml version="1.0" encoding="utf-8"?>
+<p:sld xmlns:a="http://schemas.openxmlformats.org/drawingml/2006/main" xmlns:r="http://schemas.openxmlformats.org/officeDocument/2006/relationships" xmlns:p="http://schemas.openxmlformats.org/presentationml/2006/main">
+  <p:cSld>
+    <p:spTree>
+      <p:nvGrpSpPr>
+        <p:cNvPr id="1" name="">
+          <a:extLst>
+            <a:ext uri="{FF2B5EF4-FFF2-40B4-BE49-F238E27FC236}">
+              <a16:creationId xmlns:a16="http://schemas.microsoft.com/office/drawing/2014/main" id="{C2FF94E6-A9D8-4CEA-BD88-F19919FB17AB}"/>
+            </a:ext>
+          </a:extLst>
+        </p:cNvPr>
+        <p:cNvGrpSpPr/>
+        <p:nvPr/>
+      </p:nvGrpSpPr>
+      <p:grpSpPr>
+        <a:xfrm>
+          <a:off x="0" y="0"/>
+          <a:ext cx="0" cy="0"/>
+          <a:chOff x="0" y="0"/>
+          <a:chExt cx="0" cy="0"/>
+        </a:xfrm>
+      </p:grpSpPr>
+      <p:sp>
+        <p:nvSpPr>
+          <p:cNvPr id="11" name="Título 1">
+            <a:extLst>
+              <a:ext uri="{FF2B5EF4-FFF2-40B4-BE49-F238E27FC236}">
+                <a16:creationId xmlns:a16="http://schemas.microsoft.com/office/drawing/2014/main" id="{48E93248-05EA-EC7F-86D3-26998ABCBDDA}"/>
+              </a:ext>
+            </a:extLst>
+          </p:cNvPr>
+          <p:cNvSpPr txBox="1">
+            <a:spLocks/>
+          </p:cNvSpPr>
+          <p:nvPr/>
+        </p:nvSpPr>
+        <p:spPr>
+          <a:xfrm>
+            <a:off x="0" y="0"/>
+            <a:ext cx="12192000" cy="612895"/>
+          </a:xfrm>
+          <a:prstGeom prst="rect">
+            <a:avLst/>
+          </a:prstGeom>
+        </p:spPr>
+        <p:txBody>
+          <a:bodyPr vert="horz" lIns="91440" tIns="45720" rIns="91440" bIns="45720" rtlCol="0" anchor="b">
+            <a:normAutofit lnSpcReduction="10000"/>
+          </a:bodyPr>
+          <a:lstStyle>
+            <a:lvl1pPr algn="ctr" defTabSz="914400" rtl="0" eaLnBrk="1" latinLnBrk="0" hangingPunct="1">
+              <a:lnSpc>
+                <a:spcPct val="90000"/>
+              </a:lnSpc>
+              <a:spcBef>
+                <a:spcPct val="0"/>
+              </a:spcBef>
+              <a:buNone/>
+              <a:defRPr sz="6000" kern="1200">
+                <a:solidFill>
+                  <a:schemeClr val="tx1"/>
+                </a:solidFill>
+                <a:latin typeface="+mj-lt"/>
+                <a:ea typeface="+mj-ea"/>
+                <a:cs typeface="+mj-cs"/>
+              </a:defRPr>
+            </a:lvl1pPr>
+          </a:lstStyle>
+          <a:p>
+            <a:r>
+              <a:rPr lang="es-MX" sz="4000" b="1" dirty="0" err="1">
+                <a:latin typeface="Times New Roman" panose="02020603050405020304" pitchFamily="18" charset="0"/>
+                <a:cs typeface="Times New Roman" panose="02020603050405020304" pitchFamily="18" charset="0"/>
+              </a:rPr>
+              <a:t>Moderation</a:t>
+            </a:r>
+            <a:r>
+              <a:rPr lang="es-MX" sz="4000" b="1" dirty="0">
+                <a:latin typeface="Times New Roman" panose="02020603050405020304" pitchFamily="18" charset="0"/>
+                <a:cs typeface="Times New Roman" panose="02020603050405020304" pitchFamily="18" charset="0"/>
+              </a:rPr>
+              <a:t> </a:t>
+            </a:r>
+            <a:r>
+              <a:rPr lang="es-MX" sz="4000" b="1" dirty="0" err="1">
+                <a:latin typeface="Times New Roman" panose="02020603050405020304" pitchFamily="18" charset="0"/>
+                <a:cs typeface="Times New Roman" panose="02020603050405020304" pitchFamily="18" charset="0"/>
+              </a:rPr>
+              <a:t>or</a:t>
+            </a:r>
+            <a:r>
+              <a:rPr lang="es-MX" sz="4000" b="1" dirty="0">
+                <a:latin typeface="Times New Roman" panose="02020603050405020304" pitchFamily="18" charset="0"/>
+                <a:cs typeface="Times New Roman" panose="02020603050405020304" pitchFamily="18" charset="0"/>
+              </a:rPr>
+              <a:t> </a:t>
+            </a:r>
+            <a:r>
+              <a:rPr lang="es-MX" sz="4000" b="1" dirty="0" err="1">
+                <a:latin typeface="Times New Roman" panose="02020603050405020304" pitchFamily="18" charset="0"/>
+                <a:cs typeface="Times New Roman" panose="02020603050405020304" pitchFamily="18" charset="0"/>
+              </a:rPr>
+              <a:t>Interaction</a:t>
+            </a:r>
+            <a:endParaRPr lang="es-MX" sz="4000" b="1" dirty="0">
+              <a:latin typeface="Times New Roman" panose="02020603050405020304" pitchFamily="18" charset="0"/>
+              <a:cs typeface="Times New Roman" panose="02020603050405020304" pitchFamily="18" charset="0"/>
+            </a:endParaRPr>
+          </a:p>
+        </p:txBody>
+      </p:sp>
+      <p:sp>
+        <p:nvSpPr>
+          <p:cNvPr id="2" name="Oval 1">
+            <a:extLst>
+              <a:ext uri="{FF2B5EF4-FFF2-40B4-BE49-F238E27FC236}">
+                <a16:creationId xmlns:a16="http://schemas.microsoft.com/office/drawing/2014/main" id="{D0A990A2-6BCB-F8B3-6E56-110258C9A00E}"/>
+              </a:ext>
+            </a:extLst>
+          </p:cNvPr>
+          <p:cNvSpPr/>
+          <p:nvPr/>
+        </p:nvSpPr>
+        <p:spPr>
+          <a:xfrm>
+            <a:off x="3444080" y="3310792"/>
+            <a:ext cx="1383825" cy="1330036"/>
+          </a:xfrm>
+          <a:prstGeom prst="ellipse">
+            <a:avLst/>
+          </a:prstGeom>
+          <a:solidFill>
+            <a:schemeClr val="bg1"/>
+          </a:solidFill>
+          <a:ln>
+            <a:solidFill>
+              <a:schemeClr val="tx1"/>
+            </a:solidFill>
+          </a:ln>
+        </p:spPr>
+        <p:style>
+          <a:lnRef idx="2">
+            <a:schemeClr val="accent1">
+              <a:shade val="15000"/>
+            </a:schemeClr>
+          </a:lnRef>
+          <a:fillRef idx="1">
+            <a:schemeClr val="accent1"/>
+          </a:fillRef>
+          <a:effectRef idx="0">
+            <a:schemeClr val="accent1"/>
+          </a:effectRef>
+          <a:fontRef idx="minor">
+            <a:schemeClr val="lt1"/>
+          </a:fontRef>
+        </p:style>
+        <p:txBody>
+          <a:bodyPr rtlCol="0" anchor="ctr"/>
+          <a:lstStyle/>
+          <a:p>
+            <a:pPr algn="ctr"/>
+            <a:r>
+              <a:rPr lang="en-GB" dirty="0">
+                <a:solidFill>
+                  <a:schemeClr val="tx1"/>
+                </a:solidFill>
+              </a:rPr>
+              <a:t>chat</a:t>
+            </a:r>
+          </a:p>
+        </p:txBody>
+      </p:sp>
+      <p:sp>
+        <p:nvSpPr>
+          <p:cNvPr id="4" name="Oval 3">
+            <a:extLst>
+              <a:ext uri="{FF2B5EF4-FFF2-40B4-BE49-F238E27FC236}">
+                <a16:creationId xmlns:a16="http://schemas.microsoft.com/office/drawing/2014/main" id="{BBEB9BAD-D87D-2B67-B0E1-F8495F762E1E}"/>
+              </a:ext>
+            </a:extLst>
+          </p:cNvPr>
+          <p:cNvSpPr/>
+          <p:nvPr/>
+        </p:nvSpPr>
+        <p:spPr>
+          <a:xfrm>
+            <a:off x="7048704" y="3310792"/>
+            <a:ext cx="1383825" cy="1330036"/>
+          </a:xfrm>
+          <a:prstGeom prst="ellipse">
+            <a:avLst/>
+          </a:prstGeom>
+          <a:solidFill>
+            <a:schemeClr val="bg1"/>
+          </a:solidFill>
+          <a:ln>
+            <a:solidFill>
+              <a:schemeClr val="tx1"/>
+            </a:solidFill>
+          </a:ln>
+        </p:spPr>
+        <p:style>
+          <a:lnRef idx="2">
+            <a:schemeClr val="accent1">
+              <a:shade val="15000"/>
+            </a:schemeClr>
+          </a:lnRef>
+          <a:fillRef idx="1">
+            <a:schemeClr val="accent1"/>
+          </a:fillRef>
+          <a:effectRef idx="0">
+            <a:schemeClr val="accent1"/>
+          </a:effectRef>
+          <a:fontRef idx="minor">
+            <a:schemeClr val="lt1"/>
+          </a:fontRef>
+        </p:style>
+        <p:txBody>
+          <a:bodyPr rtlCol="0" anchor="ctr"/>
+          <a:lstStyle/>
+          <a:p>
+            <a:pPr algn="ctr"/>
+            <a:r>
+              <a:rPr lang="en-GB" sz="1400" dirty="0">
+                <a:solidFill>
+                  <a:schemeClr val="tx1"/>
+                </a:solidFill>
+              </a:rPr>
+              <a:t>affiliation</a:t>
+            </a:r>
+          </a:p>
+        </p:txBody>
+      </p:sp>
+      <p:cxnSp>
+        <p:nvCxnSpPr>
+          <p:cNvPr id="7" name="Straight Arrow Connector 6">
+            <a:extLst>
+              <a:ext uri="{FF2B5EF4-FFF2-40B4-BE49-F238E27FC236}">
+                <a16:creationId xmlns:a16="http://schemas.microsoft.com/office/drawing/2014/main" id="{B256D3B4-3C63-E350-62EE-B78CF648CB1B}"/>
+              </a:ext>
+            </a:extLst>
+          </p:cNvPr>
+          <p:cNvCxnSpPr>
+            <a:cxnSpLocks/>
+            <a:stCxn id="2" idx="6"/>
+            <a:endCxn id="4" idx="2"/>
+          </p:cNvCxnSpPr>
+          <p:nvPr/>
+        </p:nvCxnSpPr>
+        <p:spPr>
+          <a:xfrm>
+            <a:off x="4827905" y="3975810"/>
+            <a:ext cx="2220799" cy="0"/>
+          </a:xfrm>
+          <a:prstGeom prst="straightConnector1">
+            <a:avLst/>
+          </a:prstGeom>
+          <a:ln w="38100">
+            <a:solidFill>
+              <a:schemeClr val="tx1"/>
+            </a:solidFill>
+            <a:tailEnd type="triangle" w="lg" len="lg"/>
+          </a:ln>
+        </p:spPr>
+        <p:style>
+          <a:lnRef idx="2">
+            <a:schemeClr val="accent1"/>
+          </a:lnRef>
+          <a:fillRef idx="0">
+            <a:schemeClr val="accent1"/>
+          </a:fillRef>
+          <a:effectRef idx="1">
+            <a:schemeClr val="accent1"/>
+          </a:effectRef>
+          <a:fontRef idx="minor">
+            <a:schemeClr val="tx1"/>
+          </a:fontRef>
+        </p:style>
+      </p:cxnSp>
+      <p:sp>
+        <p:nvSpPr>
+          <p:cNvPr id="8" name="Oval 7">
+            <a:extLst>
+              <a:ext uri="{FF2B5EF4-FFF2-40B4-BE49-F238E27FC236}">
+                <a16:creationId xmlns:a16="http://schemas.microsoft.com/office/drawing/2014/main" id="{603B5D2C-266A-9929-300E-983C81F7C307}"/>
+              </a:ext>
+            </a:extLst>
+          </p:cNvPr>
+          <p:cNvSpPr/>
+          <p:nvPr/>
+        </p:nvSpPr>
+        <p:spPr>
+          <a:xfrm>
+            <a:off x="5246392" y="1523114"/>
+            <a:ext cx="1383825" cy="1330036"/>
+          </a:xfrm>
+          <a:prstGeom prst="ellipse">
+            <a:avLst/>
+          </a:prstGeom>
+          <a:solidFill>
+            <a:schemeClr val="bg1"/>
+          </a:solidFill>
+          <a:ln>
+            <a:solidFill>
+              <a:schemeClr val="tx1"/>
+            </a:solidFill>
+          </a:ln>
+        </p:spPr>
+        <p:style>
+          <a:lnRef idx="2">
+            <a:schemeClr val="accent1">
+              <a:shade val="15000"/>
+            </a:schemeClr>
+          </a:lnRef>
+          <a:fillRef idx="1">
+            <a:schemeClr val="accent1"/>
+          </a:fillRef>
+          <a:effectRef idx="0">
+            <a:schemeClr val="accent1"/>
+          </a:effectRef>
+          <a:fontRef idx="minor">
+            <a:schemeClr val="lt1"/>
+          </a:fontRef>
+        </p:style>
+        <p:txBody>
+          <a:bodyPr rtlCol="0" anchor="ctr"/>
+          <a:lstStyle/>
+          <a:p>
+            <a:pPr algn="ctr"/>
+            <a:r>
+              <a:rPr lang="en-GB" sz="2000">
+                <a:solidFill>
+                  <a:schemeClr val="tx1"/>
+                </a:solidFill>
+              </a:rPr>
+              <a:t>anxiety</a:t>
+            </a:r>
+            <a:endParaRPr lang="en-GB" sz="2000" dirty="0">
+              <a:solidFill>
+                <a:schemeClr val="tx1"/>
+              </a:solidFill>
+            </a:endParaRPr>
+          </a:p>
+        </p:txBody>
+      </p:sp>
+      <p:cxnSp>
+        <p:nvCxnSpPr>
+          <p:cNvPr id="9" name="Straight Arrow Connector 8">
+            <a:extLst>
+              <a:ext uri="{FF2B5EF4-FFF2-40B4-BE49-F238E27FC236}">
+                <a16:creationId xmlns:a16="http://schemas.microsoft.com/office/drawing/2014/main" id="{C0692488-448B-BE05-0094-4A55862ED99F}"/>
+              </a:ext>
+            </a:extLst>
+          </p:cNvPr>
+          <p:cNvCxnSpPr>
+            <a:cxnSpLocks/>
+            <a:stCxn id="8" idx="4"/>
+          </p:cNvCxnSpPr>
+          <p:nvPr/>
+        </p:nvCxnSpPr>
+        <p:spPr>
+          <a:xfrm>
+            <a:off x="5938305" y="2853150"/>
+            <a:ext cx="0" cy="1063611"/>
+          </a:xfrm>
+          <a:prstGeom prst="straightConnector1">
+            <a:avLst/>
+          </a:prstGeom>
+          <a:ln w="38100">
+            <a:solidFill>
+              <a:schemeClr val="tx1"/>
+            </a:solidFill>
+            <a:tailEnd type="triangle" w="lg" len="lg"/>
+          </a:ln>
+        </p:spPr>
+        <p:style>
+          <a:lnRef idx="2">
+            <a:schemeClr val="accent1"/>
+          </a:lnRef>
+          <a:fillRef idx="0">
+            <a:schemeClr val="accent1"/>
+          </a:fillRef>
+          <a:effectRef idx="1">
+            <a:schemeClr val="accent1"/>
+          </a:effectRef>
+          <a:fontRef idx="minor">
+            <a:schemeClr val="tx1"/>
+          </a:fontRef>
+        </p:style>
+      </p:cxnSp>
+      <mc:AlternateContent xmlns:mc="http://schemas.openxmlformats.org/markup-compatibility/2006" xmlns:a14="http://schemas.microsoft.com/office/drawing/2010/main">
+        <mc:Choice Requires="a14">
+          <p:sp>
+            <p:nvSpPr>
+              <p:cNvPr id="3" name="TextBox 2">
+                <a:extLst>
+                  <a:ext uri="{FF2B5EF4-FFF2-40B4-BE49-F238E27FC236}">
+                    <a16:creationId xmlns:a16="http://schemas.microsoft.com/office/drawing/2014/main" id="{E9876F16-040D-28E6-9868-CEDC4E6BA7B2}"/>
+                  </a:ext>
+                </a:extLst>
+              </p:cNvPr>
+              <p:cNvSpPr txBox="1"/>
+              <p:nvPr/>
+            </p:nvSpPr>
+            <p:spPr>
+              <a:xfrm>
+                <a:off x="1788662" y="5386972"/>
+                <a:ext cx="8614675" cy="646331"/>
+              </a:xfrm>
+              <a:prstGeom prst="rect">
+                <a:avLst/>
+              </a:prstGeom>
+              <a:noFill/>
+            </p:spPr>
+            <p:txBody>
+              <a:bodyPr wrap="square">
+                <a:spAutoFit/>
+              </a:bodyPr>
+              <a:lstStyle/>
+              <a:p>
+                <a:pPr/>
+                <a14:m>
+                  <m:oMathPara xmlns:m="http://schemas.openxmlformats.org/officeDocument/2006/math">
+                    <m:oMathParaPr>
+                      <m:jc m:val="centerGroup"/>
+                    </m:oMathParaPr>
+                    <m:oMath xmlns:m="http://schemas.openxmlformats.org/officeDocument/2006/math">
+                      <m:r>
+                        <a:rPr lang="en-GB" sz="3600" b="0" i="1" smtClean="0">
+                          <a:latin typeface="Cambria Math" panose="02040503050406030204" pitchFamily="18" charset="0"/>
+                        </a:rPr>
+                        <m:t>𝑦</m:t>
+                      </m:r>
+                      <m:r>
+                        <a:rPr lang="en-GB" sz="3600" b="0" i="1" smtClean="0">
+                          <a:latin typeface="Cambria Math" panose="02040503050406030204" pitchFamily="18" charset="0"/>
+                        </a:rPr>
+                        <m:t>~</m:t>
+                      </m:r>
+                      <m:sSub>
+                        <m:sSubPr>
+                          <m:ctrlPr>
+                            <a:rPr lang="en-GB" sz="3600" i="1">
+                              <a:latin typeface="Cambria Math" panose="02040503050406030204" pitchFamily="18" charset="0"/>
+                            </a:rPr>
+                          </m:ctrlPr>
+                        </m:sSubPr>
+                        <m:e>
+                          <m:r>
+                            <a:rPr lang="en-GB" sz="3600" i="1">
+                              <a:latin typeface="Cambria Math" panose="02040503050406030204" pitchFamily="18" charset="0"/>
+                              <a:ea typeface="Cambria Math" panose="02040503050406030204" pitchFamily="18" charset="0"/>
+                            </a:rPr>
+                            <m:t>𝛽</m:t>
+                          </m:r>
+                        </m:e>
+                        <m:sub>
+                          <m:r>
+                            <a:rPr lang="en-GB" sz="3600" i="1">
+                              <a:latin typeface="Cambria Math" panose="02040503050406030204" pitchFamily="18" charset="0"/>
+                              <a:ea typeface="Cambria Math" panose="02040503050406030204" pitchFamily="18" charset="0"/>
+                            </a:rPr>
+                            <m:t>0</m:t>
+                          </m:r>
+                        </m:sub>
+                      </m:sSub>
+                      <m:r>
+                        <a:rPr lang="en-GB" sz="3600" b="0" i="1" smtClean="0">
+                          <a:latin typeface="Cambria Math" panose="02040503050406030204" pitchFamily="18" charset="0"/>
+                          <a:ea typeface="Cambria Math" panose="02040503050406030204" pitchFamily="18" charset="0"/>
+                        </a:rPr>
+                        <m:t>+</m:t>
+                      </m:r>
+                      <m:sSub>
+                        <m:sSubPr>
+                          <m:ctrlPr>
+                            <a:rPr lang="en-GB" sz="3600" i="1">
+                              <a:latin typeface="Cambria Math" panose="02040503050406030204" pitchFamily="18" charset="0"/>
+                            </a:rPr>
+                          </m:ctrlPr>
+                        </m:sSubPr>
+                        <m:e>
+                          <m:r>
+                            <a:rPr lang="en-GB" sz="3600" i="1">
+                              <a:latin typeface="Cambria Math" panose="02040503050406030204" pitchFamily="18" charset="0"/>
+                              <a:ea typeface="Cambria Math" panose="02040503050406030204" pitchFamily="18" charset="0"/>
+                            </a:rPr>
+                            <m:t>𝛽</m:t>
+                          </m:r>
+                        </m:e>
+                        <m:sub>
+                          <m:r>
+                            <a:rPr lang="en-GB" sz="3600" b="0" i="1" smtClean="0">
+                              <a:latin typeface="Cambria Math" panose="02040503050406030204" pitchFamily="18" charset="0"/>
+                              <a:ea typeface="Cambria Math" panose="02040503050406030204" pitchFamily="18" charset="0"/>
+                            </a:rPr>
+                            <m:t>1</m:t>
+                          </m:r>
+                        </m:sub>
+                      </m:sSub>
+                      <m:r>
+                        <a:rPr lang="en-GB" sz="3600" i="1">
+                          <a:latin typeface="Cambria Math" panose="02040503050406030204" pitchFamily="18" charset="0"/>
+                        </a:rPr>
+                        <m:t>𝑥</m:t>
+                      </m:r>
+                      <m:r>
+                        <a:rPr lang="en-GB" sz="3600" b="0" i="1" smtClean="0">
+                          <a:latin typeface="Cambria Math" panose="02040503050406030204" pitchFamily="18" charset="0"/>
+                        </a:rPr>
+                        <m:t>+</m:t>
+                      </m:r>
+                      <m:sSub>
+                        <m:sSubPr>
+                          <m:ctrlPr>
+                            <a:rPr lang="en-GB" sz="3600" i="1">
+                              <a:latin typeface="Cambria Math" panose="02040503050406030204" pitchFamily="18" charset="0"/>
+                            </a:rPr>
+                          </m:ctrlPr>
+                        </m:sSubPr>
+                        <m:e>
+                          <m:r>
+                            <a:rPr lang="en-GB" sz="3600" i="1">
+                              <a:latin typeface="Cambria Math" panose="02040503050406030204" pitchFamily="18" charset="0"/>
+                              <a:ea typeface="Cambria Math" panose="02040503050406030204" pitchFamily="18" charset="0"/>
+                            </a:rPr>
+                            <m:t>𝛽</m:t>
+                          </m:r>
+                        </m:e>
+                        <m:sub>
+                          <m:r>
+                            <a:rPr lang="en-GB" sz="3600" b="0" i="1" smtClean="0">
+                              <a:latin typeface="Cambria Math" panose="02040503050406030204" pitchFamily="18" charset="0"/>
+                              <a:ea typeface="Cambria Math" panose="02040503050406030204" pitchFamily="18" charset="0"/>
+                            </a:rPr>
+                            <m:t>2</m:t>
+                          </m:r>
+                        </m:sub>
+                      </m:sSub>
+                      <m:r>
+                        <a:rPr lang="en-GB" sz="3600" i="1" smtClean="0">
+                          <a:latin typeface="Cambria Math" panose="02040503050406030204" pitchFamily="18" charset="0"/>
+                        </a:rPr>
+                        <m:t>𝑚</m:t>
+                      </m:r>
+                      <m:r>
+                        <a:rPr lang="en-GB" sz="3600" b="0" i="1" smtClean="0">
+                          <a:latin typeface="Cambria Math" panose="02040503050406030204" pitchFamily="18" charset="0"/>
+                        </a:rPr>
+                        <m:t>+</m:t>
+                      </m:r>
+                      <m:sSub>
+                        <m:sSubPr>
+                          <m:ctrlPr>
+                            <a:rPr lang="en-GB" sz="3600" i="1" smtClean="0">
+                              <a:solidFill>
+                                <a:srgbClr val="FF0000"/>
+                              </a:solidFill>
+                              <a:latin typeface="Cambria Math" panose="02040503050406030204" pitchFamily="18" charset="0"/>
+                            </a:rPr>
+                          </m:ctrlPr>
+                        </m:sSubPr>
+                        <m:e>
+                          <m:r>
+                            <a:rPr lang="en-GB" sz="3600" i="1">
+                              <a:solidFill>
+                                <a:srgbClr val="FF0000"/>
+                              </a:solidFill>
+                              <a:latin typeface="Cambria Math" panose="02040503050406030204" pitchFamily="18" charset="0"/>
+                              <a:ea typeface="Cambria Math" panose="02040503050406030204" pitchFamily="18" charset="0"/>
+                            </a:rPr>
+                            <m:t>𝛽</m:t>
+                          </m:r>
+                        </m:e>
+                        <m:sub>
+                          <m:r>
+                            <a:rPr lang="en-GB" sz="3600" b="0" i="1" smtClean="0">
+                              <a:solidFill>
+                                <a:srgbClr val="FF0000"/>
+                              </a:solidFill>
+                              <a:latin typeface="Cambria Math" panose="02040503050406030204" pitchFamily="18" charset="0"/>
+                              <a:ea typeface="Cambria Math" panose="02040503050406030204" pitchFamily="18" charset="0"/>
+                            </a:rPr>
+                            <m:t>3</m:t>
+                          </m:r>
+                        </m:sub>
+                      </m:sSub>
+                      <m:r>
+                        <a:rPr lang="en-GB" sz="3600" i="1">
+                          <a:latin typeface="Cambria Math" panose="02040503050406030204" pitchFamily="18" charset="0"/>
+                        </a:rPr>
+                        <m:t>𝑥</m:t>
+                      </m:r>
+                      <m:r>
+                        <a:rPr lang="en-GB" sz="3600" b="0" i="1" smtClean="0">
+                          <a:latin typeface="Cambria Math" panose="02040503050406030204" pitchFamily="18" charset="0"/>
+                        </a:rPr>
+                        <m:t>𝑚</m:t>
+                      </m:r>
+                    </m:oMath>
+                  </m:oMathPara>
+                </a14:m>
+                <a:endParaRPr lang="en-GB" sz="3600" b="0" i="1" dirty="0">
+                  <a:latin typeface="Cambria Math" panose="02040503050406030204" pitchFamily="18" charset="0"/>
+                  <a:ea typeface="Cambria Math" panose="02040503050406030204" pitchFamily="18" charset="0"/>
+                </a:endParaRPr>
+              </a:p>
+            </p:txBody>
+          </p:sp>
+        </mc:Choice>
+        <mc:Fallback xmlns="">
+          <p:sp>
+            <p:nvSpPr>
+              <p:cNvPr id="3" name="TextBox 2">
+                <a:extLst>
+                  <a:ext uri="{FF2B5EF4-FFF2-40B4-BE49-F238E27FC236}">
+                    <a16:creationId xmlns:a16="http://schemas.microsoft.com/office/drawing/2014/main" id="{64174922-FDE4-8C1D-046D-4C469098EAED}"/>
+                  </a:ext>
+                </a:extLst>
+              </p:cNvPr>
+              <p:cNvSpPr txBox="1">
+                <a:spLocks noRot="1" noChangeAspect="1" noMove="1" noResize="1" noEditPoints="1" noAdjustHandles="1" noChangeArrowheads="1" noChangeShapeType="1" noTextEdit="1"/>
+              </p:cNvSpPr>
+              <p:nvPr/>
+            </p:nvSpPr>
+            <p:spPr>
+              <a:xfrm>
+                <a:off x="1788662" y="5386972"/>
+                <a:ext cx="8614675" cy="646331"/>
+              </a:xfrm>
+              <a:prstGeom prst="rect">
+                <a:avLst/>
+              </a:prstGeom>
+              <a:blipFill>
+                <a:blip r:embed="rId2"/>
+                <a:stretch>
+                  <a:fillRect/>
+                </a:stretch>
+              </a:blipFill>
+            </p:spPr>
+            <p:txBody>
+              <a:bodyPr/>
+              <a:lstStyle/>
+              <a:p>
+                <a:r>
+                  <a:rPr lang="en-GB">
+                    <a:noFill/>
+                  </a:rPr>
+                  <a:t> </a:t>
+                </a:r>
+              </a:p>
+            </p:txBody>
+          </p:sp>
+        </mc:Fallback>
+      </mc:AlternateContent>
+    </p:spTree>
+    <p:extLst>
+      <p:ext uri="{BB962C8B-B14F-4D97-AF65-F5344CB8AC3E}">
+        <p14:creationId xmlns:p14="http://schemas.microsoft.com/office/powerpoint/2010/main" val="2130992899"/>
+      </p:ext>
+    </p:extLst>
+  </p:cSld>
+  <p:clrMapOvr>
+    <a:masterClrMapping/>
+  </p:clrMapOvr>
+</p:sld>
+</file>
+
+<file path=ppt/slides/slide24.xml><?xml version="1.0" encoding="utf-8"?>
 <p:sld xmlns:a="http://schemas.openxmlformats.org/drawingml/2006/main" xmlns:r="http://schemas.openxmlformats.org/officeDocument/2006/relationships" xmlns:p="http://schemas.openxmlformats.org/presentationml/2006/main">
   <p:cSld>
     <p:spTree>
@@ -11298,7 +12992,6 @@
                 <a:endParaRPr lang="en-GB" sz="2800" dirty="0"/>
               </a:p>
               <a:p>
-                <a:pPr/>
                 <a:r>
                   <a:rPr lang="en-GB" sz="2800" dirty="0"/>
                   <a:t>Non-Anxious mean</a:t>
@@ -11347,6 +13040,7 @@
                 <a:endParaRPr lang="en-GB" sz="2800" b="0" dirty="0"/>
               </a:p>
               <a:p>
+                <a:pPr/>
                 <a14:m>
                   <m:oMathPara xmlns:m="http://schemas.openxmlformats.org/officeDocument/2006/math">
                     <m:oMathParaPr>
@@ -11397,13 +13091,7 @@
                         <a:rPr lang="en-GB" sz="2800" b="0" i="1" smtClean="0">
                           <a:latin typeface="Cambria Math" panose="02040503050406030204" pitchFamily="18" charset="0"/>
                         </a:rPr>
-                        <m:t>=.61+(−.8</m:t>
-                      </m:r>
-                      <m:r>
-                        <a:rPr lang="en-GB" sz="2800" b="0" i="1" smtClean="0">
-                          <a:latin typeface="Cambria Math" panose="02040503050406030204" pitchFamily="18" charset="0"/>
-                        </a:rPr>
-                        <m:t>2∗1)</m:t>
+                        <m:t>=.61+(−.82∗1)</m:t>
                       </m:r>
                     </m:oMath>
                   </m:oMathPara>
@@ -11496,7 +13184,7 @@
 </p:sld>
 </file>
 
-<file path=ppt/slides/slide22.xml><?xml version="1.0" encoding="utf-8"?>
+<file path=ppt/slides/slide25.xml><?xml version="1.0" encoding="utf-8"?>
 <p:sld xmlns:a="http://schemas.openxmlformats.org/drawingml/2006/main" xmlns:r="http://schemas.openxmlformats.org/officeDocument/2006/relationships" xmlns:p="http://schemas.openxmlformats.org/presentationml/2006/main">
   <p:cSld>
     <p:spTree>
@@ -11640,8 +13328,8 @@
           </a:prstGeom>
         </p:spPr>
       </p:pic>
-      <mc:AlternateContent xmlns:mc="http://schemas.openxmlformats.org/markup-compatibility/2006">
-        <mc:Choice xmlns:a14="http://schemas.microsoft.com/office/drawing/2010/main" Requires="a14">
+      <mc:AlternateContent xmlns:mc="http://schemas.openxmlformats.org/markup-compatibility/2006" xmlns:a14="http://schemas.microsoft.com/office/drawing/2010/main">
+        <mc:Choice Requires="a14">
           <p:sp>
             <p:nvSpPr>
               <p:cNvPr id="17" name="TextBox 16">
@@ -11762,7 +13450,6 @@
                 <a:endParaRPr lang="en-GB" sz="2800" dirty="0"/>
               </a:p>
               <a:p>
-                <a:pPr/>
                 <a:r>
                   <a:rPr lang="en-GB" sz="2800" dirty="0" err="1"/>
                   <a:t>Promedio</a:t>
@@ -11798,6 +13485,7 @@
                 <a:endParaRPr lang="en-GB" sz="2800" b="0" dirty="0"/>
               </a:p>
               <a:p>
+                <a:pPr/>
                 <a14:m>
                   <m:oMathPara xmlns:m="http://schemas.openxmlformats.org/officeDocument/2006/math">
                     <m:oMathParaPr>
@@ -11822,7 +13510,6 @@
                 <a:endParaRPr lang="en-GB" sz="2800" b="0" dirty="0"/>
               </a:p>
               <a:p>
-                <a:pPr/>
                 <a:endParaRPr lang="en-GB" sz="2800" dirty="0"/>
               </a:p>
               <a:p>
@@ -11909,7 +13596,7 @@
             </p:txBody>
           </p:sp>
         </mc:Choice>
-        <mc:Fallback>
+        <mc:Fallback xmlns="">
           <p:sp>
             <p:nvSpPr>
               <p:cNvPr id="17" name="TextBox 16">
@@ -11967,7 +13654,7 @@
 </p:sld>
 </file>
 
-<file path=ppt/slides/slide23.xml><?xml version="1.0" encoding="utf-8"?>
+<file path=ppt/slides/slide26.xml><?xml version="1.0" encoding="utf-8"?>
 <p:sld xmlns:a="http://schemas.openxmlformats.org/drawingml/2006/main" xmlns:r="http://schemas.openxmlformats.org/officeDocument/2006/relationships" xmlns:p="http://schemas.openxmlformats.org/presentationml/2006/main">
   <p:cSld>
     <p:spTree>
@@ -12073,7 +13760,7 @@
         </p:blipFill>
         <p:spPr>
           <a:xfrm>
-            <a:off x="674208" y="684859"/>
+            <a:off x="81028" y="649175"/>
             <a:ext cx="4780904" cy="5760000"/>
           </a:xfrm>
           <a:prstGeom prst="rect">
@@ -12103,16 +13790,16 @@
         </p:blipFill>
         <p:spPr>
           <a:xfrm>
-            <a:off x="6609977" y="1013669"/>
-            <a:ext cx="4680000" cy="1849301"/>
+            <a:off x="8336652" y="32500"/>
+            <a:ext cx="3893262" cy="1538422"/>
           </a:xfrm>
           <a:prstGeom prst="rect">
             <a:avLst/>
           </a:prstGeom>
         </p:spPr>
       </p:pic>
-      <mc:AlternateContent xmlns:mc="http://schemas.openxmlformats.org/markup-compatibility/2006" xmlns:a14="http://schemas.microsoft.com/office/drawing/2010/main">
-        <mc:Choice Requires="a14">
+      <mc:AlternateContent xmlns:mc="http://schemas.openxmlformats.org/markup-compatibility/2006">
+        <mc:Choice xmlns:a14="http://schemas.microsoft.com/office/drawing/2010/main" Requires="a14">
           <p:sp>
             <p:nvSpPr>
               <p:cNvPr id="13" name="TextBox 12">
@@ -12127,8 +13814,8 @@
             </p:nvSpPr>
             <p:spPr>
               <a:xfrm>
-                <a:off x="7212216" y="4249501"/>
-                <a:ext cx="3131482" cy="523220"/>
+                <a:off x="4977904" y="1685652"/>
+                <a:ext cx="7051041" cy="5262979"/>
               </a:xfrm>
               <a:prstGeom prst="rect">
                 <a:avLst/>
@@ -12149,13 +13836,13 @@
                     </m:oMathParaPr>
                     <m:oMath xmlns:m="http://schemas.openxmlformats.org/officeDocument/2006/math">
                       <m:r>
-                        <a:rPr lang="en-GB" sz="2800" b="0" i="1" smtClean="0">
+                        <a:rPr lang="en-GB" sz="2400" b="0" i="1" smtClean="0">
                           <a:latin typeface="Cambria Math" panose="02040503050406030204" pitchFamily="18" charset="0"/>
                         </a:rPr>
                         <m:t>𝑦</m:t>
                       </m:r>
                       <m:r>
-                        <a:rPr lang="en-GB" sz="2800" b="0" i="1" smtClean="0">
+                        <a:rPr lang="en-GB" sz="2400" b="0" i="1" smtClean="0">
                           <a:latin typeface="Cambria Math" panose="02040503050406030204" pitchFamily="18" charset="0"/>
                         </a:rPr>
                         <m:t>~</m:t>
@@ -12163,14 +13850,14 @@
                       <m:sSub>
                         <m:sSubPr>
                           <m:ctrlPr>
-                            <a:rPr lang="en-GB" sz="2800" i="1">
+                            <a:rPr lang="en-GB" sz="2400" i="1">
                               <a:latin typeface="Cambria Math" panose="02040503050406030204" pitchFamily="18" charset="0"/>
                             </a:rPr>
                           </m:ctrlPr>
                         </m:sSubPr>
                         <m:e>
                           <m:r>
-                            <a:rPr lang="en-GB" sz="2800" i="1">
+                            <a:rPr lang="en-GB" sz="2400" i="1">
                               <a:latin typeface="Cambria Math" panose="02040503050406030204" pitchFamily="18" charset="0"/>
                               <a:ea typeface="Cambria Math" panose="02040503050406030204" pitchFamily="18" charset="0"/>
                             </a:rPr>
@@ -12179,7 +13866,7 @@
                         </m:e>
                         <m:sub>
                           <m:r>
-                            <a:rPr lang="en-GB" sz="2800" i="1">
+                            <a:rPr lang="en-GB" sz="2400" i="1">
                               <a:latin typeface="Cambria Math" panose="02040503050406030204" pitchFamily="18" charset="0"/>
                               <a:ea typeface="Cambria Math" panose="02040503050406030204" pitchFamily="18" charset="0"/>
                             </a:rPr>
@@ -12188,7 +13875,7 @@
                         </m:sub>
                       </m:sSub>
                       <m:r>
-                        <a:rPr lang="en-GB" sz="2800" b="0" i="1" smtClean="0">
+                        <a:rPr lang="en-GB" sz="2400" b="0" i="1" smtClean="0">
                           <a:latin typeface="Cambria Math" panose="02040503050406030204" pitchFamily="18" charset="0"/>
                           <a:ea typeface="Cambria Math" panose="02040503050406030204" pitchFamily="18" charset="0"/>
                         </a:rPr>
@@ -12197,14 +13884,14 @@
                       <m:sSub>
                         <m:sSubPr>
                           <m:ctrlPr>
-                            <a:rPr lang="en-GB" sz="2800" i="1">
+                            <a:rPr lang="en-GB" sz="2400" i="1">
                               <a:latin typeface="Cambria Math" panose="02040503050406030204" pitchFamily="18" charset="0"/>
                             </a:rPr>
                           </m:ctrlPr>
                         </m:sSubPr>
                         <m:e>
                           <m:r>
-                            <a:rPr lang="en-GB" sz="2800" i="1">
+                            <a:rPr lang="en-GB" sz="2400" i="1">
                               <a:latin typeface="Cambria Math" panose="02040503050406030204" pitchFamily="18" charset="0"/>
                               <a:ea typeface="Cambria Math" panose="02040503050406030204" pitchFamily="18" charset="0"/>
                             </a:rPr>
@@ -12213,7 +13900,7 @@
                         </m:e>
                         <m:sub>
                           <m:r>
-                            <a:rPr lang="en-GB" sz="2800" b="0" i="1" smtClean="0">
+                            <a:rPr lang="en-GB" sz="2400" b="0" i="1" smtClean="0">
                               <a:latin typeface="Cambria Math" panose="02040503050406030204" pitchFamily="18" charset="0"/>
                               <a:ea typeface="Cambria Math" panose="02040503050406030204" pitchFamily="18" charset="0"/>
                             </a:rPr>
@@ -12222,20 +13909,317 @@
                         </m:sub>
                       </m:sSub>
                       <m:r>
-                        <a:rPr lang="en-GB" sz="2800" i="1">
-                          <a:latin typeface="Cambria Math" panose="02040503050406030204" pitchFamily="18" charset="0"/>
-                        </a:rPr>
-                        <m:t>𝑥</m:t>
+                        <a:rPr lang="en-GB" sz="2400" b="0" i="1" smtClean="0">
+                          <a:latin typeface="Cambria Math" panose="02040503050406030204" pitchFamily="18" charset="0"/>
+                        </a:rPr>
+                        <m:t>𝑎𝑛𝑥</m:t>
+                      </m:r>
+                      <m:r>
+                        <a:rPr lang="en-GB" sz="2400" b="0" i="1" smtClean="0">
+                          <a:latin typeface="Cambria Math" panose="02040503050406030204" pitchFamily="18" charset="0"/>
+                        </a:rPr>
+                        <m:t>.+</m:t>
+                      </m:r>
+                      <m:sSub>
+                        <m:sSubPr>
+                          <m:ctrlPr>
+                            <a:rPr lang="en-GB" sz="2400" i="1">
+                              <a:latin typeface="Cambria Math" panose="02040503050406030204" pitchFamily="18" charset="0"/>
+                            </a:rPr>
+                          </m:ctrlPr>
+                        </m:sSubPr>
+                        <m:e>
+                          <m:r>
+                            <a:rPr lang="en-GB" sz="2400" i="1">
+                              <a:latin typeface="Cambria Math" panose="02040503050406030204" pitchFamily="18" charset="0"/>
+                              <a:ea typeface="Cambria Math" panose="02040503050406030204" pitchFamily="18" charset="0"/>
+                            </a:rPr>
+                            <m:t>𝛽</m:t>
+                          </m:r>
+                        </m:e>
+                        <m:sub>
+                          <m:r>
+                            <a:rPr lang="en-GB" sz="2400" b="0" i="1" smtClean="0">
+                              <a:latin typeface="Cambria Math" panose="02040503050406030204" pitchFamily="18" charset="0"/>
+                              <a:ea typeface="Cambria Math" panose="02040503050406030204" pitchFamily="18" charset="0"/>
+                            </a:rPr>
+                            <m:t>2</m:t>
+                          </m:r>
+                        </m:sub>
+                      </m:sSub>
+                      <m:r>
+                        <a:rPr lang="en-GB" sz="2400" b="0" i="1" smtClean="0">
+                          <a:latin typeface="Cambria Math" panose="02040503050406030204" pitchFamily="18" charset="0"/>
+                          <a:ea typeface="Cambria Math" panose="02040503050406030204" pitchFamily="18" charset="0"/>
+                        </a:rPr>
+                        <m:t>𝑐h𝑎𝑡</m:t>
+                      </m:r>
+                      <m:r>
+                        <a:rPr lang="en-GB" sz="2400" b="0" i="1" smtClean="0">
+                          <a:latin typeface="Cambria Math" panose="02040503050406030204" pitchFamily="18" charset="0"/>
+                          <a:ea typeface="Cambria Math" panose="02040503050406030204" pitchFamily="18" charset="0"/>
+                        </a:rPr>
+                        <m:t>.+</m:t>
+                      </m:r>
+                      <m:sSub>
+                        <m:sSubPr>
+                          <m:ctrlPr>
+                            <a:rPr lang="en-GB" sz="2400" i="1">
+                              <a:latin typeface="Cambria Math" panose="02040503050406030204" pitchFamily="18" charset="0"/>
+                            </a:rPr>
+                          </m:ctrlPr>
+                        </m:sSubPr>
+                        <m:e>
+                          <m:r>
+                            <a:rPr lang="en-GB" sz="2400" i="1">
+                              <a:latin typeface="Cambria Math" panose="02040503050406030204" pitchFamily="18" charset="0"/>
+                              <a:ea typeface="Cambria Math" panose="02040503050406030204" pitchFamily="18" charset="0"/>
+                            </a:rPr>
+                            <m:t>𝛽</m:t>
+                          </m:r>
+                        </m:e>
+                        <m:sub>
+                          <m:r>
+                            <a:rPr lang="en-GB" sz="2400" b="0" i="1" smtClean="0">
+                              <a:latin typeface="Cambria Math" panose="02040503050406030204" pitchFamily="18" charset="0"/>
+                              <a:ea typeface="Cambria Math" panose="02040503050406030204" pitchFamily="18" charset="0"/>
+                            </a:rPr>
+                            <m:t>3</m:t>
+                          </m:r>
+                        </m:sub>
+                      </m:sSub>
+                      <m:r>
+                        <a:rPr lang="en-GB" sz="2400" b="0" i="1" smtClean="0">
+                          <a:latin typeface="Cambria Math" panose="02040503050406030204" pitchFamily="18" charset="0"/>
+                          <a:ea typeface="Cambria Math" panose="02040503050406030204" pitchFamily="18" charset="0"/>
+                        </a:rPr>
+                        <m:t>𝑎𝑛𝑥</m:t>
+                      </m:r>
+                      <m:r>
+                        <a:rPr lang="en-GB" sz="2400" b="0" i="1" smtClean="0">
+                          <a:latin typeface="Cambria Math" panose="02040503050406030204" pitchFamily="18" charset="0"/>
+                          <a:ea typeface="Cambria Math" panose="02040503050406030204" pitchFamily="18" charset="0"/>
+                        </a:rPr>
+                        <m:t>∗</m:t>
+                      </m:r>
+                      <m:r>
+                        <a:rPr lang="en-GB" sz="2400" i="1">
+                          <a:latin typeface="Cambria Math" panose="02040503050406030204" pitchFamily="18" charset="0"/>
+                          <a:ea typeface="Cambria Math" panose="02040503050406030204" pitchFamily="18" charset="0"/>
+                        </a:rPr>
+                        <m:t>𝑐h𝑎𝑡</m:t>
                       </m:r>
                     </m:oMath>
                   </m:oMathPara>
                 </a14:m>
-                <a:endParaRPr lang="en-GB" sz="2800" dirty="0"/>
+                <a:endParaRPr lang="en-GB" sz="2400" b="0" dirty="0">
+                  <a:ea typeface="Cambria Math" panose="02040503050406030204" pitchFamily="18" charset="0"/>
+                </a:endParaRPr>
+              </a:p>
+              <a:p>
+                <a:pPr/>
+                <a14:m>
+                  <m:oMathPara xmlns:m="http://schemas.openxmlformats.org/officeDocument/2006/math">
+                    <m:oMathParaPr>
+                      <m:jc m:val="centerGroup"/>
+                    </m:oMathParaPr>
+                    <m:oMath xmlns:m="http://schemas.openxmlformats.org/officeDocument/2006/math">
+                      <m:r>
+                        <a:rPr lang="en-GB" sz="2400" b="0" i="1" smtClean="0">
+                          <a:latin typeface="Cambria Math" panose="02040503050406030204" pitchFamily="18" charset="0"/>
+                        </a:rPr>
+                        <m:t>𝑦</m:t>
+                      </m:r>
+                      <m:r>
+                        <a:rPr lang="en-GB" sz="2400" b="0" i="1" smtClean="0">
+                          <a:latin typeface="Cambria Math" panose="02040503050406030204" pitchFamily="18" charset="0"/>
+                        </a:rPr>
+                        <m:t>~.67−.12</m:t>
+                      </m:r>
+                      <m:r>
+                        <a:rPr lang="en-GB" sz="2400" b="0" i="1" smtClean="0">
+                          <a:latin typeface="Cambria Math" panose="02040503050406030204" pitchFamily="18" charset="0"/>
+                        </a:rPr>
+                        <m:t>𝑎𝑛𝑥</m:t>
+                      </m:r>
+                      <m:r>
+                        <a:rPr lang="en-GB" sz="2400" b="0" i="1" smtClean="0">
+                          <a:latin typeface="Cambria Math" panose="02040503050406030204" pitchFamily="18" charset="0"/>
+                        </a:rPr>
+                        <m:t>.−1.09</m:t>
+                      </m:r>
+                      <m:r>
+                        <a:rPr lang="en-GB" sz="2400" b="0" i="1" smtClean="0">
+                          <a:latin typeface="Cambria Math" panose="02040503050406030204" pitchFamily="18" charset="0"/>
+                          <a:ea typeface="Cambria Math" panose="02040503050406030204" pitchFamily="18" charset="0"/>
+                        </a:rPr>
+                        <m:t>𝑐h𝑎𝑡</m:t>
+                      </m:r>
+                      <m:r>
+                        <a:rPr lang="en-GB" sz="2400" b="0" i="1" smtClean="0">
+                          <a:latin typeface="Cambria Math" panose="02040503050406030204" pitchFamily="18" charset="0"/>
+                          <a:ea typeface="Cambria Math" panose="02040503050406030204" pitchFamily="18" charset="0"/>
+                        </a:rPr>
+                        <m:t>.+.54</m:t>
+                      </m:r>
+                      <m:r>
+                        <a:rPr lang="en-GB" sz="2400" i="1">
+                          <a:latin typeface="Cambria Math" panose="02040503050406030204" pitchFamily="18" charset="0"/>
+                          <a:ea typeface="Cambria Math" panose="02040503050406030204" pitchFamily="18" charset="0"/>
+                        </a:rPr>
+                        <m:t>𝑎𝑛𝑥</m:t>
+                      </m:r>
+                      <m:r>
+                        <a:rPr lang="en-GB" sz="2400" i="1">
+                          <a:latin typeface="Cambria Math" panose="02040503050406030204" pitchFamily="18" charset="0"/>
+                          <a:ea typeface="Cambria Math" panose="02040503050406030204" pitchFamily="18" charset="0"/>
+                        </a:rPr>
+                        <m:t>∗</m:t>
+                      </m:r>
+                      <m:r>
+                        <a:rPr lang="en-GB" sz="2400" i="1">
+                          <a:latin typeface="Cambria Math" panose="02040503050406030204" pitchFamily="18" charset="0"/>
+                          <a:ea typeface="Cambria Math" panose="02040503050406030204" pitchFamily="18" charset="0"/>
+                        </a:rPr>
+                        <m:t>𝑐h𝑎𝑡</m:t>
+                      </m:r>
+                    </m:oMath>
+                  </m:oMathPara>
+                </a14:m>
+                <a:endParaRPr lang="en-GB" sz="2400" dirty="0"/>
+              </a:p>
+              <a:p>
+                <a:pPr/>
+                <a:endParaRPr lang="en-GB" sz="2400" dirty="0"/>
+              </a:p>
+              <a:p>
+                <a:pPr/>
+                <a:r>
+                  <a:rPr lang="en-GB" sz="2400" dirty="0"/>
+                  <a:t>y = .67 + (-.12)*0 + (-1.09)*0 + .54*0*0</a:t>
+                </a:r>
+              </a:p>
+              <a:p>
+                <a:pPr/>
+                <a:r>
+                  <a:rPr lang="en-GB" sz="2400" dirty="0" err="1"/>
+                  <a:t>y_low_non</a:t>
+                </a:r>
+                <a:r>
+                  <a:rPr lang="en-GB" sz="2400" dirty="0"/>
+                  <a:t>-anxious = </a:t>
+                </a:r>
+                <a:r>
+                  <a:rPr lang="en-GB" sz="2400" dirty="0">
+                    <a:solidFill>
+                      <a:srgbClr val="FF0000"/>
+                    </a:solidFill>
+                  </a:rPr>
+                  <a:t>.67</a:t>
+                </a:r>
+                <a:br>
+                  <a:rPr lang="en-GB" sz="2400" dirty="0"/>
+                </a:br>
+                <a:endParaRPr lang="en-GB" sz="2400" dirty="0"/>
+              </a:p>
+              <a:p>
+                <a:r>
+                  <a:rPr lang="en-GB" sz="2400" dirty="0"/>
+                  <a:t>y = .67 + (-.12)*0 + (</a:t>
+                </a:r>
+                <a:r>
+                  <a:rPr lang="en-GB" sz="2400" b="1" dirty="0"/>
+                  <a:t>-1.09</a:t>
+                </a:r>
+                <a:r>
+                  <a:rPr lang="en-GB" sz="2400" dirty="0"/>
+                  <a:t>)*1 + .54*0*1</a:t>
+                </a:r>
+              </a:p>
+              <a:p>
+                <a:r>
+                  <a:rPr lang="en-GB" sz="2400" dirty="0" err="1"/>
+                  <a:t>y_low_anxious</a:t>
+                </a:r>
+                <a:r>
+                  <a:rPr lang="en-GB" sz="2400" dirty="0"/>
+                  <a:t> = .67 – 1.09 = </a:t>
+                </a:r>
+                <a:r>
+                  <a:rPr lang="en-GB" sz="2400" dirty="0">
+                    <a:solidFill>
+                      <a:srgbClr val="FF0000"/>
+                    </a:solidFill>
+                  </a:rPr>
+                  <a:t>-.42</a:t>
+                </a:r>
+              </a:p>
+              <a:p>
+                <a:endParaRPr lang="en-GB" sz="2400" dirty="0">
+                  <a:solidFill>
+                    <a:srgbClr val="FF0000"/>
+                  </a:solidFill>
+                </a:endParaRPr>
+              </a:p>
+              <a:p>
+                <a:r>
+                  <a:rPr lang="en-GB" sz="2400" dirty="0"/>
+                  <a:t>y = .67 + (-.12)*1 + (-1.09)*0 + .54*1*0</a:t>
+                </a:r>
+              </a:p>
+              <a:p>
+                <a:r>
+                  <a:rPr lang="en-GB" sz="2400" dirty="0" err="1"/>
+                  <a:t>y_high_non</a:t>
+                </a:r>
+                <a:r>
+                  <a:rPr lang="en-GB" sz="2400" dirty="0"/>
+                  <a:t>-anxious = .67 – .12 = </a:t>
+                </a:r>
+                <a:r>
+                  <a:rPr lang="en-GB" sz="2400" dirty="0">
+                    <a:solidFill>
+                      <a:srgbClr val="FF0000"/>
+                    </a:solidFill>
+                  </a:rPr>
+                  <a:t>.55</a:t>
+                </a:r>
+              </a:p>
+              <a:p>
+                <a:endParaRPr lang="en-GB" sz="2400" dirty="0">
+                  <a:solidFill>
+                    <a:srgbClr val="FF0000"/>
+                  </a:solidFill>
+                </a:endParaRPr>
+              </a:p>
+              <a:p>
+                <a:r>
+                  <a:rPr lang="en-GB" sz="2400" dirty="0"/>
+                  <a:t>y = .67 + (-.12)*1 + (-1.09)*1 + .54*1*1</a:t>
+                </a:r>
+              </a:p>
+              <a:p>
+                <a:r>
+                  <a:rPr lang="en-GB" sz="2400" dirty="0" err="1"/>
+                  <a:t>y_high_anxious</a:t>
+                </a:r>
+                <a:r>
+                  <a:rPr lang="en-GB" sz="2400" dirty="0"/>
+                  <a:t> = .67 - .12 - 1.09 +.54 = </a:t>
+                </a:r>
+                <a:r>
+                  <a:rPr lang="en-GB" sz="2400" dirty="0">
+                    <a:solidFill>
+                      <a:srgbClr val="FF0000"/>
+                    </a:solidFill>
+                  </a:rPr>
+                  <a:t>0</a:t>
+                </a:r>
               </a:p>
             </p:txBody>
           </p:sp>
         </mc:Choice>
-        <mc:Fallback xmlns="">
+        <mc:Fallback>
           <p:sp>
             <p:nvSpPr>
               <p:cNvPr id="13" name="TextBox 12">
@@ -12252,8 +14236,8 @@
             </p:nvSpPr>
             <p:spPr>
               <a:xfrm>
-                <a:off x="7212216" y="4249501"/>
-                <a:ext cx="3131482" cy="523220"/>
+                <a:off x="4977904" y="1685652"/>
+                <a:ext cx="7051041" cy="5262979"/>
               </a:xfrm>
               <a:prstGeom prst="rect">
                 <a:avLst/>
@@ -12261,7 +14245,7 @@
               <a:blipFill>
                 <a:blip r:embed="rId4"/>
                 <a:stretch>
-                  <a:fillRect/>
+                  <a:fillRect l="-1384" b="-1738"/>
                 </a:stretch>
               </a:blipFill>
             </p:spPr>
@@ -12280,6 +14264,94 @@
           </p:sp>
         </mc:Fallback>
       </mc:AlternateContent>
+      <p:sp>
+        <p:nvSpPr>
+          <p:cNvPr id="2" name="Oval 1">
+            <a:extLst>
+              <a:ext uri="{FF2B5EF4-FFF2-40B4-BE49-F238E27FC236}">
+                <a16:creationId xmlns:a16="http://schemas.microsoft.com/office/drawing/2014/main" id="{A8B84229-3507-5F71-7693-8E163C72392F}"/>
+              </a:ext>
+            </a:extLst>
+          </p:cNvPr>
+          <p:cNvSpPr/>
+          <p:nvPr/>
+        </p:nvSpPr>
+        <p:spPr>
+          <a:xfrm>
+            <a:off x="1291794" y="1489391"/>
+            <a:ext cx="756355" cy="699911"/>
+          </a:xfrm>
+          <a:prstGeom prst="ellipse">
+            <a:avLst/>
+          </a:prstGeom>
+          <a:noFill/>
+        </p:spPr>
+        <p:style>
+          <a:lnRef idx="2">
+            <a:schemeClr val="accent1">
+              <a:shade val="15000"/>
+            </a:schemeClr>
+          </a:lnRef>
+          <a:fillRef idx="1">
+            <a:schemeClr val="accent1"/>
+          </a:fillRef>
+          <a:effectRef idx="0">
+            <a:schemeClr val="accent1"/>
+          </a:effectRef>
+          <a:fontRef idx="minor">
+            <a:schemeClr val="lt1"/>
+          </a:fontRef>
+        </p:style>
+        <p:txBody>
+          <a:bodyPr rtlCol="0" anchor="ctr"/>
+          <a:lstStyle/>
+          <a:p>
+            <a:pPr algn="ctr"/>
+            <a:endParaRPr lang="en-GB"/>
+          </a:p>
+        </p:txBody>
+      </p:sp>
+      <p:sp>
+        <p:nvSpPr>
+          <p:cNvPr id="4" name="TextBox 3">
+            <a:extLst>
+              <a:ext uri="{FF2B5EF4-FFF2-40B4-BE49-F238E27FC236}">
+                <a16:creationId xmlns:a16="http://schemas.microsoft.com/office/drawing/2014/main" id="{76367DDF-7481-156B-76F5-9CD8568B8177}"/>
+              </a:ext>
+            </a:extLst>
+          </p:cNvPr>
+          <p:cNvSpPr txBox="1"/>
+          <p:nvPr/>
+        </p:nvSpPr>
+        <p:spPr>
+          <a:xfrm>
+            <a:off x="903250" y="3529175"/>
+            <a:ext cx="6115328" cy="646331"/>
+          </a:xfrm>
+          <a:prstGeom prst="rect">
+            <a:avLst/>
+          </a:prstGeom>
+          <a:noFill/>
+        </p:spPr>
+        <p:txBody>
+          <a:bodyPr wrap="square">
+            <a:spAutoFit/>
+          </a:bodyPr>
+          <a:lstStyle/>
+          <a:p>
+            <a:r>
+              <a:rPr lang="en-GB" sz="1800" dirty="0"/>
+              <a:t>High 0-.55 = -.55</a:t>
+            </a:r>
+          </a:p>
+          <a:p>
+            <a:r>
+              <a:rPr lang="en-GB" sz="1800" dirty="0"/>
+              <a:t>Low -.42-67 = -1.09</a:t>
+            </a:r>
+          </a:p>
+        </p:txBody>
+      </p:sp>
     </p:spTree>
     <p:extLst>
       <p:ext uri="{BB962C8B-B14F-4D97-AF65-F5344CB8AC3E}">
@@ -12293,7 +14365,7 @@
 </p:sld>
 </file>
 
-<file path=ppt/slides/slide24.xml><?xml version="1.0" encoding="utf-8"?>
+<file path=ppt/slides/slide27.xml><?xml version="1.0" encoding="utf-8"?>
 <p:sld xmlns:a="http://schemas.openxmlformats.org/drawingml/2006/main" xmlns:r="http://schemas.openxmlformats.org/officeDocument/2006/relationships" xmlns:p="http://schemas.openxmlformats.org/presentationml/2006/main">
   <p:cSld>
     <p:spTree>
@@ -12450,7 +14522,7 @@
 </p:sld>
 </file>
 
-<file path=ppt/slides/slide25.xml><?xml version="1.0" encoding="utf-8"?>
+<file path=ppt/slides/slide28.xml><?xml version="1.0" encoding="utf-8"?>
 <p:sld xmlns:a="http://schemas.openxmlformats.org/drawingml/2006/main" xmlns:r="http://schemas.openxmlformats.org/officeDocument/2006/relationships" xmlns:p="http://schemas.openxmlformats.org/presentationml/2006/main">
   <p:cSld>
     <p:spTree>
@@ -12811,7 +14883,7 @@
 </p:sld>
 </file>
 
-<file path=ppt/slides/slide26.xml><?xml version="1.0" encoding="utf-8"?>
+<file path=ppt/slides/slide29.xml><?xml version="1.0" encoding="utf-8"?>
 <p:sld xmlns:a="http://schemas.openxmlformats.org/drawingml/2006/main" xmlns:r="http://schemas.openxmlformats.org/officeDocument/2006/relationships" xmlns:p="http://schemas.openxmlformats.org/presentationml/2006/main">
   <p:cSld>
     <p:spTree>
@@ -12934,7 +15006,7 @@
           <a:p>
             <a:fld id="{B88F9519-A9D0-4BC9-8416-3108BA6FFD4C}" type="slidenum">
               <a:rPr lang="en-GB" smtClean="0"/>
-              <a:t>26</a:t>
+              <a:t>29</a:t>
             </a:fld>
             <a:endParaRPr lang="en-GB"/>
           </a:p>
@@ -12982,7 +15054,593 @@
 </p:sld>
 </file>
 
-<file path=ppt/slides/slide27.xml><?xml version="1.0" encoding="utf-8"?>
+<file path=ppt/slides/slide3.xml><?xml version="1.0" encoding="utf-8"?>
+<p:sld xmlns:a="http://schemas.openxmlformats.org/drawingml/2006/main" xmlns:r="http://schemas.openxmlformats.org/officeDocument/2006/relationships" xmlns:p="http://schemas.openxmlformats.org/presentationml/2006/main">
+  <p:cSld>
+    <p:spTree>
+      <p:nvGrpSpPr>
+        <p:cNvPr id="1" name="">
+          <a:extLst>
+            <a:ext uri="{FF2B5EF4-FFF2-40B4-BE49-F238E27FC236}">
+              <a16:creationId xmlns:a16="http://schemas.microsoft.com/office/drawing/2014/main" id="{E507B879-E444-1D74-E38F-6817313E3120}"/>
+            </a:ext>
+          </a:extLst>
+        </p:cNvPr>
+        <p:cNvGrpSpPr/>
+        <p:nvPr/>
+      </p:nvGrpSpPr>
+      <p:grpSpPr>
+        <a:xfrm>
+          <a:off x="0" y="0"/>
+          <a:ext cx="0" cy="0"/>
+          <a:chOff x="0" y="0"/>
+          <a:chExt cx="0" cy="0"/>
+        </a:xfrm>
+      </p:grpSpPr>
+      <p:sp>
+        <p:nvSpPr>
+          <p:cNvPr id="4" name="Footer Placeholder 3">
+            <a:extLst>
+              <a:ext uri="{FF2B5EF4-FFF2-40B4-BE49-F238E27FC236}">
+                <a16:creationId xmlns:a16="http://schemas.microsoft.com/office/drawing/2014/main" id="{6035AAF7-0333-33E6-C4FA-ECA4E99CBAA1}"/>
+              </a:ext>
+            </a:extLst>
+          </p:cNvPr>
+          <p:cNvSpPr>
+            <a:spLocks noGrp="1"/>
+          </p:cNvSpPr>
+          <p:nvPr>
+            <p:ph type="ftr" sz="quarter" idx="11"/>
+          </p:nvPr>
+        </p:nvSpPr>
+        <p:spPr/>
+        <p:txBody>
+          <a:bodyPr/>
+          <a:lstStyle/>
+          <a:p>
+            <a:r>
+              <a:rPr lang="en-GB"/>
+              <a:t>INPRFM</a:t>
+            </a:r>
+          </a:p>
+        </p:txBody>
+      </p:sp>
+      <p:sp>
+        <p:nvSpPr>
+          <p:cNvPr id="5" name="Slide Number Placeholder 4">
+            <a:extLst>
+              <a:ext uri="{FF2B5EF4-FFF2-40B4-BE49-F238E27FC236}">
+                <a16:creationId xmlns:a16="http://schemas.microsoft.com/office/drawing/2014/main" id="{FC07403B-9F4C-BBA0-176A-9B4D84C63DC2}"/>
+              </a:ext>
+            </a:extLst>
+          </p:cNvPr>
+          <p:cNvSpPr>
+            <a:spLocks noGrp="1"/>
+          </p:cNvSpPr>
+          <p:nvPr>
+            <p:ph type="sldNum" sz="quarter" idx="12"/>
+          </p:nvPr>
+        </p:nvSpPr>
+        <p:spPr/>
+        <p:txBody>
+          <a:bodyPr/>
+          <a:lstStyle/>
+          <a:p>
+            <a:fld id="{D0FF140B-F376-4A1D-AAB0-11FF1D5631F2}" type="slidenum">
+              <a:rPr lang="en-GB" smtClean="0"/>
+              <a:t>3</a:t>
+            </a:fld>
+            <a:endParaRPr lang="en-GB"/>
+          </a:p>
+        </p:txBody>
+      </p:sp>
+      <mc:AlternateContent xmlns:mc="http://schemas.openxmlformats.org/markup-compatibility/2006" xmlns:a14="http://schemas.microsoft.com/office/drawing/2010/main">
+        <mc:Choice Requires="a14">
+          <p:sp>
+            <p:nvSpPr>
+              <p:cNvPr id="6" name="TextBox 5">
+                <a:extLst>
+                  <a:ext uri="{FF2B5EF4-FFF2-40B4-BE49-F238E27FC236}">
+                    <a16:creationId xmlns:a16="http://schemas.microsoft.com/office/drawing/2014/main" id="{1F28697E-A5BC-6521-CDB3-3C6F951F4F9D}"/>
+                  </a:ext>
+                </a:extLst>
+              </p:cNvPr>
+              <p:cNvSpPr txBox="1"/>
+              <p:nvPr/>
+            </p:nvSpPr>
+            <p:spPr>
+              <a:xfrm>
+                <a:off x="2298917" y="1624965"/>
+                <a:ext cx="7375416" cy="4431983"/>
+              </a:xfrm>
+              <a:prstGeom prst="rect">
+                <a:avLst/>
+              </a:prstGeom>
+              <a:noFill/>
+            </p:spPr>
+            <p:txBody>
+              <a:bodyPr wrap="square" lIns="0" tIns="0" rIns="0" bIns="0" rtlCol="0">
+                <a:spAutoFit/>
+              </a:bodyPr>
+              <a:lstStyle/>
+              <a:p>
+                <a:pPr/>
+                <a14:m>
+                  <m:oMathPara xmlns:m="http://schemas.openxmlformats.org/officeDocument/2006/math">
+                    <m:oMathParaPr>
+                      <m:jc m:val="centerGroup"/>
+                    </m:oMathParaPr>
+                    <m:oMath xmlns:m="http://schemas.openxmlformats.org/officeDocument/2006/math">
+                      <m:r>
+                        <a:rPr lang="en-GB" sz="3200" b="0" i="1" smtClean="0">
+                          <a:latin typeface="Cambria Math" panose="02040503050406030204" pitchFamily="18" charset="0"/>
+                        </a:rPr>
+                        <m:t>𝑋</m:t>
+                      </m:r>
+                      <m:r>
+                        <a:rPr lang="en-GB" sz="3200" b="0" i="1" smtClean="0">
+                          <a:latin typeface="Cambria Math" panose="02040503050406030204" pitchFamily="18" charset="0"/>
+                        </a:rPr>
+                        <m:t>~</m:t>
+                      </m:r>
+                      <m:r>
+                        <a:rPr lang="es-MX" sz="3200" b="0" i="1" smtClean="0">
+                          <a:latin typeface="Cambria Math" panose="02040503050406030204" pitchFamily="18" charset="0"/>
+                        </a:rPr>
+                        <m:t>𝐵𝑒</m:t>
+                      </m:r>
+                      <m:r>
+                        <a:rPr lang="en-GB" sz="3200" b="0" i="1" smtClean="0">
+                          <a:latin typeface="Cambria Math" panose="02040503050406030204" pitchFamily="18" charset="0"/>
+                        </a:rPr>
+                        <m:t>(</m:t>
+                      </m:r>
+                      <m:r>
+                        <a:rPr lang="es-MX" sz="3200" b="0" i="1" smtClean="0">
+                          <a:latin typeface="Cambria Math" panose="02040503050406030204" pitchFamily="18" charset="0"/>
+                        </a:rPr>
+                        <m:t>𝑝</m:t>
+                      </m:r>
+                      <m:r>
+                        <a:rPr lang="en-GB" sz="3200" b="0" i="1" smtClean="0">
+                          <a:latin typeface="Cambria Math" panose="02040503050406030204" pitchFamily="18" charset="0"/>
+                        </a:rPr>
+                        <m:t>)</m:t>
+                      </m:r>
+                    </m:oMath>
+                  </m:oMathPara>
+                </a14:m>
+                <a:endParaRPr lang="es-MX" sz="3200" b="0" i="1" dirty="0">
+                  <a:latin typeface="Cambria Math" panose="02040503050406030204" pitchFamily="18" charset="0"/>
+                </a:endParaRPr>
+              </a:p>
+              <a:p>
+                <a:endParaRPr lang="es-MX" sz="3200" i="1" dirty="0">
+                  <a:latin typeface="Cambria Math" panose="02040503050406030204" pitchFamily="18" charset="0"/>
+                </a:endParaRPr>
+              </a:p>
+              <a:p>
+                <a14:m>
+                  <m:oMath xmlns:m="http://schemas.openxmlformats.org/officeDocument/2006/math">
+                    <m:r>
+                      <a:rPr lang="es-MX" sz="3200" b="0" i="1" smtClean="0">
+                        <a:latin typeface="Cambria Math" panose="02040503050406030204" pitchFamily="18" charset="0"/>
+                      </a:rPr>
+                      <m:t>𝑋</m:t>
+                    </m:r>
+                  </m:oMath>
+                </a14:m>
+                <a:r>
+                  <a:rPr lang="en-GB" sz="3200" dirty="0"/>
+                  <a:t> </a:t>
+                </a:r>
+                <a:r>
+                  <a:rPr lang="en-GB" sz="3200" dirty="0" err="1">
+                    <a:latin typeface="Times New Roman" panose="02020603050405020304" pitchFamily="18" charset="0"/>
+                    <a:cs typeface="Times New Roman" panose="02020603050405020304" pitchFamily="18" charset="0"/>
+                  </a:rPr>
+                  <a:t>proviene</a:t>
+                </a:r>
+                <a:r>
+                  <a:rPr lang="en-GB" sz="3200" dirty="0">
+                    <a:latin typeface="Times New Roman" panose="02020603050405020304" pitchFamily="18" charset="0"/>
+                    <a:cs typeface="Times New Roman" panose="02020603050405020304" pitchFamily="18" charset="0"/>
+                  </a:rPr>
+                  <a:t> de </a:t>
+                </a:r>
+                <a:r>
+                  <a:rPr lang="en-GB" sz="3200" dirty="0" err="1">
+                    <a:latin typeface="Times New Roman" panose="02020603050405020304" pitchFamily="18" charset="0"/>
+                    <a:cs typeface="Times New Roman" panose="02020603050405020304" pitchFamily="18" charset="0"/>
+                  </a:rPr>
+                  <a:t>una</a:t>
+                </a:r>
+                <a:r>
+                  <a:rPr lang="en-GB" sz="3200" dirty="0">
+                    <a:latin typeface="Times New Roman" panose="02020603050405020304" pitchFamily="18" charset="0"/>
+                    <a:cs typeface="Times New Roman" panose="02020603050405020304" pitchFamily="18" charset="0"/>
+                  </a:rPr>
+                  <a:t> </a:t>
+                </a:r>
+                <a:r>
+                  <a:rPr lang="en-GB" sz="3200" dirty="0" err="1">
+                    <a:latin typeface="Times New Roman" panose="02020603050405020304" pitchFamily="18" charset="0"/>
+                    <a:cs typeface="Times New Roman" panose="02020603050405020304" pitchFamily="18" charset="0"/>
+                  </a:rPr>
+                  <a:t>distribución</a:t>
+                </a:r>
+                <a:r>
+                  <a:rPr lang="en-GB" sz="3200" dirty="0">
+                    <a:latin typeface="Times New Roman" panose="02020603050405020304" pitchFamily="18" charset="0"/>
+                    <a:cs typeface="Times New Roman" panose="02020603050405020304" pitchFamily="18" charset="0"/>
+                  </a:rPr>
+                  <a:t> Bernoulli con parametro </a:t>
+                </a:r>
+                <a14:m>
+                  <m:oMath xmlns:m="http://schemas.openxmlformats.org/officeDocument/2006/math">
+                    <m:r>
+                      <a:rPr lang="es-MX" sz="3200" i="1">
+                        <a:latin typeface="Cambria Math" panose="02040503050406030204" pitchFamily="18" charset="0"/>
+                      </a:rPr>
+                      <m:t>𝑝</m:t>
+                    </m:r>
+                  </m:oMath>
+                </a14:m>
+                <a:r>
+                  <a:rPr lang="en-GB" sz="3200" dirty="0">
+                    <a:latin typeface="Times New Roman" panose="02020603050405020304" pitchFamily="18" charset="0"/>
+                    <a:cs typeface="Times New Roman" panose="02020603050405020304" pitchFamily="18" charset="0"/>
+                  </a:rPr>
+                  <a:t>, por lo que </a:t>
+                </a:r>
+                <a14:m>
+                  <m:oMath xmlns:m="http://schemas.openxmlformats.org/officeDocument/2006/math">
+                    <m:r>
+                      <a:rPr lang="en-GB" sz="3200" i="1">
+                        <a:latin typeface="Cambria Math" panose="02040503050406030204" pitchFamily="18" charset="0"/>
+                      </a:rPr>
+                      <m:t>𝑋</m:t>
+                    </m:r>
+                    <m:r>
+                      <a:rPr lang="en-GB" sz="3200" dirty="0">
+                        <a:latin typeface="Cambria Math" panose="02040503050406030204" pitchFamily="18" charset="0"/>
+                        <a:ea typeface="Cambria Math" panose="02040503050406030204" pitchFamily="18" charset="0"/>
+                      </a:rPr>
+                      <m:t>∈</m:t>
+                    </m:r>
+                    <m:d>
+                      <m:dPr>
+                        <m:begChr m:val="{"/>
+                        <m:endChr m:val="}"/>
+                        <m:ctrlPr>
+                          <a:rPr lang="en-GB" sz="3200" i="1" dirty="0" smtClean="0">
+                            <a:latin typeface="Cambria Math" panose="02040503050406030204" pitchFamily="18" charset="0"/>
+                            <a:ea typeface="Cambria Math" panose="02040503050406030204" pitchFamily="18" charset="0"/>
+                          </a:rPr>
+                        </m:ctrlPr>
+                      </m:dPr>
+                      <m:e>
+                        <m:r>
+                          <a:rPr lang="es-MX" sz="3200" b="0" i="1" dirty="0" smtClean="0">
+                            <a:latin typeface="Cambria Math" panose="02040503050406030204" pitchFamily="18" charset="0"/>
+                            <a:ea typeface="Cambria Math" panose="02040503050406030204" pitchFamily="18" charset="0"/>
+                          </a:rPr>
+                          <m:t>0,1</m:t>
+                        </m:r>
+                      </m:e>
+                    </m:d>
+                  </m:oMath>
+                </a14:m>
+                <a:r>
+                  <a:rPr lang="en-GB" sz="3200" dirty="0"/>
+                  <a:t>. </a:t>
+                </a:r>
+                <a:endParaRPr lang="es-MX" sz="3200" dirty="0">
+                  <a:latin typeface="Cambria Math" panose="02040503050406030204" pitchFamily="18" charset="0"/>
+                  <a:ea typeface="Cambria Math" panose="02040503050406030204" pitchFamily="18" charset="0"/>
+                </a:endParaRPr>
+              </a:p>
+              <a:p>
+                <a:endParaRPr lang="es-MX" sz="3200" dirty="0">
+                  <a:latin typeface="Cambria Math" panose="02040503050406030204" pitchFamily="18" charset="0"/>
+                  <a:ea typeface="Cambria Math" panose="02040503050406030204" pitchFamily="18" charset="0"/>
+                </a:endParaRPr>
+              </a:p>
+              <a:p>
+                <a14:m>
+                  <m:oMath xmlns:m="http://schemas.openxmlformats.org/officeDocument/2006/math">
+                    <m:r>
+                      <a:rPr lang="en-GB" sz="3200" dirty="0">
+                        <a:latin typeface="Cambria Math" panose="02040503050406030204" pitchFamily="18" charset="0"/>
+                        <a:ea typeface="Cambria Math" panose="02040503050406030204" pitchFamily="18" charset="0"/>
+                      </a:rPr>
+                      <m:t>∈</m:t>
+                    </m:r>
+                  </m:oMath>
+                </a14:m>
+                <a:r>
+                  <a:rPr lang="en-GB" sz="3200" dirty="0">
+                    <a:latin typeface="Times New Roman" panose="02020603050405020304" pitchFamily="18" charset="0"/>
+                    <a:cs typeface="Times New Roman" panose="02020603050405020304" pitchFamily="18" charset="0"/>
+                  </a:rPr>
+                  <a:t> = ”</a:t>
+                </a:r>
+                <a:r>
+                  <a:rPr lang="en-GB" sz="3200" dirty="0" err="1">
+                    <a:latin typeface="Times New Roman" panose="02020603050405020304" pitchFamily="18" charset="0"/>
+                    <a:cs typeface="Times New Roman" panose="02020603050405020304" pitchFamily="18" charset="0"/>
+                  </a:rPr>
+                  <a:t>pertenece</a:t>
+                </a:r>
+                <a:r>
+                  <a:rPr lang="en-GB" sz="3200" dirty="0">
+                    <a:latin typeface="Times New Roman" panose="02020603050405020304" pitchFamily="18" charset="0"/>
+                    <a:cs typeface="Times New Roman" panose="02020603050405020304" pitchFamily="18" charset="0"/>
+                  </a:rPr>
+                  <a:t> a”</a:t>
+                </a:r>
+              </a:p>
+              <a:p>
+                <a:endParaRPr lang="en-GB" sz="3200" dirty="0">
+                  <a:latin typeface="Times New Roman" panose="02020603050405020304" pitchFamily="18" charset="0"/>
+                  <a:cs typeface="Times New Roman" panose="02020603050405020304" pitchFamily="18" charset="0"/>
+                </a:endParaRPr>
+              </a:p>
+              <a:p>
+                <a:pPr/>
+                <a14:m>
+                  <m:oMathPara xmlns:m="http://schemas.openxmlformats.org/officeDocument/2006/math">
+                    <m:oMathParaPr>
+                      <m:jc m:val="centerGroup"/>
+                    </m:oMathParaPr>
+                    <m:oMath xmlns:m="http://schemas.openxmlformats.org/officeDocument/2006/math">
+                      <m:r>
+                        <a:rPr lang="es-MX" sz="3200" b="0" i="1" dirty="0" smtClean="0">
+                          <a:latin typeface="Cambria Math" panose="02040503050406030204" pitchFamily="18" charset="0"/>
+                          <a:ea typeface="Cambria Math" panose="02040503050406030204" pitchFamily="18" charset="0"/>
+                        </a:rPr>
+                        <m:t>𝐸</m:t>
+                      </m:r>
+                      <m:d>
+                        <m:dPr>
+                          <m:begChr m:val="["/>
+                          <m:endChr m:val="]"/>
+                          <m:ctrlPr>
+                            <a:rPr lang="en-GB" sz="3200" i="1" dirty="0" smtClean="0">
+                              <a:latin typeface="Cambria Math" panose="02040503050406030204" pitchFamily="18" charset="0"/>
+                              <a:ea typeface="Cambria Math" panose="02040503050406030204" pitchFamily="18" charset="0"/>
+                            </a:rPr>
+                          </m:ctrlPr>
+                        </m:dPr>
+                        <m:e>
+                          <m:r>
+                            <a:rPr lang="es-MX" sz="3200" b="0" i="1" dirty="0" smtClean="0">
+                              <a:latin typeface="Cambria Math" panose="02040503050406030204" pitchFamily="18" charset="0"/>
+                              <a:ea typeface="Cambria Math" panose="02040503050406030204" pitchFamily="18" charset="0"/>
+                            </a:rPr>
+                            <m:t>𝑋</m:t>
+                          </m:r>
+                        </m:e>
+                      </m:d>
+                      <m:r>
+                        <a:rPr lang="en-GB" sz="3200" b="0" i="1" dirty="0" smtClean="0">
+                          <a:latin typeface="Cambria Math" panose="02040503050406030204" pitchFamily="18" charset="0"/>
+                          <a:ea typeface="Cambria Math" panose="02040503050406030204" pitchFamily="18" charset="0"/>
+                        </a:rPr>
+                        <m:t>=</m:t>
+                      </m:r>
+                      <m:r>
+                        <a:rPr lang="en-GB" sz="3200" b="0" i="1" dirty="0" smtClean="0">
+                          <a:latin typeface="Cambria Math" panose="02040503050406030204" pitchFamily="18" charset="0"/>
+                          <a:ea typeface="Cambria Math" panose="02040503050406030204" pitchFamily="18" charset="0"/>
+                        </a:rPr>
+                        <m:t>𝑝</m:t>
+                      </m:r>
+                    </m:oMath>
+                  </m:oMathPara>
+                </a14:m>
+                <a:endParaRPr lang="es-MX" sz="3200" dirty="0">
+                  <a:ea typeface="Cambria Math" panose="02040503050406030204" pitchFamily="18" charset="0"/>
+                </a:endParaRPr>
+              </a:p>
+              <a:p>
+                <a:pPr/>
+                <a14:m>
+                  <m:oMathPara xmlns:m="http://schemas.openxmlformats.org/officeDocument/2006/math">
+                    <m:oMathParaPr>
+                      <m:jc m:val="centerGroup"/>
+                    </m:oMathParaPr>
+                    <m:oMath xmlns:m="http://schemas.openxmlformats.org/officeDocument/2006/math">
+                      <m:r>
+                        <m:rPr>
+                          <m:sty m:val="p"/>
+                        </m:rPr>
+                        <a:rPr lang="es-MX" sz="3200" b="0" i="0" dirty="0" smtClean="0">
+                          <a:latin typeface="Cambria Math" panose="02040503050406030204" pitchFamily="18" charset="0"/>
+                          <a:ea typeface="Cambria Math" panose="02040503050406030204" pitchFamily="18" charset="0"/>
+                        </a:rPr>
+                        <m:t>Var</m:t>
+                      </m:r>
+                      <m:d>
+                        <m:dPr>
+                          <m:begChr m:val="["/>
+                          <m:endChr m:val="]"/>
+                          <m:ctrlPr>
+                            <a:rPr lang="en-GB" sz="3200" i="1" dirty="0" smtClean="0">
+                              <a:latin typeface="Cambria Math" panose="02040503050406030204" pitchFamily="18" charset="0"/>
+                              <a:ea typeface="Cambria Math" panose="02040503050406030204" pitchFamily="18" charset="0"/>
+                            </a:rPr>
+                          </m:ctrlPr>
+                        </m:dPr>
+                        <m:e>
+                          <m:r>
+                            <a:rPr lang="es-MX" sz="3200" b="0" i="1" dirty="0" smtClean="0">
+                              <a:latin typeface="Cambria Math" panose="02040503050406030204" pitchFamily="18" charset="0"/>
+                              <a:ea typeface="Cambria Math" panose="02040503050406030204" pitchFamily="18" charset="0"/>
+                            </a:rPr>
+                            <m:t>𝑋</m:t>
+                          </m:r>
+                        </m:e>
+                      </m:d>
+                      <m:r>
+                        <a:rPr lang="en-GB" sz="3200" i="1" dirty="0">
+                          <a:latin typeface="Cambria Math" panose="02040503050406030204" pitchFamily="18" charset="0"/>
+                          <a:ea typeface="Cambria Math" panose="02040503050406030204" pitchFamily="18" charset="0"/>
+                        </a:rPr>
+                        <m:t>=</m:t>
+                      </m:r>
+                      <m:r>
+                        <a:rPr lang="en-GB" sz="3200" i="1" dirty="0">
+                          <a:latin typeface="Cambria Math" panose="02040503050406030204" pitchFamily="18" charset="0"/>
+                          <a:ea typeface="Cambria Math" panose="02040503050406030204" pitchFamily="18" charset="0"/>
+                        </a:rPr>
+                        <m:t>𝑝</m:t>
+                      </m:r>
+                      <m:r>
+                        <a:rPr lang="en-GB" sz="3200" b="0" i="1" dirty="0" smtClean="0">
+                          <a:latin typeface="Cambria Math" panose="02040503050406030204" pitchFamily="18" charset="0"/>
+                          <a:ea typeface="Cambria Math" panose="02040503050406030204" pitchFamily="18" charset="0"/>
+                        </a:rPr>
+                        <m:t>(1−</m:t>
+                      </m:r>
+                      <m:r>
+                        <a:rPr lang="en-GB" sz="3200" b="0" i="1" dirty="0" smtClean="0">
+                          <a:latin typeface="Cambria Math" panose="02040503050406030204" pitchFamily="18" charset="0"/>
+                          <a:ea typeface="Cambria Math" panose="02040503050406030204" pitchFamily="18" charset="0"/>
+                        </a:rPr>
+                        <m:t>𝑝</m:t>
+                      </m:r>
+                      <m:r>
+                        <a:rPr lang="en-GB" sz="3200" b="0" i="1" dirty="0" smtClean="0">
+                          <a:latin typeface="Cambria Math" panose="02040503050406030204" pitchFamily="18" charset="0"/>
+                          <a:ea typeface="Cambria Math" panose="02040503050406030204" pitchFamily="18" charset="0"/>
+                        </a:rPr>
+                        <m:t>)</m:t>
+                      </m:r>
+                    </m:oMath>
+                  </m:oMathPara>
+                </a14:m>
+                <a:endParaRPr lang="en-GB" sz="3200" dirty="0"/>
+              </a:p>
+            </p:txBody>
+          </p:sp>
+        </mc:Choice>
+        <mc:Fallback xmlns="">
+          <p:sp>
+            <p:nvSpPr>
+              <p:cNvPr id="6" name="TextBox 5">
+                <a:extLst>
+                  <a:ext uri="{FF2B5EF4-FFF2-40B4-BE49-F238E27FC236}">
+                    <a16:creationId xmlns:a16="http://schemas.microsoft.com/office/drawing/2014/main" id="{1F28697E-A5BC-6521-CDB3-3C6F951F4F9D}"/>
+                  </a:ext>
+                </a:extLst>
+              </p:cNvPr>
+              <p:cNvSpPr txBox="1">
+                <a:spLocks noRot="1" noChangeAspect="1" noMove="1" noResize="1" noEditPoints="1" noAdjustHandles="1" noChangeArrowheads="1" noChangeShapeType="1" noTextEdit="1"/>
+              </p:cNvSpPr>
+              <p:nvPr/>
+            </p:nvSpPr>
+            <p:spPr>
+              <a:xfrm>
+                <a:off x="2298917" y="1624965"/>
+                <a:ext cx="7375416" cy="4431983"/>
+              </a:xfrm>
+              <a:prstGeom prst="rect">
+                <a:avLst/>
+              </a:prstGeom>
+              <a:blipFill>
+                <a:blip r:embed="rId2"/>
+                <a:stretch>
+                  <a:fillRect l="-3306" r="-4050"/>
+                </a:stretch>
+              </a:blipFill>
+            </p:spPr>
+            <p:txBody>
+              <a:bodyPr/>
+              <a:lstStyle/>
+              <a:p>
+                <a:r>
+                  <a:rPr lang="en-GB">
+                    <a:noFill/>
+                  </a:rPr>
+                  <a:t> </a:t>
+                </a:r>
+              </a:p>
+            </p:txBody>
+          </p:sp>
+        </mc:Fallback>
+      </mc:AlternateContent>
+      <p:sp>
+        <p:nvSpPr>
+          <p:cNvPr id="3" name="Título 1">
+            <a:extLst>
+              <a:ext uri="{FF2B5EF4-FFF2-40B4-BE49-F238E27FC236}">
+                <a16:creationId xmlns:a16="http://schemas.microsoft.com/office/drawing/2014/main" id="{8E6409F3-7489-E250-A620-EB75099E971E}"/>
+              </a:ext>
+            </a:extLst>
+          </p:cNvPr>
+          <p:cNvSpPr txBox="1">
+            <a:spLocks/>
+          </p:cNvSpPr>
+          <p:nvPr/>
+        </p:nvSpPr>
+        <p:spPr>
+          <a:xfrm>
+            <a:off x="0" y="0"/>
+            <a:ext cx="12192000" cy="1325563"/>
+          </a:xfrm>
+          <a:prstGeom prst="rect">
+            <a:avLst/>
+          </a:prstGeom>
+        </p:spPr>
+        <p:txBody>
+          <a:bodyPr vert="horz" lIns="91440" tIns="45720" rIns="91440" bIns="45720" rtlCol="0" anchor="b">
+            <a:normAutofit/>
+          </a:bodyPr>
+          <a:lstStyle>
+            <a:lvl1pPr algn="ctr" defTabSz="914400" rtl="0" eaLnBrk="1" latinLnBrk="0" hangingPunct="1">
+              <a:lnSpc>
+                <a:spcPct val="90000"/>
+              </a:lnSpc>
+              <a:spcBef>
+                <a:spcPct val="0"/>
+              </a:spcBef>
+              <a:buNone/>
+              <a:defRPr sz="6000" kern="1200">
+                <a:solidFill>
+                  <a:schemeClr val="tx1"/>
+                </a:solidFill>
+                <a:latin typeface="+mj-lt"/>
+                <a:ea typeface="+mj-ea"/>
+                <a:cs typeface="+mj-cs"/>
+              </a:defRPr>
+            </a:lvl1pPr>
+          </a:lstStyle>
+          <a:p>
+            <a:r>
+              <a:rPr lang="es-MX" sz="4800" b="1" dirty="0">
+                <a:latin typeface="Times New Roman" panose="02020603050405020304" pitchFamily="18" charset="0"/>
+                <a:cs typeface="Times New Roman" panose="02020603050405020304" pitchFamily="18" charset="0"/>
+              </a:rPr>
+              <a:t>Distribución Bernoulli</a:t>
+            </a:r>
+          </a:p>
+        </p:txBody>
+      </p:sp>
+    </p:spTree>
+    <p:extLst>
+      <p:ext uri="{BB962C8B-B14F-4D97-AF65-F5344CB8AC3E}">
+        <p14:creationId xmlns:p14="http://schemas.microsoft.com/office/powerpoint/2010/main" val="2135828464"/>
+      </p:ext>
+    </p:extLst>
+  </p:cSld>
+  <p:clrMapOvr>
+    <a:masterClrMapping/>
+  </p:clrMapOvr>
+</p:sld>
+</file>
+
+<file path=ppt/slides/slide30.xml><?xml version="1.0" encoding="utf-8"?>
 <p:sld xmlns:a="http://schemas.openxmlformats.org/drawingml/2006/main" xmlns:r="http://schemas.openxmlformats.org/officeDocument/2006/relationships" xmlns:p="http://schemas.openxmlformats.org/presentationml/2006/main">
   <p:cSld>
     <p:spTree>
@@ -13346,8 +16004,8 @@
           </p:sp>
         </mc:Fallback>
       </mc:AlternateContent>
-      <mc:AlternateContent xmlns:mc="http://schemas.openxmlformats.org/markup-compatibility/2006">
-        <mc:Choice xmlns:a14="http://schemas.microsoft.com/office/drawing/2010/main" Requires="a14">
+      <mc:AlternateContent xmlns:mc="http://schemas.openxmlformats.org/markup-compatibility/2006" xmlns:a14="http://schemas.microsoft.com/office/drawing/2010/main">
+        <mc:Choice Requires="a14">
           <p:sp>
             <p:nvSpPr>
               <p:cNvPr id="9" name="Oval 8">
@@ -13425,7 +16083,7 @@
             </p:txBody>
           </p:sp>
         </mc:Choice>
-        <mc:Fallback>
+        <mc:Fallback xmlns="">
           <p:sp>
             <p:nvSpPr>
               <p:cNvPr id="9" name="Oval 8">
@@ -13837,7 +16495,7 @@
 </p:sld>
 </file>
 
-<file path=ppt/slides/slide28.xml><?xml version="1.0" encoding="utf-8"?>
+<file path=ppt/slides/slide31.xml><?xml version="1.0" encoding="utf-8"?>
 <p:sld xmlns:a="http://schemas.openxmlformats.org/drawingml/2006/main" xmlns:r="http://schemas.openxmlformats.org/officeDocument/2006/relationships" xmlns:p="http://schemas.openxmlformats.org/presentationml/2006/main">
   <p:cSld>
     <p:spTree>
@@ -14799,7 +17457,7 @@
 </p:sld>
 </file>
 
-<file path=ppt/slides/slide29.xml><?xml version="1.0" encoding="utf-8"?>
+<file path=ppt/slides/slide32.xml><?xml version="1.0" encoding="utf-8"?>
 <p:sld xmlns:a="http://schemas.openxmlformats.org/drawingml/2006/main" xmlns:r="http://schemas.openxmlformats.org/officeDocument/2006/relationships" xmlns:p="http://schemas.openxmlformats.org/presentationml/2006/main">
   <p:cSld>
     <p:spTree>
@@ -15347,8 +18005,8 @@
           </a:fontRef>
         </p:style>
       </p:cxnSp>
-      <mc:AlternateContent xmlns:mc="http://schemas.openxmlformats.org/markup-compatibility/2006">
-        <mc:Choice xmlns:a14="http://schemas.microsoft.com/office/drawing/2010/main" Requires="a14">
+      <mc:AlternateContent xmlns:mc="http://schemas.openxmlformats.org/markup-compatibility/2006" xmlns:a14="http://schemas.microsoft.com/office/drawing/2010/main">
+        <mc:Choice Requires="a14">
           <p:sp>
             <p:nvSpPr>
               <p:cNvPr id="11" name="TextBox 10">
@@ -15549,7 +18207,7 @@
             </p:txBody>
           </p:sp>
         </mc:Choice>
-        <mc:Fallback>
+        <mc:Fallback xmlns="">
           <p:sp>
             <p:nvSpPr>
               <p:cNvPr id="11" name="TextBox 10">
@@ -15683,593 +18341,7 @@
 </p:sld>
 </file>
 
-<file path=ppt/slides/slide3.xml><?xml version="1.0" encoding="utf-8"?>
-<p:sld xmlns:a="http://schemas.openxmlformats.org/drawingml/2006/main" xmlns:r="http://schemas.openxmlformats.org/officeDocument/2006/relationships" xmlns:p="http://schemas.openxmlformats.org/presentationml/2006/main">
-  <p:cSld>
-    <p:spTree>
-      <p:nvGrpSpPr>
-        <p:cNvPr id="1" name="">
-          <a:extLst>
-            <a:ext uri="{FF2B5EF4-FFF2-40B4-BE49-F238E27FC236}">
-              <a16:creationId xmlns:a16="http://schemas.microsoft.com/office/drawing/2014/main" id="{E507B879-E444-1D74-E38F-6817313E3120}"/>
-            </a:ext>
-          </a:extLst>
-        </p:cNvPr>
-        <p:cNvGrpSpPr/>
-        <p:nvPr/>
-      </p:nvGrpSpPr>
-      <p:grpSpPr>
-        <a:xfrm>
-          <a:off x="0" y="0"/>
-          <a:ext cx="0" cy="0"/>
-          <a:chOff x="0" y="0"/>
-          <a:chExt cx="0" cy="0"/>
-        </a:xfrm>
-      </p:grpSpPr>
-      <p:sp>
-        <p:nvSpPr>
-          <p:cNvPr id="4" name="Footer Placeholder 3">
-            <a:extLst>
-              <a:ext uri="{FF2B5EF4-FFF2-40B4-BE49-F238E27FC236}">
-                <a16:creationId xmlns:a16="http://schemas.microsoft.com/office/drawing/2014/main" id="{6035AAF7-0333-33E6-C4FA-ECA4E99CBAA1}"/>
-              </a:ext>
-            </a:extLst>
-          </p:cNvPr>
-          <p:cNvSpPr>
-            <a:spLocks noGrp="1"/>
-          </p:cNvSpPr>
-          <p:nvPr>
-            <p:ph type="ftr" sz="quarter" idx="11"/>
-          </p:nvPr>
-        </p:nvSpPr>
-        <p:spPr/>
-        <p:txBody>
-          <a:bodyPr/>
-          <a:lstStyle/>
-          <a:p>
-            <a:r>
-              <a:rPr lang="en-GB"/>
-              <a:t>INPRFM</a:t>
-            </a:r>
-          </a:p>
-        </p:txBody>
-      </p:sp>
-      <p:sp>
-        <p:nvSpPr>
-          <p:cNvPr id="5" name="Slide Number Placeholder 4">
-            <a:extLst>
-              <a:ext uri="{FF2B5EF4-FFF2-40B4-BE49-F238E27FC236}">
-                <a16:creationId xmlns:a16="http://schemas.microsoft.com/office/drawing/2014/main" id="{FC07403B-9F4C-BBA0-176A-9B4D84C63DC2}"/>
-              </a:ext>
-            </a:extLst>
-          </p:cNvPr>
-          <p:cNvSpPr>
-            <a:spLocks noGrp="1"/>
-          </p:cNvSpPr>
-          <p:nvPr>
-            <p:ph type="sldNum" sz="quarter" idx="12"/>
-          </p:nvPr>
-        </p:nvSpPr>
-        <p:spPr/>
-        <p:txBody>
-          <a:bodyPr/>
-          <a:lstStyle/>
-          <a:p>
-            <a:fld id="{D0FF140B-F376-4A1D-AAB0-11FF1D5631F2}" type="slidenum">
-              <a:rPr lang="en-GB" smtClean="0"/>
-              <a:t>3</a:t>
-            </a:fld>
-            <a:endParaRPr lang="en-GB"/>
-          </a:p>
-        </p:txBody>
-      </p:sp>
-      <mc:AlternateContent xmlns:mc="http://schemas.openxmlformats.org/markup-compatibility/2006" xmlns:a14="http://schemas.microsoft.com/office/drawing/2010/main">
-        <mc:Choice Requires="a14">
-          <p:sp>
-            <p:nvSpPr>
-              <p:cNvPr id="6" name="TextBox 5">
-                <a:extLst>
-                  <a:ext uri="{FF2B5EF4-FFF2-40B4-BE49-F238E27FC236}">
-                    <a16:creationId xmlns:a16="http://schemas.microsoft.com/office/drawing/2014/main" id="{1F28697E-A5BC-6521-CDB3-3C6F951F4F9D}"/>
-                  </a:ext>
-                </a:extLst>
-              </p:cNvPr>
-              <p:cNvSpPr txBox="1"/>
-              <p:nvPr/>
-            </p:nvSpPr>
-            <p:spPr>
-              <a:xfrm>
-                <a:off x="2298917" y="1624965"/>
-                <a:ext cx="7375416" cy="4431983"/>
-              </a:xfrm>
-              <a:prstGeom prst="rect">
-                <a:avLst/>
-              </a:prstGeom>
-              <a:noFill/>
-            </p:spPr>
-            <p:txBody>
-              <a:bodyPr wrap="square" lIns="0" tIns="0" rIns="0" bIns="0" rtlCol="0">
-                <a:spAutoFit/>
-              </a:bodyPr>
-              <a:lstStyle/>
-              <a:p>
-                <a:pPr/>
-                <a14:m>
-                  <m:oMathPara xmlns:m="http://schemas.openxmlformats.org/officeDocument/2006/math">
-                    <m:oMathParaPr>
-                      <m:jc m:val="centerGroup"/>
-                    </m:oMathParaPr>
-                    <m:oMath xmlns:m="http://schemas.openxmlformats.org/officeDocument/2006/math">
-                      <m:r>
-                        <a:rPr lang="en-GB" sz="3200" b="0" i="1" smtClean="0">
-                          <a:latin typeface="Cambria Math" panose="02040503050406030204" pitchFamily="18" charset="0"/>
-                        </a:rPr>
-                        <m:t>𝑋</m:t>
-                      </m:r>
-                      <m:r>
-                        <a:rPr lang="en-GB" sz="3200" b="0" i="1" smtClean="0">
-                          <a:latin typeface="Cambria Math" panose="02040503050406030204" pitchFamily="18" charset="0"/>
-                        </a:rPr>
-                        <m:t>~</m:t>
-                      </m:r>
-                      <m:r>
-                        <a:rPr lang="es-MX" sz="3200" b="0" i="1" smtClean="0">
-                          <a:latin typeface="Cambria Math" panose="02040503050406030204" pitchFamily="18" charset="0"/>
-                        </a:rPr>
-                        <m:t>𝐵𝑒</m:t>
-                      </m:r>
-                      <m:r>
-                        <a:rPr lang="en-GB" sz="3200" b="0" i="1" smtClean="0">
-                          <a:latin typeface="Cambria Math" panose="02040503050406030204" pitchFamily="18" charset="0"/>
-                        </a:rPr>
-                        <m:t>(</m:t>
-                      </m:r>
-                      <m:r>
-                        <a:rPr lang="es-MX" sz="3200" b="0" i="1" smtClean="0">
-                          <a:latin typeface="Cambria Math" panose="02040503050406030204" pitchFamily="18" charset="0"/>
-                        </a:rPr>
-                        <m:t>𝑝</m:t>
-                      </m:r>
-                      <m:r>
-                        <a:rPr lang="en-GB" sz="3200" b="0" i="1" smtClean="0">
-                          <a:latin typeface="Cambria Math" panose="02040503050406030204" pitchFamily="18" charset="0"/>
-                        </a:rPr>
-                        <m:t>)</m:t>
-                      </m:r>
-                    </m:oMath>
-                  </m:oMathPara>
-                </a14:m>
-                <a:endParaRPr lang="es-MX" sz="3200" b="0" i="1" dirty="0">
-                  <a:latin typeface="Cambria Math" panose="02040503050406030204" pitchFamily="18" charset="0"/>
-                </a:endParaRPr>
-              </a:p>
-              <a:p>
-                <a:endParaRPr lang="es-MX" sz="3200" i="1" dirty="0">
-                  <a:latin typeface="Cambria Math" panose="02040503050406030204" pitchFamily="18" charset="0"/>
-                </a:endParaRPr>
-              </a:p>
-              <a:p>
-                <a14:m>
-                  <m:oMath xmlns:m="http://schemas.openxmlformats.org/officeDocument/2006/math">
-                    <m:r>
-                      <a:rPr lang="es-MX" sz="3200" b="0" i="1" smtClean="0">
-                        <a:latin typeface="Cambria Math" panose="02040503050406030204" pitchFamily="18" charset="0"/>
-                      </a:rPr>
-                      <m:t>𝑋</m:t>
-                    </m:r>
-                  </m:oMath>
-                </a14:m>
-                <a:r>
-                  <a:rPr lang="en-GB" sz="3200" dirty="0"/>
-                  <a:t> </a:t>
-                </a:r>
-                <a:r>
-                  <a:rPr lang="en-GB" sz="3200" dirty="0" err="1">
-                    <a:latin typeface="Times New Roman" panose="02020603050405020304" pitchFamily="18" charset="0"/>
-                    <a:cs typeface="Times New Roman" panose="02020603050405020304" pitchFamily="18" charset="0"/>
-                  </a:rPr>
-                  <a:t>proviene</a:t>
-                </a:r>
-                <a:r>
-                  <a:rPr lang="en-GB" sz="3200" dirty="0">
-                    <a:latin typeface="Times New Roman" panose="02020603050405020304" pitchFamily="18" charset="0"/>
-                    <a:cs typeface="Times New Roman" panose="02020603050405020304" pitchFamily="18" charset="0"/>
-                  </a:rPr>
-                  <a:t> de </a:t>
-                </a:r>
-                <a:r>
-                  <a:rPr lang="en-GB" sz="3200" dirty="0" err="1">
-                    <a:latin typeface="Times New Roman" panose="02020603050405020304" pitchFamily="18" charset="0"/>
-                    <a:cs typeface="Times New Roman" panose="02020603050405020304" pitchFamily="18" charset="0"/>
-                  </a:rPr>
-                  <a:t>una</a:t>
-                </a:r>
-                <a:r>
-                  <a:rPr lang="en-GB" sz="3200" dirty="0">
-                    <a:latin typeface="Times New Roman" panose="02020603050405020304" pitchFamily="18" charset="0"/>
-                    <a:cs typeface="Times New Roman" panose="02020603050405020304" pitchFamily="18" charset="0"/>
-                  </a:rPr>
-                  <a:t> </a:t>
-                </a:r>
-                <a:r>
-                  <a:rPr lang="en-GB" sz="3200" dirty="0" err="1">
-                    <a:latin typeface="Times New Roman" panose="02020603050405020304" pitchFamily="18" charset="0"/>
-                    <a:cs typeface="Times New Roman" panose="02020603050405020304" pitchFamily="18" charset="0"/>
-                  </a:rPr>
-                  <a:t>distribución</a:t>
-                </a:r>
-                <a:r>
-                  <a:rPr lang="en-GB" sz="3200" dirty="0">
-                    <a:latin typeface="Times New Roman" panose="02020603050405020304" pitchFamily="18" charset="0"/>
-                    <a:cs typeface="Times New Roman" panose="02020603050405020304" pitchFamily="18" charset="0"/>
-                  </a:rPr>
-                  <a:t> Bernoulli con parametro </a:t>
-                </a:r>
-                <a14:m>
-                  <m:oMath xmlns:m="http://schemas.openxmlformats.org/officeDocument/2006/math">
-                    <m:r>
-                      <a:rPr lang="es-MX" sz="3200" i="1">
-                        <a:latin typeface="Cambria Math" panose="02040503050406030204" pitchFamily="18" charset="0"/>
-                      </a:rPr>
-                      <m:t>𝑝</m:t>
-                    </m:r>
-                  </m:oMath>
-                </a14:m>
-                <a:r>
-                  <a:rPr lang="en-GB" sz="3200" dirty="0">
-                    <a:latin typeface="Times New Roman" panose="02020603050405020304" pitchFamily="18" charset="0"/>
-                    <a:cs typeface="Times New Roman" panose="02020603050405020304" pitchFamily="18" charset="0"/>
-                  </a:rPr>
-                  <a:t>, por lo que </a:t>
-                </a:r>
-                <a14:m>
-                  <m:oMath xmlns:m="http://schemas.openxmlformats.org/officeDocument/2006/math">
-                    <m:r>
-                      <a:rPr lang="en-GB" sz="3200" i="1">
-                        <a:latin typeface="Cambria Math" panose="02040503050406030204" pitchFamily="18" charset="0"/>
-                      </a:rPr>
-                      <m:t>𝑋</m:t>
-                    </m:r>
-                    <m:r>
-                      <a:rPr lang="en-GB" sz="3200" dirty="0">
-                        <a:latin typeface="Cambria Math" panose="02040503050406030204" pitchFamily="18" charset="0"/>
-                        <a:ea typeface="Cambria Math" panose="02040503050406030204" pitchFamily="18" charset="0"/>
-                      </a:rPr>
-                      <m:t>∈</m:t>
-                    </m:r>
-                    <m:d>
-                      <m:dPr>
-                        <m:begChr m:val="{"/>
-                        <m:endChr m:val="}"/>
-                        <m:ctrlPr>
-                          <a:rPr lang="en-GB" sz="3200" i="1" dirty="0" smtClean="0">
-                            <a:latin typeface="Cambria Math" panose="02040503050406030204" pitchFamily="18" charset="0"/>
-                            <a:ea typeface="Cambria Math" panose="02040503050406030204" pitchFamily="18" charset="0"/>
-                          </a:rPr>
-                        </m:ctrlPr>
-                      </m:dPr>
-                      <m:e>
-                        <m:r>
-                          <a:rPr lang="es-MX" sz="3200" b="0" i="1" dirty="0" smtClean="0">
-                            <a:latin typeface="Cambria Math" panose="02040503050406030204" pitchFamily="18" charset="0"/>
-                            <a:ea typeface="Cambria Math" panose="02040503050406030204" pitchFamily="18" charset="0"/>
-                          </a:rPr>
-                          <m:t>0,1</m:t>
-                        </m:r>
-                      </m:e>
-                    </m:d>
-                  </m:oMath>
-                </a14:m>
-                <a:r>
-                  <a:rPr lang="en-GB" sz="3200" dirty="0"/>
-                  <a:t>. </a:t>
-                </a:r>
-                <a:endParaRPr lang="es-MX" sz="3200" dirty="0">
-                  <a:latin typeface="Cambria Math" panose="02040503050406030204" pitchFamily="18" charset="0"/>
-                  <a:ea typeface="Cambria Math" panose="02040503050406030204" pitchFamily="18" charset="0"/>
-                </a:endParaRPr>
-              </a:p>
-              <a:p>
-                <a:endParaRPr lang="es-MX" sz="3200" dirty="0">
-                  <a:latin typeface="Cambria Math" panose="02040503050406030204" pitchFamily="18" charset="0"/>
-                  <a:ea typeface="Cambria Math" panose="02040503050406030204" pitchFamily="18" charset="0"/>
-                </a:endParaRPr>
-              </a:p>
-              <a:p>
-                <a14:m>
-                  <m:oMath xmlns:m="http://schemas.openxmlformats.org/officeDocument/2006/math">
-                    <m:r>
-                      <a:rPr lang="en-GB" sz="3200" dirty="0">
-                        <a:latin typeface="Cambria Math" panose="02040503050406030204" pitchFamily="18" charset="0"/>
-                        <a:ea typeface="Cambria Math" panose="02040503050406030204" pitchFamily="18" charset="0"/>
-                      </a:rPr>
-                      <m:t>∈</m:t>
-                    </m:r>
-                  </m:oMath>
-                </a14:m>
-                <a:r>
-                  <a:rPr lang="en-GB" sz="3200" dirty="0">
-                    <a:latin typeface="Times New Roman" panose="02020603050405020304" pitchFamily="18" charset="0"/>
-                    <a:cs typeface="Times New Roman" panose="02020603050405020304" pitchFamily="18" charset="0"/>
-                  </a:rPr>
-                  <a:t> = ”</a:t>
-                </a:r>
-                <a:r>
-                  <a:rPr lang="en-GB" sz="3200" dirty="0" err="1">
-                    <a:latin typeface="Times New Roman" panose="02020603050405020304" pitchFamily="18" charset="0"/>
-                    <a:cs typeface="Times New Roman" panose="02020603050405020304" pitchFamily="18" charset="0"/>
-                  </a:rPr>
-                  <a:t>pertenece</a:t>
-                </a:r>
-                <a:r>
-                  <a:rPr lang="en-GB" sz="3200" dirty="0">
-                    <a:latin typeface="Times New Roman" panose="02020603050405020304" pitchFamily="18" charset="0"/>
-                    <a:cs typeface="Times New Roman" panose="02020603050405020304" pitchFamily="18" charset="0"/>
-                  </a:rPr>
-                  <a:t> a”</a:t>
-                </a:r>
-              </a:p>
-              <a:p>
-                <a:endParaRPr lang="en-GB" sz="3200" dirty="0">
-                  <a:latin typeface="Times New Roman" panose="02020603050405020304" pitchFamily="18" charset="0"/>
-                  <a:cs typeface="Times New Roman" panose="02020603050405020304" pitchFamily="18" charset="0"/>
-                </a:endParaRPr>
-              </a:p>
-              <a:p>
-                <a:pPr/>
-                <a14:m>
-                  <m:oMathPara xmlns:m="http://schemas.openxmlformats.org/officeDocument/2006/math">
-                    <m:oMathParaPr>
-                      <m:jc m:val="centerGroup"/>
-                    </m:oMathParaPr>
-                    <m:oMath xmlns:m="http://schemas.openxmlformats.org/officeDocument/2006/math">
-                      <m:r>
-                        <a:rPr lang="es-MX" sz="3200" b="0" i="1" dirty="0" smtClean="0">
-                          <a:latin typeface="Cambria Math" panose="02040503050406030204" pitchFamily="18" charset="0"/>
-                          <a:ea typeface="Cambria Math" panose="02040503050406030204" pitchFamily="18" charset="0"/>
-                        </a:rPr>
-                        <m:t>𝐸</m:t>
-                      </m:r>
-                      <m:d>
-                        <m:dPr>
-                          <m:begChr m:val="["/>
-                          <m:endChr m:val="]"/>
-                          <m:ctrlPr>
-                            <a:rPr lang="en-GB" sz="3200" i="1" dirty="0" smtClean="0">
-                              <a:latin typeface="Cambria Math" panose="02040503050406030204" pitchFamily="18" charset="0"/>
-                              <a:ea typeface="Cambria Math" panose="02040503050406030204" pitchFamily="18" charset="0"/>
-                            </a:rPr>
-                          </m:ctrlPr>
-                        </m:dPr>
-                        <m:e>
-                          <m:r>
-                            <a:rPr lang="es-MX" sz="3200" b="0" i="1" dirty="0" smtClean="0">
-                              <a:latin typeface="Cambria Math" panose="02040503050406030204" pitchFamily="18" charset="0"/>
-                              <a:ea typeface="Cambria Math" panose="02040503050406030204" pitchFamily="18" charset="0"/>
-                            </a:rPr>
-                            <m:t>𝑋</m:t>
-                          </m:r>
-                        </m:e>
-                      </m:d>
-                      <m:r>
-                        <a:rPr lang="en-GB" sz="3200" b="0" i="1" dirty="0" smtClean="0">
-                          <a:latin typeface="Cambria Math" panose="02040503050406030204" pitchFamily="18" charset="0"/>
-                          <a:ea typeface="Cambria Math" panose="02040503050406030204" pitchFamily="18" charset="0"/>
-                        </a:rPr>
-                        <m:t>=</m:t>
-                      </m:r>
-                      <m:r>
-                        <a:rPr lang="en-GB" sz="3200" b="0" i="1" dirty="0" smtClean="0">
-                          <a:latin typeface="Cambria Math" panose="02040503050406030204" pitchFamily="18" charset="0"/>
-                          <a:ea typeface="Cambria Math" panose="02040503050406030204" pitchFamily="18" charset="0"/>
-                        </a:rPr>
-                        <m:t>𝑝</m:t>
-                      </m:r>
-                    </m:oMath>
-                  </m:oMathPara>
-                </a14:m>
-                <a:endParaRPr lang="es-MX" sz="3200" dirty="0">
-                  <a:ea typeface="Cambria Math" panose="02040503050406030204" pitchFamily="18" charset="0"/>
-                </a:endParaRPr>
-              </a:p>
-              <a:p>
-                <a:pPr/>
-                <a14:m>
-                  <m:oMathPara xmlns:m="http://schemas.openxmlformats.org/officeDocument/2006/math">
-                    <m:oMathParaPr>
-                      <m:jc m:val="centerGroup"/>
-                    </m:oMathParaPr>
-                    <m:oMath xmlns:m="http://schemas.openxmlformats.org/officeDocument/2006/math">
-                      <m:r>
-                        <m:rPr>
-                          <m:sty m:val="p"/>
-                        </m:rPr>
-                        <a:rPr lang="es-MX" sz="3200" b="0" i="0" dirty="0" smtClean="0">
-                          <a:latin typeface="Cambria Math" panose="02040503050406030204" pitchFamily="18" charset="0"/>
-                          <a:ea typeface="Cambria Math" panose="02040503050406030204" pitchFamily="18" charset="0"/>
-                        </a:rPr>
-                        <m:t>Var</m:t>
-                      </m:r>
-                      <m:d>
-                        <m:dPr>
-                          <m:begChr m:val="["/>
-                          <m:endChr m:val="]"/>
-                          <m:ctrlPr>
-                            <a:rPr lang="en-GB" sz="3200" i="1" dirty="0" smtClean="0">
-                              <a:latin typeface="Cambria Math" panose="02040503050406030204" pitchFamily="18" charset="0"/>
-                              <a:ea typeface="Cambria Math" panose="02040503050406030204" pitchFamily="18" charset="0"/>
-                            </a:rPr>
-                          </m:ctrlPr>
-                        </m:dPr>
-                        <m:e>
-                          <m:r>
-                            <a:rPr lang="es-MX" sz="3200" b="0" i="1" dirty="0" smtClean="0">
-                              <a:latin typeface="Cambria Math" panose="02040503050406030204" pitchFamily="18" charset="0"/>
-                              <a:ea typeface="Cambria Math" panose="02040503050406030204" pitchFamily="18" charset="0"/>
-                            </a:rPr>
-                            <m:t>𝑋</m:t>
-                          </m:r>
-                        </m:e>
-                      </m:d>
-                      <m:r>
-                        <a:rPr lang="en-GB" sz="3200" i="1" dirty="0">
-                          <a:latin typeface="Cambria Math" panose="02040503050406030204" pitchFamily="18" charset="0"/>
-                          <a:ea typeface="Cambria Math" panose="02040503050406030204" pitchFamily="18" charset="0"/>
-                        </a:rPr>
-                        <m:t>=</m:t>
-                      </m:r>
-                      <m:r>
-                        <a:rPr lang="en-GB" sz="3200" i="1" dirty="0">
-                          <a:latin typeface="Cambria Math" panose="02040503050406030204" pitchFamily="18" charset="0"/>
-                          <a:ea typeface="Cambria Math" panose="02040503050406030204" pitchFamily="18" charset="0"/>
-                        </a:rPr>
-                        <m:t>𝑝</m:t>
-                      </m:r>
-                      <m:r>
-                        <a:rPr lang="en-GB" sz="3200" b="0" i="1" dirty="0" smtClean="0">
-                          <a:latin typeface="Cambria Math" panose="02040503050406030204" pitchFamily="18" charset="0"/>
-                          <a:ea typeface="Cambria Math" panose="02040503050406030204" pitchFamily="18" charset="0"/>
-                        </a:rPr>
-                        <m:t>(1−</m:t>
-                      </m:r>
-                      <m:r>
-                        <a:rPr lang="en-GB" sz="3200" b="0" i="1" dirty="0" smtClean="0">
-                          <a:latin typeface="Cambria Math" panose="02040503050406030204" pitchFamily="18" charset="0"/>
-                          <a:ea typeface="Cambria Math" panose="02040503050406030204" pitchFamily="18" charset="0"/>
-                        </a:rPr>
-                        <m:t>𝑝</m:t>
-                      </m:r>
-                      <m:r>
-                        <a:rPr lang="en-GB" sz="3200" b="0" i="1" dirty="0" smtClean="0">
-                          <a:latin typeface="Cambria Math" panose="02040503050406030204" pitchFamily="18" charset="0"/>
-                          <a:ea typeface="Cambria Math" panose="02040503050406030204" pitchFamily="18" charset="0"/>
-                        </a:rPr>
-                        <m:t>)</m:t>
-                      </m:r>
-                    </m:oMath>
-                  </m:oMathPara>
-                </a14:m>
-                <a:endParaRPr lang="en-GB" sz="3200" dirty="0"/>
-              </a:p>
-            </p:txBody>
-          </p:sp>
-        </mc:Choice>
-        <mc:Fallback xmlns="">
-          <p:sp>
-            <p:nvSpPr>
-              <p:cNvPr id="6" name="TextBox 5">
-                <a:extLst>
-                  <a:ext uri="{FF2B5EF4-FFF2-40B4-BE49-F238E27FC236}">
-                    <a16:creationId xmlns:a16="http://schemas.microsoft.com/office/drawing/2014/main" id="{1F28697E-A5BC-6521-CDB3-3C6F951F4F9D}"/>
-                  </a:ext>
-                </a:extLst>
-              </p:cNvPr>
-              <p:cNvSpPr txBox="1">
-                <a:spLocks noRot="1" noChangeAspect="1" noMove="1" noResize="1" noEditPoints="1" noAdjustHandles="1" noChangeArrowheads="1" noChangeShapeType="1" noTextEdit="1"/>
-              </p:cNvSpPr>
-              <p:nvPr/>
-            </p:nvSpPr>
-            <p:spPr>
-              <a:xfrm>
-                <a:off x="2298917" y="1624965"/>
-                <a:ext cx="7375416" cy="4431983"/>
-              </a:xfrm>
-              <a:prstGeom prst="rect">
-                <a:avLst/>
-              </a:prstGeom>
-              <a:blipFill>
-                <a:blip r:embed="rId2"/>
-                <a:stretch>
-                  <a:fillRect l="-3306" r="-4050"/>
-                </a:stretch>
-              </a:blipFill>
-            </p:spPr>
-            <p:txBody>
-              <a:bodyPr/>
-              <a:lstStyle/>
-              <a:p>
-                <a:r>
-                  <a:rPr lang="en-GB">
-                    <a:noFill/>
-                  </a:rPr>
-                  <a:t> </a:t>
-                </a:r>
-              </a:p>
-            </p:txBody>
-          </p:sp>
-        </mc:Fallback>
-      </mc:AlternateContent>
-      <p:sp>
-        <p:nvSpPr>
-          <p:cNvPr id="3" name="Título 1">
-            <a:extLst>
-              <a:ext uri="{FF2B5EF4-FFF2-40B4-BE49-F238E27FC236}">
-                <a16:creationId xmlns:a16="http://schemas.microsoft.com/office/drawing/2014/main" id="{8E6409F3-7489-E250-A620-EB75099E971E}"/>
-              </a:ext>
-            </a:extLst>
-          </p:cNvPr>
-          <p:cNvSpPr txBox="1">
-            <a:spLocks/>
-          </p:cNvSpPr>
-          <p:nvPr/>
-        </p:nvSpPr>
-        <p:spPr>
-          <a:xfrm>
-            <a:off x="0" y="0"/>
-            <a:ext cx="12192000" cy="1325563"/>
-          </a:xfrm>
-          <a:prstGeom prst="rect">
-            <a:avLst/>
-          </a:prstGeom>
-        </p:spPr>
-        <p:txBody>
-          <a:bodyPr vert="horz" lIns="91440" tIns="45720" rIns="91440" bIns="45720" rtlCol="0" anchor="b">
-            <a:normAutofit/>
-          </a:bodyPr>
-          <a:lstStyle>
-            <a:lvl1pPr algn="ctr" defTabSz="914400" rtl="0" eaLnBrk="1" latinLnBrk="0" hangingPunct="1">
-              <a:lnSpc>
-                <a:spcPct val="90000"/>
-              </a:lnSpc>
-              <a:spcBef>
-                <a:spcPct val="0"/>
-              </a:spcBef>
-              <a:buNone/>
-              <a:defRPr sz="6000" kern="1200">
-                <a:solidFill>
-                  <a:schemeClr val="tx1"/>
-                </a:solidFill>
-                <a:latin typeface="+mj-lt"/>
-                <a:ea typeface="+mj-ea"/>
-                <a:cs typeface="+mj-cs"/>
-              </a:defRPr>
-            </a:lvl1pPr>
-          </a:lstStyle>
-          <a:p>
-            <a:r>
-              <a:rPr lang="es-MX" sz="4800" b="1" dirty="0">
-                <a:latin typeface="Times New Roman" panose="02020603050405020304" pitchFamily="18" charset="0"/>
-                <a:cs typeface="Times New Roman" panose="02020603050405020304" pitchFamily="18" charset="0"/>
-              </a:rPr>
-              <a:t>Distribución Bernoulli</a:t>
-            </a:r>
-          </a:p>
-        </p:txBody>
-      </p:sp>
-    </p:spTree>
-    <p:extLst>
-      <p:ext uri="{BB962C8B-B14F-4D97-AF65-F5344CB8AC3E}">
-        <p14:creationId xmlns:p14="http://schemas.microsoft.com/office/powerpoint/2010/main" val="2135828464"/>
-      </p:ext>
-    </p:extLst>
-  </p:cSld>
-  <p:clrMapOvr>
-    <a:masterClrMapping/>
-  </p:clrMapOvr>
-</p:sld>
-</file>
-
-<file path=ppt/slides/slide30.xml><?xml version="1.0" encoding="utf-8"?>
+<file path=ppt/slides/slide33.xml><?xml version="1.0" encoding="utf-8"?>
 <p:sld xmlns:a="http://schemas.openxmlformats.org/drawingml/2006/main" xmlns:r="http://schemas.openxmlformats.org/officeDocument/2006/relationships" xmlns:p="http://schemas.openxmlformats.org/presentationml/2006/main">
   <p:cSld>
     <p:spTree>
@@ -17492,7 +19564,7 @@
 </p:sld>
 </file>
 
-<file path=ppt/slides/slide31.xml><?xml version="1.0" encoding="utf-8"?>
+<file path=ppt/slides/slide34.xml><?xml version="1.0" encoding="utf-8"?>
 <p:sld xmlns:a="http://schemas.openxmlformats.org/drawingml/2006/main" xmlns:r="http://schemas.openxmlformats.org/officeDocument/2006/relationships" xmlns:p="http://schemas.openxmlformats.org/presentationml/2006/main">
   <p:cSld>
     <p:spTree>

--- a/INPRFM/glm.pptx
+++ b/INPRFM/glm.pptx
@@ -5,7 +5,7 @@
     <p:sldMasterId id="2147483648" r:id="rId1"/>
   </p:sldMasterIdLst>
   <p:notesMasterIdLst>
-    <p:notesMasterId r:id="rId36"/>
+    <p:notesMasterId r:id="rId44"/>
   </p:notesMasterIdLst>
   <p:sldIdLst>
     <p:sldId id="925" r:id="rId2"/>
@@ -42,6 +42,14 @@
     <p:sldId id="946" r:id="rId33"/>
     <p:sldId id="947" r:id="rId34"/>
     <p:sldId id="948" r:id="rId35"/>
+    <p:sldId id="958" r:id="rId36"/>
+    <p:sldId id="960" r:id="rId37"/>
+    <p:sldId id="961" r:id="rId38"/>
+    <p:sldId id="959" r:id="rId39"/>
+    <p:sldId id="964" r:id="rId40"/>
+    <p:sldId id="966" r:id="rId41"/>
+    <p:sldId id="968" r:id="rId42"/>
+    <p:sldId id="962" r:id="rId43"/>
   </p:sldIdLst>
   <p:sldSz cx="12192000" cy="6858000"/>
   <p:notesSz cx="6858000" cy="9144000"/>
@@ -183,6 +191,14 @@
             <p14:sldId id="946"/>
             <p14:sldId id="947"/>
             <p14:sldId id="948"/>
+            <p14:sldId id="958"/>
+            <p14:sldId id="960"/>
+            <p14:sldId id="961"/>
+            <p14:sldId id="959"/>
+            <p14:sldId id="964"/>
+            <p14:sldId id="966"/>
+            <p14:sldId id="968"/>
+            <p14:sldId id="962"/>
           </p14:sldIdLst>
         </p14:section>
       </p14:sectionLst>
@@ -197,7 +213,7 @@
 <file path=ppt/revisionInfo.xml><?xml version="1.0" encoding="utf-8"?>
 <p1510:revInfo xmlns:a="http://schemas.openxmlformats.org/drawingml/2006/main" xmlns:r="http://schemas.openxmlformats.org/officeDocument/2006/relationships" xmlns:p1510="http://schemas.microsoft.com/office/powerpoint/2015/10/main">
   <p1510:revLst>
-    <p1510:client id="{3E094558-9642-4798-A9B8-BAE52C8AE0EB}" v="135" dt="2025-06-18T14:22:42.386"/>
+    <p1510:client id="{3E094558-9642-4798-A9B8-BAE52C8AE0EB}" v="503" dt="2025-06-24T15:24:40.625"/>
   </p1510:revLst>
 </p1510:revInfo>
 </file>
@@ -207,7 +223,7 @@
   <pc:docChgLst>
     <pc:chgData name="Castiello de Obeso, Santiago" userId="b4fc0b8e-1f0e-417a-8aad-015961d2398a" providerId="ADAL" clId="{3E094558-9642-4798-A9B8-BAE52C8AE0EB}"/>
     <pc:docChg chg="undo custSel addSld delSld modSld sldOrd delSection modSection">
-      <pc:chgData name="Castiello de Obeso, Santiago" userId="b4fc0b8e-1f0e-417a-8aad-015961d2398a" providerId="ADAL" clId="{3E094558-9642-4798-A9B8-BAE52C8AE0EB}" dt="2025-06-18T14:23:11.298" v="771" actId="20577"/>
+      <pc:chgData name="Castiello de Obeso, Santiago" userId="b4fc0b8e-1f0e-417a-8aad-015961d2398a" providerId="ADAL" clId="{3E094558-9642-4798-A9B8-BAE52C8AE0EB}" dt="2025-06-24T15:24:40.625" v="1426"/>
       <pc:docMkLst>
         <pc:docMk/>
       </pc:docMkLst>
@@ -336,6 +352,21 @@
           <pc:docMk/>
           <pc:sldMk cId="3026933271" sldId="922"/>
         </pc:sldMkLst>
+      </pc:sldChg>
+      <pc:sldChg chg="addSp delSp mod">
+        <pc:chgData name="Castiello de Obeso, Santiago" userId="b4fc0b8e-1f0e-417a-8aad-015961d2398a" providerId="ADAL" clId="{3E094558-9642-4798-A9B8-BAE52C8AE0EB}" dt="2025-06-23T19:22:45.618" v="773" actId="22"/>
+        <pc:sldMkLst>
+          <pc:docMk/>
+          <pc:sldMk cId="895317329" sldId="948"/>
+        </pc:sldMkLst>
+        <pc:spChg chg="add del">
+          <ac:chgData name="Castiello de Obeso, Santiago" userId="b4fc0b8e-1f0e-417a-8aad-015961d2398a" providerId="ADAL" clId="{3E094558-9642-4798-A9B8-BAE52C8AE0EB}" dt="2025-06-23T19:22:45.618" v="773" actId="22"/>
+          <ac:spMkLst>
+            <pc:docMk/>
+            <pc:sldMk cId="895317329" sldId="948"/>
+            <ac:spMk id="4" creationId="{33036B7F-355E-511C-68E6-1A42556C92E3}"/>
+          </ac:spMkLst>
+        </pc:spChg>
       </pc:sldChg>
       <pc:sldChg chg="ord">
         <pc:chgData name="Castiello de Obeso, Santiago" userId="b4fc0b8e-1f0e-417a-8aad-015961d2398a" providerId="ADAL" clId="{3E094558-9642-4798-A9B8-BAE52C8AE0EB}" dt="2025-06-18T13:05:48.243" v="103"/>
@@ -489,22 +520,6 @@
           <pc:docMk/>
           <pc:sldMk cId="3229653582" sldId="957"/>
         </pc:sldMkLst>
-        <pc:spChg chg="del">
-          <ac:chgData name="Castiello de Obeso, Santiago" userId="b4fc0b8e-1f0e-417a-8aad-015961d2398a" providerId="ADAL" clId="{3E094558-9642-4798-A9B8-BAE52C8AE0EB}" dt="2025-06-18T13:36:45.151" v="593" actId="478"/>
-          <ac:spMkLst>
-            <pc:docMk/>
-            <pc:sldMk cId="3229653582" sldId="957"/>
-            <ac:spMk id="2" creationId="{3685846C-1B48-CF22-6355-C6EB734AACF9}"/>
-          </ac:spMkLst>
-        </pc:spChg>
-        <pc:spChg chg="mod">
-          <ac:chgData name="Castiello de Obeso, Santiago" userId="b4fc0b8e-1f0e-417a-8aad-015961d2398a" providerId="ADAL" clId="{3E094558-9642-4798-A9B8-BAE52C8AE0EB}" dt="2025-06-18T13:43:31.181" v="739" actId="20577"/>
-          <ac:spMkLst>
-            <pc:docMk/>
-            <pc:sldMk cId="3229653582" sldId="957"/>
-            <ac:spMk id="13" creationId="{0C3B6901-FEA7-3487-5B49-DBF83C97C518}"/>
-          </ac:spMkLst>
-        </pc:spChg>
       </pc:sldChg>
       <pc:sldChg chg="add del">
         <pc:chgData name="Castiello de Obeso, Santiago" userId="b4fc0b8e-1f0e-417a-8aad-015961d2398a" providerId="ADAL" clId="{3E094558-9642-4798-A9B8-BAE52C8AE0EB}" dt="2025-06-18T13:38:06.271" v="619"/>
@@ -512,6 +527,754 @@
           <pc:docMk/>
           <pc:sldMk cId="1285825049" sldId="958"/>
         </pc:sldMkLst>
+      </pc:sldChg>
+      <pc:sldChg chg="add">
+        <pc:chgData name="Castiello de Obeso, Santiago" userId="b4fc0b8e-1f0e-417a-8aad-015961d2398a" providerId="ADAL" clId="{3E094558-9642-4798-A9B8-BAE52C8AE0EB}" dt="2025-06-23T19:22:51.422" v="774"/>
+        <pc:sldMkLst>
+          <pc:docMk/>
+          <pc:sldMk cId="1526198386" sldId="958"/>
+        </pc:sldMkLst>
+      </pc:sldChg>
+      <pc:sldChg chg="addSp delSp modSp add mod ord">
+        <pc:chgData name="Castiello de Obeso, Santiago" userId="b4fc0b8e-1f0e-417a-8aad-015961d2398a" providerId="ADAL" clId="{3E094558-9642-4798-A9B8-BAE52C8AE0EB}" dt="2025-06-24T15:14:59.399" v="1231" actId="20577"/>
+        <pc:sldMkLst>
+          <pc:docMk/>
+          <pc:sldMk cId="1619941824" sldId="959"/>
+        </pc:sldMkLst>
+        <pc:spChg chg="del">
+          <ac:chgData name="Castiello de Obeso, Santiago" userId="b4fc0b8e-1f0e-417a-8aad-015961d2398a" providerId="ADAL" clId="{3E094558-9642-4798-A9B8-BAE52C8AE0EB}" dt="2025-06-23T19:37:26.358" v="783" actId="478"/>
+          <ac:spMkLst>
+            <pc:docMk/>
+            <pc:sldMk cId="1619941824" sldId="959"/>
+            <ac:spMk id="7" creationId="{9D8B4196-2DA1-6E1E-7AFE-5ABDE88497FE}"/>
+          </ac:spMkLst>
+        </pc:spChg>
+        <pc:spChg chg="mod">
+          <ac:chgData name="Castiello de Obeso, Santiago" userId="b4fc0b8e-1f0e-417a-8aad-015961d2398a" providerId="ADAL" clId="{3E094558-9642-4798-A9B8-BAE52C8AE0EB}" dt="2025-06-24T15:14:59.399" v="1231" actId="20577"/>
+          <ac:spMkLst>
+            <pc:docMk/>
+            <pc:sldMk cId="1619941824" sldId="959"/>
+            <ac:spMk id="8" creationId="{CE4F7F03-6F72-B16A-45D1-B7944C94ADF1}"/>
+          </ac:spMkLst>
+        </pc:spChg>
+        <pc:spChg chg="mod">
+          <ac:chgData name="Castiello de Obeso, Santiago" userId="b4fc0b8e-1f0e-417a-8aad-015961d2398a" providerId="ADAL" clId="{3E094558-9642-4798-A9B8-BAE52C8AE0EB}" dt="2025-06-24T14:59:33.820" v="909" actId="404"/>
+          <ac:spMkLst>
+            <pc:docMk/>
+            <pc:sldMk cId="1619941824" sldId="959"/>
+            <ac:spMk id="9" creationId="{375AE118-2A9C-DF6A-7A56-A728B738D6D5}"/>
+          </ac:spMkLst>
+        </pc:spChg>
+        <pc:spChg chg="mod">
+          <ac:chgData name="Castiello de Obeso, Santiago" userId="b4fc0b8e-1f0e-417a-8aad-015961d2398a" providerId="ADAL" clId="{3E094558-9642-4798-A9B8-BAE52C8AE0EB}" dt="2025-06-24T14:59:52.254" v="932" actId="404"/>
+          <ac:spMkLst>
+            <pc:docMk/>
+            <pc:sldMk cId="1619941824" sldId="959"/>
+            <ac:spMk id="10" creationId="{E0CF8989-835C-4FC5-DEB3-B253064A0C0F}"/>
+          </ac:spMkLst>
+        </pc:spChg>
+        <pc:spChg chg="add mod">
+          <ac:chgData name="Castiello de Obeso, Santiago" userId="b4fc0b8e-1f0e-417a-8aad-015961d2398a" providerId="ADAL" clId="{3E094558-9642-4798-A9B8-BAE52C8AE0EB}" dt="2025-06-24T14:59:52.254" v="932" actId="404"/>
+          <ac:spMkLst>
+            <pc:docMk/>
+            <pc:sldMk cId="1619941824" sldId="959"/>
+            <ac:spMk id="11" creationId="{24312958-DB6F-0634-1236-296E92B9A72C}"/>
+          </ac:spMkLst>
+        </pc:spChg>
+        <pc:spChg chg="add mod">
+          <ac:chgData name="Castiello de Obeso, Santiago" userId="b4fc0b8e-1f0e-417a-8aad-015961d2398a" providerId="ADAL" clId="{3E094558-9642-4798-A9B8-BAE52C8AE0EB}" dt="2025-06-24T14:59:55.908" v="935" actId="403"/>
+          <ac:spMkLst>
+            <pc:docMk/>
+            <pc:sldMk cId="1619941824" sldId="959"/>
+            <ac:spMk id="19" creationId="{3823D769-0116-0476-D1D1-B049DFF1EEA9}"/>
+          </ac:spMkLst>
+        </pc:spChg>
+        <pc:spChg chg="add mod">
+          <ac:chgData name="Castiello de Obeso, Santiago" userId="b4fc0b8e-1f0e-417a-8aad-015961d2398a" providerId="ADAL" clId="{3E094558-9642-4798-A9B8-BAE52C8AE0EB}" dt="2025-06-24T14:59:33.820" v="909" actId="404"/>
+          <ac:spMkLst>
+            <pc:docMk/>
+            <pc:sldMk cId="1619941824" sldId="959"/>
+            <ac:spMk id="23" creationId="{FBCAB1FA-21E7-54F8-B443-F1B4CCAB12A4}"/>
+          </ac:spMkLst>
+        </pc:spChg>
+        <pc:spChg chg="add mod">
+          <ac:chgData name="Castiello de Obeso, Santiago" userId="b4fc0b8e-1f0e-417a-8aad-015961d2398a" providerId="ADAL" clId="{3E094558-9642-4798-A9B8-BAE52C8AE0EB}" dt="2025-06-24T14:59:52.254" v="932" actId="404"/>
+          <ac:spMkLst>
+            <pc:docMk/>
+            <pc:sldMk cId="1619941824" sldId="959"/>
+            <ac:spMk id="24" creationId="{C4C8A392-62FD-0776-ED94-C6DDE093E3AA}"/>
+          </ac:spMkLst>
+        </pc:spChg>
+        <pc:spChg chg="add mod">
+          <ac:chgData name="Castiello de Obeso, Santiago" userId="b4fc0b8e-1f0e-417a-8aad-015961d2398a" providerId="ADAL" clId="{3E094558-9642-4798-A9B8-BAE52C8AE0EB}" dt="2025-06-24T14:59:52.254" v="932" actId="404"/>
+          <ac:spMkLst>
+            <pc:docMk/>
+            <pc:sldMk cId="1619941824" sldId="959"/>
+            <ac:spMk id="26" creationId="{D69EFE26-EA88-661E-B19D-676F58F822B5}"/>
+          </ac:spMkLst>
+        </pc:spChg>
+        <pc:spChg chg="add mod">
+          <ac:chgData name="Castiello de Obeso, Santiago" userId="b4fc0b8e-1f0e-417a-8aad-015961d2398a" providerId="ADAL" clId="{3E094558-9642-4798-A9B8-BAE52C8AE0EB}" dt="2025-06-23T19:39:32.430" v="840"/>
+          <ac:spMkLst>
+            <pc:docMk/>
+            <pc:sldMk cId="1619941824" sldId="959"/>
+            <ac:spMk id="28" creationId="{6DAF32FE-47A4-18E2-B568-E4CBE40D19A5}"/>
+          </ac:spMkLst>
+        </pc:spChg>
+        <pc:spChg chg="add mod">
+          <ac:chgData name="Castiello de Obeso, Santiago" userId="b4fc0b8e-1f0e-417a-8aad-015961d2398a" providerId="ADAL" clId="{3E094558-9642-4798-A9B8-BAE52C8AE0EB}" dt="2025-06-23T19:39:32.430" v="840"/>
+          <ac:spMkLst>
+            <pc:docMk/>
+            <pc:sldMk cId="1619941824" sldId="959"/>
+            <ac:spMk id="29" creationId="{88F3DBE1-F5E2-9F59-B7F5-6D95A931FA23}"/>
+          </ac:spMkLst>
+        </pc:spChg>
+        <pc:spChg chg="add mod">
+          <ac:chgData name="Castiello de Obeso, Santiago" userId="b4fc0b8e-1f0e-417a-8aad-015961d2398a" providerId="ADAL" clId="{3E094558-9642-4798-A9B8-BAE52C8AE0EB}" dt="2025-06-23T19:39:32.430" v="840"/>
+          <ac:spMkLst>
+            <pc:docMk/>
+            <pc:sldMk cId="1619941824" sldId="959"/>
+            <ac:spMk id="31" creationId="{B7935A03-3436-F8C9-38C4-0D5AC03220DB}"/>
+          </ac:spMkLst>
+        </pc:spChg>
+        <pc:cxnChg chg="mod">
+          <ac:chgData name="Castiello de Obeso, Santiago" userId="b4fc0b8e-1f0e-417a-8aad-015961d2398a" providerId="ADAL" clId="{3E094558-9642-4798-A9B8-BAE52C8AE0EB}" dt="2025-06-23T19:39:53.053" v="846" actId="1076"/>
+          <ac:cxnSpMkLst>
+            <pc:docMk/>
+            <pc:sldMk cId="1619941824" sldId="959"/>
+            <ac:cxnSpMk id="12" creationId="{E66A2C1D-42DD-B2F4-E404-5F51C6F69286}"/>
+          </ac:cxnSpMkLst>
+        </pc:cxnChg>
+        <pc:cxnChg chg="add mod">
+          <ac:chgData name="Castiello de Obeso, Santiago" userId="b4fc0b8e-1f0e-417a-8aad-015961d2398a" providerId="ADAL" clId="{3E094558-9642-4798-A9B8-BAE52C8AE0EB}" dt="2025-06-23T19:39:53.053" v="846" actId="1076"/>
+          <ac:cxnSpMkLst>
+            <pc:docMk/>
+            <pc:sldMk cId="1619941824" sldId="959"/>
+            <ac:cxnSpMk id="13" creationId="{D4EC9DDA-3EE4-48DB-3EE7-051F62C1A8C2}"/>
+          </ac:cxnSpMkLst>
+        </pc:cxnChg>
+        <pc:cxnChg chg="add mod">
+          <ac:chgData name="Castiello de Obeso, Santiago" userId="b4fc0b8e-1f0e-417a-8aad-015961d2398a" providerId="ADAL" clId="{3E094558-9642-4798-A9B8-BAE52C8AE0EB}" dt="2025-06-23T19:39:47.483" v="845" actId="1076"/>
+          <ac:cxnSpMkLst>
+            <pc:docMk/>
+            <pc:sldMk cId="1619941824" sldId="959"/>
+            <ac:cxnSpMk id="20" creationId="{B59D5A4E-B323-2387-8C2D-4AB850CA5643}"/>
+          </ac:cxnSpMkLst>
+        </pc:cxnChg>
+        <pc:cxnChg chg="add mod">
+          <ac:chgData name="Castiello de Obeso, Santiago" userId="b4fc0b8e-1f0e-417a-8aad-015961d2398a" providerId="ADAL" clId="{3E094558-9642-4798-A9B8-BAE52C8AE0EB}" dt="2025-06-23T19:39:44.559" v="844" actId="1076"/>
+          <ac:cxnSpMkLst>
+            <pc:docMk/>
+            <pc:sldMk cId="1619941824" sldId="959"/>
+            <ac:cxnSpMk id="25" creationId="{F4943B3C-B1C1-1807-3B0B-CE520D9A9FBC}"/>
+          </ac:cxnSpMkLst>
+        </pc:cxnChg>
+        <pc:cxnChg chg="add mod">
+          <ac:chgData name="Castiello de Obeso, Santiago" userId="b4fc0b8e-1f0e-417a-8aad-015961d2398a" providerId="ADAL" clId="{3E094558-9642-4798-A9B8-BAE52C8AE0EB}" dt="2025-06-23T19:39:53.053" v="846" actId="1076"/>
+          <ac:cxnSpMkLst>
+            <pc:docMk/>
+            <pc:sldMk cId="1619941824" sldId="959"/>
+            <ac:cxnSpMk id="27" creationId="{DB6E68C6-86CE-E7DF-CEB7-59A7A8B47DCA}"/>
+          </ac:cxnSpMkLst>
+        </pc:cxnChg>
+        <pc:cxnChg chg="add mod">
+          <ac:chgData name="Castiello de Obeso, Santiago" userId="b4fc0b8e-1f0e-417a-8aad-015961d2398a" providerId="ADAL" clId="{3E094558-9642-4798-A9B8-BAE52C8AE0EB}" dt="2025-06-23T19:39:32.430" v="840"/>
+          <ac:cxnSpMkLst>
+            <pc:docMk/>
+            <pc:sldMk cId="1619941824" sldId="959"/>
+            <ac:cxnSpMk id="30" creationId="{034DA1BD-53C2-A08E-B6BB-14A0414F5A50}"/>
+          </ac:cxnSpMkLst>
+        </pc:cxnChg>
+        <pc:cxnChg chg="add mod">
+          <ac:chgData name="Castiello de Obeso, Santiago" userId="b4fc0b8e-1f0e-417a-8aad-015961d2398a" providerId="ADAL" clId="{3E094558-9642-4798-A9B8-BAE52C8AE0EB}" dt="2025-06-23T19:39:32.430" v="840"/>
+          <ac:cxnSpMkLst>
+            <pc:docMk/>
+            <pc:sldMk cId="1619941824" sldId="959"/>
+            <ac:cxnSpMk id="32" creationId="{8DDA63B7-03AF-66E1-B3FA-185B9E3B1ADC}"/>
+          </ac:cxnSpMkLst>
+        </pc:cxnChg>
+        <pc:cxnChg chg="add mod">
+          <ac:chgData name="Castiello de Obeso, Santiago" userId="b4fc0b8e-1f0e-417a-8aad-015961d2398a" providerId="ADAL" clId="{3E094558-9642-4798-A9B8-BAE52C8AE0EB}" dt="2025-06-23T19:39:47.483" v="845" actId="1076"/>
+          <ac:cxnSpMkLst>
+            <pc:docMk/>
+            <pc:sldMk cId="1619941824" sldId="959"/>
+            <ac:cxnSpMk id="33" creationId="{95CCF682-B34F-A73F-D057-8C68C8F65F8C}"/>
+          </ac:cxnSpMkLst>
+        </pc:cxnChg>
+      </pc:sldChg>
+      <pc:sldChg chg="addSp modSp add">
+        <pc:chgData name="Castiello de Obeso, Santiago" userId="b4fc0b8e-1f0e-417a-8aad-015961d2398a" providerId="ADAL" clId="{3E094558-9642-4798-A9B8-BAE52C8AE0EB}" dt="2025-06-24T15:00:37.366" v="983" actId="403"/>
+        <pc:sldMkLst>
+          <pc:docMk/>
+          <pc:sldMk cId="2786056124" sldId="960"/>
+        </pc:sldMkLst>
+        <pc:spChg chg="mod">
+          <ac:chgData name="Castiello de Obeso, Santiago" userId="b4fc0b8e-1f0e-417a-8aad-015961d2398a" providerId="ADAL" clId="{3E094558-9642-4798-A9B8-BAE52C8AE0EB}" dt="2025-06-24T15:00:08.718" v="941" actId="20577"/>
+          <ac:spMkLst>
+            <pc:docMk/>
+            <pc:sldMk cId="2786056124" sldId="960"/>
+            <ac:spMk id="9" creationId="{1D1F365D-A951-F99F-EAEA-234ADB9B1F00}"/>
+          </ac:spMkLst>
+        </pc:spChg>
+        <pc:spChg chg="mod">
+          <ac:chgData name="Castiello de Obeso, Santiago" userId="b4fc0b8e-1f0e-417a-8aad-015961d2398a" providerId="ADAL" clId="{3E094558-9642-4798-A9B8-BAE52C8AE0EB}" dt="2025-06-24T15:00:37.366" v="983" actId="403"/>
+          <ac:spMkLst>
+            <pc:docMk/>
+            <pc:sldMk cId="2786056124" sldId="960"/>
+            <ac:spMk id="10" creationId="{615ADD0A-D0EE-E3FB-A290-446F8E0C1DDC}"/>
+          </ac:spMkLst>
+        </pc:spChg>
+        <pc:spChg chg="mod">
+          <ac:chgData name="Castiello de Obeso, Santiago" userId="b4fc0b8e-1f0e-417a-8aad-015961d2398a" providerId="ADAL" clId="{3E094558-9642-4798-A9B8-BAE52C8AE0EB}" dt="2025-06-24T15:00:37.366" v="983" actId="403"/>
+          <ac:spMkLst>
+            <pc:docMk/>
+            <pc:sldMk cId="2786056124" sldId="960"/>
+            <ac:spMk id="11" creationId="{D477A529-9A8F-CD09-D443-0D1B9122AA13}"/>
+          </ac:spMkLst>
+        </pc:spChg>
+        <pc:spChg chg="add mod">
+          <ac:chgData name="Castiello de Obeso, Santiago" userId="b4fc0b8e-1f0e-417a-8aad-015961d2398a" providerId="ADAL" clId="{3E094558-9642-4798-A9B8-BAE52C8AE0EB}" dt="2025-06-24T15:00:37.366" v="983" actId="403"/>
+          <ac:spMkLst>
+            <pc:docMk/>
+            <pc:sldMk cId="2786056124" sldId="960"/>
+            <ac:spMk id="14" creationId="{7EF0B8E5-809A-CB50-85EC-5530222054E7}"/>
+          </ac:spMkLst>
+        </pc:spChg>
+        <pc:spChg chg="add mod">
+          <ac:chgData name="Castiello de Obeso, Santiago" userId="b4fc0b8e-1f0e-417a-8aad-015961d2398a" providerId="ADAL" clId="{3E094558-9642-4798-A9B8-BAE52C8AE0EB}" dt="2025-06-24T15:00:37.366" v="983" actId="403"/>
+          <ac:spMkLst>
+            <pc:docMk/>
+            <pc:sldMk cId="2786056124" sldId="960"/>
+            <ac:spMk id="15" creationId="{690D0091-AE9C-2EC8-7C5B-15702B134978}"/>
+          </ac:spMkLst>
+        </pc:spChg>
+        <pc:spChg chg="add mod">
+          <ac:chgData name="Castiello de Obeso, Santiago" userId="b4fc0b8e-1f0e-417a-8aad-015961d2398a" providerId="ADAL" clId="{3E094558-9642-4798-A9B8-BAE52C8AE0EB}" dt="2025-06-24T15:00:37.366" v="983" actId="403"/>
+          <ac:spMkLst>
+            <pc:docMk/>
+            <pc:sldMk cId="2786056124" sldId="960"/>
+            <ac:spMk id="16" creationId="{2798C819-81E8-1B0C-C970-B8D23DDFB8B2}"/>
+          </ac:spMkLst>
+        </pc:spChg>
+        <pc:spChg chg="add mod">
+          <ac:chgData name="Castiello de Obeso, Santiago" userId="b4fc0b8e-1f0e-417a-8aad-015961d2398a" providerId="ADAL" clId="{3E094558-9642-4798-A9B8-BAE52C8AE0EB}" dt="2025-06-24T15:00:37.366" v="983" actId="403"/>
+          <ac:spMkLst>
+            <pc:docMk/>
+            <pc:sldMk cId="2786056124" sldId="960"/>
+            <ac:spMk id="17" creationId="{3EDCD4CF-327F-7172-EF16-D0F7236CBC39}"/>
+          </ac:spMkLst>
+        </pc:spChg>
+        <pc:spChg chg="mod">
+          <ac:chgData name="Castiello de Obeso, Santiago" userId="b4fc0b8e-1f0e-417a-8aad-015961d2398a" providerId="ADAL" clId="{3E094558-9642-4798-A9B8-BAE52C8AE0EB}" dt="2025-06-24T15:00:31.412" v="980" actId="404"/>
+          <ac:spMkLst>
+            <pc:docMk/>
+            <pc:sldMk cId="2786056124" sldId="960"/>
+            <ac:spMk id="19" creationId="{3D487E0C-66C4-97C1-81B0-9C8E02574817}"/>
+          </ac:spMkLst>
+        </pc:spChg>
+        <pc:spChg chg="mod">
+          <ac:chgData name="Castiello de Obeso, Santiago" userId="b4fc0b8e-1f0e-417a-8aad-015961d2398a" providerId="ADAL" clId="{3E094558-9642-4798-A9B8-BAE52C8AE0EB}" dt="2025-06-24T15:00:16.521" v="955" actId="20577"/>
+          <ac:spMkLst>
+            <pc:docMk/>
+            <pc:sldMk cId="2786056124" sldId="960"/>
+            <ac:spMk id="23" creationId="{90B76E78-26C0-1AB9-9DB5-68BB3C90D3F8}"/>
+          </ac:spMkLst>
+        </pc:spChg>
+        <pc:spChg chg="mod">
+          <ac:chgData name="Castiello de Obeso, Santiago" userId="b4fc0b8e-1f0e-417a-8aad-015961d2398a" providerId="ADAL" clId="{3E094558-9642-4798-A9B8-BAE52C8AE0EB}" dt="2025-06-24T15:00:14.307" v="949"/>
+          <ac:spMkLst>
+            <pc:docMk/>
+            <pc:sldMk cId="2786056124" sldId="960"/>
+            <ac:spMk id="24" creationId="{BEAA1310-1F43-46C5-B6FB-D2806DDD08E1}"/>
+          </ac:spMkLst>
+        </pc:spChg>
+        <pc:spChg chg="mod">
+          <ac:chgData name="Castiello de Obeso, Santiago" userId="b4fc0b8e-1f0e-417a-8aad-015961d2398a" providerId="ADAL" clId="{3E094558-9642-4798-A9B8-BAE52C8AE0EB}" dt="2025-06-24T15:00:15.088" v="950"/>
+          <ac:spMkLst>
+            <pc:docMk/>
+            <pc:sldMk cId="2786056124" sldId="960"/>
+            <ac:spMk id="26" creationId="{C3B4B38B-8BC3-D03D-72D3-CFE3BEFBBE29}"/>
+          </ac:spMkLst>
+        </pc:spChg>
+      </pc:sldChg>
+      <pc:sldChg chg="modSp add mod">
+        <pc:chgData name="Castiello de Obeso, Santiago" userId="b4fc0b8e-1f0e-417a-8aad-015961d2398a" providerId="ADAL" clId="{3E094558-9642-4798-A9B8-BAE52C8AE0EB}" dt="2025-06-24T15:04:05.752" v="1067" actId="20577"/>
+        <pc:sldMkLst>
+          <pc:docMk/>
+          <pc:sldMk cId="2522355678" sldId="961"/>
+        </pc:sldMkLst>
+        <pc:spChg chg="mod">
+          <ac:chgData name="Castiello de Obeso, Santiago" userId="b4fc0b8e-1f0e-417a-8aad-015961d2398a" providerId="ADAL" clId="{3E094558-9642-4798-A9B8-BAE52C8AE0EB}" dt="2025-06-24T15:04:05.752" v="1067" actId="20577"/>
+          <ac:spMkLst>
+            <pc:docMk/>
+            <pc:sldMk cId="2522355678" sldId="961"/>
+            <ac:spMk id="8" creationId="{7EA265EE-D5F8-6A7D-F6E8-4FEE677FB46D}"/>
+          </ac:spMkLst>
+        </pc:spChg>
+        <pc:spChg chg="mod">
+          <ac:chgData name="Castiello de Obeso, Santiago" userId="b4fc0b8e-1f0e-417a-8aad-015961d2398a" providerId="ADAL" clId="{3E094558-9642-4798-A9B8-BAE52C8AE0EB}" dt="2025-06-24T15:00:44.135" v="992" actId="20577"/>
+          <ac:spMkLst>
+            <pc:docMk/>
+            <pc:sldMk cId="2522355678" sldId="961"/>
+            <ac:spMk id="10" creationId="{F3F0285A-D4BF-9120-914B-D2244123F672}"/>
+          </ac:spMkLst>
+        </pc:spChg>
+        <pc:spChg chg="mod">
+          <ac:chgData name="Castiello de Obeso, Santiago" userId="b4fc0b8e-1f0e-417a-8aad-015961d2398a" providerId="ADAL" clId="{3E094558-9642-4798-A9B8-BAE52C8AE0EB}" dt="2025-06-24T15:00:47.137" v="1000" actId="20577"/>
+          <ac:spMkLst>
+            <pc:docMk/>
+            <pc:sldMk cId="2522355678" sldId="961"/>
+            <ac:spMk id="11" creationId="{D352BD43-B3B5-0937-EE96-AD06A116907B}"/>
+          </ac:spMkLst>
+        </pc:spChg>
+        <pc:spChg chg="mod">
+          <ac:chgData name="Castiello de Obeso, Santiago" userId="b4fc0b8e-1f0e-417a-8aad-015961d2398a" providerId="ADAL" clId="{3E094558-9642-4798-A9B8-BAE52C8AE0EB}" dt="2025-06-24T15:00:54.790" v="1023" actId="20577"/>
+          <ac:spMkLst>
+            <pc:docMk/>
+            <pc:sldMk cId="2522355678" sldId="961"/>
+            <ac:spMk id="14" creationId="{1A67B99F-4B57-44F3-E53D-70D553A5911C}"/>
+          </ac:spMkLst>
+        </pc:spChg>
+        <pc:spChg chg="mod">
+          <ac:chgData name="Castiello de Obeso, Santiago" userId="b4fc0b8e-1f0e-417a-8aad-015961d2398a" providerId="ADAL" clId="{3E094558-9642-4798-A9B8-BAE52C8AE0EB}" dt="2025-06-24T15:00:56.940" v="1024"/>
+          <ac:spMkLst>
+            <pc:docMk/>
+            <pc:sldMk cId="2522355678" sldId="961"/>
+            <ac:spMk id="15" creationId="{435CC7AB-BFE3-7511-2CB9-DF93EBC2BAC5}"/>
+          </ac:spMkLst>
+        </pc:spChg>
+        <pc:spChg chg="mod">
+          <ac:chgData name="Castiello de Obeso, Santiago" userId="b4fc0b8e-1f0e-417a-8aad-015961d2398a" providerId="ADAL" clId="{3E094558-9642-4798-A9B8-BAE52C8AE0EB}" dt="2025-06-24T15:00:49.226" v="1008" actId="20577"/>
+          <ac:spMkLst>
+            <pc:docMk/>
+            <pc:sldMk cId="2522355678" sldId="961"/>
+            <ac:spMk id="16" creationId="{75760FC6-AB98-A824-4C82-57363B1DA459}"/>
+          </ac:spMkLst>
+        </pc:spChg>
+        <pc:spChg chg="mod">
+          <ac:chgData name="Castiello de Obeso, Santiago" userId="b4fc0b8e-1f0e-417a-8aad-015961d2398a" providerId="ADAL" clId="{3E094558-9642-4798-A9B8-BAE52C8AE0EB}" dt="2025-06-24T15:00:51.456" v="1016" actId="20577"/>
+          <ac:spMkLst>
+            <pc:docMk/>
+            <pc:sldMk cId="2522355678" sldId="961"/>
+            <ac:spMk id="17" creationId="{37B8D17C-21B5-EBF4-7336-C29696761350}"/>
+          </ac:spMkLst>
+        </pc:spChg>
+        <pc:spChg chg="mod">
+          <ac:chgData name="Castiello de Obeso, Santiago" userId="b4fc0b8e-1f0e-417a-8aad-015961d2398a" providerId="ADAL" clId="{3E094558-9642-4798-A9B8-BAE52C8AE0EB}" dt="2025-06-24T15:00:58.924" v="1032" actId="20577"/>
+          <ac:spMkLst>
+            <pc:docMk/>
+            <pc:sldMk cId="2522355678" sldId="961"/>
+            <ac:spMk id="19" creationId="{593EE379-B736-0A56-8409-819A41E3840E}"/>
+          </ac:spMkLst>
+        </pc:spChg>
+      </pc:sldChg>
+      <pc:sldChg chg="modSp add del">
+        <pc:chgData name="Castiello de Obeso, Santiago" userId="b4fc0b8e-1f0e-417a-8aad-015961d2398a" providerId="ADAL" clId="{3E094558-9642-4798-A9B8-BAE52C8AE0EB}" dt="2025-06-24T15:01:17.481" v="1043" actId="47"/>
+        <pc:sldMkLst>
+          <pc:docMk/>
+          <pc:sldMk cId="2102846782" sldId="962"/>
+        </pc:sldMkLst>
+        <pc:spChg chg="mod">
+          <ac:chgData name="Castiello de Obeso, Santiago" userId="b4fc0b8e-1f0e-417a-8aad-015961d2398a" providerId="ADAL" clId="{3E094558-9642-4798-A9B8-BAE52C8AE0EB}" dt="2025-06-24T15:01:06.583" v="1040" actId="20577"/>
+          <ac:spMkLst>
+            <pc:docMk/>
+            <pc:sldMk cId="2102846782" sldId="962"/>
+            <ac:spMk id="19" creationId="{7A170B40-F60C-9752-04E4-B4ED7E56CD14}"/>
+          </ac:spMkLst>
+        </pc:spChg>
+      </pc:sldChg>
+      <pc:sldChg chg="addSp delSp modSp add mod">
+        <pc:chgData name="Castiello de Obeso, Santiago" userId="b4fc0b8e-1f0e-417a-8aad-015961d2398a" providerId="ADAL" clId="{3E094558-9642-4798-A9B8-BAE52C8AE0EB}" dt="2025-06-24T15:10:19.856" v="1110" actId="1076"/>
+        <pc:sldMkLst>
+          <pc:docMk/>
+          <pc:sldMk cId="2702450906" sldId="962"/>
+        </pc:sldMkLst>
+        <pc:spChg chg="mod">
+          <ac:chgData name="Castiello de Obeso, Santiago" userId="b4fc0b8e-1f0e-417a-8aad-015961d2398a" providerId="ADAL" clId="{3E094558-9642-4798-A9B8-BAE52C8AE0EB}" dt="2025-06-24T15:04:19.190" v="1095" actId="20577"/>
+          <ac:spMkLst>
+            <pc:docMk/>
+            <pc:sldMk cId="2702450906" sldId="962"/>
+            <ac:spMk id="8" creationId="{57BE2D84-2524-C042-D262-DB52C7AE71DF}"/>
+          </ac:spMkLst>
+        </pc:spChg>
+        <pc:spChg chg="del">
+          <ac:chgData name="Castiello de Obeso, Santiago" userId="b4fc0b8e-1f0e-417a-8aad-015961d2398a" providerId="ADAL" clId="{3E094558-9642-4798-A9B8-BAE52C8AE0EB}" dt="2025-06-24T15:03:57.578" v="1045" actId="478"/>
+          <ac:spMkLst>
+            <pc:docMk/>
+            <pc:sldMk cId="2702450906" sldId="962"/>
+            <ac:spMk id="9" creationId="{FA8B974E-2CDD-BB51-D0EF-40537B2A7EE1}"/>
+          </ac:spMkLst>
+        </pc:spChg>
+        <pc:spChg chg="del">
+          <ac:chgData name="Castiello de Obeso, Santiago" userId="b4fc0b8e-1f0e-417a-8aad-015961d2398a" providerId="ADAL" clId="{3E094558-9642-4798-A9B8-BAE52C8AE0EB}" dt="2025-06-24T15:03:57.578" v="1045" actId="478"/>
+          <ac:spMkLst>
+            <pc:docMk/>
+            <pc:sldMk cId="2702450906" sldId="962"/>
+            <ac:spMk id="10" creationId="{533C4678-235D-8297-466D-33D29DF7CE01}"/>
+          </ac:spMkLst>
+        </pc:spChg>
+        <pc:spChg chg="del">
+          <ac:chgData name="Castiello de Obeso, Santiago" userId="b4fc0b8e-1f0e-417a-8aad-015961d2398a" providerId="ADAL" clId="{3E094558-9642-4798-A9B8-BAE52C8AE0EB}" dt="2025-06-24T15:03:57.578" v="1045" actId="478"/>
+          <ac:spMkLst>
+            <pc:docMk/>
+            <pc:sldMk cId="2702450906" sldId="962"/>
+            <ac:spMk id="11" creationId="{68A97549-3D94-FE40-3C8F-170973C947E0}"/>
+          </ac:spMkLst>
+        </pc:spChg>
+        <pc:spChg chg="del">
+          <ac:chgData name="Castiello de Obeso, Santiago" userId="b4fc0b8e-1f0e-417a-8aad-015961d2398a" providerId="ADAL" clId="{3E094558-9642-4798-A9B8-BAE52C8AE0EB}" dt="2025-06-24T15:03:57.578" v="1045" actId="478"/>
+          <ac:spMkLst>
+            <pc:docMk/>
+            <pc:sldMk cId="2702450906" sldId="962"/>
+            <ac:spMk id="19" creationId="{795ACD46-1931-EA78-01A7-2FF11FF6EE3C}"/>
+          </ac:spMkLst>
+        </pc:spChg>
+        <pc:spChg chg="del">
+          <ac:chgData name="Castiello de Obeso, Santiago" userId="b4fc0b8e-1f0e-417a-8aad-015961d2398a" providerId="ADAL" clId="{3E094558-9642-4798-A9B8-BAE52C8AE0EB}" dt="2025-06-24T15:03:57.578" v="1045" actId="478"/>
+          <ac:spMkLst>
+            <pc:docMk/>
+            <pc:sldMk cId="2702450906" sldId="962"/>
+            <ac:spMk id="23" creationId="{61FAAEF9-712B-B721-F877-B6E589DC6988}"/>
+          </ac:spMkLst>
+        </pc:spChg>
+        <pc:spChg chg="del">
+          <ac:chgData name="Castiello de Obeso, Santiago" userId="b4fc0b8e-1f0e-417a-8aad-015961d2398a" providerId="ADAL" clId="{3E094558-9642-4798-A9B8-BAE52C8AE0EB}" dt="2025-06-24T15:03:57.578" v="1045" actId="478"/>
+          <ac:spMkLst>
+            <pc:docMk/>
+            <pc:sldMk cId="2702450906" sldId="962"/>
+            <ac:spMk id="24" creationId="{D46AA73B-48B8-20A8-7E79-48DD5C2D5C09}"/>
+          </ac:spMkLst>
+        </pc:spChg>
+        <pc:spChg chg="del">
+          <ac:chgData name="Castiello de Obeso, Santiago" userId="b4fc0b8e-1f0e-417a-8aad-015961d2398a" providerId="ADAL" clId="{3E094558-9642-4798-A9B8-BAE52C8AE0EB}" dt="2025-06-24T15:03:57.578" v="1045" actId="478"/>
+          <ac:spMkLst>
+            <pc:docMk/>
+            <pc:sldMk cId="2702450906" sldId="962"/>
+            <ac:spMk id="26" creationId="{0A691CC1-FC95-881F-B483-12622E9AD3DE}"/>
+          </ac:spMkLst>
+        </pc:spChg>
+        <pc:picChg chg="add del mod">
+          <ac:chgData name="Castiello de Obeso, Santiago" userId="b4fc0b8e-1f0e-417a-8aad-015961d2398a" providerId="ADAL" clId="{3E094558-9642-4798-A9B8-BAE52C8AE0EB}" dt="2025-06-24T15:09:55.089" v="1101" actId="478"/>
+          <ac:picMkLst>
+            <pc:docMk/>
+            <pc:sldMk cId="2702450906" sldId="962"/>
+            <ac:picMk id="3" creationId="{3163AE55-ED3F-E2F9-E9A3-A51302779A81}"/>
+          </ac:picMkLst>
+        </pc:picChg>
+        <pc:picChg chg="add mod">
+          <ac:chgData name="Castiello de Obeso, Santiago" userId="b4fc0b8e-1f0e-417a-8aad-015961d2398a" providerId="ADAL" clId="{3E094558-9642-4798-A9B8-BAE52C8AE0EB}" dt="2025-06-24T15:10:19.856" v="1110" actId="1076"/>
+          <ac:picMkLst>
+            <pc:docMk/>
+            <pc:sldMk cId="2702450906" sldId="962"/>
+            <ac:picMk id="5" creationId="{27E17D73-BC30-EBCC-DF3A-C6BCB9FB2E0F}"/>
+          </ac:picMkLst>
+        </pc:picChg>
+        <pc:cxnChg chg="del mod">
+          <ac:chgData name="Castiello de Obeso, Santiago" userId="b4fc0b8e-1f0e-417a-8aad-015961d2398a" providerId="ADAL" clId="{3E094558-9642-4798-A9B8-BAE52C8AE0EB}" dt="2025-06-24T15:03:57.578" v="1045" actId="478"/>
+          <ac:cxnSpMkLst>
+            <pc:docMk/>
+            <pc:sldMk cId="2702450906" sldId="962"/>
+            <ac:cxnSpMk id="12" creationId="{D37E0F9D-DCD5-8760-3DB5-AE237F1FD952}"/>
+          </ac:cxnSpMkLst>
+        </pc:cxnChg>
+        <pc:cxnChg chg="del mod">
+          <ac:chgData name="Castiello de Obeso, Santiago" userId="b4fc0b8e-1f0e-417a-8aad-015961d2398a" providerId="ADAL" clId="{3E094558-9642-4798-A9B8-BAE52C8AE0EB}" dt="2025-06-24T15:03:57.578" v="1045" actId="478"/>
+          <ac:cxnSpMkLst>
+            <pc:docMk/>
+            <pc:sldMk cId="2702450906" sldId="962"/>
+            <ac:cxnSpMk id="13" creationId="{822F2859-45A4-2370-2C8B-4B6C05640CEE}"/>
+          </ac:cxnSpMkLst>
+        </pc:cxnChg>
+        <pc:cxnChg chg="del mod">
+          <ac:chgData name="Castiello de Obeso, Santiago" userId="b4fc0b8e-1f0e-417a-8aad-015961d2398a" providerId="ADAL" clId="{3E094558-9642-4798-A9B8-BAE52C8AE0EB}" dt="2025-06-24T15:03:57.578" v="1045" actId="478"/>
+          <ac:cxnSpMkLst>
+            <pc:docMk/>
+            <pc:sldMk cId="2702450906" sldId="962"/>
+            <ac:cxnSpMk id="20" creationId="{37640058-BD4B-7DC3-FBA9-4F63D33B670E}"/>
+          </ac:cxnSpMkLst>
+        </pc:cxnChg>
+      </pc:sldChg>
+      <pc:sldChg chg="addSp delSp modSp add del mod">
+        <pc:chgData name="Castiello de Obeso, Santiago" userId="b4fc0b8e-1f0e-417a-8aad-015961d2398a" providerId="ADAL" clId="{3E094558-9642-4798-A9B8-BAE52C8AE0EB}" dt="2025-06-24T15:23:43.421" v="1413" actId="47"/>
+        <pc:sldMkLst>
+          <pc:docMk/>
+          <pc:sldMk cId="4293835249" sldId="963"/>
+        </pc:sldMkLst>
+        <pc:spChg chg="add mod">
+          <ac:chgData name="Castiello de Obeso, Santiago" userId="b4fc0b8e-1f0e-417a-8aad-015961d2398a" providerId="ADAL" clId="{3E094558-9642-4798-A9B8-BAE52C8AE0EB}" dt="2025-06-24T15:21:06.913" v="1381" actId="20577"/>
+          <ac:spMkLst>
+            <pc:docMk/>
+            <pc:sldMk cId="4293835249" sldId="963"/>
+            <ac:spMk id="2" creationId="{B58B8DF5-B2B0-D846-EE25-39B26C494AA7}"/>
+          </ac:spMkLst>
+        </pc:spChg>
+        <pc:spChg chg="add mod">
+          <ac:chgData name="Castiello de Obeso, Santiago" userId="b4fc0b8e-1f0e-417a-8aad-015961d2398a" providerId="ADAL" clId="{3E094558-9642-4798-A9B8-BAE52C8AE0EB}" dt="2025-06-24T15:15:59.993" v="1291" actId="1035"/>
+          <ac:spMkLst>
+            <pc:docMk/>
+            <pc:sldMk cId="4293835249" sldId="963"/>
+            <ac:spMk id="3" creationId="{352B958F-EEFB-EAD2-4484-296AF2362C90}"/>
+          </ac:spMkLst>
+        </pc:spChg>
+        <pc:spChg chg="add mod">
+          <ac:chgData name="Castiello de Obeso, Santiago" userId="b4fc0b8e-1f0e-417a-8aad-015961d2398a" providerId="ADAL" clId="{3E094558-9642-4798-A9B8-BAE52C8AE0EB}" dt="2025-06-24T15:15:59.993" v="1291" actId="1035"/>
+          <ac:spMkLst>
+            <pc:docMk/>
+            <pc:sldMk cId="4293835249" sldId="963"/>
+            <ac:spMk id="4" creationId="{2F59BC2F-5F11-532B-0141-8C95419F6CE6}"/>
+          </ac:spMkLst>
+        </pc:spChg>
+        <pc:spChg chg="add mod">
+          <ac:chgData name="Castiello de Obeso, Santiago" userId="b4fc0b8e-1f0e-417a-8aad-015961d2398a" providerId="ADAL" clId="{3E094558-9642-4798-A9B8-BAE52C8AE0EB}" dt="2025-06-24T15:10:49.737" v="1115"/>
+          <ac:spMkLst>
+            <pc:docMk/>
+            <pc:sldMk cId="4293835249" sldId="963"/>
+            <ac:spMk id="6" creationId="{DBEBE548-59B6-CFC4-B66B-DE7B2F88A843}"/>
+          </ac:spMkLst>
+        </pc:spChg>
+        <pc:spChg chg="del">
+          <ac:chgData name="Castiello de Obeso, Santiago" userId="b4fc0b8e-1f0e-417a-8aad-015961d2398a" providerId="ADAL" clId="{3E094558-9642-4798-A9B8-BAE52C8AE0EB}" dt="2025-06-24T15:10:49.507" v="1114" actId="478"/>
+          <ac:spMkLst>
+            <pc:docMk/>
+            <pc:sldMk cId="4293835249" sldId="963"/>
+            <ac:spMk id="8" creationId="{B71B8EAF-EC75-68BC-1032-F142259C0AD3}"/>
+          </ac:spMkLst>
+        </pc:spChg>
+        <pc:spChg chg="del">
+          <ac:chgData name="Castiello de Obeso, Santiago" userId="b4fc0b8e-1f0e-417a-8aad-015961d2398a" providerId="ADAL" clId="{3E094558-9642-4798-A9B8-BAE52C8AE0EB}" dt="2025-06-24T15:10:44.372" v="1112" actId="478"/>
+          <ac:spMkLst>
+            <pc:docMk/>
+            <pc:sldMk cId="4293835249" sldId="963"/>
+            <ac:spMk id="9" creationId="{87F11939-7BBA-3F68-BA69-B24F3C04CEC4}"/>
+          </ac:spMkLst>
+        </pc:spChg>
+        <pc:spChg chg="del">
+          <ac:chgData name="Castiello de Obeso, Santiago" userId="b4fc0b8e-1f0e-417a-8aad-015961d2398a" providerId="ADAL" clId="{3E094558-9642-4798-A9B8-BAE52C8AE0EB}" dt="2025-06-24T15:10:44.372" v="1112" actId="478"/>
+          <ac:spMkLst>
+            <pc:docMk/>
+            <pc:sldMk cId="4293835249" sldId="963"/>
+            <ac:spMk id="10" creationId="{DC84E4D9-9E03-9575-95BD-816CC43ADDF3}"/>
+          </ac:spMkLst>
+        </pc:spChg>
+        <pc:spChg chg="del">
+          <ac:chgData name="Castiello de Obeso, Santiago" userId="b4fc0b8e-1f0e-417a-8aad-015961d2398a" providerId="ADAL" clId="{3E094558-9642-4798-A9B8-BAE52C8AE0EB}" dt="2025-06-24T15:10:44.372" v="1112" actId="478"/>
+          <ac:spMkLst>
+            <pc:docMk/>
+            <pc:sldMk cId="4293835249" sldId="963"/>
+            <ac:spMk id="11" creationId="{D9EE3CC6-F450-47F0-2577-D21E6A1B3223}"/>
+          </ac:spMkLst>
+        </pc:spChg>
+        <pc:spChg chg="del">
+          <ac:chgData name="Castiello de Obeso, Santiago" userId="b4fc0b8e-1f0e-417a-8aad-015961d2398a" providerId="ADAL" clId="{3E094558-9642-4798-A9B8-BAE52C8AE0EB}" dt="2025-06-24T15:10:44.372" v="1112" actId="478"/>
+          <ac:spMkLst>
+            <pc:docMk/>
+            <pc:sldMk cId="4293835249" sldId="963"/>
+            <ac:spMk id="19" creationId="{0B56200D-CE07-64B7-760B-7BCE3BCE788D}"/>
+          </ac:spMkLst>
+        </pc:spChg>
+        <pc:spChg chg="del">
+          <ac:chgData name="Castiello de Obeso, Santiago" userId="b4fc0b8e-1f0e-417a-8aad-015961d2398a" providerId="ADAL" clId="{3E094558-9642-4798-A9B8-BAE52C8AE0EB}" dt="2025-06-24T15:10:44.372" v="1112" actId="478"/>
+          <ac:spMkLst>
+            <pc:docMk/>
+            <pc:sldMk cId="4293835249" sldId="963"/>
+            <ac:spMk id="23" creationId="{EB513E64-80CE-325C-8F33-09C6179EF5C2}"/>
+          </ac:spMkLst>
+        </pc:spChg>
+        <pc:spChg chg="del">
+          <ac:chgData name="Castiello de Obeso, Santiago" userId="b4fc0b8e-1f0e-417a-8aad-015961d2398a" providerId="ADAL" clId="{3E094558-9642-4798-A9B8-BAE52C8AE0EB}" dt="2025-06-24T15:10:44.372" v="1112" actId="478"/>
+          <ac:spMkLst>
+            <pc:docMk/>
+            <pc:sldMk cId="4293835249" sldId="963"/>
+            <ac:spMk id="24" creationId="{121A4B19-AFF0-1F1B-F110-D75C89A11EE3}"/>
+          </ac:spMkLst>
+        </pc:spChg>
+        <pc:spChg chg="del">
+          <ac:chgData name="Castiello de Obeso, Santiago" userId="b4fc0b8e-1f0e-417a-8aad-015961d2398a" providerId="ADAL" clId="{3E094558-9642-4798-A9B8-BAE52C8AE0EB}" dt="2025-06-24T15:10:44.372" v="1112" actId="478"/>
+          <ac:spMkLst>
+            <pc:docMk/>
+            <pc:sldMk cId="4293835249" sldId="963"/>
+            <ac:spMk id="26" creationId="{29F13042-8275-FD47-8140-9007F96C49B5}"/>
+          </ac:spMkLst>
+        </pc:spChg>
+        <pc:picChg chg="add del mod modCrop">
+          <ac:chgData name="Castiello de Obeso, Santiago" userId="b4fc0b8e-1f0e-417a-8aad-015961d2398a" providerId="ADAL" clId="{3E094558-9642-4798-A9B8-BAE52C8AE0EB}" dt="2025-06-24T15:22:45.398" v="1395" actId="21"/>
+          <ac:picMkLst>
+            <pc:docMk/>
+            <pc:sldMk cId="4293835249" sldId="963"/>
+            <ac:picMk id="7" creationId="{5D73E42A-7345-951E-89FA-AA525654C893}"/>
+          </ac:picMkLst>
+        </pc:picChg>
+        <pc:picChg chg="add del mod">
+          <ac:chgData name="Castiello de Obeso, Santiago" userId="b4fc0b8e-1f0e-417a-8aad-015961d2398a" providerId="ADAL" clId="{3E094558-9642-4798-A9B8-BAE52C8AE0EB}" dt="2025-06-24T15:23:20.399" v="1407" actId="21"/>
+          <ac:picMkLst>
+            <pc:docMk/>
+            <pc:sldMk cId="4293835249" sldId="963"/>
+            <ac:picMk id="14" creationId="{5D73E42A-7345-951E-89FA-AA525654C893}"/>
+          </ac:picMkLst>
+        </pc:picChg>
+        <pc:cxnChg chg="add mod">
+          <ac:chgData name="Castiello de Obeso, Santiago" userId="b4fc0b8e-1f0e-417a-8aad-015961d2398a" providerId="ADAL" clId="{3E094558-9642-4798-A9B8-BAE52C8AE0EB}" dt="2025-06-24T15:15:59.993" v="1291" actId="1035"/>
+          <ac:cxnSpMkLst>
+            <pc:docMk/>
+            <pc:sldMk cId="4293835249" sldId="963"/>
+            <ac:cxnSpMk id="5" creationId="{84FBC035-F2F4-FF49-6C7C-2F2EDC956AEE}"/>
+          </ac:cxnSpMkLst>
+        </pc:cxnChg>
+        <pc:cxnChg chg="del mod">
+          <ac:chgData name="Castiello de Obeso, Santiago" userId="b4fc0b8e-1f0e-417a-8aad-015961d2398a" providerId="ADAL" clId="{3E094558-9642-4798-A9B8-BAE52C8AE0EB}" dt="2025-06-24T15:10:44.372" v="1112" actId="478"/>
+          <ac:cxnSpMkLst>
+            <pc:docMk/>
+            <pc:sldMk cId="4293835249" sldId="963"/>
+            <ac:cxnSpMk id="12" creationId="{0F0F1C4B-021F-B09C-F7EB-659673C3E6B0}"/>
+          </ac:cxnSpMkLst>
+        </pc:cxnChg>
+        <pc:cxnChg chg="del mod">
+          <ac:chgData name="Castiello de Obeso, Santiago" userId="b4fc0b8e-1f0e-417a-8aad-015961d2398a" providerId="ADAL" clId="{3E094558-9642-4798-A9B8-BAE52C8AE0EB}" dt="2025-06-24T15:10:44.372" v="1112" actId="478"/>
+          <ac:cxnSpMkLst>
+            <pc:docMk/>
+            <pc:sldMk cId="4293835249" sldId="963"/>
+            <ac:cxnSpMk id="13" creationId="{D16ACE8D-33F4-4BD8-C382-9CC0A7A8AD7E}"/>
+          </ac:cxnSpMkLst>
+        </pc:cxnChg>
+        <pc:cxnChg chg="del mod">
+          <ac:chgData name="Castiello de Obeso, Santiago" userId="b4fc0b8e-1f0e-417a-8aad-015961d2398a" providerId="ADAL" clId="{3E094558-9642-4798-A9B8-BAE52C8AE0EB}" dt="2025-06-24T15:10:44.372" v="1112" actId="478"/>
+          <ac:cxnSpMkLst>
+            <pc:docMk/>
+            <pc:sldMk cId="4293835249" sldId="963"/>
+            <ac:cxnSpMk id="25" creationId="{8717ABF0-3E09-4FB6-A82F-8767A06065B3}"/>
+          </ac:cxnSpMkLst>
+        </pc:cxnChg>
+      </pc:sldChg>
+      <pc:sldChg chg="addSp delSp modSp add mod ord">
+        <pc:chgData name="Castiello de Obeso, Santiago" userId="b4fc0b8e-1f0e-417a-8aad-015961d2398a" providerId="ADAL" clId="{3E094558-9642-4798-A9B8-BAE52C8AE0EB}" dt="2025-06-24T15:23:06.038" v="1405" actId="21"/>
+        <pc:sldMkLst>
+          <pc:docMk/>
+          <pc:sldMk cId="2447360708" sldId="964"/>
+        </pc:sldMkLst>
+        <pc:spChg chg="mod">
+          <ac:chgData name="Castiello de Obeso, Santiago" userId="b4fc0b8e-1f0e-417a-8aad-015961d2398a" providerId="ADAL" clId="{3E094558-9642-4798-A9B8-BAE52C8AE0EB}" dt="2025-06-24T15:19:32.550" v="1363" actId="20577"/>
+          <ac:spMkLst>
+            <pc:docMk/>
+            <pc:sldMk cId="2447360708" sldId="964"/>
+            <ac:spMk id="2" creationId="{892D29EF-C357-537A-1E2C-C4AF57EE701F}"/>
+          </ac:spMkLst>
+        </pc:spChg>
+        <pc:picChg chg="add mod modCrop">
+          <ac:chgData name="Castiello de Obeso, Santiago" userId="b4fc0b8e-1f0e-417a-8aad-015961d2398a" providerId="ADAL" clId="{3E094558-9642-4798-A9B8-BAE52C8AE0EB}" dt="2025-06-24T15:21:47.907" v="1384" actId="1076"/>
+          <ac:picMkLst>
+            <pc:docMk/>
+            <pc:sldMk cId="2447360708" sldId="964"/>
+            <ac:picMk id="7" creationId="{37C8DC9A-C72B-2D63-9273-B786DF088577}"/>
+          </ac:picMkLst>
+        </pc:picChg>
+        <pc:picChg chg="add del mod">
+          <ac:chgData name="Castiello de Obeso, Santiago" userId="b4fc0b8e-1f0e-417a-8aad-015961d2398a" providerId="ADAL" clId="{3E094558-9642-4798-A9B8-BAE52C8AE0EB}" dt="2025-06-24T15:22:54.253" v="1398" actId="21"/>
+          <ac:picMkLst>
+            <pc:docMk/>
+            <pc:sldMk cId="2447360708" sldId="964"/>
+            <ac:picMk id="8" creationId="{5D73E42A-7345-951E-89FA-AA525654C893}"/>
+          </ac:picMkLst>
+        </pc:picChg>
+        <pc:picChg chg="add del mod">
+          <ac:chgData name="Castiello de Obeso, Santiago" userId="b4fc0b8e-1f0e-417a-8aad-015961d2398a" providerId="ADAL" clId="{3E094558-9642-4798-A9B8-BAE52C8AE0EB}" dt="2025-06-24T15:23:06.038" v="1405" actId="21"/>
+          <ac:picMkLst>
+            <pc:docMk/>
+            <pc:sldMk cId="2447360708" sldId="964"/>
+            <ac:picMk id="9" creationId="{5D73E42A-7345-951E-89FA-AA525654C893}"/>
+          </ac:picMkLst>
+        </pc:picChg>
+      </pc:sldChg>
+      <pc:sldChg chg="addSp delSp modSp add del mod">
+        <pc:chgData name="Castiello de Obeso, Santiago" userId="b4fc0b8e-1f0e-417a-8aad-015961d2398a" providerId="ADAL" clId="{3E094558-9642-4798-A9B8-BAE52C8AE0EB}" dt="2025-06-24T15:23:51.846" v="1414" actId="47"/>
+        <pc:sldMkLst>
+          <pc:docMk/>
+          <pc:sldMk cId="4283109383" sldId="965"/>
+        </pc:sldMkLst>
+        <pc:spChg chg="mod">
+          <ac:chgData name="Castiello de Obeso, Santiago" userId="b4fc0b8e-1f0e-417a-8aad-015961d2398a" providerId="ADAL" clId="{3E094558-9642-4798-A9B8-BAE52C8AE0EB}" dt="2025-06-24T15:19:26.368" v="1357"/>
+          <ac:spMkLst>
+            <pc:docMk/>
+            <pc:sldMk cId="4283109383" sldId="965"/>
+            <ac:spMk id="2" creationId="{66303993-9760-E112-DE85-2AF52C97A135}"/>
+          </ac:spMkLst>
+        </pc:spChg>
+        <pc:picChg chg="add del mod">
+          <ac:chgData name="Castiello de Obeso, Santiago" userId="b4fc0b8e-1f0e-417a-8aad-015961d2398a" providerId="ADAL" clId="{3E094558-9642-4798-A9B8-BAE52C8AE0EB}" dt="2025-06-24T15:23:00.122" v="1402" actId="21"/>
+          <ac:picMkLst>
+            <pc:docMk/>
+            <pc:sldMk cId="4283109383" sldId="965"/>
+            <ac:picMk id="8" creationId="{5D73E42A-7345-951E-89FA-AA525654C893}"/>
+          </ac:picMkLst>
+        </pc:picChg>
+      </pc:sldChg>
+      <pc:sldChg chg="addSp delSp modSp add mod">
+        <pc:chgData name="Castiello de Obeso, Santiago" userId="b4fc0b8e-1f0e-417a-8aad-015961d2398a" providerId="ADAL" clId="{3E094558-9642-4798-A9B8-BAE52C8AE0EB}" dt="2025-06-24T15:24:39.040" v="1425" actId="21"/>
+        <pc:sldMkLst>
+          <pc:docMk/>
+          <pc:sldMk cId="139463335" sldId="966"/>
+        </pc:sldMkLst>
+        <pc:spChg chg="mod">
+          <ac:chgData name="Castiello de Obeso, Santiago" userId="b4fc0b8e-1f0e-417a-8aad-015961d2398a" providerId="ADAL" clId="{3E094558-9642-4798-A9B8-BAE52C8AE0EB}" dt="2025-06-24T15:22:21.724" v="1389" actId="20577"/>
+          <ac:spMkLst>
+            <pc:docMk/>
+            <pc:sldMk cId="139463335" sldId="966"/>
+            <ac:spMk id="2" creationId="{ECBEB938-3F97-CE62-86AF-1D8263E24ECB}"/>
+          </ac:spMkLst>
+        </pc:spChg>
+        <pc:picChg chg="add del mod">
+          <ac:chgData name="Castiello de Obeso, Santiago" userId="b4fc0b8e-1f0e-417a-8aad-015961d2398a" providerId="ADAL" clId="{3E094558-9642-4798-A9B8-BAE52C8AE0EB}" dt="2025-06-24T15:24:39.040" v="1425" actId="21"/>
+          <ac:picMkLst>
+            <pc:docMk/>
+            <pc:sldMk cId="139463335" sldId="966"/>
+            <ac:picMk id="7" creationId="{FC6B3F74-C852-05EA-A108-D02CDDA36447}"/>
+          </ac:picMkLst>
+        </pc:picChg>
+        <pc:picChg chg="add mod">
+          <ac:chgData name="Castiello de Obeso, Santiago" userId="b4fc0b8e-1f0e-417a-8aad-015961d2398a" providerId="ADAL" clId="{3E094558-9642-4798-A9B8-BAE52C8AE0EB}" dt="2025-06-24T15:23:22.180" v="1408"/>
+          <ac:picMkLst>
+            <pc:docMk/>
+            <pc:sldMk cId="139463335" sldId="966"/>
+            <ac:picMk id="14" creationId="{5D73E42A-7345-951E-89FA-AA525654C893}"/>
+          </ac:picMkLst>
+        </pc:picChg>
+      </pc:sldChg>
+      <pc:sldChg chg="modSp add del">
+        <pc:chgData name="Castiello de Obeso, Santiago" userId="b4fc0b8e-1f0e-417a-8aad-015961d2398a" providerId="ADAL" clId="{3E094558-9642-4798-A9B8-BAE52C8AE0EB}" dt="2025-06-24T15:24:09.313" v="1416" actId="47"/>
+        <pc:sldMkLst>
+          <pc:docMk/>
+          <pc:sldMk cId="4089498035" sldId="967"/>
+        </pc:sldMkLst>
+        <pc:spChg chg="mod">
+          <ac:chgData name="Castiello de Obeso, Santiago" userId="b4fc0b8e-1f0e-417a-8aad-015961d2398a" providerId="ADAL" clId="{3E094558-9642-4798-A9B8-BAE52C8AE0EB}" dt="2025-06-24T15:23:29.887" v="1411" actId="20577"/>
+          <ac:spMkLst>
+            <pc:docMk/>
+            <pc:sldMk cId="4089498035" sldId="967"/>
+            <ac:spMk id="2" creationId="{25764F6A-51BA-18F2-5B25-C36B66C4C630}"/>
+          </ac:spMkLst>
+        </pc:spChg>
+      </pc:sldChg>
+      <pc:sldChg chg="addSp delSp modSp add mod">
+        <pc:chgData name="Castiello de Obeso, Santiago" userId="b4fc0b8e-1f0e-417a-8aad-015961d2398a" providerId="ADAL" clId="{3E094558-9642-4798-A9B8-BAE52C8AE0EB}" dt="2025-06-24T15:24:40.625" v="1426"/>
+        <pc:sldMkLst>
+          <pc:docMk/>
+          <pc:sldMk cId="4057765917" sldId="968"/>
+        </pc:sldMkLst>
+        <pc:picChg chg="add del mod modCrop">
+          <ac:chgData name="Castiello de Obeso, Santiago" userId="b4fc0b8e-1f0e-417a-8aad-015961d2398a" providerId="ADAL" clId="{3E094558-9642-4798-A9B8-BAE52C8AE0EB}" dt="2025-06-24T15:24:32.219" v="1422" actId="21"/>
+          <ac:picMkLst>
+            <pc:docMk/>
+            <pc:sldMk cId="4057765917" sldId="968"/>
+            <ac:picMk id="7" creationId="{FC6B3F74-C852-05EA-A108-D02CDDA36447}"/>
+          </ac:picMkLst>
+        </pc:picChg>
+        <pc:picChg chg="add mod">
+          <ac:chgData name="Castiello de Obeso, Santiago" userId="b4fc0b8e-1f0e-417a-8aad-015961d2398a" providerId="ADAL" clId="{3E094558-9642-4798-A9B8-BAE52C8AE0EB}" dt="2025-06-24T15:24:40.625" v="1426"/>
+          <ac:picMkLst>
+            <pc:docMk/>
+            <pc:sldMk cId="4057765917" sldId="968"/>
+            <ac:picMk id="8" creationId="{FC6B3F74-C852-05EA-A108-D02CDDA36447}"/>
+          </ac:picMkLst>
+        </pc:picChg>
       </pc:sldChg>
     </pc:docChg>
   </pc:docChgLst>
@@ -600,7 +1363,7 @@
           <a:p>
             <a:fld id="{2A7E0360-EE77-4603-BD83-B6E308B4255C}" type="datetimeFigureOut">
               <a:rPr lang="en-GB" smtClean="0"/>
-              <a:t>18/06/2025</a:t>
+              <a:t>23/06/2025</a:t>
             </a:fld>
             <a:endParaRPr lang="en-GB"/>
           </a:p>
@@ -1017,7 +1780,7 @@
           <a:p>
             <a:fld id="{93653256-A176-4E8A-BC36-7C03370D5D24}" type="datetime1">
               <a:rPr lang="en-GB" smtClean="0"/>
-              <a:t>18/06/2025</a:t>
+              <a:t>23/06/2025</a:t>
             </a:fld>
             <a:endParaRPr lang="en-GB"/>
           </a:p>
@@ -1220,7 +1983,7 @@
           <a:p>
             <a:fld id="{4A0EC24C-68C4-4BBF-9274-D95F7253B67E}" type="datetime1">
               <a:rPr lang="en-GB" smtClean="0"/>
-              <a:t>18/06/2025</a:t>
+              <a:t>23/06/2025</a:t>
             </a:fld>
             <a:endParaRPr lang="en-GB"/>
           </a:p>
@@ -1433,7 +2196,7 @@
           <a:p>
             <a:fld id="{4E3445D5-9FDE-425E-A1A1-54CD9BCE6E09}" type="datetime1">
               <a:rPr lang="en-GB" smtClean="0"/>
-              <a:t>18/06/2025</a:t>
+              <a:t>23/06/2025</a:t>
             </a:fld>
             <a:endParaRPr lang="en-GB"/>
           </a:p>
@@ -1636,7 +2399,7 @@
           <a:p>
             <a:fld id="{7D15BC87-CB2A-4A43-895C-ADD7C09AFD24}" type="datetime1">
               <a:rPr lang="en-GB" smtClean="0"/>
-              <a:t>18/06/2025</a:t>
+              <a:t>23/06/2025</a:t>
             </a:fld>
             <a:endParaRPr lang="en-GB"/>
           </a:p>
@@ -1915,7 +2678,7 @@
           <a:p>
             <a:fld id="{3A486E3F-441B-47EF-8EDF-4F629B14B556}" type="datetime1">
               <a:rPr lang="en-GB" smtClean="0"/>
-              <a:t>18/06/2025</a:t>
+              <a:t>23/06/2025</a:t>
             </a:fld>
             <a:endParaRPr lang="en-GB"/>
           </a:p>
@@ -2186,7 +2949,7 @@
           <a:p>
             <a:fld id="{AFCA27F4-A8F1-4095-B17C-0FDD4E4834B5}" type="datetime1">
               <a:rPr lang="en-GB" smtClean="0"/>
-              <a:t>18/06/2025</a:t>
+              <a:t>23/06/2025</a:t>
             </a:fld>
             <a:endParaRPr lang="en-GB"/>
           </a:p>
@@ -2604,7 +3367,7 @@
           <a:p>
             <a:fld id="{AB8055EE-6BF7-4B53-802F-D175E49646CF}" type="datetime1">
               <a:rPr lang="en-GB" smtClean="0"/>
-              <a:t>18/06/2025</a:t>
+              <a:t>23/06/2025</a:t>
             </a:fld>
             <a:endParaRPr lang="en-GB"/>
           </a:p>
@@ -2749,7 +3512,7 @@
           <a:p>
             <a:fld id="{E2B0EFB8-EE02-435B-9CF1-1D53B08DC122}" type="datetime1">
               <a:rPr lang="en-GB" smtClean="0"/>
-              <a:t>18/06/2025</a:t>
+              <a:t>23/06/2025</a:t>
             </a:fld>
             <a:endParaRPr lang="en-GB"/>
           </a:p>
@@ -2865,7 +3628,7 @@
           <a:p>
             <a:fld id="{FFB3AF6A-F948-4DC8-A710-E3C0183F531B}" type="datetime1">
               <a:rPr lang="en-GB" smtClean="0"/>
-              <a:t>18/06/2025</a:t>
+              <a:t>23/06/2025</a:t>
             </a:fld>
             <a:endParaRPr lang="en-GB"/>
           </a:p>
@@ -3181,7 +3944,7 @@
           <a:p>
             <a:fld id="{2573D767-A3EE-4960-BC6F-9724805AE439}" type="datetime1">
               <a:rPr lang="en-GB" smtClean="0"/>
-              <a:t>18/06/2025</a:t>
+              <a:t>23/06/2025</a:t>
             </a:fld>
             <a:endParaRPr lang="en-GB"/>
           </a:p>
@@ -3473,7 +4236,7 @@
           <a:p>
             <a:fld id="{75900A3F-4432-4646-BCBF-510DC366486F}" type="datetime1">
               <a:rPr lang="en-GB" smtClean="0"/>
-              <a:t>18/06/2025</a:t>
+              <a:t>23/06/2025</a:t>
             </a:fld>
             <a:endParaRPr lang="en-GB"/>
           </a:p>
@@ -3719,7 +4482,7 @@
           <a:p>
             <a:fld id="{C18FD3FE-A0EA-41B0-8B29-595A08EDC4A4}" type="datetime1">
               <a:rPr lang="en-GB" smtClean="0"/>
-              <a:t>18/06/2025</a:t>
+              <a:t>23/06/2025</a:t>
             </a:fld>
             <a:endParaRPr lang="en-GB"/>
           </a:p>
@@ -11087,8 +11850,8 @@
           </a:fontRef>
         </p:style>
       </p:cxnSp>
-      <mc:AlternateContent xmlns:mc="http://schemas.openxmlformats.org/markup-compatibility/2006">
-        <mc:Choice xmlns:a14="http://schemas.microsoft.com/office/drawing/2010/main" Requires="a14">
+      <mc:AlternateContent xmlns:mc="http://schemas.openxmlformats.org/markup-compatibility/2006" xmlns:a14="http://schemas.microsoft.com/office/drawing/2010/main">
+        <mc:Choice Requires="a14">
           <p:sp>
             <p:nvSpPr>
               <p:cNvPr id="3" name="TextBox 2">
@@ -11335,7 +12098,7 @@
             </p:txBody>
           </p:sp>
         </mc:Choice>
-        <mc:Fallback>
+        <mc:Fallback xmlns="">
           <p:sp>
             <p:nvSpPr>
               <p:cNvPr id="3" name="TextBox 2">
@@ -12870,8 +13633,8 @@
           </a:prstGeom>
         </p:spPr>
       </p:pic>
-      <mc:AlternateContent xmlns:mc="http://schemas.openxmlformats.org/markup-compatibility/2006">
-        <mc:Choice xmlns:a14="http://schemas.microsoft.com/office/drawing/2010/main" Requires="a14">
+      <mc:AlternateContent xmlns:mc="http://schemas.openxmlformats.org/markup-compatibility/2006" xmlns:a14="http://schemas.microsoft.com/office/drawing/2010/main">
+        <mc:Choice Requires="a14">
           <p:sp>
             <p:nvSpPr>
               <p:cNvPr id="16" name="TextBox 15">
@@ -13126,7 +13889,7 @@
             </p:txBody>
           </p:sp>
         </mc:Choice>
-        <mc:Fallback>
+        <mc:Fallback xmlns="">
           <p:sp>
             <p:nvSpPr>
               <p:cNvPr id="16" name="TextBox 15">
@@ -13798,8 +14561,8 @@
           </a:prstGeom>
         </p:spPr>
       </p:pic>
-      <mc:AlternateContent xmlns:mc="http://schemas.openxmlformats.org/markup-compatibility/2006">
-        <mc:Choice xmlns:a14="http://schemas.microsoft.com/office/drawing/2010/main" Requires="a14">
+      <mc:AlternateContent xmlns:mc="http://schemas.openxmlformats.org/markup-compatibility/2006" xmlns:a14="http://schemas.microsoft.com/office/drawing/2010/main">
+        <mc:Choice Requires="a14">
           <p:sp>
             <p:nvSpPr>
               <p:cNvPr id="13" name="TextBox 12">
@@ -14089,18 +14852,15 @@
                 <a:endParaRPr lang="en-GB" sz="2400" dirty="0"/>
               </a:p>
               <a:p>
-                <a:pPr/>
                 <a:endParaRPr lang="en-GB" sz="2400" dirty="0"/>
               </a:p>
               <a:p>
-                <a:pPr/>
                 <a:r>
                   <a:rPr lang="en-GB" sz="2400" dirty="0"/>
                   <a:t>y = .67 + (-.12)*0 + (-1.09)*0 + .54*0*0</a:t>
                 </a:r>
               </a:p>
               <a:p>
-                <a:pPr/>
                 <a:r>
                   <a:rPr lang="en-GB" sz="2400" dirty="0" err="1"/>
                   <a:t>y_low_non</a:t>
@@ -14219,7 +14979,7 @@
             </p:txBody>
           </p:sp>
         </mc:Choice>
-        <mc:Fallback>
+        <mc:Fallback xmlns="">
           <p:sp>
             <p:nvSpPr>
               <p:cNvPr id="13" name="TextBox 12">
@@ -21013,6 +21773,6428 @@
 </p:sld>
 </file>
 
+<file path=ppt/slides/slide35.xml><?xml version="1.0" encoding="utf-8"?>
+<p:sld xmlns:a="http://schemas.openxmlformats.org/drawingml/2006/main" xmlns:r="http://schemas.openxmlformats.org/officeDocument/2006/relationships" xmlns:p="http://schemas.openxmlformats.org/presentationml/2006/main">
+  <p:cSld>
+    <p:spTree>
+      <p:nvGrpSpPr>
+        <p:cNvPr id="1" name="">
+          <a:extLst>
+            <a:ext uri="{FF2B5EF4-FFF2-40B4-BE49-F238E27FC236}">
+              <a16:creationId xmlns:a16="http://schemas.microsoft.com/office/drawing/2014/main" id="{C3CF726F-A51C-4BAD-C43C-309D4D82EDF5}"/>
+            </a:ext>
+          </a:extLst>
+        </p:cNvPr>
+        <p:cNvGrpSpPr/>
+        <p:nvPr/>
+      </p:nvGrpSpPr>
+      <p:grpSpPr>
+        <a:xfrm>
+          <a:off x="0" y="0"/>
+          <a:ext cx="0" cy="0"/>
+          <a:chOff x="0" y="0"/>
+          <a:chExt cx="0" cy="0"/>
+        </a:xfrm>
+      </p:grpSpPr>
+      <p:sp>
+        <p:nvSpPr>
+          <p:cNvPr id="8" name="Título 1">
+            <a:extLst>
+              <a:ext uri="{FF2B5EF4-FFF2-40B4-BE49-F238E27FC236}">
+                <a16:creationId xmlns:a16="http://schemas.microsoft.com/office/drawing/2014/main" id="{92D41130-9932-AE86-4C02-C28E150A8B12}"/>
+              </a:ext>
+            </a:extLst>
+          </p:cNvPr>
+          <p:cNvSpPr txBox="1">
+            <a:spLocks/>
+          </p:cNvSpPr>
+          <p:nvPr/>
+        </p:nvSpPr>
+        <p:spPr>
+          <a:xfrm>
+            <a:off x="0" y="0"/>
+            <a:ext cx="12192000" cy="885061"/>
+          </a:xfrm>
+          <a:prstGeom prst="rect">
+            <a:avLst/>
+          </a:prstGeom>
+        </p:spPr>
+        <p:txBody>
+          <a:bodyPr vert="horz" lIns="91440" tIns="45720" rIns="91440" bIns="45720" rtlCol="0" anchor="b">
+            <a:normAutofit/>
+          </a:bodyPr>
+          <a:lstStyle>
+            <a:lvl1pPr algn="ctr" defTabSz="914400" rtl="0" eaLnBrk="1" latinLnBrk="0" hangingPunct="1">
+              <a:lnSpc>
+                <a:spcPct val="90000"/>
+              </a:lnSpc>
+              <a:spcBef>
+                <a:spcPct val="0"/>
+              </a:spcBef>
+              <a:buNone/>
+              <a:defRPr sz="6000" kern="1200">
+                <a:solidFill>
+                  <a:schemeClr val="tx1"/>
+                </a:solidFill>
+                <a:latin typeface="+mj-lt"/>
+                <a:ea typeface="+mj-ea"/>
+                <a:cs typeface="+mj-cs"/>
+              </a:defRPr>
+            </a:lvl1pPr>
+          </a:lstStyle>
+          <a:p>
+            <a:r>
+              <a:rPr lang="es-MX" sz="4800" b="1" dirty="0">
+                <a:latin typeface="Times New Roman" panose="02020603050405020304" pitchFamily="18" charset="0"/>
+                <a:cs typeface="Times New Roman" panose="02020603050405020304" pitchFamily="18" charset="0"/>
+              </a:rPr>
+              <a:t>Generalizad Linear </a:t>
+            </a:r>
+            <a:r>
+              <a:rPr lang="es-MX" sz="4800" dirty="0">
+                <a:latin typeface="Times New Roman" panose="02020603050405020304" pitchFamily="18" charset="0"/>
+                <a:cs typeface="Times New Roman" panose="02020603050405020304" pitchFamily="18" charset="0"/>
+              </a:rPr>
+              <a:t>(</a:t>
+            </a:r>
+            <a:r>
+              <a:rPr lang="es-MX" sz="4800" dirty="0" err="1">
+                <a:latin typeface="Times New Roman" panose="02020603050405020304" pitchFamily="18" charset="0"/>
+                <a:cs typeface="Times New Roman" panose="02020603050405020304" pitchFamily="18" charset="0"/>
+              </a:rPr>
+              <a:t>Mixed</a:t>
+            </a:r>
+            <a:r>
+              <a:rPr lang="es-MX" sz="4800" dirty="0">
+                <a:latin typeface="Times New Roman" panose="02020603050405020304" pitchFamily="18" charset="0"/>
+                <a:cs typeface="Times New Roman" panose="02020603050405020304" pitchFamily="18" charset="0"/>
+              </a:rPr>
+              <a:t>)</a:t>
+            </a:r>
+            <a:r>
+              <a:rPr lang="es-MX" sz="4800" b="1" dirty="0">
+                <a:latin typeface="Times New Roman" panose="02020603050405020304" pitchFamily="18" charset="0"/>
+                <a:cs typeface="Times New Roman" panose="02020603050405020304" pitchFamily="18" charset="0"/>
+              </a:rPr>
+              <a:t> </a:t>
+            </a:r>
+            <a:r>
+              <a:rPr lang="es-MX" sz="4800" b="1" dirty="0" err="1">
+                <a:latin typeface="Times New Roman" panose="02020603050405020304" pitchFamily="18" charset="0"/>
+                <a:cs typeface="Times New Roman" panose="02020603050405020304" pitchFamily="18" charset="0"/>
+              </a:rPr>
+              <a:t>Model</a:t>
+            </a:r>
+            <a:endParaRPr lang="es-MX" sz="4800" b="1" dirty="0">
+              <a:latin typeface="Times New Roman" panose="02020603050405020304" pitchFamily="18" charset="0"/>
+              <a:cs typeface="Times New Roman" panose="02020603050405020304" pitchFamily="18" charset="0"/>
+            </a:endParaRPr>
+          </a:p>
+        </p:txBody>
+      </p:sp>
+      <mc:AlternateContent xmlns:mc="http://schemas.openxmlformats.org/markup-compatibility/2006" xmlns:a14="http://schemas.microsoft.com/office/drawing/2010/main">
+        <mc:Choice Requires="a14">
+          <p:sp>
+            <p:nvSpPr>
+              <p:cNvPr id="7" name="TextBox 6">
+                <a:extLst>
+                  <a:ext uri="{FF2B5EF4-FFF2-40B4-BE49-F238E27FC236}">
+                    <a16:creationId xmlns:a16="http://schemas.microsoft.com/office/drawing/2014/main" id="{811A0E83-D491-4DEC-A69F-4F1FD9AB1BFA}"/>
+                  </a:ext>
+                </a:extLst>
+              </p:cNvPr>
+              <p:cNvSpPr txBox="1"/>
+              <p:nvPr/>
+            </p:nvSpPr>
+            <p:spPr>
+              <a:xfrm>
+                <a:off x="1788662" y="4053029"/>
+                <a:ext cx="8614675" cy="2308324"/>
+              </a:xfrm>
+              <a:prstGeom prst="rect">
+                <a:avLst/>
+              </a:prstGeom>
+              <a:noFill/>
+            </p:spPr>
+            <p:txBody>
+              <a:bodyPr wrap="square">
+                <a:spAutoFit/>
+              </a:bodyPr>
+              <a:lstStyle/>
+              <a:p>
+                <a:pPr/>
+                <a14:m>
+                  <m:oMathPara xmlns:m="http://schemas.openxmlformats.org/officeDocument/2006/math">
+                    <m:oMathParaPr>
+                      <m:jc m:val="centerGroup"/>
+                    </m:oMathParaPr>
+                    <m:oMath xmlns:m="http://schemas.openxmlformats.org/officeDocument/2006/math">
+                      <m:r>
+                        <a:rPr lang="en-GB" sz="3600" b="0" i="1" smtClean="0">
+                          <a:latin typeface="Cambria Math" panose="02040503050406030204" pitchFamily="18" charset="0"/>
+                        </a:rPr>
+                        <m:t>𝑦</m:t>
+                      </m:r>
+                      <m:r>
+                        <a:rPr lang="en-GB" sz="3600" b="0" i="1" smtClean="0">
+                          <a:latin typeface="Cambria Math" panose="02040503050406030204" pitchFamily="18" charset="0"/>
+                        </a:rPr>
+                        <m:t>~</m:t>
+                      </m:r>
+                      <m:r>
+                        <a:rPr lang="en-GB" sz="3600" b="0" i="1" smtClean="0">
+                          <a:latin typeface="Cambria Math" panose="02040503050406030204" pitchFamily="18" charset="0"/>
+                        </a:rPr>
+                        <m:t>𝑥</m:t>
+                      </m:r>
+                      <m:r>
+                        <a:rPr lang="en-GB" sz="3600" b="0" i="1" smtClean="0">
+                          <a:latin typeface="Cambria Math" panose="02040503050406030204" pitchFamily="18" charset="0"/>
+                        </a:rPr>
+                        <m:t>+</m:t>
+                      </m:r>
+                      <m:r>
+                        <a:rPr lang="en-GB" sz="3600" b="0" i="1" smtClean="0">
+                          <a:latin typeface="Cambria Math" panose="02040503050406030204" pitchFamily="18" charset="0"/>
+                          <a:ea typeface="Cambria Math" panose="02040503050406030204" pitchFamily="18" charset="0"/>
+                        </a:rPr>
+                        <m:t>𝜀</m:t>
+                      </m:r>
+                    </m:oMath>
+                  </m:oMathPara>
+                </a14:m>
+                <a:endParaRPr lang="en-GB" sz="3600" b="0" i="1" dirty="0">
+                  <a:latin typeface="Cambria Math" panose="02040503050406030204" pitchFamily="18" charset="0"/>
+                  <a:ea typeface="Cambria Math" panose="02040503050406030204" pitchFamily="18" charset="0"/>
+                </a:endParaRPr>
+              </a:p>
+              <a:p>
+                <a:endParaRPr lang="es-MX" sz="3600" b="0" i="1" dirty="0">
+                  <a:latin typeface="Cambria Math" panose="02040503050406030204" pitchFamily="18" charset="0"/>
+                </a:endParaRPr>
+              </a:p>
+              <a:p>
+                <a:pPr/>
+                <a14:m>
+                  <m:oMathPara xmlns:m="http://schemas.openxmlformats.org/officeDocument/2006/math">
+                    <m:oMathParaPr>
+                      <m:jc m:val="centerGroup"/>
+                    </m:oMathParaPr>
+                    <m:oMath xmlns:m="http://schemas.openxmlformats.org/officeDocument/2006/math">
+                      <m:r>
+                        <a:rPr lang="en-GB" sz="3600" b="0" i="1" smtClean="0">
+                          <a:latin typeface="Cambria Math" panose="02040503050406030204" pitchFamily="18" charset="0"/>
+                        </a:rPr>
+                        <m:t>~=</m:t>
+                      </m:r>
+                      <m:r>
+                        <a:rPr lang="en-GB" sz="3600" b="0" i="1" smtClean="0">
+                          <a:latin typeface="Cambria Math" panose="02040503050406030204" pitchFamily="18" charset="0"/>
+                        </a:rPr>
+                        <m:t>𝑠𝑒</m:t>
+                      </m:r>
+                      <m:r>
+                        <a:rPr lang="en-GB" sz="3600" b="0" i="1" smtClean="0">
+                          <a:latin typeface="Cambria Math" panose="02040503050406030204" pitchFamily="18" charset="0"/>
+                        </a:rPr>
+                        <m:t> </m:t>
+                      </m:r>
+                      <m:r>
+                        <a:rPr lang="en-GB" sz="3600" b="0" i="1" smtClean="0">
+                          <a:latin typeface="Cambria Math" panose="02040503050406030204" pitchFamily="18" charset="0"/>
+                        </a:rPr>
+                        <m:t>𝑎𝑝𝑟𝑜𝑥𝑖𝑚𝑎</m:t>
+                      </m:r>
+                      <m:r>
+                        <a:rPr lang="en-GB" sz="3600" b="0" i="1" smtClean="0">
+                          <a:latin typeface="Cambria Math" panose="02040503050406030204" pitchFamily="18" charset="0"/>
+                        </a:rPr>
+                        <m:t> </m:t>
+                      </m:r>
+                      <m:r>
+                        <a:rPr lang="en-GB" sz="3600" b="0" i="1" smtClean="0">
+                          <a:latin typeface="Cambria Math" panose="02040503050406030204" pitchFamily="18" charset="0"/>
+                        </a:rPr>
+                        <m:t>𝑜</m:t>
+                      </m:r>
+                      <m:r>
+                        <a:rPr lang="en-GB" sz="3600" b="0" i="1" smtClean="0">
+                          <a:latin typeface="Cambria Math" panose="02040503050406030204" pitchFamily="18" charset="0"/>
+                        </a:rPr>
+                        <m:t> </m:t>
+                      </m:r>
+                      <m:r>
+                        <a:rPr lang="en-GB" sz="3600" b="0" i="1" smtClean="0">
+                          <a:latin typeface="Cambria Math" panose="02040503050406030204" pitchFamily="18" charset="0"/>
+                        </a:rPr>
+                        <m:t>𝑠𝑒</m:t>
+                      </m:r>
+                      <m:r>
+                        <a:rPr lang="en-GB" sz="3600" b="0" i="1" smtClean="0">
+                          <a:latin typeface="Cambria Math" panose="02040503050406030204" pitchFamily="18" charset="0"/>
+                        </a:rPr>
+                        <m:t> </m:t>
+                      </m:r>
+                      <m:r>
+                        <a:rPr lang="en-GB" sz="3600" b="0" i="1" smtClean="0">
+                          <a:latin typeface="Cambria Math" panose="02040503050406030204" pitchFamily="18" charset="0"/>
+                        </a:rPr>
+                        <m:t>𝑝𝑟𝑒𝑑𝑖𝑐𝑒</m:t>
+                      </m:r>
+                      <m:r>
+                        <a:rPr lang="en-GB" sz="3600" b="0" i="1" smtClean="0">
+                          <a:latin typeface="Cambria Math" panose="02040503050406030204" pitchFamily="18" charset="0"/>
+                        </a:rPr>
+                        <m:t> </m:t>
+                      </m:r>
+                      <m:r>
+                        <a:rPr lang="en-GB" sz="3600" b="0" i="1" smtClean="0">
+                          <a:latin typeface="Cambria Math" panose="02040503050406030204" pitchFamily="18" charset="0"/>
+                        </a:rPr>
+                        <m:t>𝑐𝑜𝑛</m:t>
+                      </m:r>
+                    </m:oMath>
+                  </m:oMathPara>
+                </a14:m>
+                <a:endParaRPr lang="es-MX" sz="3600" b="0" i="1" dirty="0">
+                  <a:latin typeface="Cambria Math" panose="02040503050406030204" pitchFamily="18" charset="0"/>
+                </a:endParaRPr>
+              </a:p>
+              <a:p>
+                <a:pPr/>
+                <a14:m>
+                  <m:oMathPara xmlns:m="http://schemas.openxmlformats.org/officeDocument/2006/math">
+                    <m:oMathParaPr>
+                      <m:jc m:val="centerGroup"/>
+                    </m:oMathParaPr>
+                    <m:oMath xmlns:m="http://schemas.openxmlformats.org/officeDocument/2006/math">
+                      <m:r>
+                        <a:rPr lang="en-GB" sz="3600" b="0" i="1" smtClean="0">
+                          <a:latin typeface="Cambria Math" panose="02040503050406030204" pitchFamily="18" charset="0"/>
+                          <a:ea typeface="Cambria Math" panose="02040503050406030204" pitchFamily="18" charset="0"/>
+                        </a:rPr>
+                        <m:t>𝜀</m:t>
+                      </m:r>
+                      <m:r>
+                        <a:rPr lang="en-GB" sz="3600" b="0" i="1" smtClean="0">
+                          <a:latin typeface="Cambria Math" panose="02040503050406030204" pitchFamily="18" charset="0"/>
+                          <a:ea typeface="Cambria Math" panose="02040503050406030204" pitchFamily="18" charset="0"/>
+                        </a:rPr>
+                        <m:t>=</m:t>
+                      </m:r>
+                      <m:r>
+                        <a:rPr lang="en-GB" sz="3600" b="0" i="1" smtClean="0">
+                          <a:latin typeface="Cambria Math" panose="02040503050406030204" pitchFamily="18" charset="0"/>
+                          <a:ea typeface="Cambria Math" panose="02040503050406030204" pitchFamily="18" charset="0"/>
+                        </a:rPr>
+                        <m:t>𝑒𝑟𝑟𝑜𝑟</m:t>
+                      </m:r>
+                    </m:oMath>
+                  </m:oMathPara>
+                </a14:m>
+                <a:endParaRPr lang="es-MX" sz="3600" b="0" i="1" dirty="0">
+                  <a:latin typeface="Cambria Math" panose="02040503050406030204" pitchFamily="18" charset="0"/>
+                </a:endParaRPr>
+              </a:p>
+            </p:txBody>
+          </p:sp>
+        </mc:Choice>
+        <mc:Fallback xmlns="">
+          <p:sp>
+            <p:nvSpPr>
+              <p:cNvPr id="7" name="TextBox 6">
+                <a:extLst>
+                  <a:ext uri="{FF2B5EF4-FFF2-40B4-BE49-F238E27FC236}">
+                    <a16:creationId xmlns:a16="http://schemas.microsoft.com/office/drawing/2014/main" id="{CAD07910-2DF1-DB1E-E65E-8154FA310DF3}"/>
+                  </a:ext>
+                </a:extLst>
+              </p:cNvPr>
+              <p:cNvSpPr txBox="1">
+                <a:spLocks noRot="1" noChangeAspect="1" noMove="1" noResize="1" noEditPoints="1" noAdjustHandles="1" noChangeArrowheads="1" noChangeShapeType="1" noTextEdit="1"/>
+              </p:cNvSpPr>
+              <p:nvPr/>
+            </p:nvSpPr>
+            <p:spPr>
+              <a:xfrm>
+                <a:off x="1788662" y="4053029"/>
+                <a:ext cx="8614675" cy="2308324"/>
+              </a:xfrm>
+              <a:prstGeom prst="rect">
+                <a:avLst/>
+              </a:prstGeom>
+              <a:blipFill>
+                <a:blip r:embed="rId2"/>
+                <a:stretch>
+                  <a:fillRect/>
+                </a:stretch>
+              </a:blipFill>
+            </p:spPr>
+            <p:txBody>
+              <a:bodyPr/>
+              <a:lstStyle/>
+              <a:p>
+                <a:r>
+                  <a:rPr lang="en-GB">
+                    <a:noFill/>
+                  </a:rPr>
+                  <a:t> </a:t>
+                </a:r>
+              </a:p>
+            </p:txBody>
+          </p:sp>
+        </mc:Fallback>
+      </mc:AlternateContent>
+      <mc:AlternateContent xmlns:mc="http://schemas.openxmlformats.org/markup-compatibility/2006" xmlns:a14="http://schemas.microsoft.com/office/drawing/2010/main">
+        <mc:Choice Requires="a14">
+          <p:sp>
+            <p:nvSpPr>
+              <p:cNvPr id="9" name="Oval 8">
+                <a:extLst>
+                  <a:ext uri="{FF2B5EF4-FFF2-40B4-BE49-F238E27FC236}">
+                    <a16:creationId xmlns:a16="http://schemas.microsoft.com/office/drawing/2014/main" id="{D308CBE5-B790-6461-BEE8-E4F0EFB7A97C}"/>
+                  </a:ext>
+                </a:extLst>
+              </p:cNvPr>
+              <p:cNvSpPr/>
+              <p:nvPr/>
+            </p:nvSpPr>
+            <p:spPr>
+              <a:xfrm>
+                <a:off x="3942027" y="2057975"/>
+                <a:ext cx="1383825" cy="1330036"/>
+              </a:xfrm>
+              <a:prstGeom prst="ellipse">
+                <a:avLst/>
+              </a:prstGeom>
+              <a:solidFill>
+                <a:schemeClr val="bg1"/>
+              </a:solidFill>
+              <a:ln>
+                <a:solidFill>
+                  <a:schemeClr val="tx1"/>
+                </a:solidFill>
+              </a:ln>
+            </p:spPr>
+            <p:style>
+              <a:lnRef idx="2">
+                <a:schemeClr val="accent1">
+                  <a:shade val="15000"/>
+                </a:schemeClr>
+              </a:lnRef>
+              <a:fillRef idx="1">
+                <a:schemeClr val="accent1"/>
+              </a:fillRef>
+              <a:effectRef idx="0">
+                <a:schemeClr val="accent1"/>
+              </a:effectRef>
+              <a:fontRef idx="minor">
+                <a:schemeClr val="lt1"/>
+              </a:fontRef>
+            </p:style>
+            <p:txBody>
+              <a:bodyPr rtlCol="0" anchor="ctr"/>
+              <a:lstStyle/>
+              <a:p>
+                <a:pPr algn="ctr"/>
+                <a14:m>
+                  <m:oMathPara xmlns:m="http://schemas.openxmlformats.org/officeDocument/2006/math">
+                    <m:oMathParaPr>
+                      <m:jc m:val="centerGroup"/>
+                    </m:oMathParaPr>
+                    <m:oMath xmlns:m="http://schemas.openxmlformats.org/officeDocument/2006/math">
+                      <m:r>
+                        <a:rPr lang="en-GB" sz="4000" b="0" i="1" smtClean="0">
+                          <a:solidFill>
+                            <a:schemeClr val="tx1"/>
+                          </a:solidFill>
+                          <a:latin typeface="Cambria Math" panose="02040503050406030204" pitchFamily="18" charset="0"/>
+                        </a:rPr>
+                        <m:t>𝑥</m:t>
+                      </m:r>
+                    </m:oMath>
+                  </m:oMathPara>
+                </a14:m>
+                <a:endParaRPr lang="en-GB" sz="4000" dirty="0">
+                  <a:solidFill>
+                    <a:schemeClr val="tx1"/>
+                  </a:solidFill>
+                </a:endParaRPr>
+              </a:p>
+            </p:txBody>
+          </p:sp>
+        </mc:Choice>
+        <mc:Fallback xmlns="">
+          <p:sp>
+            <p:nvSpPr>
+              <p:cNvPr id="9" name="Oval 8">
+                <a:extLst>
+                  <a:ext uri="{FF2B5EF4-FFF2-40B4-BE49-F238E27FC236}">
+                    <a16:creationId xmlns:a16="http://schemas.microsoft.com/office/drawing/2014/main" id="{75A9428D-3088-5292-0918-3907C8497B20}"/>
+                  </a:ext>
+                </a:extLst>
+              </p:cNvPr>
+              <p:cNvSpPr>
+                <a:spLocks noRot="1" noChangeAspect="1" noMove="1" noResize="1" noEditPoints="1" noAdjustHandles="1" noChangeArrowheads="1" noChangeShapeType="1" noTextEdit="1"/>
+              </p:cNvSpPr>
+              <p:nvPr/>
+            </p:nvSpPr>
+            <p:spPr>
+              <a:xfrm>
+                <a:off x="3942027" y="2057975"/>
+                <a:ext cx="1383825" cy="1330036"/>
+              </a:xfrm>
+              <a:prstGeom prst="ellipse">
+                <a:avLst/>
+              </a:prstGeom>
+              <a:blipFill>
+                <a:blip r:embed="rId3"/>
+                <a:stretch>
+                  <a:fillRect/>
+                </a:stretch>
+              </a:blipFill>
+              <a:ln>
+                <a:solidFill>
+                  <a:schemeClr val="tx1"/>
+                </a:solidFill>
+              </a:ln>
+            </p:spPr>
+            <p:txBody>
+              <a:bodyPr/>
+              <a:lstStyle/>
+              <a:p>
+                <a:r>
+                  <a:rPr lang="en-GB">
+                    <a:noFill/>
+                  </a:rPr>
+                  <a:t> </a:t>
+                </a:r>
+              </a:p>
+            </p:txBody>
+          </p:sp>
+        </mc:Fallback>
+      </mc:AlternateContent>
+      <mc:AlternateContent xmlns:mc="http://schemas.openxmlformats.org/markup-compatibility/2006" xmlns:a14="http://schemas.microsoft.com/office/drawing/2010/main">
+        <mc:Choice Requires="a14">
+          <p:sp>
+            <p:nvSpPr>
+              <p:cNvPr id="10" name="Oval 9">
+                <a:extLst>
+                  <a:ext uri="{FF2B5EF4-FFF2-40B4-BE49-F238E27FC236}">
+                    <a16:creationId xmlns:a16="http://schemas.microsoft.com/office/drawing/2014/main" id="{4C40DA92-18A4-A286-0DEB-A6D567C5DFD0}"/>
+                  </a:ext>
+                </a:extLst>
+              </p:cNvPr>
+              <p:cNvSpPr/>
+              <p:nvPr/>
+            </p:nvSpPr>
+            <p:spPr>
+              <a:xfrm>
+                <a:off x="6866149" y="2057975"/>
+                <a:ext cx="1383825" cy="1330036"/>
+              </a:xfrm>
+              <a:prstGeom prst="ellipse">
+                <a:avLst/>
+              </a:prstGeom>
+              <a:solidFill>
+                <a:schemeClr val="bg1"/>
+              </a:solidFill>
+              <a:ln>
+                <a:solidFill>
+                  <a:schemeClr val="tx1"/>
+                </a:solidFill>
+              </a:ln>
+            </p:spPr>
+            <p:style>
+              <a:lnRef idx="2">
+                <a:schemeClr val="accent1">
+                  <a:shade val="15000"/>
+                </a:schemeClr>
+              </a:lnRef>
+              <a:fillRef idx="1">
+                <a:schemeClr val="accent1"/>
+              </a:fillRef>
+              <a:effectRef idx="0">
+                <a:schemeClr val="accent1"/>
+              </a:effectRef>
+              <a:fontRef idx="minor">
+                <a:schemeClr val="lt1"/>
+              </a:fontRef>
+            </p:style>
+            <p:txBody>
+              <a:bodyPr rtlCol="0" anchor="ctr"/>
+              <a:lstStyle/>
+              <a:p>
+                <a:pPr algn="ctr"/>
+                <a14:m>
+                  <m:oMathPara xmlns:m="http://schemas.openxmlformats.org/officeDocument/2006/math">
+                    <m:oMathParaPr>
+                      <m:jc m:val="centerGroup"/>
+                    </m:oMathParaPr>
+                    <m:oMath xmlns:m="http://schemas.openxmlformats.org/officeDocument/2006/math">
+                      <m:r>
+                        <a:rPr lang="en-GB" sz="4000" b="0" i="1" smtClean="0">
+                          <a:solidFill>
+                            <a:schemeClr val="tx1"/>
+                          </a:solidFill>
+                          <a:latin typeface="Cambria Math" panose="02040503050406030204" pitchFamily="18" charset="0"/>
+                        </a:rPr>
+                        <m:t>𝑦</m:t>
+                      </m:r>
+                    </m:oMath>
+                  </m:oMathPara>
+                </a14:m>
+                <a:endParaRPr lang="en-GB" sz="4000" dirty="0">
+                  <a:solidFill>
+                    <a:schemeClr val="tx1"/>
+                  </a:solidFill>
+                </a:endParaRPr>
+              </a:p>
+            </p:txBody>
+          </p:sp>
+        </mc:Choice>
+        <mc:Fallback xmlns="">
+          <p:sp>
+            <p:nvSpPr>
+              <p:cNvPr id="10" name="Oval 9">
+                <a:extLst>
+                  <a:ext uri="{FF2B5EF4-FFF2-40B4-BE49-F238E27FC236}">
+                    <a16:creationId xmlns:a16="http://schemas.microsoft.com/office/drawing/2014/main" id="{E98B3856-BB63-887F-DD48-1DB207A15981}"/>
+                  </a:ext>
+                </a:extLst>
+              </p:cNvPr>
+              <p:cNvSpPr>
+                <a:spLocks noRot="1" noChangeAspect="1" noMove="1" noResize="1" noEditPoints="1" noAdjustHandles="1" noChangeArrowheads="1" noChangeShapeType="1" noTextEdit="1"/>
+              </p:cNvSpPr>
+              <p:nvPr/>
+            </p:nvSpPr>
+            <p:spPr>
+              <a:xfrm>
+                <a:off x="6866149" y="2057975"/>
+                <a:ext cx="1383825" cy="1330036"/>
+              </a:xfrm>
+              <a:prstGeom prst="ellipse">
+                <a:avLst/>
+              </a:prstGeom>
+              <a:blipFill>
+                <a:blip r:embed="rId4"/>
+                <a:stretch>
+                  <a:fillRect/>
+                </a:stretch>
+              </a:blipFill>
+              <a:ln>
+                <a:solidFill>
+                  <a:schemeClr val="tx1"/>
+                </a:solidFill>
+              </a:ln>
+            </p:spPr>
+            <p:txBody>
+              <a:bodyPr/>
+              <a:lstStyle/>
+              <a:p>
+                <a:r>
+                  <a:rPr lang="en-GB">
+                    <a:noFill/>
+                  </a:rPr>
+                  <a:t> </a:t>
+                </a:r>
+              </a:p>
+            </p:txBody>
+          </p:sp>
+        </mc:Fallback>
+      </mc:AlternateContent>
+      <p:cxnSp>
+        <p:nvCxnSpPr>
+          <p:cNvPr id="12" name="Straight Arrow Connector 11">
+            <a:extLst>
+              <a:ext uri="{FF2B5EF4-FFF2-40B4-BE49-F238E27FC236}">
+                <a16:creationId xmlns:a16="http://schemas.microsoft.com/office/drawing/2014/main" id="{69FA59CF-E56A-DDE3-1BB6-D8C8DA95D911}"/>
+              </a:ext>
+            </a:extLst>
+          </p:cNvPr>
+          <p:cNvCxnSpPr>
+            <a:stCxn id="9" idx="6"/>
+            <a:endCxn id="10" idx="2"/>
+          </p:cNvCxnSpPr>
+          <p:nvPr/>
+        </p:nvCxnSpPr>
+        <p:spPr>
+          <a:xfrm>
+            <a:off x="5325852" y="2722993"/>
+            <a:ext cx="1540297" cy="0"/>
+          </a:xfrm>
+          <a:prstGeom prst="straightConnector1">
+            <a:avLst/>
+          </a:prstGeom>
+          <a:ln w="38100">
+            <a:solidFill>
+              <a:schemeClr val="tx1"/>
+            </a:solidFill>
+            <a:tailEnd type="triangle" w="lg" len="lg"/>
+          </a:ln>
+        </p:spPr>
+        <p:style>
+          <a:lnRef idx="2">
+            <a:schemeClr val="accent1"/>
+          </a:lnRef>
+          <a:fillRef idx="0">
+            <a:schemeClr val="accent1"/>
+          </a:fillRef>
+          <a:effectRef idx="1">
+            <a:schemeClr val="accent1"/>
+          </a:effectRef>
+          <a:fontRef idx="minor">
+            <a:schemeClr val="tx1"/>
+          </a:fontRef>
+        </p:style>
+      </p:cxnSp>
+    </p:spTree>
+    <p:extLst>
+      <p:ext uri="{BB962C8B-B14F-4D97-AF65-F5344CB8AC3E}">
+        <p14:creationId xmlns:p14="http://schemas.microsoft.com/office/powerpoint/2010/main" val="1526198386"/>
+      </p:ext>
+    </p:extLst>
+  </p:cSld>
+  <p:clrMapOvr>
+    <a:masterClrMapping/>
+  </p:clrMapOvr>
+</p:sld>
+</file>
+
+<file path=ppt/slides/slide36.xml><?xml version="1.0" encoding="utf-8"?>
+<p:sld xmlns:a="http://schemas.openxmlformats.org/drawingml/2006/main" xmlns:r="http://schemas.openxmlformats.org/officeDocument/2006/relationships" xmlns:p="http://schemas.openxmlformats.org/presentationml/2006/main">
+  <p:cSld>
+    <p:spTree>
+      <p:nvGrpSpPr>
+        <p:cNvPr id="1" name="">
+          <a:extLst>
+            <a:ext uri="{FF2B5EF4-FFF2-40B4-BE49-F238E27FC236}">
+              <a16:creationId xmlns:a16="http://schemas.microsoft.com/office/drawing/2014/main" id="{943A7762-F87A-AE18-F84D-99DBAF117A30}"/>
+            </a:ext>
+          </a:extLst>
+        </p:cNvPr>
+        <p:cNvGrpSpPr/>
+        <p:nvPr/>
+      </p:nvGrpSpPr>
+      <p:grpSpPr>
+        <a:xfrm>
+          <a:off x="0" y="0"/>
+          <a:ext cx="0" cy="0"/>
+          <a:chOff x="0" y="0"/>
+          <a:chExt cx="0" cy="0"/>
+        </a:xfrm>
+      </p:grpSpPr>
+      <p:sp>
+        <p:nvSpPr>
+          <p:cNvPr id="8" name="Título 1">
+            <a:extLst>
+              <a:ext uri="{FF2B5EF4-FFF2-40B4-BE49-F238E27FC236}">
+                <a16:creationId xmlns:a16="http://schemas.microsoft.com/office/drawing/2014/main" id="{50AE3FF6-EA46-01B6-91E6-8B86C7854C57}"/>
+              </a:ext>
+            </a:extLst>
+          </p:cNvPr>
+          <p:cNvSpPr txBox="1">
+            <a:spLocks/>
+          </p:cNvSpPr>
+          <p:nvPr/>
+        </p:nvSpPr>
+        <p:spPr>
+          <a:xfrm>
+            <a:off x="0" y="0"/>
+            <a:ext cx="12192000" cy="885061"/>
+          </a:xfrm>
+          <a:prstGeom prst="rect">
+            <a:avLst/>
+          </a:prstGeom>
+        </p:spPr>
+        <p:txBody>
+          <a:bodyPr vert="horz" lIns="91440" tIns="45720" rIns="91440" bIns="45720" rtlCol="0" anchor="b">
+            <a:normAutofit/>
+          </a:bodyPr>
+          <a:lstStyle>
+            <a:lvl1pPr algn="ctr" defTabSz="914400" rtl="0" eaLnBrk="1" latinLnBrk="0" hangingPunct="1">
+              <a:lnSpc>
+                <a:spcPct val="90000"/>
+              </a:lnSpc>
+              <a:spcBef>
+                <a:spcPct val="0"/>
+              </a:spcBef>
+              <a:buNone/>
+              <a:defRPr sz="6000" kern="1200">
+                <a:solidFill>
+                  <a:schemeClr val="tx1"/>
+                </a:solidFill>
+                <a:latin typeface="+mj-lt"/>
+                <a:ea typeface="+mj-ea"/>
+                <a:cs typeface="+mj-cs"/>
+              </a:defRPr>
+            </a:lvl1pPr>
+          </a:lstStyle>
+          <a:p>
+            <a:r>
+              <a:rPr lang="es-MX" sz="4800" b="1" dirty="0">
+                <a:latin typeface="Times New Roman" panose="02020603050405020304" pitchFamily="18" charset="0"/>
+                <a:cs typeface="Times New Roman" panose="02020603050405020304" pitchFamily="18" charset="0"/>
+              </a:rPr>
+              <a:t>Generalizad Linear </a:t>
+            </a:r>
+            <a:r>
+              <a:rPr lang="es-MX" sz="4800" b="1" dirty="0" err="1">
+                <a:latin typeface="Times New Roman" panose="02020603050405020304" pitchFamily="18" charset="0"/>
+                <a:cs typeface="Times New Roman" panose="02020603050405020304" pitchFamily="18" charset="0"/>
+              </a:rPr>
+              <a:t>Mixed</a:t>
+            </a:r>
+            <a:r>
+              <a:rPr lang="es-MX" sz="4800" b="1" dirty="0">
+                <a:latin typeface="Times New Roman" panose="02020603050405020304" pitchFamily="18" charset="0"/>
+                <a:cs typeface="Times New Roman" panose="02020603050405020304" pitchFamily="18" charset="0"/>
+              </a:rPr>
+              <a:t> </a:t>
+            </a:r>
+            <a:r>
+              <a:rPr lang="es-MX" sz="4800" b="1" dirty="0" err="1">
+                <a:latin typeface="Times New Roman" panose="02020603050405020304" pitchFamily="18" charset="0"/>
+                <a:cs typeface="Times New Roman" panose="02020603050405020304" pitchFamily="18" charset="0"/>
+              </a:rPr>
+              <a:t>Model</a:t>
+            </a:r>
+            <a:endParaRPr lang="es-MX" sz="4800" b="1" dirty="0">
+              <a:latin typeface="Times New Roman" panose="02020603050405020304" pitchFamily="18" charset="0"/>
+              <a:cs typeface="Times New Roman" panose="02020603050405020304" pitchFamily="18" charset="0"/>
+            </a:endParaRPr>
+          </a:p>
+        </p:txBody>
+      </p:sp>
+      <mc:AlternateContent xmlns:mc="http://schemas.openxmlformats.org/markup-compatibility/2006">
+        <mc:Choice xmlns:a14="http://schemas.microsoft.com/office/drawing/2010/main" Requires="a14">
+          <p:sp>
+            <p:nvSpPr>
+              <p:cNvPr id="9" name="Oval 8">
+                <a:extLst>
+                  <a:ext uri="{FF2B5EF4-FFF2-40B4-BE49-F238E27FC236}">
+                    <a16:creationId xmlns:a16="http://schemas.microsoft.com/office/drawing/2014/main" id="{1D1F365D-A951-F99F-EAEA-234ADB9B1F00}"/>
+                  </a:ext>
+                </a:extLst>
+              </p:cNvPr>
+              <p:cNvSpPr/>
+              <p:nvPr/>
+            </p:nvSpPr>
+            <p:spPr>
+              <a:xfrm>
+                <a:off x="2762127" y="3107668"/>
+                <a:ext cx="1383825" cy="1330036"/>
+              </a:xfrm>
+              <a:prstGeom prst="ellipse">
+                <a:avLst/>
+              </a:prstGeom>
+              <a:solidFill>
+                <a:schemeClr val="bg1"/>
+              </a:solidFill>
+              <a:ln>
+                <a:solidFill>
+                  <a:schemeClr val="tx1"/>
+                </a:solidFill>
+              </a:ln>
+            </p:spPr>
+            <p:style>
+              <a:lnRef idx="2">
+                <a:schemeClr val="accent1">
+                  <a:shade val="15000"/>
+                </a:schemeClr>
+              </a:lnRef>
+              <a:fillRef idx="1">
+                <a:schemeClr val="accent1"/>
+              </a:fillRef>
+              <a:effectRef idx="0">
+                <a:schemeClr val="accent1"/>
+              </a:effectRef>
+              <a:fontRef idx="minor">
+                <a:schemeClr val="lt1"/>
+              </a:fontRef>
+            </p:style>
+            <p:txBody>
+              <a:bodyPr rtlCol="0" anchor="ctr"/>
+              <a:lstStyle/>
+              <a:p>
+                <a:pPr algn="ctr"/>
+                <a14:m>
+                  <m:oMathPara xmlns:m="http://schemas.openxmlformats.org/officeDocument/2006/math">
+                    <m:oMathParaPr>
+                      <m:jc m:val="centerGroup"/>
+                    </m:oMathParaPr>
+                    <m:oMath xmlns:m="http://schemas.openxmlformats.org/officeDocument/2006/math">
+                      <m:r>
+                        <m:rPr>
+                          <m:nor/>
+                        </m:rPr>
+                        <a:rPr lang="en-GB" sz="2400" b="0" i="0" dirty="0" smtClean="0">
+                          <a:solidFill>
+                            <a:schemeClr val="tx1"/>
+                          </a:solidFill>
+                          <a:latin typeface="Arial" panose="020B0604020202020204" pitchFamily="34" charset="0"/>
+                          <a:cs typeface="Arial" panose="020B0604020202020204" pitchFamily="34" charset="0"/>
+                        </a:rPr>
+                        <m:t>salon</m:t>
+                      </m:r>
+                    </m:oMath>
+                  </m:oMathPara>
+                </a14:m>
+                <a:endParaRPr lang="en-GB" sz="2400" dirty="0">
+                  <a:solidFill>
+                    <a:schemeClr val="tx1"/>
+                  </a:solidFill>
+                  <a:latin typeface="Arial" panose="020B0604020202020204" pitchFamily="34" charset="0"/>
+                  <a:cs typeface="Arial" panose="020B0604020202020204" pitchFamily="34" charset="0"/>
+                </a:endParaRPr>
+              </a:p>
+            </p:txBody>
+          </p:sp>
+        </mc:Choice>
+        <mc:Fallback>
+          <p:sp>
+            <p:nvSpPr>
+              <p:cNvPr id="9" name="Oval 8">
+                <a:extLst>
+                  <a:ext uri="{FF2B5EF4-FFF2-40B4-BE49-F238E27FC236}">
+                    <a16:creationId xmlns:a16="http://schemas.microsoft.com/office/drawing/2014/main" id="{1D1F365D-A951-F99F-EAEA-234ADB9B1F00}"/>
+                  </a:ext>
+                </a:extLst>
+              </p:cNvPr>
+              <p:cNvSpPr>
+                <a:spLocks noRot="1" noChangeAspect="1" noMove="1" noResize="1" noEditPoints="1" noAdjustHandles="1" noChangeArrowheads="1" noChangeShapeType="1" noTextEdit="1"/>
+              </p:cNvSpPr>
+              <p:nvPr/>
+            </p:nvSpPr>
+            <p:spPr>
+              <a:xfrm>
+                <a:off x="2762127" y="3107668"/>
+                <a:ext cx="1383825" cy="1330036"/>
+              </a:xfrm>
+              <a:prstGeom prst="ellipse">
+                <a:avLst/>
+              </a:prstGeom>
+              <a:blipFill>
+                <a:blip r:embed="rId2"/>
+                <a:stretch>
+                  <a:fillRect/>
+                </a:stretch>
+              </a:blipFill>
+              <a:ln>
+                <a:solidFill>
+                  <a:schemeClr val="tx1"/>
+                </a:solidFill>
+              </a:ln>
+            </p:spPr>
+            <p:txBody>
+              <a:bodyPr/>
+              <a:lstStyle/>
+              <a:p>
+                <a:r>
+                  <a:rPr lang="en-GB">
+                    <a:noFill/>
+                  </a:rPr>
+                  <a:t> </a:t>
+                </a:r>
+              </a:p>
+            </p:txBody>
+          </p:sp>
+        </mc:Fallback>
+      </mc:AlternateContent>
+      <mc:AlternateContent xmlns:mc="http://schemas.openxmlformats.org/markup-compatibility/2006">
+        <mc:Choice xmlns:a14="http://schemas.microsoft.com/office/drawing/2010/main" Requires="a14">
+          <p:sp>
+            <p:nvSpPr>
+              <p:cNvPr id="10" name="Oval 9">
+                <a:extLst>
+                  <a:ext uri="{FF2B5EF4-FFF2-40B4-BE49-F238E27FC236}">
+                    <a16:creationId xmlns:a16="http://schemas.microsoft.com/office/drawing/2014/main" id="{615ADD0A-D0EE-E3FB-A290-446F8E0C1DDC}"/>
+                  </a:ext>
+                </a:extLst>
+              </p:cNvPr>
+              <p:cNvSpPr/>
+              <p:nvPr/>
+            </p:nvSpPr>
+            <p:spPr>
+              <a:xfrm>
+                <a:off x="1846279" y="5026080"/>
+                <a:ext cx="1383825" cy="1330036"/>
+              </a:xfrm>
+              <a:prstGeom prst="ellipse">
+                <a:avLst/>
+              </a:prstGeom>
+              <a:solidFill>
+                <a:schemeClr val="bg1"/>
+              </a:solidFill>
+              <a:ln>
+                <a:solidFill>
+                  <a:schemeClr val="tx1"/>
+                </a:solidFill>
+              </a:ln>
+            </p:spPr>
+            <p:style>
+              <a:lnRef idx="2">
+                <a:schemeClr val="accent1">
+                  <a:shade val="15000"/>
+                </a:schemeClr>
+              </a:lnRef>
+              <a:fillRef idx="1">
+                <a:schemeClr val="accent1"/>
+              </a:fillRef>
+              <a:effectRef idx="0">
+                <a:schemeClr val="accent1"/>
+              </a:effectRef>
+              <a:fontRef idx="minor">
+                <a:schemeClr val="lt1"/>
+              </a:fontRef>
+            </p:style>
+            <p:txBody>
+              <a:bodyPr rtlCol="0" anchor="ctr"/>
+              <a:lstStyle/>
+              <a:p>
+                <a:pPr algn="ctr"/>
+                <a14:m>
+                  <m:oMathPara xmlns:m="http://schemas.openxmlformats.org/officeDocument/2006/math">
+                    <m:oMathParaPr>
+                      <m:jc m:val="centerGroup"/>
+                    </m:oMathParaPr>
+                    <m:oMath xmlns:m="http://schemas.openxmlformats.org/officeDocument/2006/math">
+                      <m:r>
+                        <m:rPr>
+                          <m:nor/>
+                        </m:rPr>
+                        <a:rPr lang="en-GB" sz="2800" b="0" i="0" dirty="0" smtClean="0">
+                          <a:solidFill>
+                            <a:schemeClr val="tx1"/>
+                          </a:solidFill>
+                          <a:latin typeface="Arial" panose="020B0604020202020204" pitchFamily="34" charset="0"/>
+                          <a:cs typeface="Arial" panose="020B0604020202020204" pitchFamily="34" charset="0"/>
+                        </a:rPr>
+                        <m:t>alumno</m:t>
+                      </m:r>
+                    </m:oMath>
+                  </m:oMathPara>
+                </a14:m>
+                <a:endParaRPr lang="en-GB" sz="2800" dirty="0">
+                  <a:solidFill>
+                    <a:schemeClr val="tx1"/>
+                  </a:solidFill>
+                </a:endParaRPr>
+              </a:p>
+            </p:txBody>
+          </p:sp>
+        </mc:Choice>
+        <mc:Fallback>
+          <p:sp>
+            <p:nvSpPr>
+              <p:cNvPr id="10" name="Oval 9">
+                <a:extLst>
+                  <a:ext uri="{FF2B5EF4-FFF2-40B4-BE49-F238E27FC236}">
+                    <a16:creationId xmlns:a16="http://schemas.microsoft.com/office/drawing/2014/main" id="{615ADD0A-D0EE-E3FB-A290-446F8E0C1DDC}"/>
+                  </a:ext>
+                </a:extLst>
+              </p:cNvPr>
+              <p:cNvSpPr>
+                <a:spLocks noRot="1" noChangeAspect="1" noMove="1" noResize="1" noEditPoints="1" noAdjustHandles="1" noChangeArrowheads="1" noChangeShapeType="1" noTextEdit="1"/>
+              </p:cNvSpPr>
+              <p:nvPr/>
+            </p:nvSpPr>
+            <p:spPr>
+              <a:xfrm>
+                <a:off x="1846279" y="5026080"/>
+                <a:ext cx="1383825" cy="1330036"/>
+              </a:xfrm>
+              <a:prstGeom prst="ellipse">
+                <a:avLst/>
+              </a:prstGeom>
+              <a:blipFill>
+                <a:blip r:embed="rId3"/>
+                <a:stretch>
+                  <a:fillRect/>
+                </a:stretch>
+              </a:blipFill>
+              <a:ln>
+                <a:solidFill>
+                  <a:schemeClr val="tx1"/>
+                </a:solidFill>
+              </a:ln>
+            </p:spPr>
+            <p:txBody>
+              <a:bodyPr/>
+              <a:lstStyle/>
+              <a:p>
+                <a:r>
+                  <a:rPr lang="en-GB">
+                    <a:noFill/>
+                  </a:rPr>
+                  <a:t> </a:t>
+                </a:r>
+              </a:p>
+            </p:txBody>
+          </p:sp>
+        </mc:Fallback>
+      </mc:AlternateContent>
+      <p:cxnSp>
+        <p:nvCxnSpPr>
+          <p:cNvPr id="12" name="Straight Arrow Connector 11">
+            <a:extLst>
+              <a:ext uri="{FF2B5EF4-FFF2-40B4-BE49-F238E27FC236}">
+                <a16:creationId xmlns:a16="http://schemas.microsoft.com/office/drawing/2014/main" id="{26DFDF9F-44E1-5554-D5B4-227914206A75}"/>
+              </a:ext>
+            </a:extLst>
+          </p:cNvPr>
+          <p:cNvCxnSpPr>
+            <a:cxnSpLocks/>
+            <a:stCxn id="9" idx="3"/>
+            <a:endCxn id="10" idx="0"/>
+          </p:cNvCxnSpPr>
+          <p:nvPr/>
+        </p:nvCxnSpPr>
+        <p:spPr>
+          <a:xfrm flipH="1">
+            <a:off x="2538192" y="4242925"/>
+            <a:ext cx="426591" cy="783155"/>
+          </a:xfrm>
+          <a:prstGeom prst="straightConnector1">
+            <a:avLst/>
+          </a:prstGeom>
+          <a:ln w="38100">
+            <a:solidFill>
+              <a:schemeClr val="tx1"/>
+            </a:solidFill>
+            <a:tailEnd type="triangle" w="lg" len="lg"/>
+          </a:ln>
+        </p:spPr>
+        <p:style>
+          <a:lnRef idx="2">
+            <a:schemeClr val="accent1"/>
+          </a:lnRef>
+          <a:fillRef idx="0">
+            <a:schemeClr val="accent1"/>
+          </a:fillRef>
+          <a:effectRef idx="1">
+            <a:schemeClr val="accent1"/>
+          </a:effectRef>
+          <a:fontRef idx="minor">
+            <a:schemeClr val="tx1"/>
+          </a:fontRef>
+        </p:style>
+      </p:cxnSp>
+      <mc:AlternateContent xmlns:mc="http://schemas.openxmlformats.org/markup-compatibility/2006">
+        <mc:Choice xmlns:a14="http://schemas.microsoft.com/office/drawing/2010/main" Requires="a14">
+          <p:sp>
+            <p:nvSpPr>
+              <p:cNvPr id="11" name="Oval 10">
+                <a:extLst>
+                  <a:ext uri="{FF2B5EF4-FFF2-40B4-BE49-F238E27FC236}">
+                    <a16:creationId xmlns:a16="http://schemas.microsoft.com/office/drawing/2014/main" id="{D477A529-9A8F-CD09-D443-0D1B9122AA13}"/>
+                  </a:ext>
+                </a:extLst>
+              </p:cNvPr>
+              <p:cNvSpPr/>
+              <p:nvPr/>
+            </p:nvSpPr>
+            <p:spPr>
+              <a:xfrm>
+                <a:off x="3622206" y="5026080"/>
+                <a:ext cx="1383825" cy="1330036"/>
+              </a:xfrm>
+              <a:prstGeom prst="ellipse">
+                <a:avLst/>
+              </a:prstGeom>
+              <a:solidFill>
+                <a:schemeClr val="bg1"/>
+              </a:solidFill>
+              <a:ln>
+                <a:solidFill>
+                  <a:schemeClr val="tx1"/>
+                </a:solidFill>
+              </a:ln>
+            </p:spPr>
+            <p:style>
+              <a:lnRef idx="2">
+                <a:schemeClr val="accent1">
+                  <a:shade val="15000"/>
+                </a:schemeClr>
+              </a:lnRef>
+              <a:fillRef idx="1">
+                <a:schemeClr val="accent1"/>
+              </a:fillRef>
+              <a:effectRef idx="0">
+                <a:schemeClr val="accent1"/>
+              </a:effectRef>
+              <a:fontRef idx="minor">
+                <a:schemeClr val="lt1"/>
+              </a:fontRef>
+            </p:style>
+            <p:txBody>
+              <a:bodyPr rtlCol="0" anchor="ctr"/>
+              <a:lstStyle/>
+              <a:p>
+                <a:pPr algn="ctr"/>
+                <a14:m>
+                  <m:oMathPara xmlns:m="http://schemas.openxmlformats.org/officeDocument/2006/math">
+                    <m:oMathParaPr>
+                      <m:jc m:val="centerGroup"/>
+                    </m:oMathParaPr>
+                    <m:oMath xmlns:m="http://schemas.openxmlformats.org/officeDocument/2006/math">
+                      <m:r>
+                        <m:rPr>
+                          <m:nor/>
+                        </m:rPr>
+                        <a:rPr lang="en-GB" sz="2800" dirty="0">
+                          <a:solidFill>
+                            <a:schemeClr val="tx1"/>
+                          </a:solidFill>
+                          <a:latin typeface="Arial" panose="020B0604020202020204" pitchFamily="34" charset="0"/>
+                          <a:cs typeface="Arial" panose="020B0604020202020204" pitchFamily="34" charset="0"/>
+                        </a:rPr>
+                        <m:t>alumno</m:t>
+                      </m:r>
+                    </m:oMath>
+                  </m:oMathPara>
+                </a14:m>
+                <a:endParaRPr lang="en-GB" sz="2800" dirty="0">
+                  <a:solidFill>
+                    <a:schemeClr val="tx1"/>
+                  </a:solidFill>
+                </a:endParaRPr>
+              </a:p>
+            </p:txBody>
+          </p:sp>
+        </mc:Choice>
+        <mc:Fallback>
+          <p:sp>
+            <p:nvSpPr>
+              <p:cNvPr id="11" name="Oval 10">
+                <a:extLst>
+                  <a:ext uri="{FF2B5EF4-FFF2-40B4-BE49-F238E27FC236}">
+                    <a16:creationId xmlns:a16="http://schemas.microsoft.com/office/drawing/2014/main" id="{D477A529-9A8F-CD09-D443-0D1B9122AA13}"/>
+                  </a:ext>
+                </a:extLst>
+              </p:cNvPr>
+              <p:cNvSpPr>
+                <a:spLocks noRot="1" noChangeAspect="1" noMove="1" noResize="1" noEditPoints="1" noAdjustHandles="1" noChangeArrowheads="1" noChangeShapeType="1" noTextEdit="1"/>
+              </p:cNvSpPr>
+              <p:nvPr/>
+            </p:nvSpPr>
+            <p:spPr>
+              <a:xfrm>
+                <a:off x="3622206" y="5026080"/>
+                <a:ext cx="1383825" cy="1330036"/>
+              </a:xfrm>
+              <a:prstGeom prst="ellipse">
+                <a:avLst/>
+              </a:prstGeom>
+              <a:blipFill>
+                <a:blip r:embed="rId4"/>
+                <a:stretch>
+                  <a:fillRect/>
+                </a:stretch>
+              </a:blipFill>
+              <a:ln>
+                <a:solidFill>
+                  <a:schemeClr val="tx1"/>
+                </a:solidFill>
+              </a:ln>
+            </p:spPr>
+            <p:txBody>
+              <a:bodyPr/>
+              <a:lstStyle/>
+              <a:p>
+                <a:r>
+                  <a:rPr lang="en-GB">
+                    <a:noFill/>
+                  </a:rPr>
+                  <a:t> </a:t>
+                </a:r>
+              </a:p>
+            </p:txBody>
+          </p:sp>
+        </mc:Fallback>
+      </mc:AlternateContent>
+      <p:cxnSp>
+        <p:nvCxnSpPr>
+          <p:cNvPr id="13" name="Straight Arrow Connector 12">
+            <a:extLst>
+              <a:ext uri="{FF2B5EF4-FFF2-40B4-BE49-F238E27FC236}">
+                <a16:creationId xmlns:a16="http://schemas.microsoft.com/office/drawing/2014/main" id="{AB2D2E33-BC3A-A164-0939-56E4F01D53AC}"/>
+              </a:ext>
+            </a:extLst>
+          </p:cNvPr>
+          <p:cNvCxnSpPr>
+            <a:cxnSpLocks/>
+            <a:stCxn id="9" idx="5"/>
+            <a:endCxn id="11" idx="0"/>
+          </p:cNvCxnSpPr>
+          <p:nvPr/>
+        </p:nvCxnSpPr>
+        <p:spPr>
+          <a:xfrm>
+            <a:off x="3943296" y="4242925"/>
+            <a:ext cx="370823" cy="783155"/>
+          </a:xfrm>
+          <a:prstGeom prst="straightConnector1">
+            <a:avLst/>
+          </a:prstGeom>
+          <a:ln w="38100">
+            <a:solidFill>
+              <a:schemeClr val="tx1"/>
+            </a:solidFill>
+            <a:tailEnd type="triangle" w="lg" len="lg"/>
+          </a:ln>
+        </p:spPr>
+        <p:style>
+          <a:lnRef idx="2">
+            <a:schemeClr val="accent1"/>
+          </a:lnRef>
+          <a:fillRef idx="0">
+            <a:schemeClr val="accent1"/>
+          </a:fillRef>
+          <a:effectRef idx="1">
+            <a:schemeClr val="accent1"/>
+          </a:effectRef>
+          <a:fontRef idx="minor">
+            <a:schemeClr val="tx1"/>
+          </a:fontRef>
+        </p:style>
+      </p:cxnSp>
+      <mc:AlternateContent xmlns:mc="http://schemas.openxmlformats.org/markup-compatibility/2006">
+        <mc:Choice xmlns:a14="http://schemas.microsoft.com/office/drawing/2010/main" Requires="a14">
+          <p:sp>
+            <p:nvSpPr>
+              <p:cNvPr id="19" name="Oval 18">
+                <a:extLst>
+                  <a:ext uri="{FF2B5EF4-FFF2-40B4-BE49-F238E27FC236}">
+                    <a16:creationId xmlns:a16="http://schemas.microsoft.com/office/drawing/2014/main" id="{3D487E0C-66C4-97C1-81B0-9C8E02574817}"/>
+                  </a:ext>
+                </a:extLst>
+              </p:cNvPr>
+              <p:cNvSpPr/>
+              <p:nvPr/>
+            </p:nvSpPr>
+            <p:spPr>
+              <a:xfrm>
+                <a:off x="5404087" y="1093477"/>
+                <a:ext cx="1383825" cy="1330036"/>
+              </a:xfrm>
+              <a:prstGeom prst="ellipse">
+                <a:avLst/>
+              </a:prstGeom>
+              <a:solidFill>
+                <a:schemeClr val="bg1"/>
+              </a:solidFill>
+              <a:ln>
+                <a:solidFill>
+                  <a:schemeClr val="tx1"/>
+                </a:solidFill>
+              </a:ln>
+            </p:spPr>
+            <p:style>
+              <a:lnRef idx="2">
+                <a:schemeClr val="accent1">
+                  <a:shade val="15000"/>
+                </a:schemeClr>
+              </a:lnRef>
+              <a:fillRef idx="1">
+                <a:schemeClr val="accent1"/>
+              </a:fillRef>
+              <a:effectRef idx="0">
+                <a:schemeClr val="accent1"/>
+              </a:effectRef>
+              <a:fontRef idx="minor">
+                <a:schemeClr val="lt1"/>
+              </a:fontRef>
+            </p:style>
+            <p:txBody>
+              <a:bodyPr rtlCol="0" anchor="ctr"/>
+              <a:lstStyle/>
+              <a:p>
+                <a:pPr algn="ctr"/>
+                <a14:m>
+                  <m:oMathPara xmlns:m="http://schemas.openxmlformats.org/officeDocument/2006/math">
+                    <m:oMathParaPr>
+                      <m:jc m:val="centerGroup"/>
+                    </m:oMathParaPr>
+                    <m:oMath xmlns:m="http://schemas.openxmlformats.org/officeDocument/2006/math">
+                      <m:r>
+                        <m:rPr>
+                          <m:nor/>
+                        </m:rPr>
+                        <a:rPr lang="en-GB" sz="2800" b="0" i="0" dirty="0" smtClean="0">
+                          <a:solidFill>
+                            <a:schemeClr val="tx1"/>
+                          </a:solidFill>
+                          <a:latin typeface="Arial" panose="020B0604020202020204" pitchFamily="34" charset="0"/>
+                          <a:cs typeface="Arial" panose="020B0604020202020204" pitchFamily="34" charset="0"/>
+                        </a:rPr>
+                        <m:t>escuela</m:t>
+                      </m:r>
+                    </m:oMath>
+                  </m:oMathPara>
+                </a14:m>
+                <a:endParaRPr lang="en-GB" sz="2800" dirty="0">
+                  <a:solidFill>
+                    <a:schemeClr val="tx1"/>
+                  </a:solidFill>
+                  <a:latin typeface="Arial" panose="020B0604020202020204" pitchFamily="34" charset="0"/>
+                  <a:cs typeface="Arial" panose="020B0604020202020204" pitchFamily="34" charset="0"/>
+                </a:endParaRPr>
+              </a:p>
+            </p:txBody>
+          </p:sp>
+        </mc:Choice>
+        <mc:Fallback>
+          <p:sp>
+            <p:nvSpPr>
+              <p:cNvPr id="19" name="Oval 18">
+                <a:extLst>
+                  <a:ext uri="{FF2B5EF4-FFF2-40B4-BE49-F238E27FC236}">
+                    <a16:creationId xmlns:a16="http://schemas.microsoft.com/office/drawing/2014/main" id="{3D487E0C-66C4-97C1-81B0-9C8E02574817}"/>
+                  </a:ext>
+                </a:extLst>
+              </p:cNvPr>
+              <p:cNvSpPr>
+                <a:spLocks noRot="1" noChangeAspect="1" noMove="1" noResize="1" noEditPoints="1" noAdjustHandles="1" noChangeArrowheads="1" noChangeShapeType="1" noTextEdit="1"/>
+              </p:cNvSpPr>
+              <p:nvPr/>
+            </p:nvSpPr>
+            <p:spPr>
+              <a:xfrm>
+                <a:off x="5404087" y="1093477"/>
+                <a:ext cx="1383825" cy="1330036"/>
+              </a:xfrm>
+              <a:prstGeom prst="ellipse">
+                <a:avLst/>
+              </a:prstGeom>
+              <a:blipFill>
+                <a:blip r:embed="rId5"/>
+                <a:stretch>
+                  <a:fillRect/>
+                </a:stretch>
+              </a:blipFill>
+              <a:ln>
+                <a:solidFill>
+                  <a:schemeClr val="tx1"/>
+                </a:solidFill>
+              </a:ln>
+            </p:spPr>
+            <p:txBody>
+              <a:bodyPr/>
+              <a:lstStyle/>
+              <a:p>
+                <a:r>
+                  <a:rPr lang="en-GB">
+                    <a:noFill/>
+                  </a:rPr>
+                  <a:t> </a:t>
+                </a:r>
+              </a:p>
+            </p:txBody>
+          </p:sp>
+        </mc:Fallback>
+      </mc:AlternateContent>
+      <p:cxnSp>
+        <p:nvCxnSpPr>
+          <p:cNvPr id="20" name="Straight Arrow Connector 19">
+            <a:extLst>
+              <a:ext uri="{FF2B5EF4-FFF2-40B4-BE49-F238E27FC236}">
+                <a16:creationId xmlns:a16="http://schemas.microsoft.com/office/drawing/2014/main" id="{DBDABAD0-BB50-9A9F-962D-B3138E32392C}"/>
+              </a:ext>
+            </a:extLst>
+          </p:cNvPr>
+          <p:cNvCxnSpPr>
+            <a:cxnSpLocks/>
+            <a:stCxn id="19" idx="3"/>
+            <a:endCxn id="9" idx="0"/>
+          </p:cNvCxnSpPr>
+          <p:nvPr/>
+        </p:nvCxnSpPr>
+        <p:spPr>
+          <a:xfrm flipH="1">
+            <a:off x="3454040" y="2228734"/>
+            <a:ext cx="2152703" cy="878934"/>
+          </a:xfrm>
+          <a:prstGeom prst="straightConnector1">
+            <a:avLst/>
+          </a:prstGeom>
+          <a:ln w="38100">
+            <a:solidFill>
+              <a:schemeClr val="tx1"/>
+            </a:solidFill>
+            <a:tailEnd type="triangle" w="lg" len="lg"/>
+          </a:ln>
+        </p:spPr>
+        <p:style>
+          <a:lnRef idx="2">
+            <a:schemeClr val="accent1"/>
+          </a:lnRef>
+          <a:fillRef idx="0">
+            <a:schemeClr val="accent1"/>
+          </a:fillRef>
+          <a:effectRef idx="1">
+            <a:schemeClr val="accent1"/>
+          </a:effectRef>
+          <a:fontRef idx="minor">
+            <a:schemeClr val="tx1"/>
+          </a:fontRef>
+        </p:style>
+      </p:cxnSp>
+      <mc:AlternateContent xmlns:mc="http://schemas.openxmlformats.org/markup-compatibility/2006">
+        <mc:Choice xmlns:a14="http://schemas.microsoft.com/office/drawing/2010/main" Requires="a14">
+          <p:sp>
+            <p:nvSpPr>
+              <p:cNvPr id="23" name="Oval 22">
+                <a:extLst>
+                  <a:ext uri="{FF2B5EF4-FFF2-40B4-BE49-F238E27FC236}">
+                    <a16:creationId xmlns:a16="http://schemas.microsoft.com/office/drawing/2014/main" id="{90B76E78-26C0-1AB9-9DB5-68BB3C90D3F8}"/>
+                  </a:ext>
+                </a:extLst>
+              </p:cNvPr>
+              <p:cNvSpPr/>
+              <p:nvPr/>
+            </p:nvSpPr>
+            <p:spPr>
+              <a:xfrm>
+                <a:off x="8344943" y="3107668"/>
+                <a:ext cx="1383825" cy="1330036"/>
+              </a:xfrm>
+              <a:prstGeom prst="ellipse">
+                <a:avLst/>
+              </a:prstGeom>
+              <a:solidFill>
+                <a:schemeClr val="bg1"/>
+              </a:solidFill>
+              <a:ln>
+                <a:solidFill>
+                  <a:schemeClr val="tx1"/>
+                </a:solidFill>
+              </a:ln>
+            </p:spPr>
+            <p:style>
+              <a:lnRef idx="2">
+                <a:schemeClr val="accent1">
+                  <a:shade val="15000"/>
+                </a:schemeClr>
+              </a:lnRef>
+              <a:fillRef idx="1">
+                <a:schemeClr val="accent1"/>
+              </a:fillRef>
+              <a:effectRef idx="0">
+                <a:schemeClr val="accent1"/>
+              </a:effectRef>
+              <a:fontRef idx="minor">
+                <a:schemeClr val="lt1"/>
+              </a:fontRef>
+            </p:style>
+            <p:txBody>
+              <a:bodyPr rtlCol="0" anchor="ctr"/>
+              <a:lstStyle/>
+              <a:p>
+                <a:pPr algn="ctr"/>
+                <a14:m>
+                  <m:oMathPara xmlns:m="http://schemas.openxmlformats.org/officeDocument/2006/math">
+                    <m:oMathParaPr>
+                      <m:jc m:val="centerGroup"/>
+                    </m:oMathParaPr>
+                    <m:oMath xmlns:m="http://schemas.openxmlformats.org/officeDocument/2006/math">
+                      <m:r>
+                        <m:rPr>
+                          <m:nor/>
+                        </m:rPr>
+                        <a:rPr lang="en-GB" sz="2400" b="0" i="0" dirty="0" smtClean="0">
+                          <a:solidFill>
+                            <a:schemeClr val="tx1"/>
+                          </a:solidFill>
+                          <a:latin typeface="Arial" panose="020B0604020202020204" pitchFamily="34" charset="0"/>
+                          <a:cs typeface="Arial" panose="020B0604020202020204" pitchFamily="34" charset="0"/>
+                        </a:rPr>
+                        <m:t>salon</m:t>
+                      </m:r>
+                    </m:oMath>
+                  </m:oMathPara>
+                </a14:m>
+                <a:endParaRPr lang="en-GB" sz="2400" dirty="0">
+                  <a:solidFill>
+                    <a:schemeClr val="tx1"/>
+                  </a:solidFill>
+                  <a:latin typeface="Arial" panose="020B0604020202020204" pitchFamily="34" charset="0"/>
+                  <a:cs typeface="Arial" panose="020B0604020202020204" pitchFamily="34" charset="0"/>
+                </a:endParaRPr>
+              </a:p>
+            </p:txBody>
+          </p:sp>
+        </mc:Choice>
+        <mc:Fallback>
+          <p:sp>
+            <p:nvSpPr>
+              <p:cNvPr id="23" name="Oval 22">
+                <a:extLst>
+                  <a:ext uri="{FF2B5EF4-FFF2-40B4-BE49-F238E27FC236}">
+                    <a16:creationId xmlns:a16="http://schemas.microsoft.com/office/drawing/2014/main" id="{90B76E78-26C0-1AB9-9DB5-68BB3C90D3F8}"/>
+                  </a:ext>
+                </a:extLst>
+              </p:cNvPr>
+              <p:cNvSpPr>
+                <a:spLocks noRot="1" noChangeAspect="1" noMove="1" noResize="1" noEditPoints="1" noAdjustHandles="1" noChangeArrowheads="1" noChangeShapeType="1" noTextEdit="1"/>
+              </p:cNvSpPr>
+              <p:nvPr/>
+            </p:nvSpPr>
+            <p:spPr>
+              <a:xfrm>
+                <a:off x="8344943" y="3107668"/>
+                <a:ext cx="1383825" cy="1330036"/>
+              </a:xfrm>
+              <a:prstGeom prst="ellipse">
+                <a:avLst/>
+              </a:prstGeom>
+              <a:blipFill>
+                <a:blip r:embed="rId6"/>
+                <a:stretch>
+                  <a:fillRect/>
+                </a:stretch>
+              </a:blipFill>
+              <a:ln>
+                <a:solidFill>
+                  <a:schemeClr val="tx1"/>
+                </a:solidFill>
+              </a:ln>
+            </p:spPr>
+            <p:txBody>
+              <a:bodyPr/>
+              <a:lstStyle/>
+              <a:p>
+                <a:r>
+                  <a:rPr lang="en-GB">
+                    <a:noFill/>
+                  </a:rPr>
+                  <a:t> </a:t>
+                </a:r>
+              </a:p>
+            </p:txBody>
+          </p:sp>
+        </mc:Fallback>
+      </mc:AlternateContent>
+      <mc:AlternateContent xmlns:mc="http://schemas.openxmlformats.org/markup-compatibility/2006">
+        <mc:Choice xmlns:a14="http://schemas.microsoft.com/office/drawing/2010/main" Requires="a14">
+          <p:sp>
+            <p:nvSpPr>
+              <p:cNvPr id="24" name="Oval 23">
+                <a:extLst>
+                  <a:ext uri="{FF2B5EF4-FFF2-40B4-BE49-F238E27FC236}">
+                    <a16:creationId xmlns:a16="http://schemas.microsoft.com/office/drawing/2014/main" id="{BEAA1310-1F43-46C5-B6FB-D2806DDD08E1}"/>
+                  </a:ext>
+                </a:extLst>
+              </p:cNvPr>
+              <p:cNvSpPr/>
+              <p:nvPr/>
+            </p:nvSpPr>
+            <p:spPr>
+              <a:xfrm>
+                <a:off x="7429095" y="5026080"/>
+                <a:ext cx="1383825" cy="1330036"/>
+              </a:xfrm>
+              <a:prstGeom prst="ellipse">
+                <a:avLst/>
+              </a:prstGeom>
+              <a:solidFill>
+                <a:schemeClr val="bg1"/>
+              </a:solidFill>
+              <a:ln>
+                <a:solidFill>
+                  <a:schemeClr val="tx1"/>
+                </a:solidFill>
+              </a:ln>
+            </p:spPr>
+            <p:style>
+              <a:lnRef idx="2">
+                <a:schemeClr val="accent1">
+                  <a:shade val="15000"/>
+                </a:schemeClr>
+              </a:lnRef>
+              <a:fillRef idx="1">
+                <a:schemeClr val="accent1"/>
+              </a:fillRef>
+              <a:effectRef idx="0">
+                <a:schemeClr val="accent1"/>
+              </a:effectRef>
+              <a:fontRef idx="minor">
+                <a:schemeClr val="lt1"/>
+              </a:fontRef>
+            </p:style>
+            <p:txBody>
+              <a:bodyPr rtlCol="0" anchor="ctr"/>
+              <a:lstStyle/>
+              <a:p>
+                <a:pPr algn="ctr"/>
+                <a14:m>
+                  <m:oMathPara xmlns:m="http://schemas.openxmlformats.org/officeDocument/2006/math">
+                    <m:oMathParaPr>
+                      <m:jc m:val="centerGroup"/>
+                    </m:oMathParaPr>
+                    <m:oMath xmlns:m="http://schemas.openxmlformats.org/officeDocument/2006/math">
+                      <m:r>
+                        <m:rPr>
+                          <m:nor/>
+                        </m:rPr>
+                        <a:rPr lang="en-GB" sz="2000" dirty="0">
+                          <a:solidFill>
+                            <a:schemeClr val="tx1"/>
+                          </a:solidFill>
+                          <a:latin typeface="Arial" panose="020B0604020202020204" pitchFamily="34" charset="0"/>
+                          <a:cs typeface="Arial" panose="020B0604020202020204" pitchFamily="34" charset="0"/>
+                        </a:rPr>
+                        <m:t>alumno</m:t>
+                      </m:r>
+                    </m:oMath>
+                  </m:oMathPara>
+                </a14:m>
+                <a:endParaRPr lang="en-GB" sz="2000" dirty="0">
+                  <a:solidFill>
+                    <a:schemeClr val="tx1"/>
+                  </a:solidFill>
+                </a:endParaRPr>
+              </a:p>
+            </p:txBody>
+          </p:sp>
+        </mc:Choice>
+        <mc:Fallback>
+          <p:sp>
+            <p:nvSpPr>
+              <p:cNvPr id="24" name="Oval 23">
+                <a:extLst>
+                  <a:ext uri="{FF2B5EF4-FFF2-40B4-BE49-F238E27FC236}">
+                    <a16:creationId xmlns:a16="http://schemas.microsoft.com/office/drawing/2014/main" id="{BEAA1310-1F43-46C5-B6FB-D2806DDD08E1}"/>
+                  </a:ext>
+                </a:extLst>
+              </p:cNvPr>
+              <p:cNvSpPr>
+                <a:spLocks noRot="1" noChangeAspect="1" noMove="1" noResize="1" noEditPoints="1" noAdjustHandles="1" noChangeArrowheads="1" noChangeShapeType="1" noTextEdit="1"/>
+              </p:cNvSpPr>
+              <p:nvPr/>
+            </p:nvSpPr>
+            <p:spPr>
+              <a:xfrm>
+                <a:off x="7429095" y="5026080"/>
+                <a:ext cx="1383825" cy="1330036"/>
+              </a:xfrm>
+              <a:prstGeom prst="ellipse">
+                <a:avLst/>
+              </a:prstGeom>
+              <a:blipFill>
+                <a:blip r:embed="rId7"/>
+                <a:stretch>
+                  <a:fillRect/>
+                </a:stretch>
+              </a:blipFill>
+              <a:ln>
+                <a:solidFill>
+                  <a:schemeClr val="tx1"/>
+                </a:solidFill>
+              </a:ln>
+            </p:spPr>
+            <p:txBody>
+              <a:bodyPr/>
+              <a:lstStyle/>
+              <a:p>
+                <a:r>
+                  <a:rPr lang="en-GB">
+                    <a:noFill/>
+                  </a:rPr>
+                  <a:t> </a:t>
+                </a:r>
+              </a:p>
+            </p:txBody>
+          </p:sp>
+        </mc:Fallback>
+      </mc:AlternateContent>
+      <p:cxnSp>
+        <p:nvCxnSpPr>
+          <p:cNvPr id="25" name="Straight Arrow Connector 24">
+            <a:extLst>
+              <a:ext uri="{FF2B5EF4-FFF2-40B4-BE49-F238E27FC236}">
+                <a16:creationId xmlns:a16="http://schemas.microsoft.com/office/drawing/2014/main" id="{2E1C06B1-BC83-2469-43EA-012137DB574E}"/>
+              </a:ext>
+            </a:extLst>
+          </p:cNvPr>
+          <p:cNvCxnSpPr>
+            <a:cxnSpLocks/>
+            <a:stCxn id="23" idx="3"/>
+            <a:endCxn id="24" idx="0"/>
+          </p:cNvCxnSpPr>
+          <p:nvPr/>
+        </p:nvCxnSpPr>
+        <p:spPr>
+          <a:xfrm flipH="1">
+            <a:off x="8121008" y="4242925"/>
+            <a:ext cx="426591" cy="783155"/>
+          </a:xfrm>
+          <a:prstGeom prst="straightConnector1">
+            <a:avLst/>
+          </a:prstGeom>
+          <a:ln w="38100">
+            <a:solidFill>
+              <a:schemeClr val="tx1"/>
+            </a:solidFill>
+            <a:tailEnd type="triangle" w="lg" len="lg"/>
+          </a:ln>
+        </p:spPr>
+        <p:style>
+          <a:lnRef idx="2">
+            <a:schemeClr val="accent1"/>
+          </a:lnRef>
+          <a:fillRef idx="0">
+            <a:schemeClr val="accent1"/>
+          </a:fillRef>
+          <a:effectRef idx="1">
+            <a:schemeClr val="accent1"/>
+          </a:effectRef>
+          <a:fontRef idx="minor">
+            <a:schemeClr val="tx1"/>
+          </a:fontRef>
+        </p:style>
+      </p:cxnSp>
+      <mc:AlternateContent xmlns:mc="http://schemas.openxmlformats.org/markup-compatibility/2006">
+        <mc:Choice xmlns:a14="http://schemas.microsoft.com/office/drawing/2010/main" Requires="a14">
+          <p:sp>
+            <p:nvSpPr>
+              <p:cNvPr id="26" name="Oval 25">
+                <a:extLst>
+                  <a:ext uri="{FF2B5EF4-FFF2-40B4-BE49-F238E27FC236}">
+                    <a16:creationId xmlns:a16="http://schemas.microsoft.com/office/drawing/2014/main" id="{C3B4B38B-8BC3-D03D-72D3-CFE3BEFBBE29}"/>
+                  </a:ext>
+                </a:extLst>
+              </p:cNvPr>
+              <p:cNvSpPr/>
+              <p:nvPr/>
+            </p:nvSpPr>
+            <p:spPr>
+              <a:xfrm>
+                <a:off x="9205022" y="5026080"/>
+                <a:ext cx="1383825" cy="1330036"/>
+              </a:xfrm>
+              <a:prstGeom prst="ellipse">
+                <a:avLst/>
+              </a:prstGeom>
+              <a:solidFill>
+                <a:schemeClr val="bg1"/>
+              </a:solidFill>
+              <a:ln>
+                <a:solidFill>
+                  <a:schemeClr val="tx1"/>
+                </a:solidFill>
+              </a:ln>
+            </p:spPr>
+            <p:style>
+              <a:lnRef idx="2">
+                <a:schemeClr val="accent1">
+                  <a:shade val="15000"/>
+                </a:schemeClr>
+              </a:lnRef>
+              <a:fillRef idx="1">
+                <a:schemeClr val="accent1"/>
+              </a:fillRef>
+              <a:effectRef idx="0">
+                <a:schemeClr val="accent1"/>
+              </a:effectRef>
+              <a:fontRef idx="minor">
+                <a:schemeClr val="lt1"/>
+              </a:fontRef>
+            </p:style>
+            <p:txBody>
+              <a:bodyPr rtlCol="0" anchor="ctr"/>
+              <a:lstStyle/>
+              <a:p>
+                <a:pPr algn="ctr"/>
+                <a14:m>
+                  <m:oMathPara xmlns:m="http://schemas.openxmlformats.org/officeDocument/2006/math">
+                    <m:oMathParaPr>
+                      <m:jc m:val="centerGroup"/>
+                    </m:oMathParaPr>
+                    <m:oMath xmlns:m="http://schemas.openxmlformats.org/officeDocument/2006/math">
+                      <m:r>
+                        <m:rPr>
+                          <m:nor/>
+                        </m:rPr>
+                        <a:rPr lang="en-GB" sz="2000" dirty="0">
+                          <a:solidFill>
+                            <a:schemeClr val="tx1"/>
+                          </a:solidFill>
+                          <a:latin typeface="Arial" panose="020B0604020202020204" pitchFamily="34" charset="0"/>
+                          <a:cs typeface="Arial" panose="020B0604020202020204" pitchFamily="34" charset="0"/>
+                        </a:rPr>
+                        <m:t>alumno</m:t>
+                      </m:r>
+                    </m:oMath>
+                  </m:oMathPara>
+                </a14:m>
+                <a:endParaRPr lang="en-GB" sz="2000" dirty="0">
+                  <a:solidFill>
+                    <a:schemeClr val="tx1"/>
+                  </a:solidFill>
+                </a:endParaRPr>
+              </a:p>
+            </p:txBody>
+          </p:sp>
+        </mc:Choice>
+        <mc:Fallback>
+          <p:sp>
+            <p:nvSpPr>
+              <p:cNvPr id="26" name="Oval 25">
+                <a:extLst>
+                  <a:ext uri="{FF2B5EF4-FFF2-40B4-BE49-F238E27FC236}">
+                    <a16:creationId xmlns:a16="http://schemas.microsoft.com/office/drawing/2014/main" id="{C3B4B38B-8BC3-D03D-72D3-CFE3BEFBBE29}"/>
+                  </a:ext>
+                </a:extLst>
+              </p:cNvPr>
+              <p:cNvSpPr>
+                <a:spLocks noRot="1" noChangeAspect="1" noMove="1" noResize="1" noEditPoints="1" noAdjustHandles="1" noChangeArrowheads="1" noChangeShapeType="1" noTextEdit="1"/>
+              </p:cNvSpPr>
+              <p:nvPr/>
+            </p:nvSpPr>
+            <p:spPr>
+              <a:xfrm>
+                <a:off x="9205022" y="5026080"/>
+                <a:ext cx="1383825" cy="1330036"/>
+              </a:xfrm>
+              <a:prstGeom prst="ellipse">
+                <a:avLst/>
+              </a:prstGeom>
+              <a:blipFill>
+                <a:blip r:embed="rId8"/>
+                <a:stretch>
+                  <a:fillRect/>
+                </a:stretch>
+              </a:blipFill>
+              <a:ln>
+                <a:solidFill>
+                  <a:schemeClr val="tx1"/>
+                </a:solidFill>
+              </a:ln>
+            </p:spPr>
+            <p:txBody>
+              <a:bodyPr/>
+              <a:lstStyle/>
+              <a:p>
+                <a:r>
+                  <a:rPr lang="en-GB">
+                    <a:noFill/>
+                  </a:rPr>
+                  <a:t> </a:t>
+                </a:r>
+              </a:p>
+            </p:txBody>
+          </p:sp>
+        </mc:Fallback>
+      </mc:AlternateContent>
+      <p:cxnSp>
+        <p:nvCxnSpPr>
+          <p:cNvPr id="27" name="Straight Arrow Connector 26">
+            <a:extLst>
+              <a:ext uri="{FF2B5EF4-FFF2-40B4-BE49-F238E27FC236}">
+                <a16:creationId xmlns:a16="http://schemas.microsoft.com/office/drawing/2014/main" id="{F8E4D071-1278-C618-26CB-1C3F12DA3E7B}"/>
+              </a:ext>
+            </a:extLst>
+          </p:cNvPr>
+          <p:cNvCxnSpPr>
+            <a:cxnSpLocks/>
+            <a:stCxn id="23" idx="5"/>
+            <a:endCxn id="26" idx="0"/>
+          </p:cNvCxnSpPr>
+          <p:nvPr/>
+        </p:nvCxnSpPr>
+        <p:spPr>
+          <a:xfrm>
+            <a:off x="9526112" y="4242925"/>
+            <a:ext cx="370823" cy="783155"/>
+          </a:xfrm>
+          <a:prstGeom prst="straightConnector1">
+            <a:avLst/>
+          </a:prstGeom>
+          <a:ln w="38100">
+            <a:solidFill>
+              <a:schemeClr val="tx1"/>
+            </a:solidFill>
+            <a:tailEnd type="triangle" w="lg" len="lg"/>
+          </a:ln>
+        </p:spPr>
+        <p:style>
+          <a:lnRef idx="2">
+            <a:schemeClr val="accent1"/>
+          </a:lnRef>
+          <a:fillRef idx="0">
+            <a:schemeClr val="accent1"/>
+          </a:fillRef>
+          <a:effectRef idx="1">
+            <a:schemeClr val="accent1"/>
+          </a:effectRef>
+          <a:fontRef idx="minor">
+            <a:schemeClr val="tx1"/>
+          </a:fontRef>
+        </p:style>
+      </p:cxnSp>
+      <p:cxnSp>
+        <p:nvCxnSpPr>
+          <p:cNvPr id="33" name="Straight Arrow Connector 32">
+            <a:extLst>
+              <a:ext uri="{FF2B5EF4-FFF2-40B4-BE49-F238E27FC236}">
+                <a16:creationId xmlns:a16="http://schemas.microsoft.com/office/drawing/2014/main" id="{82A75D06-62FE-CA62-C110-04EB1FD4136B}"/>
+              </a:ext>
+            </a:extLst>
+          </p:cNvPr>
+          <p:cNvCxnSpPr>
+            <a:cxnSpLocks/>
+            <a:stCxn id="19" idx="5"/>
+            <a:endCxn id="23" idx="0"/>
+          </p:cNvCxnSpPr>
+          <p:nvPr/>
+        </p:nvCxnSpPr>
+        <p:spPr>
+          <a:xfrm>
+            <a:off x="6585256" y="2228734"/>
+            <a:ext cx="2451600" cy="878934"/>
+          </a:xfrm>
+          <a:prstGeom prst="straightConnector1">
+            <a:avLst/>
+          </a:prstGeom>
+          <a:ln w="38100">
+            <a:solidFill>
+              <a:schemeClr val="tx1"/>
+            </a:solidFill>
+            <a:tailEnd type="triangle" w="lg" len="lg"/>
+          </a:ln>
+        </p:spPr>
+        <p:style>
+          <a:lnRef idx="2">
+            <a:schemeClr val="accent1"/>
+          </a:lnRef>
+          <a:fillRef idx="0">
+            <a:schemeClr val="accent1"/>
+          </a:fillRef>
+          <a:effectRef idx="1">
+            <a:schemeClr val="accent1"/>
+          </a:effectRef>
+          <a:fontRef idx="minor">
+            <a:schemeClr val="tx1"/>
+          </a:fontRef>
+        </p:style>
+      </p:cxnSp>
+      <mc:AlternateContent xmlns:mc="http://schemas.openxmlformats.org/markup-compatibility/2006">
+        <mc:Choice xmlns:a14="http://schemas.microsoft.com/office/drawing/2010/main" Requires="a14">
+          <p:sp>
+            <p:nvSpPr>
+              <p:cNvPr id="14" name="Oval 13">
+                <a:extLst>
+                  <a:ext uri="{FF2B5EF4-FFF2-40B4-BE49-F238E27FC236}">
+                    <a16:creationId xmlns:a16="http://schemas.microsoft.com/office/drawing/2014/main" id="{7EF0B8E5-809A-CB50-85EC-5530222054E7}"/>
+                  </a:ext>
+                </a:extLst>
+              </p:cNvPr>
+              <p:cNvSpPr/>
+              <p:nvPr/>
+            </p:nvSpPr>
+            <p:spPr>
+              <a:xfrm>
+                <a:off x="2776123" y="3107668"/>
+                <a:ext cx="1383825" cy="1330036"/>
+              </a:xfrm>
+              <a:prstGeom prst="ellipse">
+                <a:avLst/>
+              </a:prstGeom>
+              <a:solidFill>
+                <a:schemeClr val="bg1"/>
+              </a:solidFill>
+              <a:ln>
+                <a:solidFill>
+                  <a:schemeClr val="tx1"/>
+                </a:solidFill>
+              </a:ln>
+            </p:spPr>
+            <p:style>
+              <a:lnRef idx="2">
+                <a:schemeClr val="accent1">
+                  <a:shade val="15000"/>
+                </a:schemeClr>
+              </a:lnRef>
+              <a:fillRef idx="1">
+                <a:schemeClr val="accent1"/>
+              </a:fillRef>
+              <a:effectRef idx="0">
+                <a:schemeClr val="accent1"/>
+              </a:effectRef>
+              <a:fontRef idx="minor">
+                <a:schemeClr val="lt1"/>
+              </a:fontRef>
+            </p:style>
+            <p:txBody>
+              <a:bodyPr rtlCol="0" anchor="ctr"/>
+              <a:lstStyle/>
+              <a:p>
+                <a:pPr algn="ctr"/>
+                <a14:m>
+                  <m:oMathPara xmlns:m="http://schemas.openxmlformats.org/officeDocument/2006/math">
+                    <m:oMathParaPr>
+                      <m:jc m:val="centerGroup"/>
+                    </m:oMathParaPr>
+                    <m:oMath xmlns:m="http://schemas.openxmlformats.org/officeDocument/2006/math">
+                      <m:r>
+                        <m:rPr>
+                          <m:nor/>
+                        </m:rPr>
+                        <a:rPr lang="en-GB" sz="3200" b="0" i="0" dirty="0" smtClean="0">
+                          <a:solidFill>
+                            <a:schemeClr val="tx1"/>
+                          </a:solidFill>
+                          <a:latin typeface="Arial" panose="020B0604020202020204" pitchFamily="34" charset="0"/>
+                          <a:cs typeface="Arial" panose="020B0604020202020204" pitchFamily="34" charset="0"/>
+                        </a:rPr>
+                        <m:t>salon</m:t>
+                      </m:r>
+                    </m:oMath>
+                  </m:oMathPara>
+                </a14:m>
+                <a:endParaRPr lang="en-GB" sz="3200" dirty="0">
+                  <a:solidFill>
+                    <a:schemeClr val="tx1"/>
+                  </a:solidFill>
+                  <a:latin typeface="Arial" panose="020B0604020202020204" pitchFamily="34" charset="0"/>
+                  <a:cs typeface="Arial" panose="020B0604020202020204" pitchFamily="34" charset="0"/>
+                </a:endParaRPr>
+              </a:p>
+            </p:txBody>
+          </p:sp>
+        </mc:Choice>
+        <mc:Fallback>
+          <p:sp>
+            <p:nvSpPr>
+              <p:cNvPr id="14" name="Oval 13">
+                <a:extLst>
+                  <a:ext uri="{FF2B5EF4-FFF2-40B4-BE49-F238E27FC236}">
+                    <a16:creationId xmlns:a16="http://schemas.microsoft.com/office/drawing/2014/main" id="{7EF0B8E5-809A-CB50-85EC-5530222054E7}"/>
+                  </a:ext>
+                </a:extLst>
+              </p:cNvPr>
+              <p:cNvSpPr>
+                <a:spLocks noRot="1" noChangeAspect="1" noMove="1" noResize="1" noEditPoints="1" noAdjustHandles="1" noChangeArrowheads="1" noChangeShapeType="1" noTextEdit="1"/>
+              </p:cNvSpPr>
+              <p:nvPr/>
+            </p:nvSpPr>
+            <p:spPr>
+              <a:xfrm>
+                <a:off x="2776123" y="3107668"/>
+                <a:ext cx="1383825" cy="1330036"/>
+              </a:xfrm>
+              <a:prstGeom prst="ellipse">
+                <a:avLst/>
+              </a:prstGeom>
+              <a:blipFill>
+                <a:blip r:embed="rId9"/>
+                <a:stretch>
+                  <a:fillRect/>
+                </a:stretch>
+              </a:blipFill>
+              <a:ln>
+                <a:solidFill>
+                  <a:schemeClr val="tx1"/>
+                </a:solidFill>
+              </a:ln>
+            </p:spPr>
+            <p:txBody>
+              <a:bodyPr/>
+              <a:lstStyle/>
+              <a:p>
+                <a:r>
+                  <a:rPr lang="en-GB">
+                    <a:noFill/>
+                  </a:rPr>
+                  <a:t> </a:t>
+                </a:r>
+              </a:p>
+            </p:txBody>
+          </p:sp>
+        </mc:Fallback>
+      </mc:AlternateContent>
+      <mc:AlternateContent xmlns:mc="http://schemas.openxmlformats.org/markup-compatibility/2006">
+        <mc:Choice xmlns:a14="http://schemas.microsoft.com/office/drawing/2010/main" Requires="a14">
+          <p:sp>
+            <p:nvSpPr>
+              <p:cNvPr id="15" name="Oval 14">
+                <a:extLst>
+                  <a:ext uri="{FF2B5EF4-FFF2-40B4-BE49-F238E27FC236}">
+                    <a16:creationId xmlns:a16="http://schemas.microsoft.com/office/drawing/2014/main" id="{690D0091-AE9C-2EC8-7C5B-15702B134978}"/>
+                  </a:ext>
+                </a:extLst>
+              </p:cNvPr>
+              <p:cNvSpPr/>
+              <p:nvPr/>
+            </p:nvSpPr>
+            <p:spPr>
+              <a:xfrm>
+                <a:off x="8358939" y="3107668"/>
+                <a:ext cx="1383825" cy="1330036"/>
+              </a:xfrm>
+              <a:prstGeom prst="ellipse">
+                <a:avLst/>
+              </a:prstGeom>
+              <a:solidFill>
+                <a:schemeClr val="bg1"/>
+              </a:solidFill>
+              <a:ln>
+                <a:solidFill>
+                  <a:schemeClr val="tx1"/>
+                </a:solidFill>
+              </a:ln>
+            </p:spPr>
+            <p:style>
+              <a:lnRef idx="2">
+                <a:schemeClr val="accent1">
+                  <a:shade val="15000"/>
+                </a:schemeClr>
+              </a:lnRef>
+              <a:fillRef idx="1">
+                <a:schemeClr val="accent1"/>
+              </a:fillRef>
+              <a:effectRef idx="0">
+                <a:schemeClr val="accent1"/>
+              </a:effectRef>
+              <a:fontRef idx="minor">
+                <a:schemeClr val="lt1"/>
+              </a:fontRef>
+            </p:style>
+            <p:txBody>
+              <a:bodyPr rtlCol="0" anchor="ctr"/>
+              <a:lstStyle/>
+              <a:p>
+                <a:pPr algn="ctr"/>
+                <a14:m>
+                  <m:oMathPara xmlns:m="http://schemas.openxmlformats.org/officeDocument/2006/math">
+                    <m:oMathParaPr>
+                      <m:jc m:val="centerGroup"/>
+                    </m:oMathParaPr>
+                    <m:oMath xmlns:m="http://schemas.openxmlformats.org/officeDocument/2006/math">
+                      <m:r>
+                        <m:rPr>
+                          <m:nor/>
+                        </m:rPr>
+                        <a:rPr lang="en-GB" sz="3200" b="0" i="0" dirty="0" smtClean="0">
+                          <a:solidFill>
+                            <a:schemeClr val="tx1"/>
+                          </a:solidFill>
+                          <a:latin typeface="Arial" panose="020B0604020202020204" pitchFamily="34" charset="0"/>
+                          <a:cs typeface="Arial" panose="020B0604020202020204" pitchFamily="34" charset="0"/>
+                        </a:rPr>
+                        <m:t>salon</m:t>
+                      </m:r>
+                    </m:oMath>
+                  </m:oMathPara>
+                </a14:m>
+                <a:endParaRPr lang="en-GB" sz="3200" dirty="0">
+                  <a:solidFill>
+                    <a:schemeClr val="tx1"/>
+                  </a:solidFill>
+                  <a:latin typeface="Arial" panose="020B0604020202020204" pitchFamily="34" charset="0"/>
+                  <a:cs typeface="Arial" panose="020B0604020202020204" pitchFamily="34" charset="0"/>
+                </a:endParaRPr>
+              </a:p>
+            </p:txBody>
+          </p:sp>
+        </mc:Choice>
+        <mc:Fallback>
+          <p:sp>
+            <p:nvSpPr>
+              <p:cNvPr id="15" name="Oval 14">
+                <a:extLst>
+                  <a:ext uri="{FF2B5EF4-FFF2-40B4-BE49-F238E27FC236}">
+                    <a16:creationId xmlns:a16="http://schemas.microsoft.com/office/drawing/2014/main" id="{690D0091-AE9C-2EC8-7C5B-15702B134978}"/>
+                  </a:ext>
+                </a:extLst>
+              </p:cNvPr>
+              <p:cNvSpPr>
+                <a:spLocks noRot="1" noChangeAspect="1" noMove="1" noResize="1" noEditPoints="1" noAdjustHandles="1" noChangeArrowheads="1" noChangeShapeType="1" noTextEdit="1"/>
+              </p:cNvSpPr>
+              <p:nvPr/>
+            </p:nvSpPr>
+            <p:spPr>
+              <a:xfrm>
+                <a:off x="8358939" y="3107668"/>
+                <a:ext cx="1383825" cy="1330036"/>
+              </a:xfrm>
+              <a:prstGeom prst="ellipse">
+                <a:avLst/>
+              </a:prstGeom>
+              <a:blipFill>
+                <a:blip r:embed="rId10"/>
+                <a:stretch>
+                  <a:fillRect/>
+                </a:stretch>
+              </a:blipFill>
+              <a:ln>
+                <a:solidFill>
+                  <a:schemeClr val="tx1"/>
+                </a:solidFill>
+              </a:ln>
+            </p:spPr>
+            <p:txBody>
+              <a:bodyPr/>
+              <a:lstStyle/>
+              <a:p>
+                <a:r>
+                  <a:rPr lang="en-GB">
+                    <a:noFill/>
+                  </a:rPr>
+                  <a:t> </a:t>
+                </a:r>
+              </a:p>
+            </p:txBody>
+          </p:sp>
+        </mc:Fallback>
+      </mc:AlternateContent>
+      <mc:AlternateContent xmlns:mc="http://schemas.openxmlformats.org/markup-compatibility/2006">
+        <mc:Choice xmlns:a14="http://schemas.microsoft.com/office/drawing/2010/main" Requires="a14">
+          <p:sp>
+            <p:nvSpPr>
+              <p:cNvPr id="16" name="Oval 15">
+                <a:extLst>
+                  <a:ext uri="{FF2B5EF4-FFF2-40B4-BE49-F238E27FC236}">
+                    <a16:creationId xmlns:a16="http://schemas.microsoft.com/office/drawing/2014/main" id="{2798C819-81E8-1B0C-C970-B8D23DDFB8B2}"/>
+                  </a:ext>
+                </a:extLst>
+              </p:cNvPr>
+              <p:cNvSpPr/>
+              <p:nvPr/>
+            </p:nvSpPr>
+            <p:spPr>
+              <a:xfrm>
+                <a:off x="7443091" y="5026080"/>
+                <a:ext cx="1383825" cy="1330036"/>
+              </a:xfrm>
+              <a:prstGeom prst="ellipse">
+                <a:avLst/>
+              </a:prstGeom>
+              <a:solidFill>
+                <a:schemeClr val="bg1"/>
+              </a:solidFill>
+              <a:ln>
+                <a:solidFill>
+                  <a:schemeClr val="tx1"/>
+                </a:solidFill>
+              </a:ln>
+            </p:spPr>
+            <p:style>
+              <a:lnRef idx="2">
+                <a:schemeClr val="accent1">
+                  <a:shade val="15000"/>
+                </a:schemeClr>
+              </a:lnRef>
+              <a:fillRef idx="1">
+                <a:schemeClr val="accent1"/>
+              </a:fillRef>
+              <a:effectRef idx="0">
+                <a:schemeClr val="accent1"/>
+              </a:effectRef>
+              <a:fontRef idx="minor">
+                <a:schemeClr val="lt1"/>
+              </a:fontRef>
+            </p:style>
+            <p:txBody>
+              <a:bodyPr rtlCol="0" anchor="ctr"/>
+              <a:lstStyle/>
+              <a:p>
+                <a:pPr algn="ctr"/>
+                <a14:m>
+                  <m:oMathPara xmlns:m="http://schemas.openxmlformats.org/officeDocument/2006/math">
+                    <m:oMathParaPr>
+                      <m:jc m:val="centerGroup"/>
+                    </m:oMathParaPr>
+                    <m:oMath xmlns:m="http://schemas.openxmlformats.org/officeDocument/2006/math">
+                      <m:r>
+                        <m:rPr>
+                          <m:nor/>
+                        </m:rPr>
+                        <a:rPr lang="en-GB" sz="2800" dirty="0">
+                          <a:solidFill>
+                            <a:schemeClr val="tx1"/>
+                          </a:solidFill>
+                          <a:latin typeface="Arial" panose="020B0604020202020204" pitchFamily="34" charset="0"/>
+                          <a:cs typeface="Arial" panose="020B0604020202020204" pitchFamily="34" charset="0"/>
+                        </a:rPr>
+                        <m:t>alumno</m:t>
+                      </m:r>
+                    </m:oMath>
+                  </m:oMathPara>
+                </a14:m>
+                <a:endParaRPr lang="en-GB" sz="2800" dirty="0">
+                  <a:solidFill>
+                    <a:schemeClr val="tx1"/>
+                  </a:solidFill>
+                </a:endParaRPr>
+              </a:p>
+            </p:txBody>
+          </p:sp>
+        </mc:Choice>
+        <mc:Fallback>
+          <p:sp>
+            <p:nvSpPr>
+              <p:cNvPr id="16" name="Oval 15">
+                <a:extLst>
+                  <a:ext uri="{FF2B5EF4-FFF2-40B4-BE49-F238E27FC236}">
+                    <a16:creationId xmlns:a16="http://schemas.microsoft.com/office/drawing/2014/main" id="{2798C819-81E8-1B0C-C970-B8D23DDFB8B2}"/>
+                  </a:ext>
+                </a:extLst>
+              </p:cNvPr>
+              <p:cNvSpPr>
+                <a:spLocks noRot="1" noChangeAspect="1" noMove="1" noResize="1" noEditPoints="1" noAdjustHandles="1" noChangeArrowheads="1" noChangeShapeType="1" noTextEdit="1"/>
+              </p:cNvSpPr>
+              <p:nvPr/>
+            </p:nvSpPr>
+            <p:spPr>
+              <a:xfrm>
+                <a:off x="7443091" y="5026080"/>
+                <a:ext cx="1383825" cy="1330036"/>
+              </a:xfrm>
+              <a:prstGeom prst="ellipse">
+                <a:avLst/>
+              </a:prstGeom>
+              <a:blipFill>
+                <a:blip r:embed="rId11"/>
+                <a:stretch>
+                  <a:fillRect/>
+                </a:stretch>
+              </a:blipFill>
+              <a:ln>
+                <a:solidFill>
+                  <a:schemeClr val="tx1"/>
+                </a:solidFill>
+              </a:ln>
+            </p:spPr>
+            <p:txBody>
+              <a:bodyPr/>
+              <a:lstStyle/>
+              <a:p>
+                <a:r>
+                  <a:rPr lang="en-GB">
+                    <a:noFill/>
+                  </a:rPr>
+                  <a:t> </a:t>
+                </a:r>
+              </a:p>
+            </p:txBody>
+          </p:sp>
+        </mc:Fallback>
+      </mc:AlternateContent>
+      <mc:AlternateContent xmlns:mc="http://schemas.openxmlformats.org/markup-compatibility/2006">
+        <mc:Choice xmlns:a14="http://schemas.microsoft.com/office/drawing/2010/main" Requires="a14">
+          <p:sp>
+            <p:nvSpPr>
+              <p:cNvPr id="17" name="Oval 16">
+                <a:extLst>
+                  <a:ext uri="{FF2B5EF4-FFF2-40B4-BE49-F238E27FC236}">
+                    <a16:creationId xmlns:a16="http://schemas.microsoft.com/office/drawing/2014/main" id="{3EDCD4CF-327F-7172-EF16-D0F7236CBC39}"/>
+                  </a:ext>
+                </a:extLst>
+              </p:cNvPr>
+              <p:cNvSpPr/>
+              <p:nvPr/>
+            </p:nvSpPr>
+            <p:spPr>
+              <a:xfrm>
+                <a:off x="9219018" y="5026080"/>
+                <a:ext cx="1383825" cy="1330036"/>
+              </a:xfrm>
+              <a:prstGeom prst="ellipse">
+                <a:avLst/>
+              </a:prstGeom>
+              <a:solidFill>
+                <a:schemeClr val="bg1"/>
+              </a:solidFill>
+              <a:ln>
+                <a:solidFill>
+                  <a:schemeClr val="tx1"/>
+                </a:solidFill>
+              </a:ln>
+            </p:spPr>
+            <p:style>
+              <a:lnRef idx="2">
+                <a:schemeClr val="accent1">
+                  <a:shade val="15000"/>
+                </a:schemeClr>
+              </a:lnRef>
+              <a:fillRef idx="1">
+                <a:schemeClr val="accent1"/>
+              </a:fillRef>
+              <a:effectRef idx="0">
+                <a:schemeClr val="accent1"/>
+              </a:effectRef>
+              <a:fontRef idx="minor">
+                <a:schemeClr val="lt1"/>
+              </a:fontRef>
+            </p:style>
+            <p:txBody>
+              <a:bodyPr rtlCol="0" anchor="ctr"/>
+              <a:lstStyle/>
+              <a:p>
+                <a:pPr algn="ctr"/>
+                <a14:m>
+                  <m:oMathPara xmlns:m="http://schemas.openxmlformats.org/officeDocument/2006/math">
+                    <m:oMathParaPr>
+                      <m:jc m:val="centerGroup"/>
+                    </m:oMathParaPr>
+                    <m:oMath xmlns:m="http://schemas.openxmlformats.org/officeDocument/2006/math">
+                      <m:r>
+                        <m:rPr>
+                          <m:nor/>
+                        </m:rPr>
+                        <a:rPr lang="en-GB" sz="2800" dirty="0">
+                          <a:solidFill>
+                            <a:schemeClr val="tx1"/>
+                          </a:solidFill>
+                          <a:latin typeface="Arial" panose="020B0604020202020204" pitchFamily="34" charset="0"/>
+                          <a:cs typeface="Arial" panose="020B0604020202020204" pitchFamily="34" charset="0"/>
+                        </a:rPr>
+                        <m:t>alumno</m:t>
+                      </m:r>
+                    </m:oMath>
+                  </m:oMathPara>
+                </a14:m>
+                <a:endParaRPr lang="en-GB" sz="2800" dirty="0">
+                  <a:solidFill>
+                    <a:schemeClr val="tx1"/>
+                  </a:solidFill>
+                </a:endParaRPr>
+              </a:p>
+            </p:txBody>
+          </p:sp>
+        </mc:Choice>
+        <mc:Fallback>
+          <p:sp>
+            <p:nvSpPr>
+              <p:cNvPr id="17" name="Oval 16">
+                <a:extLst>
+                  <a:ext uri="{FF2B5EF4-FFF2-40B4-BE49-F238E27FC236}">
+                    <a16:creationId xmlns:a16="http://schemas.microsoft.com/office/drawing/2014/main" id="{3EDCD4CF-327F-7172-EF16-D0F7236CBC39}"/>
+                  </a:ext>
+                </a:extLst>
+              </p:cNvPr>
+              <p:cNvSpPr>
+                <a:spLocks noRot="1" noChangeAspect="1" noMove="1" noResize="1" noEditPoints="1" noAdjustHandles="1" noChangeArrowheads="1" noChangeShapeType="1" noTextEdit="1"/>
+              </p:cNvSpPr>
+              <p:nvPr/>
+            </p:nvSpPr>
+            <p:spPr>
+              <a:xfrm>
+                <a:off x="9219018" y="5026080"/>
+                <a:ext cx="1383825" cy="1330036"/>
+              </a:xfrm>
+              <a:prstGeom prst="ellipse">
+                <a:avLst/>
+              </a:prstGeom>
+              <a:blipFill>
+                <a:blip r:embed="rId12"/>
+                <a:stretch>
+                  <a:fillRect/>
+                </a:stretch>
+              </a:blipFill>
+              <a:ln>
+                <a:solidFill>
+                  <a:schemeClr val="tx1"/>
+                </a:solidFill>
+              </a:ln>
+            </p:spPr>
+            <p:txBody>
+              <a:bodyPr/>
+              <a:lstStyle/>
+              <a:p>
+                <a:r>
+                  <a:rPr lang="en-GB">
+                    <a:noFill/>
+                  </a:rPr>
+                  <a:t> </a:t>
+                </a:r>
+              </a:p>
+            </p:txBody>
+          </p:sp>
+        </mc:Fallback>
+      </mc:AlternateContent>
+    </p:spTree>
+    <p:extLst>
+      <p:ext uri="{BB962C8B-B14F-4D97-AF65-F5344CB8AC3E}">
+        <p14:creationId xmlns:p14="http://schemas.microsoft.com/office/powerpoint/2010/main" val="2786056124"/>
+      </p:ext>
+    </p:extLst>
+  </p:cSld>
+  <p:clrMapOvr>
+    <a:masterClrMapping/>
+  </p:clrMapOvr>
+</p:sld>
+</file>
+
+<file path=ppt/slides/slide37.xml><?xml version="1.0" encoding="utf-8"?>
+<p:sld xmlns:a="http://schemas.openxmlformats.org/drawingml/2006/main" xmlns:r="http://schemas.openxmlformats.org/officeDocument/2006/relationships" xmlns:p="http://schemas.openxmlformats.org/presentationml/2006/main">
+  <p:cSld>
+    <p:spTree>
+      <p:nvGrpSpPr>
+        <p:cNvPr id="1" name="">
+          <a:extLst>
+            <a:ext uri="{FF2B5EF4-FFF2-40B4-BE49-F238E27FC236}">
+              <a16:creationId xmlns:a16="http://schemas.microsoft.com/office/drawing/2014/main" id="{C1CF1F01-4751-DA6A-0E89-E9BBE370A13C}"/>
+            </a:ext>
+          </a:extLst>
+        </p:cNvPr>
+        <p:cNvGrpSpPr/>
+        <p:nvPr/>
+      </p:nvGrpSpPr>
+      <p:grpSpPr>
+        <a:xfrm>
+          <a:off x="0" y="0"/>
+          <a:ext cx="0" cy="0"/>
+          <a:chOff x="0" y="0"/>
+          <a:chExt cx="0" cy="0"/>
+        </a:xfrm>
+      </p:grpSpPr>
+      <p:sp>
+        <p:nvSpPr>
+          <p:cNvPr id="8" name="Título 1">
+            <a:extLst>
+              <a:ext uri="{FF2B5EF4-FFF2-40B4-BE49-F238E27FC236}">
+                <a16:creationId xmlns:a16="http://schemas.microsoft.com/office/drawing/2014/main" id="{7EA265EE-D5F8-6A7D-F6E8-4FEE677FB46D}"/>
+              </a:ext>
+            </a:extLst>
+          </p:cNvPr>
+          <p:cNvSpPr txBox="1">
+            <a:spLocks/>
+          </p:cNvSpPr>
+          <p:nvPr/>
+        </p:nvSpPr>
+        <p:spPr>
+          <a:xfrm>
+            <a:off x="0" y="0"/>
+            <a:ext cx="12192000" cy="885061"/>
+          </a:xfrm>
+          <a:prstGeom prst="rect">
+            <a:avLst/>
+          </a:prstGeom>
+        </p:spPr>
+        <p:txBody>
+          <a:bodyPr vert="horz" lIns="91440" tIns="45720" rIns="91440" bIns="45720" rtlCol="0" anchor="b">
+            <a:normAutofit/>
+          </a:bodyPr>
+          <a:lstStyle>
+            <a:lvl1pPr algn="ctr" defTabSz="914400" rtl="0" eaLnBrk="1" latinLnBrk="0" hangingPunct="1">
+              <a:lnSpc>
+                <a:spcPct val="90000"/>
+              </a:lnSpc>
+              <a:spcBef>
+                <a:spcPct val="0"/>
+              </a:spcBef>
+              <a:buNone/>
+              <a:defRPr sz="6000" kern="1200">
+                <a:solidFill>
+                  <a:schemeClr val="tx1"/>
+                </a:solidFill>
+                <a:latin typeface="+mj-lt"/>
+                <a:ea typeface="+mj-ea"/>
+                <a:cs typeface="+mj-cs"/>
+              </a:defRPr>
+            </a:lvl1pPr>
+          </a:lstStyle>
+          <a:p>
+            <a:r>
+              <a:rPr lang="es-MX" sz="4800" b="1" dirty="0" err="1">
+                <a:latin typeface="Times New Roman" panose="02020603050405020304" pitchFamily="18" charset="0"/>
+                <a:cs typeface="Times New Roman" panose="02020603050405020304" pitchFamily="18" charset="0"/>
+              </a:rPr>
+              <a:t>Multilevel</a:t>
+            </a:r>
+            <a:r>
+              <a:rPr lang="es-MX" sz="4800" b="1" dirty="0">
+                <a:latin typeface="Times New Roman" panose="02020603050405020304" pitchFamily="18" charset="0"/>
+                <a:cs typeface="Times New Roman" panose="02020603050405020304" pitchFamily="18" charset="0"/>
+              </a:rPr>
+              <a:t> </a:t>
+            </a:r>
+            <a:r>
+              <a:rPr lang="es-MX" sz="4800" b="1" dirty="0" err="1">
+                <a:latin typeface="Times New Roman" panose="02020603050405020304" pitchFamily="18" charset="0"/>
+                <a:cs typeface="Times New Roman" panose="02020603050405020304" pitchFamily="18" charset="0"/>
+              </a:rPr>
+              <a:t>Modelling</a:t>
+            </a:r>
+            <a:endParaRPr lang="es-MX" sz="4800" b="1" dirty="0">
+              <a:latin typeface="Times New Roman" panose="02020603050405020304" pitchFamily="18" charset="0"/>
+              <a:cs typeface="Times New Roman" panose="02020603050405020304" pitchFamily="18" charset="0"/>
+            </a:endParaRPr>
+          </a:p>
+        </p:txBody>
+      </p:sp>
+      <mc:AlternateContent xmlns:mc="http://schemas.openxmlformats.org/markup-compatibility/2006">
+        <mc:Choice xmlns:a14="http://schemas.microsoft.com/office/drawing/2010/main" Requires="a14">
+          <p:sp>
+            <p:nvSpPr>
+              <p:cNvPr id="9" name="Oval 8">
+                <a:extLst>
+                  <a:ext uri="{FF2B5EF4-FFF2-40B4-BE49-F238E27FC236}">
+                    <a16:creationId xmlns:a16="http://schemas.microsoft.com/office/drawing/2014/main" id="{CD36A774-D0D5-577B-96FF-686BC7A81B94}"/>
+                  </a:ext>
+                </a:extLst>
+              </p:cNvPr>
+              <p:cNvSpPr/>
+              <p:nvPr/>
+            </p:nvSpPr>
+            <p:spPr>
+              <a:xfrm>
+                <a:off x="2762127" y="3107668"/>
+                <a:ext cx="1383825" cy="1330036"/>
+              </a:xfrm>
+              <a:prstGeom prst="ellipse">
+                <a:avLst/>
+              </a:prstGeom>
+              <a:solidFill>
+                <a:schemeClr val="bg1"/>
+              </a:solidFill>
+              <a:ln>
+                <a:solidFill>
+                  <a:schemeClr val="tx1"/>
+                </a:solidFill>
+              </a:ln>
+            </p:spPr>
+            <p:style>
+              <a:lnRef idx="2">
+                <a:schemeClr val="accent1">
+                  <a:shade val="15000"/>
+                </a:schemeClr>
+              </a:lnRef>
+              <a:fillRef idx="1">
+                <a:schemeClr val="accent1"/>
+              </a:fillRef>
+              <a:effectRef idx="0">
+                <a:schemeClr val="accent1"/>
+              </a:effectRef>
+              <a:fontRef idx="minor">
+                <a:schemeClr val="lt1"/>
+              </a:fontRef>
+            </p:style>
+            <p:txBody>
+              <a:bodyPr rtlCol="0" anchor="ctr"/>
+              <a:lstStyle/>
+              <a:p>
+                <a:pPr algn="ctr"/>
+                <a14:m>
+                  <m:oMathPara xmlns:m="http://schemas.openxmlformats.org/officeDocument/2006/math">
+                    <m:oMathParaPr>
+                      <m:jc m:val="centerGroup"/>
+                    </m:oMathParaPr>
+                    <m:oMath xmlns:m="http://schemas.openxmlformats.org/officeDocument/2006/math">
+                      <m:r>
+                        <m:rPr>
+                          <m:nor/>
+                        </m:rPr>
+                        <a:rPr lang="en-GB" sz="2400" b="0" i="0" dirty="0" smtClean="0">
+                          <a:solidFill>
+                            <a:schemeClr val="tx1"/>
+                          </a:solidFill>
+                          <a:latin typeface="Arial" panose="020B0604020202020204" pitchFamily="34" charset="0"/>
+                          <a:cs typeface="Arial" panose="020B0604020202020204" pitchFamily="34" charset="0"/>
+                        </a:rPr>
+                        <m:t>salon</m:t>
+                      </m:r>
+                    </m:oMath>
+                  </m:oMathPara>
+                </a14:m>
+                <a:endParaRPr lang="en-GB" sz="2400" dirty="0">
+                  <a:solidFill>
+                    <a:schemeClr val="tx1"/>
+                  </a:solidFill>
+                  <a:latin typeface="Arial" panose="020B0604020202020204" pitchFamily="34" charset="0"/>
+                  <a:cs typeface="Arial" panose="020B0604020202020204" pitchFamily="34" charset="0"/>
+                </a:endParaRPr>
+              </a:p>
+            </p:txBody>
+          </p:sp>
+        </mc:Choice>
+        <mc:Fallback>
+          <p:sp>
+            <p:nvSpPr>
+              <p:cNvPr id="9" name="Oval 8">
+                <a:extLst>
+                  <a:ext uri="{FF2B5EF4-FFF2-40B4-BE49-F238E27FC236}">
+                    <a16:creationId xmlns:a16="http://schemas.microsoft.com/office/drawing/2014/main" id="{CD36A774-D0D5-577B-96FF-686BC7A81B94}"/>
+                  </a:ext>
+                </a:extLst>
+              </p:cNvPr>
+              <p:cNvSpPr>
+                <a:spLocks noRot="1" noChangeAspect="1" noMove="1" noResize="1" noEditPoints="1" noAdjustHandles="1" noChangeArrowheads="1" noChangeShapeType="1" noTextEdit="1"/>
+              </p:cNvSpPr>
+              <p:nvPr/>
+            </p:nvSpPr>
+            <p:spPr>
+              <a:xfrm>
+                <a:off x="2762127" y="3107668"/>
+                <a:ext cx="1383825" cy="1330036"/>
+              </a:xfrm>
+              <a:prstGeom prst="ellipse">
+                <a:avLst/>
+              </a:prstGeom>
+              <a:blipFill>
+                <a:blip r:embed="rId2"/>
+                <a:stretch>
+                  <a:fillRect/>
+                </a:stretch>
+              </a:blipFill>
+              <a:ln>
+                <a:solidFill>
+                  <a:schemeClr val="tx1"/>
+                </a:solidFill>
+              </a:ln>
+            </p:spPr>
+            <p:txBody>
+              <a:bodyPr/>
+              <a:lstStyle/>
+              <a:p>
+                <a:r>
+                  <a:rPr lang="en-GB">
+                    <a:noFill/>
+                  </a:rPr>
+                  <a:t> </a:t>
+                </a:r>
+              </a:p>
+            </p:txBody>
+          </p:sp>
+        </mc:Fallback>
+      </mc:AlternateContent>
+      <mc:AlternateContent xmlns:mc="http://schemas.openxmlformats.org/markup-compatibility/2006">
+        <mc:Choice xmlns:a14="http://schemas.microsoft.com/office/drawing/2010/main" Requires="a14">
+          <p:sp>
+            <p:nvSpPr>
+              <p:cNvPr id="10" name="Oval 9">
+                <a:extLst>
+                  <a:ext uri="{FF2B5EF4-FFF2-40B4-BE49-F238E27FC236}">
+                    <a16:creationId xmlns:a16="http://schemas.microsoft.com/office/drawing/2014/main" id="{F3F0285A-D4BF-9120-914B-D2244123F672}"/>
+                  </a:ext>
+                </a:extLst>
+              </p:cNvPr>
+              <p:cNvSpPr/>
+              <p:nvPr/>
+            </p:nvSpPr>
+            <p:spPr>
+              <a:xfrm>
+                <a:off x="1846279" y="5026080"/>
+                <a:ext cx="1383825" cy="1330036"/>
+              </a:xfrm>
+              <a:prstGeom prst="ellipse">
+                <a:avLst/>
+              </a:prstGeom>
+              <a:solidFill>
+                <a:schemeClr val="bg1"/>
+              </a:solidFill>
+              <a:ln>
+                <a:solidFill>
+                  <a:schemeClr val="tx1"/>
+                </a:solidFill>
+              </a:ln>
+            </p:spPr>
+            <p:style>
+              <a:lnRef idx="2">
+                <a:schemeClr val="accent1">
+                  <a:shade val="15000"/>
+                </a:schemeClr>
+              </a:lnRef>
+              <a:fillRef idx="1">
+                <a:schemeClr val="accent1"/>
+              </a:fillRef>
+              <a:effectRef idx="0">
+                <a:schemeClr val="accent1"/>
+              </a:effectRef>
+              <a:fontRef idx="minor">
+                <a:schemeClr val="lt1"/>
+              </a:fontRef>
+            </p:style>
+            <p:txBody>
+              <a:bodyPr rtlCol="0" anchor="ctr"/>
+              <a:lstStyle/>
+              <a:p>
+                <a:pPr algn="ctr"/>
+                <a14:m>
+                  <m:oMathPara xmlns:m="http://schemas.openxmlformats.org/officeDocument/2006/math">
+                    <m:oMathParaPr>
+                      <m:jc m:val="centerGroup"/>
+                    </m:oMathParaPr>
+                    <m:oMath xmlns:m="http://schemas.openxmlformats.org/officeDocument/2006/math">
+                      <m:r>
+                        <m:rPr>
+                          <m:nor/>
+                        </m:rPr>
+                        <a:rPr lang="en-GB" sz="2800" b="0" i="0" dirty="0" smtClean="0">
+                          <a:solidFill>
+                            <a:schemeClr val="tx1"/>
+                          </a:solidFill>
+                          <a:latin typeface="Arial" panose="020B0604020202020204" pitchFamily="34" charset="0"/>
+                          <a:cs typeface="Arial" panose="020B0604020202020204" pitchFamily="34" charset="0"/>
+                        </a:rPr>
+                        <m:t>paciente</m:t>
+                      </m:r>
+                    </m:oMath>
+                  </m:oMathPara>
+                </a14:m>
+                <a:endParaRPr lang="en-GB" sz="2800" dirty="0">
+                  <a:solidFill>
+                    <a:schemeClr val="tx1"/>
+                  </a:solidFill>
+                </a:endParaRPr>
+              </a:p>
+            </p:txBody>
+          </p:sp>
+        </mc:Choice>
+        <mc:Fallback>
+          <p:sp>
+            <p:nvSpPr>
+              <p:cNvPr id="10" name="Oval 9">
+                <a:extLst>
+                  <a:ext uri="{FF2B5EF4-FFF2-40B4-BE49-F238E27FC236}">
+                    <a16:creationId xmlns:a16="http://schemas.microsoft.com/office/drawing/2014/main" id="{F3F0285A-D4BF-9120-914B-D2244123F672}"/>
+                  </a:ext>
+                </a:extLst>
+              </p:cNvPr>
+              <p:cNvSpPr>
+                <a:spLocks noRot="1" noChangeAspect="1" noMove="1" noResize="1" noEditPoints="1" noAdjustHandles="1" noChangeArrowheads="1" noChangeShapeType="1" noTextEdit="1"/>
+              </p:cNvSpPr>
+              <p:nvPr/>
+            </p:nvSpPr>
+            <p:spPr>
+              <a:xfrm>
+                <a:off x="1846279" y="5026080"/>
+                <a:ext cx="1383825" cy="1330036"/>
+              </a:xfrm>
+              <a:prstGeom prst="ellipse">
+                <a:avLst/>
+              </a:prstGeom>
+              <a:blipFill>
+                <a:blip r:embed="rId3"/>
+                <a:stretch>
+                  <a:fillRect/>
+                </a:stretch>
+              </a:blipFill>
+              <a:ln>
+                <a:solidFill>
+                  <a:schemeClr val="tx1"/>
+                </a:solidFill>
+              </a:ln>
+            </p:spPr>
+            <p:txBody>
+              <a:bodyPr/>
+              <a:lstStyle/>
+              <a:p>
+                <a:r>
+                  <a:rPr lang="en-GB">
+                    <a:noFill/>
+                  </a:rPr>
+                  <a:t> </a:t>
+                </a:r>
+              </a:p>
+            </p:txBody>
+          </p:sp>
+        </mc:Fallback>
+      </mc:AlternateContent>
+      <p:cxnSp>
+        <p:nvCxnSpPr>
+          <p:cNvPr id="12" name="Straight Arrow Connector 11">
+            <a:extLst>
+              <a:ext uri="{FF2B5EF4-FFF2-40B4-BE49-F238E27FC236}">
+                <a16:creationId xmlns:a16="http://schemas.microsoft.com/office/drawing/2014/main" id="{F586F356-60F3-B82C-FBB6-0A6925B6AAF1}"/>
+              </a:ext>
+            </a:extLst>
+          </p:cNvPr>
+          <p:cNvCxnSpPr>
+            <a:cxnSpLocks/>
+            <a:stCxn id="9" idx="3"/>
+            <a:endCxn id="10" idx="0"/>
+          </p:cNvCxnSpPr>
+          <p:nvPr/>
+        </p:nvCxnSpPr>
+        <p:spPr>
+          <a:xfrm flipH="1">
+            <a:off x="2538192" y="4242925"/>
+            <a:ext cx="426591" cy="783155"/>
+          </a:xfrm>
+          <a:prstGeom prst="straightConnector1">
+            <a:avLst/>
+          </a:prstGeom>
+          <a:ln w="38100">
+            <a:solidFill>
+              <a:schemeClr val="tx1"/>
+            </a:solidFill>
+            <a:tailEnd type="triangle" w="lg" len="lg"/>
+          </a:ln>
+        </p:spPr>
+        <p:style>
+          <a:lnRef idx="2">
+            <a:schemeClr val="accent1"/>
+          </a:lnRef>
+          <a:fillRef idx="0">
+            <a:schemeClr val="accent1"/>
+          </a:fillRef>
+          <a:effectRef idx="1">
+            <a:schemeClr val="accent1"/>
+          </a:effectRef>
+          <a:fontRef idx="minor">
+            <a:schemeClr val="tx1"/>
+          </a:fontRef>
+        </p:style>
+      </p:cxnSp>
+      <mc:AlternateContent xmlns:mc="http://schemas.openxmlformats.org/markup-compatibility/2006">
+        <mc:Choice xmlns:a14="http://schemas.microsoft.com/office/drawing/2010/main" Requires="a14">
+          <p:sp>
+            <p:nvSpPr>
+              <p:cNvPr id="11" name="Oval 10">
+                <a:extLst>
+                  <a:ext uri="{FF2B5EF4-FFF2-40B4-BE49-F238E27FC236}">
+                    <a16:creationId xmlns:a16="http://schemas.microsoft.com/office/drawing/2014/main" id="{D352BD43-B3B5-0937-EE96-AD06A116907B}"/>
+                  </a:ext>
+                </a:extLst>
+              </p:cNvPr>
+              <p:cNvSpPr/>
+              <p:nvPr/>
+            </p:nvSpPr>
+            <p:spPr>
+              <a:xfrm>
+                <a:off x="3622206" y="5026080"/>
+                <a:ext cx="1383825" cy="1330036"/>
+              </a:xfrm>
+              <a:prstGeom prst="ellipse">
+                <a:avLst/>
+              </a:prstGeom>
+              <a:solidFill>
+                <a:schemeClr val="bg1"/>
+              </a:solidFill>
+              <a:ln>
+                <a:solidFill>
+                  <a:schemeClr val="tx1"/>
+                </a:solidFill>
+              </a:ln>
+            </p:spPr>
+            <p:style>
+              <a:lnRef idx="2">
+                <a:schemeClr val="accent1">
+                  <a:shade val="15000"/>
+                </a:schemeClr>
+              </a:lnRef>
+              <a:fillRef idx="1">
+                <a:schemeClr val="accent1"/>
+              </a:fillRef>
+              <a:effectRef idx="0">
+                <a:schemeClr val="accent1"/>
+              </a:effectRef>
+              <a:fontRef idx="minor">
+                <a:schemeClr val="lt1"/>
+              </a:fontRef>
+            </p:style>
+            <p:txBody>
+              <a:bodyPr rtlCol="0" anchor="ctr"/>
+              <a:lstStyle/>
+              <a:p>
+                <a:pPr algn="ctr"/>
+                <a14:m>
+                  <m:oMathPara xmlns:m="http://schemas.openxmlformats.org/officeDocument/2006/math">
+                    <m:oMathParaPr>
+                      <m:jc m:val="centerGroup"/>
+                    </m:oMathParaPr>
+                    <m:oMath xmlns:m="http://schemas.openxmlformats.org/officeDocument/2006/math">
+                      <m:r>
+                        <m:rPr>
+                          <m:nor/>
+                        </m:rPr>
+                        <a:rPr lang="en-GB" sz="2800" b="0" i="0" dirty="0" smtClean="0">
+                          <a:solidFill>
+                            <a:schemeClr val="tx1"/>
+                          </a:solidFill>
+                          <a:latin typeface="Arial" panose="020B0604020202020204" pitchFamily="34" charset="0"/>
+                          <a:cs typeface="Arial" panose="020B0604020202020204" pitchFamily="34" charset="0"/>
+                        </a:rPr>
+                        <m:t>paciente</m:t>
+                      </m:r>
+                    </m:oMath>
+                  </m:oMathPara>
+                </a14:m>
+                <a:endParaRPr lang="en-GB" sz="2800" dirty="0">
+                  <a:solidFill>
+                    <a:schemeClr val="tx1"/>
+                  </a:solidFill>
+                </a:endParaRPr>
+              </a:p>
+            </p:txBody>
+          </p:sp>
+        </mc:Choice>
+        <mc:Fallback>
+          <p:sp>
+            <p:nvSpPr>
+              <p:cNvPr id="11" name="Oval 10">
+                <a:extLst>
+                  <a:ext uri="{FF2B5EF4-FFF2-40B4-BE49-F238E27FC236}">
+                    <a16:creationId xmlns:a16="http://schemas.microsoft.com/office/drawing/2014/main" id="{D352BD43-B3B5-0937-EE96-AD06A116907B}"/>
+                  </a:ext>
+                </a:extLst>
+              </p:cNvPr>
+              <p:cNvSpPr>
+                <a:spLocks noRot="1" noChangeAspect="1" noMove="1" noResize="1" noEditPoints="1" noAdjustHandles="1" noChangeArrowheads="1" noChangeShapeType="1" noTextEdit="1"/>
+              </p:cNvSpPr>
+              <p:nvPr/>
+            </p:nvSpPr>
+            <p:spPr>
+              <a:xfrm>
+                <a:off x="3622206" y="5026080"/>
+                <a:ext cx="1383825" cy="1330036"/>
+              </a:xfrm>
+              <a:prstGeom prst="ellipse">
+                <a:avLst/>
+              </a:prstGeom>
+              <a:blipFill>
+                <a:blip r:embed="rId4"/>
+                <a:stretch>
+                  <a:fillRect/>
+                </a:stretch>
+              </a:blipFill>
+              <a:ln>
+                <a:solidFill>
+                  <a:schemeClr val="tx1"/>
+                </a:solidFill>
+              </a:ln>
+            </p:spPr>
+            <p:txBody>
+              <a:bodyPr/>
+              <a:lstStyle/>
+              <a:p>
+                <a:r>
+                  <a:rPr lang="en-GB">
+                    <a:noFill/>
+                  </a:rPr>
+                  <a:t> </a:t>
+                </a:r>
+              </a:p>
+            </p:txBody>
+          </p:sp>
+        </mc:Fallback>
+      </mc:AlternateContent>
+      <p:cxnSp>
+        <p:nvCxnSpPr>
+          <p:cNvPr id="13" name="Straight Arrow Connector 12">
+            <a:extLst>
+              <a:ext uri="{FF2B5EF4-FFF2-40B4-BE49-F238E27FC236}">
+                <a16:creationId xmlns:a16="http://schemas.microsoft.com/office/drawing/2014/main" id="{9DF580C3-3AD6-F5A8-0409-B16C28872425}"/>
+              </a:ext>
+            </a:extLst>
+          </p:cNvPr>
+          <p:cNvCxnSpPr>
+            <a:cxnSpLocks/>
+            <a:stCxn id="9" idx="5"/>
+            <a:endCxn id="11" idx="0"/>
+          </p:cNvCxnSpPr>
+          <p:nvPr/>
+        </p:nvCxnSpPr>
+        <p:spPr>
+          <a:xfrm>
+            <a:off x="3943296" y="4242925"/>
+            <a:ext cx="370823" cy="783155"/>
+          </a:xfrm>
+          <a:prstGeom prst="straightConnector1">
+            <a:avLst/>
+          </a:prstGeom>
+          <a:ln w="38100">
+            <a:solidFill>
+              <a:schemeClr val="tx1"/>
+            </a:solidFill>
+            <a:tailEnd type="triangle" w="lg" len="lg"/>
+          </a:ln>
+        </p:spPr>
+        <p:style>
+          <a:lnRef idx="2">
+            <a:schemeClr val="accent1"/>
+          </a:lnRef>
+          <a:fillRef idx="0">
+            <a:schemeClr val="accent1"/>
+          </a:fillRef>
+          <a:effectRef idx="1">
+            <a:schemeClr val="accent1"/>
+          </a:effectRef>
+          <a:fontRef idx="minor">
+            <a:schemeClr val="tx1"/>
+          </a:fontRef>
+        </p:style>
+      </p:cxnSp>
+      <mc:AlternateContent xmlns:mc="http://schemas.openxmlformats.org/markup-compatibility/2006">
+        <mc:Choice xmlns:a14="http://schemas.microsoft.com/office/drawing/2010/main" Requires="a14">
+          <p:sp>
+            <p:nvSpPr>
+              <p:cNvPr id="19" name="Oval 18">
+                <a:extLst>
+                  <a:ext uri="{FF2B5EF4-FFF2-40B4-BE49-F238E27FC236}">
+                    <a16:creationId xmlns:a16="http://schemas.microsoft.com/office/drawing/2014/main" id="{593EE379-B736-0A56-8409-819A41E3840E}"/>
+                  </a:ext>
+                </a:extLst>
+              </p:cNvPr>
+              <p:cNvSpPr/>
+              <p:nvPr/>
+            </p:nvSpPr>
+            <p:spPr>
+              <a:xfrm>
+                <a:off x="5404087" y="1093477"/>
+                <a:ext cx="1383825" cy="1330036"/>
+              </a:xfrm>
+              <a:prstGeom prst="ellipse">
+                <a:avLst/>
+              </a:prstGeom>
+              <a:solidFill>
+                <a:schemeClr val="bg1"/>
+              </a:solidFill>
+              <a:ln>
+                <a:solidFill>
+                  <a:schemeClr val="tx1"/>
+                </a:solidFill>
+              </a:ln>
+            </p:spPr>
+            <p:style>
+              <a:lnRef idx="2">
+                <a:schemeClr val="accent1">
+                  <a:shade val="15000"/>
+                </a:schemeClr>
+              </a:lnRef>
+              <a:fillRef idx="1">
+                <a:schemeClr val="accent1"/>
+              </a:fillRef>
+              <a:effectRef idx="0">
+                <a:schemeClr val="accent1"/>
+              </a:effectRef>
+              <a:fontRef idx="minor">
+                <a:schemeClr val="lt1"/>
+              </a:fontRef>
+            </p:style>
+            <p:txBody>
+              <a:bodyPr rtlCol="0" anchor="ctr"/>
+              <a:lstStyle/>
+              <a:p>
+                <a:pPr algn="ctr"/>
+                <a14:m>
+                  <m:oMathPara xmlns:m="http://schemas.openxmlformats.org/officeDocument/2006/math">
+                    <m:oMathParaPr>
+                      <m:jc m:val="centerGroup"/>
+                    </m:oMathParaPr>
+                    <m:oMath xmlns:m="http://schemas.openxmlformats.org/officeDocument/2006/math">
+                      <m:r>
+                        <m:rPr>
+                          <m:nor/>
+                        </m:rPr>
+                        <a:rPr lang="en-GB" sz="2800" b="0" i="0" dirty="0" smtClean="0">
+                          <a:solidFill>
+                            <a:schemeClr val="tx1"/>
+                          </a:solidFill>
+                          <a:latin typeface="Arial" panose="020B0604020202020204" pitchFamily="34" charset="0"/>
+                          <a:cs typeface="Arial" panose="020B0604020202020204" pitchFamily="34" charset="0"/>
+                        </a:rPr>
+                        <m:t>hospital</m:t>
+                      </m:r>
+                    </m:oMath>
+                  </m:oMathPara>
+                </a14:m>
+                <a:endParaRPr lang="en-GB" sz="2800" dirty="0">
+                  <a:solidFill>
+                    <a:schemeClr val="tx1"/>
+                  </a:solidFill>
+                  <a:latin typeface="Arial" panose="020B0604020202020204" pitchFamily="34" charset="0"/>
+                  <a:cs typeface="Arial" panose="020B0604020202020204" pitchFamily="34" charset="0"/>
+                </a:endParaRPr>
+              </a:p>
+            </p:txBody>
+          </p:sp>
+        </mc:Choice>
+        <mc:Fallback>
+          <p:sp>
+            <p:nvSpPr>
+              <p:cNvPr id="19" name="Oval 18">
+                <a:extLst>
+                  <a:ext uri="{FF2B5EF4-FFF2-40B4-BE49-F238E27FC236}">
+                    <a16:creationId xmlns:a16="http://schemas.microsoft.com/office/drawing/2014/main" id="{593EE379-B736-0A56-8409-819A41E3840E}"/>
+                  </a:ext>
+                </a:extLst>
+              </p:cNvPr>
+              <p:cNvSpPr>
+                <a:spLocks noRot="1" noChangeAspect="1" noMove="1" noResize="1" noEditPoints="1" noAdjustHandles="1" noChangeArrowheads="1" noChangeShapeType="1" noTextEdit="1"/>
+              </p:cNvSpPr>
+              <p:nvPr/>
+            </p:nvSpPr>
+            <p:spPr>
+              <a:xfrm>
+                <a:off x="5404087" y="1093477"/>
+                <a:ext cx="1383825" cy="1330036"/>
+              </a:xfrm>
+              <a:prstGeom prst="ellipse">
+                <a:avLst/>
+              </a:prstGeom>
+              <a:blipFill>
+                <a:blip r:embed="rId5"/>
+                <a:stretch>
+                  <a:fillRect/>
+                </a:stretch>
+              </a:blipFill>
+              <a:ln>
+                <a:solidFill>
+                  <a:schemeClr val="tx1"/>
+                </a:solidFill>
+              </a:ln>
+            </p:spPr>
+            <p:txBody>
+              <a:bodyPr/>
+              <a:lstStyle/>
+              <a:p>
+                <a:r>
+                  <a:rPr lang="en-GB">
+                    <a:noFill/>
+                  </a:rPr>
+                  <a:t> </a:t>
+                </a:r>
+              </a:p>
+            </p:txBody>
+          </p:sp>
+        </mc:Fallback>
+      </mc:AlternateContent>
+      <p:cxnSp>
+        <p:nvCxnSpPr>
+          <p:cNvPr id="20" name="Straight Arrow Connector 19">
+            <a:extLst>
+              <a:ext uri="{FF2B5EF4-FFF2-40B4-BE49-F238E27FC236}">
+                <a16:creationId xmlns:a16="http://schemas.microsoft.com/office/drawing/2014/main" id="{08DDFC8F-3BE8-3FDB-233F-E6A2C657159F}"/>
+              </a:ext>
+            </a:extLst>
+          </p:cNvPr>
+          <p:cNvCxnSpPr>
+            <a:cxnSpLocks/>
+            <a:stCxn id="19" idx="3"/>
+            <a:endCxn id="9" idx="0"/>
+          </p:cNvCxnSpPr>
+          <p:nvPr/>
+        </p:nvCxnSpPr>
+        <p:spPr>
+          <a:xfrm flipH="1">
+            <a:off x="3454040" y="2228734"/>
+            <a:ext cx="2152703" cy="878934"/>
+          </a:xfrm>
+          <a:prstGeom prst="straightConnector1">
+            <a:avLst/>
+          </a:prstGeom>
+          <a:ln w="38100">
+            <a:solidFill>
+              <a:schemeClr val="tx1"/>
+            </a:solidFill>
+            <a:tailEnd type="triangle" w="lg" len="lg"/>
+          </a:ln>
+        </p:spPr>
+        <p:style>
+          <a:lnRef idx="2">
+            <a:schemeClr val="accent1"/>
+          </a:lnRef>
+          <a:fillRef idx="0">
+            <a:schemeClr val="accent1"/>
+          </a:fillRef>
+          <a:effectRef idx="1">
+            <a:schemeClr val="accent1"/>
+          </a:effectRef>
+          <a:fontRef idx="minor">
+            <a:schemeClr val="tx1"/>
+          </a:fontRef>
+        </p:style>
+      </p:cxnSp>
+      <mc:AlternateContent xmlns:mc="http://schemas.openxmlformats.org/markup-compatibility/2006">
+        <mc:Choice xmlns:a14="http://schemas.microsoft.com/office/drawing/2010/main" Requires="a14">
+          <p:sp>
+            <p:nvSpPr>
+              <p:cNvPr id="23" name="Oval 22">
+                <a:extLst>
+                  <a:ext uri="{FF2B5EF4-FFF2-40B4-BE49-F238E27FC236}">
+                    <a16:creationId xmlns:a16="http://schemas.microsoft.com/office/drawing/2014/main" id="{8037A482-C422-C790-5A4B-E7DC56FE49D8}"/>
+                  </a:ext>
+                </a:extLst>
+              </p:cNvPr>
+              <p:cNvSpPr/>
+              <p:nvPr/>
+            </p:nvSpPr>
+            <p:spPr>
+              <a:xfrm>
+                <a:off x="8344943" y="3107668"/>
+                <a:ext cx="1383825" cy="1330036"/>
+              </a:xfrm>
+              <a:prstGeom prst="ellipse">
+                <a:avLst/>
+              </a:prstGeom>
+              <a:solidFill>
+                <a:schemeClr val="bg1"/>
+              </a:solidFill>
+              <a:ln>
+                <a:solidFill>
+                  <a:schemeClr val="tx1"/>
+                </a:solidFill>
+              </a:ln>
+            </p:spPr>
+            <p:style>
+              <a:lnRef idx="2">
+                <a:schemeClr val="accent1">
+                  <a:shade val="15000"/>
+                </a:schemeClr>
+              </a:lnRef>
+              <a:fillRef idx="1">
+                <a:schemeClr val="accent1"/>
+              </a:fillRef>
+              <a:effectRef idx="0">
+                <a:schemeClr val="accent1"/>
+              </a:effectRef>
+              <a:fontRef idx="minor">
+                <a:schemeClr val="lt1"/>
+              </a:fontRef>
+            </p:style>
+            <p:txBody>
+              <a:bodyPr rtlCol="0" anchor="ctr"/>
+              <a:lstStyle/>
+              <a:p>
+                <a:pPr algn="ctr"/>
+                <a14:m>
+                  <m:oMathPara xmlns:m="http://schemas.openxmlformats.org/officeDocument/2006/math">
+                    <m:oMathParaPr>
+                      <m:jc m:val="centerGroup"/>
+                    </m:oMathParaPr>
+                    <m:oMath xmlns:m="http://schemas.openxmlformats.org/officeDocument/2006/math">
+                      <m:r>
+                        <m:rPr>
+                          <m:nor/>
+                        </m:rPr>
+                        <a:rPr lang="en-GB" sz="2400" b="0" i="0" dirty="0" smtClean="0">
+                          <a:solidFill>
+                            <a:schemeClr val="tx1"/>
+                          </a:solidFill>
+                          <a:latin typeface="Arial" panose="020B0604020202020204" pitchFamily="34" charset="0"/>
+                          <a:cs typeface="Arial" panose="020B0604020202020204" pitchFamily="34" charset="0"/>
+                        </a:rPr>
+                        <m:t>salon</m:t>
+                      </m:r>
+                    </m:oMath>
+                  </m:oMathPara>
+                </a14:m>
+                <a:endParaRPr lang="en-GB" sz="2400" dirty="0">
+                  <a:solidFill>
+                    <a:schemeClr val="tx1"/>
+                  </a:solidFill>
+                  <a:latin typeface="Arial" panose="020B0604020202020204" pitchFamily="34" charset="0"/>
+                  <a:cs typeface="Arial" panose="020B0604020202020204" pitchFamily="34" charset="0"/>
+                </a:endParaRPr>
+              </a:p>
+            </p:txBody>
+          </p:sp>
+        </mc:Choice>
+        <mc:Fallback>
+          <p:sp>
+            <p:nvSpPr>
+              <p:cNvPr id="23" name="Oval 22">
+                <a:extLst>
+                  <a:ext uri="{FF2B5EF4-FFF2-40B4-BE49-F238E27FC236}">
+                    <a16:creationId xmlns:a16="http://schemas.microsoft.com/office/drawing/2014/main" id="{8037A482-C422-C790-5A4B-E7DC56FE49D8}"/>
+                  </a:ext>
+                </a:extLst>
+              </p:cNvPr>
+              <p:cNvSpPr>
+                <a:spLocks noRot="1" noChangeAspect="1" noMove="1" noResize="1" noEditPoints="1" noAdjustHandles="1" noChangeArrowheads="1" noChangeShapeType="1" noTextEdit="1"/>
+              </p:cNvSpPr>
+              <p:nvPr/>
+            </p:nvSpPr>
+            <p:spPr>
+              <a:xfrm>
+                <a:off x="8344943" y="3107668"/>
+                <a:ext cx="1383825" cy="1330036"/>
+              </a:xfrm>
+              <a:prstGeom prst="ellipse">
+                <a:avLst/>
+              </a:prstGeom>
+              <a:blipFill>
+                <a:blip r:embed="rId6"/>
+                <a:stretch>
+                  <a:fillRect/>
+                </a:stretch>
+              </a:blipFill>
+              <a:ln>
+                <a:solidFill>
+                  <a:schemeClr val="tx1"/>
+                </a:solidFill>
+              </a:ln>
+            </p:spPr>
+            <p:txBody>
+              <a:bodyPr/>
+              <a:lstStyle/>
+              <a:p>
+                <a:r>
+                  <a:rPr lang="en-GB">
+                    <a:noFill/>
+                  </a:rPr>
+                  <a:t> </a:t>
+                </a:r>
+              </a:p>
+            </p:txBody>
+          </p:sp>
+        </mc:Fallback>
+      </mc:AlternateContent>
+      <mc:AlternateContent xmlns:mc="http://schemas.openxmlformats.org/markup-compatibility/2006">
+        <mc:Choice xmlns:a14="http://schemas.microsoft.com/office/drawing/2010/main" Requires="a14">
+          <p:sp>
+            <p:nvSpPr>
+              <p:cNvPr id="24" name="Oval 23">
+                <a:extLst>
+                  <a:ext uri="{FF2B5EF4-FFF2-40B4-BE49-F238E27FC236}">
+                    <a16:creationId xmlns:a16="http://schemas.microsoft.com/office/drawing/2014/main" id="{E707CB00-6048-0711-931A-C703474E8A57}"/>
+                  </a:ext>
+                </a:extLst>
+              </p:cNvPr>
+              <p:cNvSpPr/>
+              <p:nvPr/>
+            </p:nvSpPr>
+            <p:spPr>
+              <a:xfrm>
+                <a:off x="7429095" y="5026080"/>
+                <a:ext cx="1383825" cy="1330036"/>
+              </a:xfrm>
+              <a:prstGeom prst="ellipse">
+                <a:avLst/>
+              </a:prstGeom>
+              <a:solidFill>
+                <a:schemeClr val="bg1"/>
+              </a:solidFill>
+              <a:ln>
+                <a:solidFill>
+                  <a:schemeClr val="tx1"/>
+                </a:solidFill>
+              </a:ln>
+            </p:spPr>
+            <p:style>
+              <a:lnRef idx="2">
+                <a:schemeClr val="accent1">
+                  <a:shade val="15000"/>
+                </a:schemeClr>
+              </a:lnRef>
+              <a:fillRef idx="1">
+                <a:schemeClr val="accent1"/>
+              </a:fillRef>
+              <a:effectRef idx="0">
+                <a:schemeClr val="accent1"/>
+              </a:effectRef>
+              <a:fontRef idx="minor">
+                <a:schemeClr val="lt1"/>
+              </a:fontRef>
+            </p:style>
+            <p:txBody>
+              <a:bodyPr rtlCol="0" anchor="ctr"/>
+              <a:lstStyle/>
+              <a:p>
+                <a:pPr algn="ctr"/>
+                <a14:m>
+                  <m:oMathPara xmlns:m="http://schemas.openxmlformats.org/officeDocument/2006/math">
+                    <m:oMathParaPr>
+                      <m:jc m:val="centerGroup"/>
+                    </m:oMathParaPr>
+                    <m:oMath xmlns:m="http://schemas.openxmlformats.org/officeDocument/2006/math">
+                      <m:r>
+                        <m:rPr>
+                          <m:nor/>
+                        </m:rPr>
+                        <a:rPr lang="en-GB" sz="2000" dirty="0">
+                          <a:solidFill>
+                            <a:schemeClr val="tx1"/>
+                          </a:solidFill>
+                          <a:latin typeface="Arial" panose="020B0604020202020204" pitchFamily="34" charset="0"/>
+                          <a:cs typeface="Arial" panose="020B0604020202020204" pitchFamily="34" charset="0"/>
+                        </a:rPr>
+                        <m:t>alumno</m:t>
+                      </m:r>
+                    </m:oMath>
+                  </m:oMathPara>
+                </a14:m>
+                <a:endParaRPr lang="en-GB" sz="2000" dirty="0">
+                  <a:solidFill>
+                    <a:schemeClr val="tx1"/>
+                  </a:solidFill>
+                </a:endParaRPr>
+              </a:p>
+            </p:txBody>
+          </p:sp>
+        </mc:Choice>
+        <mc:Fallback>
+          <p:sp>
+            <p:nvSpPr>
+              <p:cNvPr id="24" name="Oval 23">
+                <a:extLst>
+                  <a:ext uri="{FF2B5EF4-FFF2-40B4-BE49-F238E27FC236}">
+                    <a16:creationId xmlns:a16="http://schemas.microsoft.com/office/drawing/2014/main" id="{E707CB00-6048-0711-931A-C703474E8A57}"/>
+                  </a:ext>
+                </a:extLst>
+              </p:cNvPr>
+              <p:cNvSpPr>
+                <a:spLocks noRot="1" noChangeAspect="1" noMove="1" noResize="1" noEditPoints="1" noAdjustHandles="1" noChangeArrowheads="1" noChangeShapeType="1" noTextEdit="1"/>
+              </p:cNvSpPr>
+              <p:nvPr/>
+            </p:nvSpPr>
+            <p:spPr>
+              <a:xfrm>
+                <a:off x="7429095" y="5026080"/>
+                <a:ext cx="1383825" cy="1330036"/>
+              </a:xfrm>
+              <a:prstGeom prst="ellipse">
+                <a:avLst/>
+              </a:prstGeom>
+              <a:blipFill>
+                <a:blip r:embed="rId7"/>
+                <a:stretch>
+                  <a:fillRect/>
+                </a:stretch>
+              </a:blipFill>
+              <a:ln>
+                <a:solidFill>
+                  <a:schemeClr val="tx1"/>
+                </a:solidFill>
+              </a:ln>
+            </p:spPr>
+            <p:txBody>
+              <a:bodyPr/>
+              <a:lstStyle/>
+              <a:p>
+                <a:r>
+                  <a:rPr lang="en-GB">
+                    <a:noFill/>
+                  </a:rPr>
+                  <a:t> </a:t>
+                </a:r>
+              </a:p>
+            </p:txBody>
+          </p:sp>
+        </mc:Fallback>
+      </mc:AlternateContent>
+      <p:cxnSp>
+        <p:nvCxnSpPr>
+          <p:cNvPr id="25" name="Straight Arrow Connector 24">
+            <a:extLst>
+              <a:ext uri="{FF2B5EF4-FFF2-40B4-BE49-F238E27FC236}">
+                <a16:creationId xmlns:a16="http://schemas.microsoft.com/office/drawing/2014/main" id="{14F1D22B-9093-FD07-93F7-018C06200BEB}"/>
+              </a:ext>
+            </a:extLst>
+          </p:cNvPr>
+          <p:cNvCxnSpPr>
+            <a:cxnSpLocks/>
+            <a:stCxn id="23" idx="3"/>
+            <a:endCxn id="24" idx="0"/>
+          </p:cNvCxnSpPr>
+          <p:nvPr/>
+        </p:nvCxnSpPr>
+        <p:spPr>
+          <a:xfrm flipH="1">
+            <a:off x="8121008" y="4242925"/>
+            <a:ext cx="426591" cy="783155"/>
+          </a:xfrm>
+          <a:prstGeom prst="straightConnector1">
+            <a:avLst/>
+          </a:prstGeom>
+          <a:ln w="38100">
+            <a:solidFill>
+              <a:schemeClr val="tx1"/>
+            </a:solidFill>
+            <a:tailEnd type="triangle" w="lg" len="lg"/>
+          </a:ln>
+        </p:spPr>
+        <p:style>
+          <a:lnRef idx="2">
+            <a:schemeClr val="accent1"/>
+          </a:lnRef>
+          <a:fillRef idx="0">
+            <a:schemeClr val="accent1"/>
+          </a:fillRef>
+          <a:effectRef idx="1">
+            <a:schemeClr val="accent1"/>
+          </a:effectRef>
+          <a:fontRef idx="minor">
+            <a:schemeClr val="tx1"/>
+          </a:fontRef>
+        </p:style>
+      </p:cxnSp>
+      <mc:AlternateContent xmlns:mc="http://schemas.openxmlformats.org/markup-compatibility/2006">
+        <mc:Choice xmlns:a14="http://schemas.microsoft.com/office/drawing/2010/main" Requires="a14">
+          <p:sp>
+            <p:nvSpPr>
+              <p:cNvPr id="26" name="Oval 25">
+                <a:extLst>
+                  <a:ext uri="{FF2B5EF4-FFF2-40B4-BE49-F238E27FC236}">
+                    <a16:creationId xmlns:a16="http://schemas.microsoft.com/office/drawing/2014/main" id="{2DFA1C6A-443D-A413-FA94-49CCD154D0E1}"/>
+                  </a:ext>
+                </a:extLst>
+              </p:cNvPr>
+              <p:cNvSpPr/>
+              <p:nvPr/>
+            </p:nvSpPr>
+            <p:spPr>
+              <a:xfrm>
+                <a:off x="9205022" y="5026080"/>
+                <a:ext cx="1383825" cy="1330036"/>
+              </a:xfrm>
+              <a:prstGeom prst="ellipse">
+                <a:avLst/>
+              </a:prstGeom>
+              <a:solidFill>
+                <a:schemeClr val="bg1"/>
+              </a:solidFill>
+              <a:ln>
+                <a:solidFill>
+                  <a:schemeClr val="tx1"/>
+                </a:solidFill>
+              </a:ln>
+            </p:spPr>
+            <p:style>
+              <a:lnRef idx="2">
+                <a:schemeClr val="accent1">
+                  <a:shade val="15000"/>
+                </a:schemeClr>
+              </a:lnRef>
+              <a:fillRef idx="1">
+                <a:schemeClr val="accent1"/>
+              </a:fillRef>
+              <a:effectRef idx="0">
+                <a:schemeClr val="accent1"/>
+              </a:effectRef>
+              <a:fontRef idx="minor">
+                <a:schemeClr val="lt1"/>
+              </a:fontRef>
+            </p:style>
+            <p:txBody>
+              <a:bodyPr rtlCol="0" anchor="ctr"/>
+              <a:lstStyle/>
+              <a:p>
+                <a:pPr algn="ctr"/>
+                <a14:m>
+                  <m:oMathPara xmlns:m="http://schemas.openxmlformats.org/officeDocument/2006/math">
+                    <m:oMathParaPr>
+                      <m:jc m:val="centerGroup"/>
+                    </m:oMathParaPr>
+                    <m:oMath xmlns:m="http://schemas.openxmlformats.org/officeDocument/2006/math">
+                      <m:r>
+                        <m:rPr>
+                          <m:nor/>
+                        </m:rPr>
+                        <a:rPr lang="en-GB" sz="2000" dirty="0">
+                          <a:solidFill>
+                            <a:schemeClr val="tx1"/>
+                          </a:solidFill>
+                          <a:latin typeface="Arial" panose="020B0604020202020204" pitchFamily="34" charset="0"/>
+                          <a:cs typeface="Arial" panose="020B0604020202020204" pitchFamily="34" charset="0"/>
+                        </a:rPr>
+                        <m:t>alumno</m:t>
+                      </m:r>
+                    </m:oMath>
+                  </m:oMathPara>
+                </a14:m>
+                <a:endParaRPr lang="en-GB" sz="2000" dirty="0">
+                  <a:solidFill>
+                    <a:schemeClr val="tx1"/>
+                  </a:solidFill>
+                </a:endParaRPr>
+              </a:p>
+            </p:txBody>
+          </p:sp>
+        </mc:Choice>
+        <mc:Fallback>
+          <p:sp>
+            <p:nvSpPr>
+              <p:cNvPr id="26" name="Oval 25">
+                <a:extLst>
+                  <a:ext uri="{FF2B5EF4-FFF2-40B4-BE49-F238E27FC236}">
+                    <a16:creationId xmlns:a16="http://schemas.microsoft.com/office/drawing/2014/main" id="{2DFA1C6A-443D-A413-FA94-49CCD154D0E1}"/>
+                  </a:ext>
+                </a:extLst>
+              </p:cNvPr>
+              <p:cNvSpPr>
+                <a:spLocks noRot="1" noChangeAspect="1" noMove="1" noResize="1" noEditPoints="1" noAdjustHandles="1" noChangeArrowheads="1" noChangeShapeType="1" noTextEdit="1"/>
+              </p:cNvSpPr>
+              <p:nvPr/>
+            </p:nvSpPr>
+            <p:spPr>
+              <a:xfrm>
+                <a:off x="9205022" y="5026080"/>
+                <a:ext cx="1383825" cy="1330036"/>
+              </a:xfrm>
+              <a:prstGeom prst="ellipse">
+                <a:avLst/>
+              </a:prstGeom>
+              <a:blipFill>
+                <a:blip r:embed="rId8"/>
+                <a:stretch>
+                  <a:fillRect/>
+                </a:stretch>
+              </a:blipFill>
+              <a:ln>
+                <a:solidFill>
+                  <a:schemeClr val="tx1"/>
+                </a:solidFill>
+              </a:ln>
+            </p:spPr>
+            <p:txBody>
+              <a:bodyPr/>
+              <a:lstStyle/>
+              <a:p>
+                <a:r>
+                  <a:rPr lang="en-GB">
+                    <a:noFill/>
+                  </a:rPr>
+                  <a:t> </a:t>
+                </a:r>
+              </a:p>
+            </p:txBody>
+          </p:sp>
+        </mc:Fallback>
+      </mc:AlternateContent>
+      <p:cxnSp>
+        <p:nvCxnSpPr>
+          <p:cNvPr id="27" name="Straight Arrow Connector 26">
+            <a:extLst>
+              <a:ext uri="{FF2B5EF4-FFF2-40B4-BE49-F238E27FC236}">
+                <a16:creationId xmlns:a16="http://schemas.microsoft.com/office/drawing/2014/main" id="{782277F1-FF14-37A6-773B-E09B62B66797}"/>
+              </a:ext>
+            </a:extLst>
+          </p:cNvPr>
+          <p:cNvCxnSpPr>
+            <a:cxnSpLocks/>
+            <a:stCxn id="23" idx="5"/>
+            <a:endCxn id="26" idx="0"/>
+          </p:cNvCxnSpPr>
+          <p:nvPr/>
+        </p:nvCxnSpPr>
+        <p:spPr>
+          <a:xfrm>
+            <a:off x="9526112" y="4242925"/>
+            <a:ext cx="370823" cy="783155"/>
+          </a:xfrm>
+          <a:prstGeom prst="straightConnector1">
+            <a:avLst/>
+          </a:prstGeom>
+          <a:ln w="38100">
+            <a:solidFill>
+              <a:schemeClr val="tx1"/>
+            </a:solidFill>
+            <a:tailEnd type="triangle" w="lg" len="lg"/>
+          </a:ln>
+        </p:spPr>
+        <p:style>
+          <a:lnRef idx="2">
+            <a:schemeClr val="accent1"/>
+          </a:lnRef>
+          <a:fillRef idx="0">
+            <a:schemeClr val="accent1"/>
+          </a:fillRef>
+          <a:effectRef idx="1">
+            <a:schemeClr val="accent1"/>
+          </a:effectRef>
+          <a:fontRef idx="minor">
+            <a:schemeClr val="tx1"/>
+          </a:fontRef>
+        </p:style>
+      </p:cxnSp>
+      <p:cxnSp>
+        <p:nvCxnSpPr>
+          <p:cNvPr id="33" name="Straight Arrow Connector 32">
+            <a:extLst>
+              <a:ext uri="{FF2B5EF4-FFF2-40B4-BE49-F238E27FC236}">
+                <a16:creationId xmlns:a16="http://schemas.microsoft.com/office/drawing/2014/main" id="{01992330-9AB7-A989-3369-EF270DC44DC7}"/>
+              </a:ext>
+            </a:extLst>
+          </p:cNvPr>
+          <p:cNvCxnSpPr>
+            <a:cxnSpLocks/>
+            <a:stCxn id="19" idx="5"/>
+            <a:endCxn id="23" idx="0"/>
+          </p:cNvCxnSpPr>
+          <p:nvPr/>
+        </p:nvCxnSpPr>
+        <p:spPr>
+          <a:xfrm>
+            <a:off x="6585256" y="2228734"/>
+            <a:ext cx="2451600" cy="878934"/>
+          </a:xfrm>
+          <a:prstGeom prst="straightConnector1">
+            <a:avLst/>
+          </a:prstGeom>
+          <a:ln w="38100">
+            <a:solidFill>
+              <a:schemeClr val="tx1"/>
+            </a:solidFill>
+            <a:tailEnd type="triangle" w="lg" len="lg"/>
+          </a:ln>
+        </p:spPr>
+        <p:style>
+          <a:lnRef idx="2">
+            <a:schemeClr val="accent1"/>
+          </a:lnRef>
+          <a:fillRef idx="0">
+            <a:schemeClr val="accent1"/>
+          </a:fillRef>
+          <a:effectRef idx="1">
+            <a:schemeClr val="accent1"/>
+          </a:effectRef>
+          <a:fontRef idx="minor">
+            <a:schemeClr val="tx1"/>
+          </a:fontRef>
+        </p:style>
+      </p:cxnSp>
+      <mc:AlternateContent xmlns:mc="http://schemas.openxmlformats.org/markup-compatibility/2006">
+        <mc:Choice xmlns:a14="http://schemas.microsoft.com/office/drawing/2010/main" Requires="a14">
+          <p:sp>
+            <p:nvSpPr>
+              <p:cNvPr id="14" name="Oval 13">
+                <a:extLst>
+                  <a:ext uri="{FF2B5EF4-FFF2-40B4-BE49-F238E27FC236}">
+                    <a16:creationId xmlns:a16="http://schemas.microsoft.com/office/drawing/2014/main" id="{1A67B99F-4B57-44F3-E53D-70D553A5911C}"/>
+                  </a:ext>
+                </a:extLst>
+              </p:cNvPr>
+              <p:cNvSpPr/>
+              <p:nvPr/>
+            </p:nvSpPr>
+            <p:spPr>
+              <a:xfrm>
+                <a:off x="2776123" y="3107668"/>
+                <a:ext cx="1383825" cy="1330036"/>
+              </a:xfrm>
+              <a:prstGeom prst="ellipse">
+                <a:avLst/>
+              </a:prstGeom>
+              <a:solidFill>
+                <a:schemeClr val="bg1"/>
+              </a:solidFill>
+              <a:ln>
+                <a:solidFill>
+                  <a:schemeClr val="tx1"/>
+                </a:solidFill>
+              </a:ln>
+            </p:spPr>
+            <p:style>
+              <a:lnRef idx="2">
+                <a:schemeClr val="accent1">
+                  <a:shade val="15000"/>
+                </a:schemeClr>
+              </a:lnRef>
+              <a:fillRef idx="1">
+                <a:schemeClr val="accent1"/>
+              </a:fillRef>
+              <a:effectRef idx="0">
+                <a:schemeClr val="accent1"/>
+              </a:effectRef>
+              <a:fontRef idx="minor">
+                <a:schemeClr val="lt1"/>
+              </a:fontRef>
+            </p:style>
+            <p:txBody>
+              <a:bodyPr rtlCol="0" anchor="ctr"/>
+              <a:lstStyle/>
+              <a:p>
+                <a:pPr algn="ctr"/>
+                <a14:m>
+                  <m:oMathPara xmlns:m="http://schemas.openxmlformats.org/officeDocument/2006/math">
+                    <m:oMathParaPr>
+                      <m:jc m:val="centerGroup"/>
+                    </m:oMathParaPr>
+                    <m:oMath xmlns:m="http://schemas.openxmlformats.org/officeDocument/2006/math">
+                      <m:r>
+                        <m:rPr>
+                          <m:nor/>
+                        </m:rPr>
+                        <a:rPr lang="en-GB" sz="3200" b="0" i="0" dirty="0" smtClean="0">
+                          <a:solidFill>
+                            <a:schemeClr val="tx1"/>
+                          </a:solidFill>
+                          <a:latin typeface="Arial" panose="020B0604020202020204" pitchFamily="34" charset="0"/>
+                          <a:cs typeface="Arial" panose="020B0604020202020204" pitchFamily="34" charset="0"/>
+                        </a:rPr>
+                        <m:t>clinico</m:t>
+                      </m:r>
+                    </m:oMath>
+                  </m:oMathPara>
+                </a14:m>
+                <a:endParaRPr lang="en-GB" sz="3200" dirty="0">
+                  <a:solidFill>
+                    <a:schemeClr val="tx1"/>
+                  </a:solidFill>
+                  <a:latin typeface="Arial" panose="020B0604020202020204" pitchFamily="34" charset="0"/>
+                  <a:cs typeface="Arial" panose="020B0604020202020204" pitchFamily="34" charset="0"/>
+                </a:endParaRPr>
+              </a:p>
+            </p:txBody>
+          </p:sp>
+        </mc:Choice>
+        <mc:Fallback>
+          <p:sp>
+            <p:nvSpPr>
+              <p:cNvPr id="14" name="Oval 13">
+                <a:extLst>
+                  <a:ext uri="{FF2B5EF4-FFF2-40B4-BE49-F238E27FC236}">
+                    <a16:creationId xmlns:a16="http://schemas.microsoft.com/office/drawing/2014/main" id="{1A67B99F-4B57-44F3-E53D-70D553A5911C}"/>
+                  </a:ext>
+                </a:extLst>
+              </p:cNvPr>
+              <p:cNvSpPr>
+                <a:spLocks noRot="1" noChangeAspect="1" noMove="1" noResize="1" noEditPoints="1" noAdjustHandles="1" noChangeArrowheads="1" noChangeShapeType="1" noTextEdit="1"/>
+              </p:cNvSpPr>
+              <p:nvPr/>
+            </p:nvSpPr>
+            <p:spPr>
+              <a:xfrm>
+                <a:off x="2776123" y="3107668"/>
+                <a:ext cx="1383825" cy="1330036"/>
+              </a:xfrm>
+              <a:prstGeom prst="ellipse">
+                <a:avLst/>
+              </a:prstGeom>
+              <a:blipFill>
+                <a:blip r:embed="rId9"/>
+                <a:stretch>
+                  <a:fillRect/>
+                </a:stretch>
+              </a:blipFill>
+              <a:ln>
+                <a:solidFill>
+                  <a:schemeClr val="tx1"/>
+                </a:solidFill>
+              </a:ln>
+            </p:spPr>
+            <p:txBody>
+              <a:bodyPr/>
+              <a:lstStyle/>
+              <a:p>
+                <a:r>
+                  <a:rPr lang="en-GB">
+                    <a:noFill/>
+                  </a:rPr>
+                  <a:t> </a:t>
+                </a:r>
+              </a:p>
+            </p:txBody>
+          </p:sp>
+        </mc:Fallback>
+      </mc:AlternateContent>
+      <mc:AlternateContent xmlns:mc="http://schemas.openxmlformats.org/markup-compatibility/2006">
+        <mc:Choice xmlns:a14="http://schemas.microsoft.com/office/drawing/2010/main" Requires="a14">
+          <p:sp>
+            <p:nvSpPr>
+              <p:cNvPr id="15" name="Oval 14">
+                <a:extLst>
+                  <a:ext uri="{FF2B5EF4-FFF2-40B4-BE49-F238E27FC236}">
+                    <a16:creationId xmlns:a16="http://schemas.microsoft.com/office/drawing/2014/main" id="{435CC7AB-BFE3-7511-2CB9-DF93EBC2BAC5}"/>
+                  </a:ext>
+                </a:extLst>
+              </p:cNvPr>
+              <p:cNvSpPr/>
+              <p:nvPr/>
+            </p:nvSpPr>
+            <p:spPr>
+              <a:xfrm>
+                <a:off x="8358939" y="3107668"/>
+                <a:ext cx="1383825" cy="1330036"/>
+              </a:xfrm>
+              <a:prstGeom prst="ellipse">
+                <a:avLst/>
+              </a:prstGeom>
+              <a:solidFill>
+                <a:schemeClr val="bg1"/>
+              </a:solidFill>
+              <a:ln>
+                <a:solidFill>
+                  <a:schemeClr val="tx1"/>
+                </a:solidFill>
+              </a:ln>
+            </p:spPr>
+            <p:style>
+              <a:lnRef idx="2">
+                <a:schemeClr val="accent1">
+                  <a:shade val="15000"/>
+                </a:schemeClr>
+              </a:lnRef>
+              <a:fillRef idx="1">
+                <a:schemeClr val="accent1"/>
+              </a:fillRef>
+              <a:effectRef idx="0">
+                <a:schemeClr val="accent1"/>
+              </a:effectRef>
+              <a:fontRef idx="minor">
+                <a:schemeClr val="lt1"/>
+              </a:fontRef>
+            </p:style>
+            <p:txBody>
+              <a:bodyPr rtlCol="0" anchor="ctr"/>
+              <a:lstStyle/>
+              <a:p>
+                <a:pPr algn="ctr"/>
+                <a14:m>
+                  <m:oMathPara xmlns:m="http://schemas.openxmlformats.org/officeDocument/2006/math">
+                    <m:oMathParaPr>
+                      <m:jc m:val="centerGroup"/>
+                    </m:oMathParaPr>
+                    <m:oMath xmlns:m="http://schemas.openxmlformats.org/officeDocument/2006/math">
+                      <m:r>
+                        <m:rPr>
+                          <m:nor/>
+                        </m:rPr>
+                        <a:rPr lang="en-GB" sz="3200" dirty="0">
+                          <a:solidFill>
+                            <a:schemeClr val="tx1"/>
+                          </a:solidFill>
+                          <a:latin typeface="Arial" panose="020B0604020202020204" pitchFamily="34" charset="0"/>
+                          <a:cs typeface="Arial" panose="020B0604020202020204" pitchFamily="34" charset="0"/>
+                        </a:rPr>
+                        <m:t>clinico</m:t>
+                      </m:r>
+                    </m:oMath>
+                  </m:oMathPara>
+                </a14:m>
+                <a:endParaRPr lang="en-GB" sz="3200" dirty="0">
+                  <a:solidFill>
+                    <a:schemeClr val="tx1"/>
+                  </a:solidFill>
+                  <a:latin typeface="Arial" panose="020B0604020202020204" pitchFamily="34" charset="0"/>
+                  <a:cs typeface="Arial" panose="020B0604020202020204" pitchFamily="34" charset="0"/>
+                </a:endParaRPr>
+              </a:p>
+            </p:txBody>
+          </p:sp>
+        </mc:Choice>
+        <mc:Fallback>
+          <p:sp>
+            <p:nvSpPr>
+              <p:cNvPr id="15" name="Oval 14">
+                <a:extLst>
+                  <a:ext uri="{FF2B5EF4-FFF2-40B4-BE49-F238E27FC236}">
+                    <a16:creationId xmlns:a16="http://schemas.microsoft.com/office/drawing/2014/main" id="{435CC7AB-BFE3-7511-2CB9-DF93EBC2BAC5}"/>
+                  </a:ext>
+                </a:extLst>
+              </p:cNvPr>
+              <p:cNvSpPr>
+                <a:spLocks noRot="1" noChangeAspect="1" noMove="1" noResize="1" noEditPoints="1" noAdjustHandles="1" noChangeArrowheads="1" noChangeShapeType="1" noTextEdit="1"/>
+              </p:cNvSpPr>
+              <p:nvPr/>
+            </p:nvSpPr>
+            <p:spPr>
+              <a:xfrm>
+                <a:off x="8358939" y="3107668"/>
+                <a:ext cx="1383825" cy="1330036"/>
+              </a:xfrm>
+              <a:prstGeom prst="ellipse">
+                <a:avLst/>
+              </a:prstGeom>
+              <a:blipFill>
+                <a:blip r:embed="rId10"/>
+                <a:stretch>
+                  <a:fillRect/>
+                </a:stretch>
+              </a:blipFill>
+              <a:ln>
+                <a:solidFill>
+                  <a:schemeClr val="tx1"/>
+                </a:solidFill>
+              </a:ln>
+            </p:spPr>
+            <p:txBody>
+              <a:bodyPr/>
+              <a:lstStyle/>
+              <a:p>
+                <a:r>
+                  <a:rPr lang="en-GB">
+                    <a:noFill/>
+                  </a:rPr>
+                  <a:t> </a:t>
+                </a:r>
+              </a:p>
+            </p:txBody>
+          </p:sp>
+        </mc:Fallback>
+      </mc:AlternateContent>
+      <mc:AlternateContent xmlns:mc="http://schemas.openxmlformats.org/markup-compatibility/2006">
+        <mc:Choice xmlns:a14="http://schemas.microsoft.com/office/drawing/2010/main" Requires="a14">
+          <p:sp>
+            <p:nvSpPr>
+              <p:cNvPr id="16" name="Oval 15">
+                <a:extLst>
+                  <a:ext uri="{FF2B5EF4-FFF2-40B4-BE49-F238E27FC236}">
+                    <a16:creationId xmlns:a16="http://schemas.microsoft.com/office/drawing/2014/main" id="{75760FC6-AB98-A824-4C82-57363B1DA459}"/>
+                  </a:ext>
+                </a:extLst>
+              </p:cNvPr>
+              <p:cNvSpPr/>
+              <p:nvPr/>
+            </p:nvSpPr>
+            <p:spPr>
+              <a:xfrm>
+                <a:off x="7443091" y="5026080"/>
+                <a:ext cx="1383825" cy="1330036"/>
+              </a:xfrm>
+              <a:prstGeom prst="ellipse">
+                <a:avLst/>
+              </a:prstGeom>
+              <a:solidFill>
+                <a:schemeClr val="bg1"/>
+              </a:solidFill>
+              <a:ln>
+                <a:solidFill>
+                  <a:schemeClr val="tx1"/>
+                </a:solidFill>
+              </a:ln>
+            </p:spPr>
+            <p:style>
+              <a:lnRef idx="2">
+                <a:schemeClr val="accent1">
+                  <a:shade val="15000"/>
+                </a:schemeClr>
+              </a:lnRef>
+              <a:fillRef idx="1">
+                <a:schemeClr val="accent1"/>
+              </a:fillRef>
+              <a:effectRef idx="0">
+                <a:schemeClr val="accent1"/>
+              </a:effectRef>
+              <a:fontRef idx="minor">
+                <a:schemeClr val="lt1"/>
+              </a:fontRef>
+            </p:style>
+            <p:txBody>
+              <a:bodyPr rtlCol="0" anchor="ctr"/>
+              <a:lstStyle/>
+              <a:p>
+                <a:pPr algn="ctr"/>
+                <a14:m>
+                  <m:oMathPara xmlns:m="http://schemas.openxmlformats.org/officeDocument/2006/math">
+                    <m:oMathParaPr>
+                      <m:jc m:val="centerGroup"/>
+                    </m:oMathParaPr>
+                    <m:oMath xmlns:m="http://schemas.openxmlformats.org/officeDocument/2006/math">
+                      <m:r>
+                        <m:rPr>
+                          <m:nor/>
+                        </m:rPr>
+                        <a:rPr lang="en-GB" sz="2800" b="0" i="0" dirty="0" smtClean="0">
+                          <a:solidFill>
+                            <a:schemeClr val="tx1"/>
+                          </a:solidFill>
+                          <a:latin typeface="Arial" panose="020B0604020202020204" pitchFamily="34" charset="0"/>
+                          <a:cs typeface="Arial" panose="020B0604020202020204" pitchFamily="34" charset="0"/>
+                        </a:rPr>
+                        <m:t>paciente</m:t>
+                      </m:r>
+                    </m:oMath>
+                  </m:oMathPara>
+                </a14:m>
+                <a:endParaRPr lang="en-GB" sz="2800" dirty="0">
+                  <a:solidFill>
+                    <a:schemeClr val="tx1"/>
+                  </a:solidFill>
+                </a:endParaRPr>
+              </a:p>
+            </p:txBody>
+          </p:sp>
+        </mc:Choice>
+        <mc:Fallback>
+          <p:sp>
+            <p:nvSpPr>
+              <p:cNvPr id="16" name="Oval 15">
+                <a:extLst>
+                  <a:ext uri="{FF2B5EF4-FFF2-40B4-BE49-F238E27FC236}">
+                    <a16:creationId xmlns:a16="http://schemas.microsoft.com/office/drawing/2014/main" id="{75760FC6-AB98-A824-4C82-57363B1DA459}"/>
+                  </a:ext>
+                </a:extLst>
+              </p:cNvPr>
+              <p:cNvSpPr>
+                <a:spLocks noRot="1" noChangeAspect="1" noMove="1" noResize="1" noEditPoints="1" noAdjustHandles="1" noChangeArrowheads="1" noChangeShapeType="1" noTextEdit="1"/>
+              </p:cNvSpPr>
+              <p:nvPr/>
+            </p:nvSpPr>
+            <p:spPr>
+              <a:xfrm>
+                <a:off x="7443091" y="5026080"/>
+                <a:ext cx="1383825" cy="1330036"/>
+              </a:xfrm>
+              <a:prstGeom prst="ellipse">
+                <a:avLst/>
+              </a:prstGeom>
+              <a:blipFill>
+                <a:blip r:embed="rId11"/>
+                <a:stretch>
+                  <a:fillRect/>
+                </a:stretch>
+              </a:blipFill>
+              <a:ln>
+                <a:solidFill>
+                  <a:schemeClr val="tx1"/>
+                </a:solidFill>
+              </a:ln>
+            </p:spPr>
+            <p:txBody>
+              <a:bodyPr/>
+              <a:lstStyle/>
+              <a:p>
+                <a:r>
+                  <a:rPr lang="en-GB">
+                    <a:noFill/>
+                  </a:rPr>
+                  <a:t> </a:t>
+                </a:r>
+              </a:p>
+            </p:txBody>
+          </p:sp>
+        </mc:Fallback>
+      </mc:AlternateContent>
+      <mc:AlternateContent xmlns:mc="http://schemas.openxmlformats.org/markup-compatibility/2006">
+        <mc:Choice xmlns:a14="http://schemas.microsoft.com/office/drawing/2010/main" Requires="a14">
+          <p:sp>
+            <p:nvSpPr>
+              <p:cNvPr id="17" name="Oval 16">
+                <a:extLst>
+                  <a:ext uri="{FF2B5EF4-FFF2-40B4-BE49-F238E27FC236}">
+                    <a16:creationId xmlns:a16="http://schemas.microsoft.com/office/drawing/2014/main" id="{37B8D17C-21B5-EBF4-7336-C29696761350}"/>
+                  </a:ext>
+                </a:extLst>
+              </p:cNvPr>
+              <p:cNvSpPr/>
+              <p:nvPr/>
+            </p:nvSpPr>
+            <p:spPr>
+              <a:xfrm>
+                <a:off x="9219018" y="5026080"/>
+                <a:ext cx="1383825" cy="1330036"/>
+              </a:xfrm>
+              <a:prstGeom prst="ellipse">
+                <a:avLst/>
+              </a:prstGeom>
+              <a:solidFill>
+                <a:schemeClr val="bg1"/>
+              </a:solidFill>
+              <a:ln>
+                <a:solidFill>
+                  <a:schemeClr val="tx1"/>
+                </a:solidFill>
+              </a:ln>
+            </p:spPr>
+            <p:style>
+              <a:lnRef idx="2">
+                <a:schemeClr val="accent1">
+                  <a:shade val="15000"/>
+                </a:schemeClr>
+              </a:lnRef>
+              <a:fillRef idx="1">
+                <a:schemeClr val="accent1"/>
+              </a:fillRef>
+              <a:effectRef idx="0">
+                <a:schemeClr val="accent1"/>
+              </a:effectRef>
+              <a:fontRef idx="minor">
+                <a:schemeClr val="lt1"/>
+              </a:fontRef>
+            </p:style>
+            <p:txBody>
+              <a:bodyPr rtlCol="0" anchor="ctr"/>
+              <a:lstStyle/>
+              <a:p>
+                <a:pPr algn="ctr"/>
+                <a14:m>
+                  <m:oMathPara xmlns:m="http://schemas.openxmlformats.org/officeDocument/2006/math">
+                    <m:oMathParaPr>
+                      <m:jc m:val="centerGroup"/>
+                    </m:oMathParaPr>
+                    <m:oMath xmlns:m="http://schemas.openxmlformats.org/officeDocument/2006/math">
+                      <m:r>
+                        <m:rPr>
+                          <m:nor/>
+                        </m:rPr>
+                        <a:rPr lang="en-GB" sz="2800" b="0" i="0" dirty="0" smtClean="0">
+                          <a:solidFill>
+                            <a:schemeClr val="tx1"/>
+                          </a:solidFill>
+                          <a:latin typeface="Arial" panose="020B0604020202020204" pitchFamily="34" charset="0"/>
+                          <a:cs typeface="Arial" panose="020B0604020202020204" pitchFamily="34" charset="0"/>
+                        </a:rPr>
+                        <m:t>paciente</m:t>
+                      </m:r>
+                    </m:oMath>
+                  </m:oMathPara>
+                </a14:m>
+                <a:endParaRPr lang="en-GB" sz="2800" dirty="0">
+                  <a:solidFill>
+                    <a:schemeClr val="tx1"/>
+                  </a:solidFill>
+                </a:endParaRPr>
+              </a:p>
+            </p:txBody>
+          </p:sp>
+        </mc:Choice>
+        <mc:Fallback>
+          <p:sp>
+            <p:nvSpPr>
+              <p:cNvPr id="17" name="Oval 16">
+                <a:extLst>
+                  <a:ext uri="{FF2B5EF4-FFF2-40B4-BE49-F238E27FC236}">
+                    <a16:creationId xmlns:a16="http://schemas.microsoft.com/office/drawing/2014/main" id="{37B8D17C-21B5-EBF4-7336-C29696761350}"/>
+                  </a:ext>
+                </a:extLst>
+              </p:cNvPr>
+              <p:cNvSpPr>
+                <a:spLocks noRot="1" noChangeAspect="1" noMove="1" noResize="1" noEditPoints="1" noAdjustHandles="1" noChangeArrowheads="1" noChangeShapeType="1" noTextEdit="1"/>
+              </p:cNvSpPr>
+              <p:nvPr/>
+            </p:nvSpPr>
+            <p:spPr>
+              <a:xfrm>
+                <a:off x="9219018" y="5026080"/>
+                <a:ext cx="1383825" cy="1330036"/>
+              </a:xfrm>
+              <a:prstGeom prst="ellipse">
+                <a:avLst/>
+              </a:prstGeom>
+              <a:blipFill>
+                <a:blip r:embed="rId12"/>
+                <a:stretch>
+                  <a:fillRect/>
+                </a:stretch>
+              </a:blipFill>
+              <a:ln>
+                <a:solidFill>
+                  <a:schemeClr val="tx1"/>
+                </a:solidFill>
+              </a:ln>
+            </p:spPr>
+            <p:txBody>
+              <a:bodyPr/>
+              <a:lstStyle/>
+              <a:p>
+                <a:r>
+                  <a:rPr lang="en-GB">
+                    <a:noFill/>
+                  </a:rPr>
+                  <a:t> </a:t>
+                </a:r>
+              </a:p>
+            </p:txBody>
+          </p:sp>
+        </mc:Fallback>
+      </mc:AlternateContent>
+    </p:spTree>
+    <p:extLst>
+      <p:ext uri="{BB962C8B-B14F-4D97-AF65-F5344CB8AC3E}">
+        <p14:creationId xmlns:p14="http://schemas.microsoft.com/office/powerpoint/2010/main" val="2522355678"/>
+      </p:ext>
+    </p:extLst>
+  </p:cSld>
+  <p:clrMapOvr>
+    <a:masterClrMapping/>
+  </p:clrMapOvr>
+</p:sld>
+</file>
+
+<file path=ppt/slides/slide38.xml><?xml version="1.0" encoding="utf-8"?>
+<p:sld xmlns:a="http://schemas.openxmlformats.org/drawingml/2006/main" xmlns:r="http://schemas.openxmlformats.org/officeDocument/2006/relationships" xmlns:p="http://schemas.openxmlformats.org/presentationml/2006/main">
+  <p:cSld>
+    <p:spTree>
+      <p:nvGrpSpPr>
+        <p:cNvPr id="1" name="">
+          <a:extLst>
+            <a:ext uri="{FF2B5EF4-FFF2-40B4-BE49-F238E27FC236}">
+              <a16:creationId xmlns:a16="http://schemas.microsoft.com/office/drawing/2014/main" id="{27FC6FB3-314E-E8DD-AAA8-6AD10C2E28DE}"/>
+            </a:ext>
+          </a:extLst>
+        </p:cNvPr>
+        <p:cNvGrpSpPr/>
+        <p:nvPr/>
+      </p:nvGrpSpPr>
+      <p:grpSpPr>
+        <a:xfrm>
+          <a:off x="0" y="0"/>
+          <a:ext cx="0" cy="0"/>
+          <a:chOff x="0" y="0"/>
+          <a:chExt cx="0" cy="0"/>
+        </a:xfrm>
+      </p:grpSpPr>
+      <p:sp>
+        <p:nvSpPr>
+          <p:cNvPr id="8" name="Título 1">
+            <a:extLst>
+              <a:ext uri="{FF2B5EF4-FFF2-40B4-BE49-F238E27FC236}">
+                <a16:creationId xmlns:a16="http://schemas.microsoft.com/office/drawing/2014/main" id="{CE4F7F03-6F72-B16A-45D1-B7944C94ADF1}"/>
+              </a:ext>
+            </a:extLst>
+          </p:cNvPr>
+          <p:cNvSpPr txBox="1">
+            <a:spLocks/>
+          </p:cNvSpPr>
+          <p:nvPr/>
+        </p:nvSpPr>
+        <p:spPr>
+          <a:xfrm>
+            <a:off x="0" y="0"/>
+            <a:ext cx="12192000" cy="885061"/>
+          </a:xfrm>
+          <a:prstGeom prst="rect">
+            <a:avLst/>
+          </a:prstGeom>
+        </p:spPr>
+        <p:txBody>
+          <a:bodyPr vert="horz" lIns="91440" tIns="45720" rIns="91440" bIns="45720" rtlCol="0" anchor="b">
+            <a:normAutofit/>
+          </a:bodyPr>
+          <a:lstStyle>
+            <a:lvl1pPr algn="ctr" defTabSz="914400" rtl="0" eaLnBrk="1" latinLnBrk="0" hangingPunct="1">
+              <a:lnSpc>
+                <a:spcPct val="90000"/>
+              </a:lnSpc>
+              <a:spcBef>
+                <a:spcPct val="0"/>
+              </a:spcBef>
+              <a:buNone/>
+              <a:defRPr sz="6000" kern="1200">
+                <a:solidFill>
+                  <a:schemeClr val="tx1"/>
+                </a:solidFill>
+                <a:latin typeface="+mj-lt"/>
+                <a:ea typeface="+mj-ea"/>
+                <a:cs typeface="+mj-cs"/>
+              </a:defRPr>
+            </a:lvl1pPr>
+          </a:lstStyle>
+          <a:p>
+            <a:r>
+              <a:rPr lang="es-MX" sz="4800" b="1" dirty="0" err="1">
+                <a:latin typeface="Times New Roman" panose="02020603050405020304" pitchFamily="18" charset="0"/>
+                <a:cs typeface="Times New Roman" panose="02020603050405020304" pitchFamily="18" charset="0"/>
+              </a:rPr>
+              <a:t>Hierarchical</a:t>
+            </a:r>
+            <a:r>
+              <a:rPr lang="es-MX" sz="4800" b="1" dirty="0">
+                <a:latin typeface="Times New Roman" panose="02020603050405020304" pitchFamily="18" charset="0"/>
+                <a:cs typeface="Times New Roman" panose="02020603050405020304" pitchFamily="18" charset="0"/>
+              </a:rPr>
+              <a:t> Linear </a:t>
+            </a:r>
+            <a:r>
+              <a:rPr lang="es-MX" sz="4800" b="1" dirty="0" err="1">
+                <a:latin typeface="Times New Roman" panose="02020603050405020304" pitchFamily="18" charset="0"/>
+                <a:cs typeface="Times New Roman" panose="02020603050405020304" pitchFamily="18" charset="0"/>
+              </a:rPr>
+              <a:t>Modelling</a:t>
+            </a:r>
+            <a:endParaRPr lang="es-MX" sz="4800" b="1" dirty="0">
+              <a:latin typeface="Times New Roman" panose="02020603050405020304" pitchFamily="18" charset="0"/>
+              <a:cs typeface="Times New Roman" panose="02020603050405020304" pitchFamily="18" charset="0"/>
+            </a:endParaRPr>
+          </a:p>
+        </p:txBody>
+      </p:sp>
+      <mc:AlternateContent xmlns:mc="http://schemas.openxmlformats.org/markup-compatibility/2006">
+        <mc:Choice xmlns:a14="http://schemas.microsoft.com/office/drawing/2010/main" Requires="a14">
+          <p:sp>
+            <p:nvSpPr>
+              <p:cNvPr id="9" name="Oval 8">
+                <a:extLst>
+                  <a:ext uri="{FF2B5EF4-FFF2-40B4-BE49-F238E27FC236}">
+                    <a16:creationId xmlns:a16="http://schemas.microsoft.com/office/drawing/2014/main" id="{375AE118-2A9C-DF6A-7A56-A728B738D6D5}"/>
+                  </a:ext>
+                </a:extLst>
+              </p:cNvPr>
+              <p:cNvSpPr/>
+              <p:nvPr/>
+            </p:nvSpPr>
+            <p:spPr>
+              <a:xfrm>
+                <a:off x="2762127" y="3107668"/>
+                <a:ext cx="1383825" cy="1330036"/>
+              </a:xfrm>
+              <a:prstGeom prst="ellipse">
+                <a:avLst/>
+              </a:prstGeom>
+              <a:solidFill>
+                <a:schemeClr val="bg1"/>
+              </a:solidFill>
+              <a:ln>
+                <a:solidFill>
+                  <a:schemeClr val="tx1"/>
+                </a:solidFill>
+              </a:ln>
+            </p:spPr>
+            <p:style>
+              <a:lnRef idx="2">
+                <a:schemeClr val="accent1">
+                  <a:shade val="15000"/>
+                </a:schemeClr>
+              </a:lnRef>
+              <a:fillRef idx="1">
+                <a:schemeClr val="accent1"/>
+              </a:fillRef>
+              <a:effectRef idx="0">
+                <a:schemeClr val="accent1"/>
+              </a:effectRef>
+              <a:fontRef idx="minor">
+                <a:schemeClr val="lt1"/>
+              </a:fontRef>
+            </p:style>
+            <p:txBody>
+              <a:bodyPr rtlCol="0" anchor="ctr"/>
+              <a:lstStyle/>
+              <a:p>
+                <a:pPr algn="ctr"/>
+                <a14:m>
+                  <m:oMathPara xmlns:m="http://schemas.openxmlformats.org/officeDocument/2006/math">
+                    <m:oMathParaPr>
+                      <m:jc m:val="centerGroup"/>
+                    </m:oMathParaPr>
+                    <m:oMath xmlns:m="http://schemas.openxmlformats.org/officeDocument/2006/math">
+                      <m:r>
+                        <m:rPr>
+                          <m:nor/>
+                        </m:rPr>
+                        <a:rPr lang="en-GB" sz="2400" dirty="0" smtClean="0">
+                          <a:solidFill>
+                            <a:schemeClr val="tx1"/>
+                          </a:solidFill>
+                          <a:latin typeface="Arial" panose="020B0604020202020204" pitchFamily="34" charset="0"/>
+                          <a:cs typeface="Arial" panose="020B0604020202020204" pitchFamily="34" charset="0"/>
+                        </a:rPr>
+                        <m:t>individual</m:t>
+                      </m:r>
+                    </m:oMath>
+                  </m:oMathPara>
+                </a14:m>
+                <a:endParaRPr lang="en-GB" sz="2400" dirty="0">
+                  <a:solidFill>
+                    <a:schemeClr val="tx1"/>
+                  </a:solidFill>
+                  <a:latin typeface="Arial" panose="020B0604020202020204" pitchFamily="34" charset="0"/>
+                  <a:cs typeface="Arial" panose="020B0604020202020204" pitchFamily="34" charset="0"/>
+                </a:endParaRPr>
+              </a:p>
+            </p:txBody>
+          </p:sp>
+        </mc:Choice>
+        <mc:Fallback>
+          <p:sp>
+            <p:nvSpPr>
+              <p:cNvPr id="9" name="Oval 8">
+                <a:extLst>
+                  <a:ext uri="{FF2B5EF4-FFF2-40B4-BE49-F238E27FC236}">
+                    <a16:creationId xmlns:a16="http://schemas.microsoft.com/office/drawing/2014/main" id="{375AE118-2A9C-DF6A-7A56-A728B738D6D5}"/>
+                  </a:ext>
+                </a:extLst>
+              </p:cNvPr>
+              <p:cNvSpPr>
+                <a:spLocks noRot="1" noChangeAspect="1" noMove="1" noResize="1" noEditPoints="1" noAdjustHandles="1" noChangeArrowheads="1" noChangeShapeType="1" noTextEdit="1"/>
+              </p:cNvSpPr>
+              <p:nvPr/>
+            </p:nvSpPr>
+            <p:spPr>
+              <a:xfrm>
+                <a:off x="2762127" y="3107668"/>
+                <a:ext cx="1383825" cy="1330036"/>
+              </a:xfrm>
+              <a:prstGeom prst="ellipse">
+                <a:avLst/>
+              </a:prstGeom>
+              <a:blipFill>
+                <a:blip r:embed="rId2"/>
+                <a:stretch>
+                  <a:fillRect l="-6522" r="-870"/>
+                </a:stretch>
+              </a:blipFill>
+              <a:ln>
+                <a:solidFill>
+                  <a:schemeClr val="tx1"/>
+                </a:solidFill>
+              </a:ln>
+            </p:spPr>
+            <p:txBody>
+              <a:bodyPr/>
+              <a:lstStyle/>
+              <a:p>
+                <a:r>
+                  <a:rPr lang="en-GB">
+                    <a:noFill/>
+                  </a:rPr>
+                  <a:t> </a:t>
+                </a:r>
+              </a:p>
+            </p:txBody>
+          </p:sp>
+        </mc:Fallback>
+      </mc:AlternateContent>
+      <mc:AlternateContent xmlns:mc="http://schemas.openxmlformats.org/markup-compatibility/2006">
+        <mc:Choice xmlns:a14="http://schemas.microsoft.com/office/drawing/2010/main" Requires="a14">
+          <p:sp>
+            <p:nvSpPr>
+              <p:cNvPr id="10" name="Oval 9">
+                <a:extLst>
+                  <a:ext uri="{FF2B5EF4-FFF2-40B4-BE49-F238E27FC236}">
+                    <a16:creationId xmlns:a16="http://schemas.microsoft.com/office/drawing/2014/main" id="{E0CF8989-835C-4FC5-DEB3-B253064A0C0F}"/>
+                  </a:ext>
+                </a:extLst>
+              </p:cNvPr>
+              <p:cNvSpPr/>
+              <p:nvPr/>
+            </p:nvSpPr>
+            <p:spPr>
+              <a:xfrm>
+                <a:off x="1846279" y="5026080"/>
+                <a:ext cx="1383825" cy="1330036"/>
+              </a:xfrm>
+              <a:prstGeom prst="ellipse">
+                <a:avLst/>
+              </a:prstGeom>
+              <a:solidFill>
+                <a:schemeClr val="bg1"/>
+              </a:solidFill>
+              <a:ln>
+                <a:solidFill>
+                  <a:schemeClr val="tx1"/>
+                </a:solidFill>
+              </a:ln>
+            </p:spPr>
+            <p:style>
+              <a:lnRef idx="2">
+                <a:schemeClr val="accent1">
+                  <a:shade val="15000"/>
+                </a:schemeClr>
+              </a:lnRef>
+              <a:fillRef idx="1">
+                <a:schemeClr val="accent1"/>
+              </a:fillRef>
+              <a:effectRef idx="0">
+                <a:schemeClr val="accent1"/>
+              </a:effectRef>
+              <a:fontRef idx="minor">
+                <a:schemeClr val="lt1"/>
+              </a:fontRef>
+            </p:style>
+            <p:txBody>
+              <a:bodyPr rtlCol="0" anchor="ctr"/>
+              <a:lstStyle/>
+              <a:p>
+                <a:pPr algn="ctr"/>
+                <a14:m>
+                  <m:oMathPara xmlns:m="http://schemas.openxmlformats.org/officeDocument/2006/math">
+                    <m:oMathParaPr>
+                      <m:jc m:val="centerGroup"/>
+                    </m:oMathParaPr>
+                    <m:oMath xmlns:m="http://schemas.openxmlformats.org/officeDocument/2006/math">
+                      <m:r>
+                        <m:rPr>
+                          <m:nor/>
+                        </m:rPr>
+                        <a:rPr lang="en-GB" sz="2000" b="0" i="0" dirty="0" smtClean="0">
+                          <a:solidFill>
+                            <a:schemeClr val="tx1"/>
+                          </a:solidFill>
+                          <a:latin typeface="Arial" panose="020B0604020202020204" pitchFamily="34" charset="0"/>
+                          <a:cs typeface="Arial" panose="020B0604020202020204" pitchFamily="34" charset="0"/>
+                        </a:rPr>
+                        <m:t>observation</m:t>
+                      </m:r>
+                    </m:oMath>
+                  </m:oMathPara>
+                </a14:m>
+                <a:endParaRPr lang="en-GB" sz="2000" dirty="0">
+                  <a:solidFill>
+                    <a:schemeClr val="tx1"/>
+                  </a:solidFill>
+                </a:endParaRPr>
+              </a:p>
+            </p:txBody>
+          </p:sp>
+        </mc:Choice>
+        <mc:Fallback>
+          <p:sp>
+            <p:nvSpPr>
+              <p:cNvPr id="10" name="Oval 9">
+                <a:extLst>
+                  <a:ext uri="{FF2B5EF4-FFF2-40B4-BE49-F238E27FC236}">
+                    <a16:creationId xmlns:a16="http://schemas.microsoft.com/office/drawing/2014/main" id="{E0CF8989-835C-4FC5-DEB3-B253064A0C0F}"/>
+                  </a:ext>
+                </a:extLst>
+              </p:cNvPr>
+              <p:cNvSpPr>
+                <a:spLocks noRot="1" noChangeAspect="1" noMove="1" noResize="1" noEditPoints="1" noAdjustHandles="1" noChangeArrowheads="1" noChangeShapeType="1" noTextEdit="1"/>
+              </p:cNvSpPr>
+              <p:nvPr/>
+            </p:nvSpPr>
+            <p:spPr>
+              <a:xfrm>
+                <a:off x="1846279" y="5026080"/>
+                <a:ext cx="1383825" cy="1330036"/>
+              </a:xfrm>
+              <a:prstGeom prst="ellipse">
+                <a:avLst/>
+              </a:prstGeom>
+              <a:blipFill>
+                <a:blip r:embed="rId3"/>
+                <a:stretch>
+                  <a:fillRect l="-5652" r="-1739"/>
+                </a:stretch>
+              </a:blipFill>
+              <a:ln>
+                <a:solidFill>
+                  <a:schemeClr val="tx1"/>
+                </a:solidFill>
+              </a:ln>
+            </p:spPr>
+            <p:txBody>
+              <a:bodyPr/>
+              <a:lstStyle/>
+              <a:p>
+                <a:r>
+                  <a:rPr lang="en-GB">
+                    <a:noFill/>
+                  </a:rPr>
+                  <a:t> </a:t>
+                </a:r>
+              </a:p>
+            </p:txBody>
+          </p:sp>
+        </mc:Fallback>
+      </mc:AlternateContent>
+      <p:cxnSp>
+        <p:nvCxnSpPr>
+          <p:cNvPr id="12" name="Straight Arrow Connector 11">
+            <a:extLst>
+              <a:ext uri="{FF2B5EF4-FFF2-40B4-BE49-F238E27FC236}">
+                <a16:creationId xmlns:a16="http://schemas.microsoft.com/office/drawing/2014/main" id="{E66A2C1D-42DD-B2F4-E404-5F51C6F69286}"/>
+              </a:ext>
+            </a:extLst>
+          </p:cNvPr>
+          <p:cNvCxnSpPr>
+            <a:cxnSpLocks/>
+            <a:stCxn id="9" idx="3"/>
+            <a:endCxn id="10" idx="0"/>
+          </p:cNvCxnSpPr>
+          <p:nvPr/>
+        </p:nvCxnSpPr>
+        <p:spPr>
+          <a:xfrm flipH="1">
+            <a:off x="2538192" y="4242925"/>
+            <a:ext cx="426591" cy="783155"/>
+          </a:xfrm>
+          <a:prstGeom prst="straightConnector1">
+            <a:avLst/>
+          </a:prstGeom>
+          <a:ln w="38100">
+            <a:solidFill>
+              <a:schemeClr val="tx1"/>
+            </a:solidFill>
+            <a:tailEnd type="triangle" w="lg" len="lg"/>
+          </a:ln>
+        </p:spPr>
+        <p:style>
+          <a:lnRef idx="2">
+            <a:schemeClr val="accent1"/>
+          </a:lnRef>
+          <a:fillRef idx="0">
+            <a:schemeClr val="accent1"/>
+          </a:fillRef>
+          <a:effectRef idx="1">
+            <a:schemeClr val="accent1"/>
+          </a:effectRef>
+          <a:fontRef idx="minor">
+            <a:schemeClr val="tx1"/>
+          </a:fontRef>
+        </p:style>
+      </p:cxnSp>
+      <mc:AlternateContent xmlns:mc="http://schemas.openxmlformats.org/markup-compatibility/2006">
+        <mc:Choice xmlns:a14="http://schemas.microsoft.com/office/drawing/2010/main" Requires="a14">
+          <p:sp>
+            <p:nvSpPr>
+              <p:cNvPr id="11" name="Oval 10">
+                <a:extLst>
+                  <a:ext uri="{FF2B5EF4-FFF2-40B4-BE49-F238E27FC236}">
+                    <a16:creationId xmlns:a16="http://schemas.microsoft.com/office/drawing/2014/main" id="{24312958-DB6F-0634-1236-296E92B9A72C}"/>
+                  </a:ext>
+                </a:extLst>
+              </p:cNvPr>
+              <p:cNvSpPr/>
+              <p:nvPr/>
+            </p:nvSpPr>
+            <p:spPr>
+              <a:xfrm>
+                <a:off x="3622206" y="5026080"/>
+                <a:ext cx="1383825" cy="1330036"/>
+              </a:xfrm>
+              <a:prstGeom prst="ellipse">
+                <a:avLst/>
+              </a:prstGeom>
+              <a:solidFill>
+                <a:schemeClr val="bg1"/>
+              </a:solidFill>
+              <a:ln>
+                <a:solidFill>
+                  <a:schemeClr val="tx1"/>
+                </a:solidFill>
+              </a:ln>
+            </p:spPr>
+            <p:style>
+              <a:lnRef idx="2">
+                <a:schemeClr val="accent1">
+                  <a:shade val="15000"/>
+                </a:schemeClr>
+              </a:lnRef>
+              <a:fillRef idx="1">
+                <a:schemeClr val="accent1"/>
+              </a:fillRef>
+              <a:effectRef idx="0">
+                <a:schemeClr val="accent1"/>
+              </a:effectRef>
+              <a:fontRef idx="minor">
+                <a:schemeClr val="lt1"/>
+              </a:fontRef>
+            </p:style>
+            <p:txBody>
+              <a:bodyPr rtlCol="0" anchor="ctr"/>
+              <a:lstStyle/>
+              <a:p>
+                <a:pPr algn="ctr"/>
+                <a14:m>
+                  <m:oMathPara xmlns:m="http://schemas.openxmlformats.org/officeDocument/2006/math">
+                    <m:oMathParaPr>
+                      <m:jc m:val="centerGroup"/>
+                    </m:oMathParaPr>
+                    <m:oMath xmlns:m="http://schemas.openxmlformats.org/officeDocument/2006/math">
+                      <m:r>
+                        <m:rPr>
+                          <m:nor/>
+                        </m:rPr>
+                        <a:rPr lang="en-GB" sz="2000" dirty="0">
+                          <a:solidFill>
+                            <a:schemeClr val="tx1"/>
+                          </a:solidFill>
+                          <a:latin typeface="Arial" panose="020B0604020202020204" pitchFamily="34" charset="0"/>
+                          <a:cs typeface="Arial" panose="020B0604020202020204" pitchFamily="34" charset="0"/>
+                        </a:rPr>
+                        <m:t>observation</m:t>
+                      </m:r>
+                    </m:oMath>
+                  </m:oMathPara>
+                </a14:m>
+                <a:endParaRPr lang="en-GB" sz="2000" dirty="0">
+                  <a:solidFill>
+                    <a:schemeClr val="tx1"/>
+                  </a:solidFill>
+                </a:endParaRPr>
+              </a:p>
+            </p:txBody>
+          </p:sp>
+        </mc:Choice>
+        <mc:Fallback>
+          <p:sp>
+            <p:nvSpPr>
+              <p:cNvPr id="11" name="Oval 10">
+                <a:extLst>
+                  <a:ext uri="{FF2B5EF4-FFF2-40B4-BE49-F238E27FC236}">
+                    <a16:creationId xmlns:a16="http://schemas.microsoft.com/office/drawing/2014/main" id="{24312958-DB6F-0634-1236-296E92B9A72C}"/>
+                  </a:ext>
+                </a:extLst>
+              </p:cNvPr>
+              <p:cNvSpPr>
+                <a:spLocks noRot="1" noChangeAspect="1" noMove="1" noResize="1" noEditPoints="1" noAdjustHandles="1" noChangeArrowheads="1" noChangeShapeType="1" noTextEdit="1"/>
+              </p:cNvSpPr>
+              <p:nvPr/>
+            </p:nvSpPr>
+            <p:spPr>
+              <a:xfrm>
+                <a:off x="3622206" y="5026080"/>
+                <a:ext cx="1383825" cy="1330036"/>
+              </a:xfrm>
+              <a:prstGeom prst="ellipse">
+                <a:avLst/>
+              </a:prstGeom>
+              <a:blipFill>
+                <a:blip r:embed="rId4"/>
+                <a:stretch>
+                  <a:fillRect l="-5652" r="-1739"/>
+                </a:stretch>
+              </a:blipFill>
+              <a:ln>
+                <a:solidFill>
+                  <a:schemeClr val="tx1"/>
+                </a:solidFill>
+              </a:ln>
+            </p:spPr>
+            <p:txBody>
+              <a:bodyPr/>
+              <a:lstStyle/>
+              <a:p>
+                <a:r>
+                  <a:rPr lang="en-GB">
+                    <a:noFill/>
+                  </a:rPr>
+                  <a:t> </a:t>
+                </a:r>
+              </a:p>
+            </p:txBody>
+          </p:sp>
+        </mc:Fallback>
+      </mc:AlternateContent>
+      <p:cxnSp>
+        <p:nvCxnSpPr>
+          <p:cNvPr id="13" name="Straight Arrow Connector 12">
+            <a:extLst>
+              <a:ext uri="{FF2B5EF4-FFF2-40B4-BE49-F238E27FC236}">
+                <a16:creationId xmlns:a16="http://schemas.microsoft.com/office/drawing/2014/main" id="{D4EC9DDA-3EE4-48DB-3EE7-051F62C1A8C2}"/>
+              </a:ext>
+            </a:extLst>
+          </p:cNvPr>
+          <p:cNvCxnSpPr>
+            <a:cxnSpLocks/>
+            <a:stCxn id="9" idx="5"/>
+            <a:endCxn id="11" idx="0"/>
+          </p:cNvCxnSpPr>
+          <p:nvPr/>
+        </p:nvCxnSpPr>
+        <p:spPr>
+          <a:xfrm>
+            <a:off x="3943296" y="4242925"/>
+            <a:ext cx="370823" cy="783155"/>
+          </a:xfrm>
+          <a:prstGeom prst="straightConnector1">
+            <a:avLst/>
+          </a:prstGeom>
+          <a:ln w="38100">
+            <a:solidFill>
+              <a:schemeClr val="tx1"/>
+            </a:solidFill>
+            <a:tailEnd type="triangle" w="lg" len="lg"/>
+          </a:ln>
+        </p:spPr>
+        <p:style>
+          <a:lnRef idx="2">
+            <a:schemeClr val="accent1"/>
+          </a:lnRef>
+          <a:fillRef idx="0">
+            <a:schemeClr val="accent1"/>
+          </a:fillRef>
+          <a:effectRef idx="1">
+            <a:schemeClr val="accent1"/>
+          </a:effectRef>
+          <a:fontRef idx="minor">
+            <a:schemeClr val="tx1"/>
+          </a:fontRef>
+        </p:style>
+      </p:cxnSp>
+      <mc:AlternateContent xmlns:mc="http://schemas.openxmlformats.org/markup-compatibility/2006">
+        <mc:Choice xmlns:a14="http://schemas.microsoft.com/office/drawing/2010/main" Requires="a14">
+          <p:sp>
+            <p:nvSpPr>
+              <p:cNvPr id="19" name="Oval 18">
+                <a:extLst>
+                  <a:ext uri="{FF2B5EF4-FFF2-40B4-BE49-F238E27FC236}">
+                    <a16:creationId xmlns:a16="http://schemas.microsoft.com/office/drawing/2014/main" id="{3823D769-0116-0476-D1D1-B049DFF1EEA9}"/>
+                  </a:ext>
+                </a:extLst>
+              </p:cNvPr>
+              <p:cNvSpPr/>
+              <p:nvPr/>
+            </p:nvSpPr>
+            <p:spPr>
+              <a:xfrm>
+                <a:off x="5404087" y="1093477"/>
+                <a:ext cx="1383825" cy="1330036"/>
+              </a:xfrm>
+              <a:prstGeom prst="ellipse">
+                <a:avLst/>
+              </a:prstGeom>
+              <a:solidFill>
+                <a:schemeClr val="bg1"/>
+              </a:solidFill>
+              <a:ln>
+                <a:solidFill>
+                  <a:schemeClr val="tx1"/>
+                </a:solidFill>
+              </a:ln>
+            </p:spPr>
+            <p:style>
+              <a:lnRef idx="2">
+                <a:schemeClr val="accent1">
+                  <a:shade val="15000"/>
+                </a:schemeClr>
+              </a:lnRef>
+              <a:fillRef idx="1">
+                <a:schemeClr val="accent1"/>
+              </a:fillRef>
+              <a:effectRef idx="0">
+                <a:schemeClr val="accent1"/>
+              </a:effectRef>
+              <a:fontRef idx="minor">
+                <a:schemeClr val="lt1"/>
+              </a:fontRef>
+            </p:style>
+            <p:txBody>
+              <a:bodyPr rtlCol="0" anchor="ctr"/>
+              <a:lstStyle/>
+              <a:p>
+                <a:pPr algn="ctr"/>
+                <a14:m>
+                  <m:oMathPara xmlns:m="http://schemas.openxmlformats.org/officeDocument/2006/math">
+                    <m:oMathParaPr>
+                      <m:jc m:val="centerGroup"/>
+                    </m:oMathParaPr>
+                    <m:oMath xmlns:m="http://schemas.openxmlformats.org/officeDocument/2006/math">
+                      <m:r>
+                        <m:rPr>
+                          <m:nor/>
+                        </m:rPr>
+                        <a:rPr lang="en-GB" sz="3600" b="0" i="0" dirty="0" smtClean="0">
+                          <a:solidFill>
+                            <a:schemeClr val="tx1"/>
+                          </a:solidFill>
+                          <a:latin typeface="Arial" panose="020B0604020202020204" pitchFamily="34" charset="0"/>
+                          <a:cs typeface="Arial" panose="020B0604020202020204" pitchFamily="34" charset="0"/>
+                        </a:rPr>
+                        <m:t>group</m:t>
+                      </m:r>
+                    </m:oMath>
+                  </m:oMathPara>
+                </a14:m>
+                <a:endParaRPr lang="en-GB" sz="3600" dirty="0">
+                  <a:solidFill>
+                    <a:schemeClr val="tx1"/>
+                  </a:solidFill>
+                  <a:latin typeface="Arial" panose="020B0604020202020204" pitchFamily="34" charset="0"/>
+                  <a:cs typeface="Arial" panose="020B0604020202020204" pitchFamily="34" charset="0"/>
+                </a:endParaRPr>
+              </a:p>
+            </p:txBody>
+          </p:sp>
+        </mc:Choice>
+        <mc:Fallback>
+          <p:sp>
+            <p:nvSpPr>
+              <p:cNvPr id="19" name="Oval 18">
+                <a:extLst>
+                  <a:ext uri="{FF2B5EF4-FFF2-40B4-BE49-F238E27FC236}">
+                    <a16:creationId xmlns:a16="http://schemas.microsoft.com/office/drawing/2014/main" id="{3823D769-0116-0476-D1D1-B049DFF1EEA9}"/>
+                  </a:ext>
+                </a:extLst>
+              </p:cNvPr>
+              <p:cNvSpPr>
+                <a:spLocks noRot="1" noChangeAspect="1" noMove="1" noResize="1" noEditPoints="1" noAdjustHandles="1" noChangeArrowheads="1" noChangeShapeType="1" noTextEdit="1"/>
+              </p:cNvSpPr>
+              <p:nvPr/>
+            </p:nvSpPr>
+            <p:spPr>
+              <a:xfrm>
+                <a:off x="5404087" y="1093477"/>
+                <a:ext cx="1383825" cy="1330036"/>
+              </a:xfrm>
+              <a:prstGeom prst="ellipse">
+                <a:avLst/>
+              </a:prstGeom>
+              <a:blipFill>
+                <a:blip r:embed="rId5"/>
+                <a:stretch>
+                  <a:fillRect/>
+                </a:stretch>
+              </a:blipFill>
+              <a:ln>
+                <a:solidFill>
+                  <a:schemeClr val="tx1"/>
+                </a:solidFill>
+              </a:ln>
+            </p:spPr>
+            <p:txBody>
+              <a:bodyPr/>
+              <a:lstStyle/>
+              <a:p>
+                <a:r>
+                  <a:rPr lang="en-GB">
+                    <a:noFill/>
+                  </a:rPr>
+                  <a:t> </a:t>
+                </a:r>
+              </a:p>
+            </p:txBody>
+          </p:sp>
+        </mc:Fallback>
+      </mc:AlternateContent>
+      <p:cxnSp>
+        <p:nvCxnSpPr>
+          <p:cNvPr id="20" name="Straight Arrow Connector 19">
+            <a:extLst>
+              <a:ext uri="{FF2B5EF4-FFF2-40B4-BE49-F238E27FC236}">
+                <a16:creationId xmlns:a16="http://schemas.microsoft.com/office/drawing/2014/main" id="{B59D5A4E-B323-2387-8C2D-4AB850CA5643}"/>
+              </a:ext>
+            </a:extLst>
+          </p:cNvPr>
+          <p:cNvCxnSpPr>
+            <a:cxnSpLocks/>
+            <a:stCxn id="19" idx="3"/>
+            <a:endCxn id="9" idx="0"/>
+          </p:cNvCxnSpPr>
+          <p:nvPr/>
+        </p:nvCxnSpPr>
+        <p:spPr>
+          <a:xfrm flipH="1">
+            <a:off x="3454040" y="2228734"/>
+            <a:ext cx="2152703" cy="878934"/>
+          </a:xfrm>
+          <a:prstGeom prst="straightConnector1">
+            <a:avLst/>
+          </a:prstGeom>
+          <a:ln w="38100">
+            <a:solidFill>
+              <a:schemeClr val="tx1"/>
+            </a:solidFill>
+            <a:tailEnd type="triangle" w="lg" len="lg"/>
+          </a:ln>
+        </p:spPr>
+        <p:style>
+          <a:lnRef idx="2">
+            <a:schemeClr val="accent1"/>
+          </a:lnRef>
+          <a:fillRef idx="0">
+            <a:schemeClr val="accent1"/>
+          </a:fillRef>
+          <a:effectRef idx="1">
+            <a:schemeClr val="accent1"/>
+          </a:effectRef>
+          <a:fontRef idx="minor">
+            <a:schemeClr val="tx1"/>
+          </a:fontRef>
+        </p:style>
+      </p:cxnSp>
+      <mc:AlternateContent xmlns:mc="http://schemas.openxmlformats.org/markup-compatibility/2006">
+        <mc:Choice xmlns:a14="http://schemas.microsoft.com/office/drawing/2010/main" Requires="a14">
+          <p:sp>
+            <p:nvSpPr>
+              <p:cNvPr id="23" name="Oval 22">
+                <a:extLst>
+                  <a:ext uri="{FF2B5EF4-FFF2-40B4-BE49-F238E27FC236}">
+                    <a16:creationId xmlns:a16="http://schemas.microsoft.com/office/drawing/2014/main" id="{FBCAB1FA-21E7-54F8-B443-F1B4CCAB12A4}"/>
+                  </a:ext>
+                </a:extLst>
+              </p:cNvPr>
+              <p:cNvSpPr/>
+              <p:nvPr/>
+            </p:nvSpPr>
+            <p:spPr>
+              <a:xfrm>
+                <a:off x="8344943" y="3107668"/>
+                <a:ext cx="1383825" cy="1330036"/>
+              </a:xfrm>
+              <a:prstGeom prst="ellipse">
+                <a:avLst/>
+              </a:prstGeom>
+              <a:solidFill>
+                <a:schemeClr val="bg1"/>
+              </a:solidFill>
+              <a:ln>
+                <a:solidFill>
+                  <a:schemeClr val="tx1"/>
+                </a:solidFill>
+              </a:ln>
+            </p:spPr>
+            <p:style>
+              <a:lnRef idx="2">
+                <a:schemeClr val="accent1">
+                  <a:shade val="15000"/>
+                </a:schemeClr>
+              </a:lnRef>
+              <a:fillRef idx="1">
+                <a:schemeClr val="accent1"/>
+              </a:fillRef>
+              <a:effectRef idx="0">
+                <a:schemeClr val="accent1"/>
+              </a:effectRef>
+              <a:fontRef idx="minor">
+                <a:schemeClr val="lt1"/>
+              </a:fontRef>
+            </p:style>
+            <p:txBody>
+              <a:bodyPr rtlCol="0" anchor="ctr"/>
+              <a:lstStyle/>
+              <a:p>
+                <a:pPr algn="ctr"/>
+                <a14:m>
+                  <m:oMathPara xmlns:m="http://schemas.openxmlformats.org/officeDocument/2006/math">
+                    <m:oMathParaPr>
+                      <m:jc m:val="centerGroup"/>
+                    </m:oMathParaPr>
+                    <m:oMath xmlns:m="http://schemas.openxmlformats.org/officeDocument/2006/math">
+                      <m:r>
+                        <m:rPr>
+                          <m:nor/>
+                        </m:rPr>
+                        <a:rPr lang="en-GB" sz="2400" dirty="0">
+                          <a:solidFill>
+                            <a:schemeClr val="tx1"/>
+                          </a:solidFill>
+                          <a:latin typeface="Arial" panose="020B0604020202020204" pitchFamily="34" charset="0"/>
+                          <a:cs typeface="Arial" panose="020B0604020202020204" pitchFamily="34" charset="0"/>
+                        </a:rPr>
+                        <m:t>individual</m:t>
+                      </m:r>
+                    </m:oMath>
+                  </m:oMathPara>
+                </a14:m>
+                <a:endParaRPr lang="en-GB" sz="2400" dirty="0">
+                  <a:solidFill>
+                    <a:schemeClr val="tx1"/>
+                  </a:solidFill>
+                  <a:latin typeface="Arial" panose="020B0604020202020204" pitchFamily="34" charset="0"/>
+                  <a:cs typeface="Arial" panose="020B0604020202020204" pitchFamily="34" charset="0"/>
+                </a:endParaRPr>
+              </a:p>
+            </p:txBody>
+          </p:sp>
+        </mc:Choice>
+        <mc:Fallback>
+          <p:sp>
+            <p:nvSpPr>
+              <p:cNvPr id="23" name="Oval 22">
+                <a:extLst>
+                  <a:ext uri="{FF2B5EF4-FFF2-40B4-BE49-F238E27FC236}">
+                    <a16:creationId xmlns:a16="http://schemas.microsoft.com/office/drawing/2014/main" id="{FBCAB1FA-21E7-54F8-B443-F1B4CCAB12A4}"/>
+                  </a:ext>
+                </a:extLst>
+              </p:cNvPr>
+              <p:cNvSpPr>
+                <a:spLocks noRot="1" noChangeAspect="1" noMove="1" noResize="1" noEditPoints="1" noAdjustHandles="1" noChangeArrowheads="1" noChangeShapeType="1" noTextEdit="1"/>
+              </p:cNvSpPr>
+              <p:nvPr/>
+            </p:nvSpPr>
+            <p:spPr>
+              <a:xfrm>
+                <a:off x="8344943" y="3107668"/>
+                <a:ext cx="1383825" cy="1330036"/>
+              </a:xfrm>
+              <a:prstGeom prst="ellipse">
+                <a:avLst/>
+              </a:prstGeom>
+              <a:blipFill>
+                <a:blip r:embed="rId6"/>
+                <a:stretch>
+                  <a:fillRect l="-6957" r="-435"/>
+                </a:stretch>
+              </a:blipFill>
+              <a:ln>
+                <a:solidFill>
+                  <a:schemeClr val="tx1"/>
+                </a:solidFill>
+              </a:ln>
+            </p:spPr>
+            <p:txBody>
+              <a:bodyPr/>
+              <a:lstStyle/>
+              <a:p>
+                <a:r>
+                  <a:rPr lang="en-GB">
+                    <a:noFill/>
+                  </a:rPr>
+                  <a:t> </a:t>
+                </a:r>
+              </a:p>
+            </p:txBody>
+          </p:sp>
+        </mc:Fallback>
+      </mc:AlternateContent>
+      <mc:AlternateContent xmlns:mc="http://schemas.openxmlformats.org/markup-compatibility/2006">
+        <mc:Choice xmlns:a14="http://schemas.microsoft.com/office/drawing/2010/main" Requires="a14">
+          <p:sp>
+            <p:nvSpPr>
+              <p:cNvPr id="24" name="Oval 23">
+                <a:extLst>
+                  <a:ext uri="{FF2B5EF4-FFF2-40B4-BE49-F238E27FC236}">
+                    <a16:creationId xmlns:a16="http://schemas.microsoft.com/office/drawing/2014/main" id="{C4C8A392-62FD-0776-ED94-C6DDE093E3AA}"/>
+                  </a:ext>
+                </a:extLst>
+              </p:cNvPr>
+              <p:cNvSpPr/>
+              <p:nvPr/>
+            </p:nvSpPr>
+            <p:spPr>
+              <a:xfrm>
+                <a:off x="7429095" y="5026080"/>
+                <a:ext cx="1383825" cy="1330036"/>
+              </a:xfrm>
+              <a:prstGeom prst="ellipse">
+                <a:avLst/>
+              </a:prstGeom>
+              <a:solidFill>
+                <a:schemeClr val="bg1"/>
+              </a:solidFill>
+              <a:ln>
+                <a:solidFill>
+                  <a:schemeClr val="tx1"/>
+                </a:solidFill>
+              </a:ln>
+            </p:spPr>
+            <p:style>
+              <a:lnRef idx="2">
+                <a:schemeClr val="accent1">
+                  <a:shade val="15000"/>
+                </a:schemeClr>
+              </a:lnRef>
+              <a:fillRef idx="1">
+                <a:schemeClr val="accent1"/>
+              </a:fillRef>
+              <a:effectRef idx="0">
+                <a:schemeClr val="accent1"/>
+              </a:effectRef>
+              <a:fontRef idx="minor">
+                <a:schemeClr val="lt1"/>
+              </a:fontRef>
+            </p:style>
+            <p:txBody>
+              <a:bodyPr rtlCol="0" anchor="ctr"/>
+              <a:lstStyle/>
+              <a:p>
+                <a:pPr algn="ctr"/>
+                <a14:m>
+                  <m:oMathPara xmlns:m="http://schemas.openxmlformats.org/officeDocument/2006/math">
+                    <m:oMathParaPr>
+                      <m:jc m:val="centerGroup"/>
+                    </m:oMathParaPr>
+                    <m:oMath xmlns:m="http://schemas.openxmlformats.org/officeDocument/2006/math">
+                      <m:r>
+                        <m:rPr>
+                          <m:nor/>
+                        </m:rPr>
+                        <a:rPr lang="en-GB" sz="2000" dirty="0">
+                          <a:solidFill>
+                            <a:schemeClr val="tx1"/>
+                          </a:solidFill>
+                          <a:latin typeface="Arial" panose="020B0604020202020204" pitchFamily="34" charset="0"/>
+                          <a:cs typeface="Arial" panose="020B0604020202020204" pitchFamily="34" charset="0"/>
+                        </a:rPr>
+                        <m:t>observation</m:t>
+                      </m:r>
+                    </m:oMath>
+                  </m:oMathPara>
+                </a14:m>
+                <a:endParaRPr lang="en-GB" sz="2000" dirty="0">
+                  <a:solidFill>
+                    <a:schemeClr val="tx1"/>
+                  </a:solidFill>
+                </a:endParaRPr>
+              </a:p>
+            </p:txBody>
+          </p:sp>
+        </mc:Choice>
+        <mc:Fallback>
+          <p:sp>
+            <p:nvSpPr>
+              <p:cNvPr id="24" name="Oval 23">
+                <a:extLst>
+                  <a:ext uri="{FF2B5EF4-FFF2-40B4-BE49-F238E27FC236}">
+                    <a16:creationId xmlns:a16="http://schemas.microsoft.com/office/drawing/2014/main" id="{C4C8A392-62FD-0776-ED94-C6DDE093E3AA}"/>
+                  </a:ext>
+                </a:extLst>
+              </p:cNvPr>
+              <p:cNvSpPr>
+                <a:spLocks noRot="1" noChangeAspect="1" noMove="1" noResize="1" noEditPoints="1" noAdjustHandles="1" noChangeArrowheads="1" noChangeShapeType="1" noTextEdit="1"/>
+              </p:cNvSpPr>
+              <p:nvPr/>
+            </p:nvSpPr>
+            <p:spPr>
+              <a:xfrm>
+                <a:off x="7429095" y="5026080"/>
+                <a:ext cx="1383825" cy="1330036"/>
+              </a:xfrm>
+              <a:prstGeom prst="ellipse">
+                <a:avLst/>
+              </a:prstGeom>
+              <a:blipFill>
+                <a:blip r:embed="rId7"/>
+                <a:stretch>
+                  <a:fillRect l="-5652" r="-1739"/>
+                </a:stretch>
+              </a:blipFill>
+              <a:ln>
+                <a:solidFill>
+                  <a:schemeClr val="tx1"/>
+                </a:solidFill>
+              </a:ln>
+            </p:spPr>
+            <p:txBody>
+              <a:bodyPr/>
+              <a:lstStyle/>
+              <a:p>
+                <a:r>
+                  <a:rPr lang="en-GB">
+                    <a:noFill/>
+                  </a:rPr>
+                  <a:t> </a:t>
+                </a:r>
+              </a:p>
+            </p:txBody>
+          </p:sp>
+        </mc:Fallback>
+      </mc:AlternateContent>
+      <p:cxnSp>
+        <p:nvCxnSpPr>
+          <p:cNvPr id="25" name="Straight Arrow Connector 24">
+            <a:extLst>
+              <a:ext uri="{FF2B5EF4-FFF2-40B4-BE49-F238E27FC236}">
+                <a16:creationId xmlns:a16="http://schemas.microsoft.com/office/drawing/2014/main" id="{F4943B3C-B1C1-1807-3B0B-CE520D9A9FBC}"/>
+              </a:ext>
+            </a:extLst>
+          </p:cNvPr>
+          <p:cNvCxnSpPr>
+            <a:cxnSpLocks/>
+            <a:stCxn id="23" idx="3"/>
+            <a:endCxn id="24" idx="0"/>
+          </p:cNvCxnSpPr>
+          <p:nvPr/>
+        </p:nvCxnSpPr>
+        <p:spPr>
+          <a:xfrm flipH="1">
+            <a:off x="8121008" y="4242925"/>
+            <a:ext cx="426591" cy="783155"/>
+          </a:xfrm>
+          <a:prstGeom prst="straightConnector1">
+            <a:avLst/>
+          </a:prstGeom>
+          <a:ln w="38100">
+            <a:solidFill>
+              <a:schemeClr val="tx1"/>
+            </a:solidFill>
+            <a:tailEnd type="triangle" w="lg" len="lg"/>
+          </a:ln>
+        </p:spPr>
+        <p:style>
+          <a:lnRef idx="2">
+            <a:schemeClr val="accent1"/>
+          </a:lnRef>
+          <a:fillRef idx="0">
+            <a:schemeClr val="accent1"/>
+          </a:fillRef>
+          <a:effectRef idx="1">
+            <a:schemeClr val="accent1"/>
+          </a:effectRef>
+          <a:fontRef idx="minor">
+            <a:schemeClr val="tx1"/>
+          </a:fontRef>
+        </p:style>
+      </p:cxnSp>
+      <mc:AlternateContent xmlns:mc="http://schemas.openxmlformats.org/markup-compatibility/2006">
+        <mc:Choice xmlns:a14="http://schemas.microsoft.com/office/drawing/2010/main" Requires="a14">
+          <p:sp>
+            <p:nvSpPr>
+              <p:cNvPr id="26" name="Oval 25">
+                <a:extLst>
+                  <a:ext uri="{FF2B5EF4-FFF2-40B4-BE49-F238E27FC236}">
+                    <a16:creationId xmlns:a16="http://schemas.microsoft.com/office/drawing/2014/main" id="{D69EFE26-EA88-661E-B19D-676F58F822B5}"/>
+                  </a:ext>
+                </a:extLst>
+              </p:cNvPr>
+              <p:cNvSpPr/>
+              <p:nvPr/>
+            </p:nvSpPr>
+            <p:spPr>
+              <a:xfrm>
+                <a:off x="9205022" y="5026080"/>
+                <a:ext cx="1383825" cy="1330036"/>
+              </a:xfrm>
+              <a:prstGeom prst="ellipse">
+                <a:avLst/>
+              </a:prstGeom>
+              <a:solidFill>
+                <a:schemeClr val="bg1"/>
+              </a:solidFill>
+              <a:ln>
+                <a:solidFill>
+                  <a:schemeClr val="tx1"/>
+                </a:solidFill>
+              </a:ln>
+            </p:spPr>
+            <p:style>
+              <a:lnRef idx="2">
+                <a:schemeClr val="accent1">
+                  <a:shade val="15000"/>
+                </a:schemeClr>
+              </a:lnRef>
+              <a:fillRef idx="1">
+                <a:schemeClr val="accent1"/>
+              </a:fillRef>
+              <a:effectRef idx="0">
+                <a:schemeClr val="accent1"/>
+              </a:effectRef>
+              <a:fontRef idx="minor">
+                <a:schemeClr val="lt1"/>
+              </a:fontRef>
+            </p:style>
+            <p:txBody>
+              <a:bodyPr rtlCol="0" anchor="ctr"/>
+              <a:lstStyle/>
+              <a:p>
+                <a:pPr algn="ctr"/>
+                <a14:m>
+                  <m:oMathPara xmlns:m="http://schemas.openxmlformats.org/officeDocument/2006/math">
+                    <m:oMathParaPr>
+                      <m:jc m:val="centerGroup"/>
+                    </m:oMathParaPr>
+                    <m:oMath xmlns:m="http://schemas.openxmlformats.org/officeDocument/2006/math">
+                      <m:r>
+                        <m:rPr>
+                          <m:nor/>
+                        </m:rPr>
+                        <a:rPr lang="en-GB" sz="2000" dirty="0">
+                          <a:solidFill>
+                            <a:schemeClr val="tx1"/>
+                          </a:solidFill>
+                          <a:latin typeface="Arial" panose="020B0604020202020204" pitchFamily="34" charset="0"/>
+                          <a:cs typeface="Arial" panose="020B0604020202020204" pitchFamily="34" charset="0"/>
+                        </a:rPr>
+                        <m:t>observation</m:t>
+                      </m:r>
+                    </m:oMath>
+                  </m:oMathPara>
+                </a14:m>
+                <a:endParaRPr lang="en-GB" sz="2000" dirty="0">
+                  <a:solidFill>
+                    <a:schemeClr val="tx1"/>
+                  </a:solidFill>
+                </a:endParaRPr>
+              </a:p>
+            </p:txBody>
+          </p:sp>
+        </mc:Choice>
+        <mc:Fallback>
+          <p:sp>
+            <p:nvSpPr>
+              <p:cNvPr id="26" name="Oval 25">
+                <a:extLst>
+                  <a:ext uri="{FF2B5EF4-FFF2-40B4-BE49-F238E27FC236}">
+                    <a16:creationId xmlns:a16="http://schemas.microsoft.com/office/drawing/2014/main" id="{D69EFE26-EA88-661E-B19D-676F58F822B5}"/>
+                  </a:ext>
+                </a:extLst>
+              </p:cNvPr>
+              <p:cNvSpPr>
+                <a:spLocks noRot="1" noChangeAspect="1" noMove="1" noResize="1" noEditPoints="1" noAdjustHandles="1" noChangeArrowheads="1" noChangeShapeType="1" noTextEdit="1"/>
+              </p:cNvSpPr>
+              <p:nvPr/>
+            </p:nvSpPr>
+            <p:spPr>
+              <a:xfrm>
+                <a:off x="9205022" y="5026080"/>
+                <a:ext cx="1383825" cy="1330036"/>
+              </a:xfrm>
+              <a:prstGeom prst="ellipse">
+                <a:avLst/>
+              </a:prstGeom>
+              <a:blipFill>
+                <a:blip r:embed="rId8"/>
+                <a:stretch>
+                  <a:fillRect l="-5652" r="-1739"/>
+                </a:stretch>
+              </a:blipFill>
+              <a:ln>
+                <a:solidFill>
+                  <a:schemeClr val="tx1"/>
+                </a:solidFill>
+              </a:ln>
+            </p:spPr>
+            <p:txBody>
+              <a:bodyPr/>
+              <a:lstStyle/>
+              <a:p>
+                <a:r>
+                  <a:rPr lang="en-GB">
+                    <a:noFill/>
+                  </a:rPr>
+                  <a:t> </a:t>
+                </a:r>
+              </a:p>
+            </p:txBody>
+          </p:sp>
+        </mc:Fallback>
+      </mc:AlternateContent>
+      <p:cxnSp>
+        <p:nvCxnSpPr>
+          <p:cNvPr id="27" name="Straight Arrow Connector 26">
+            <a:extLst>
+              <a:ext uri="{FF2B5EF4-FFF2-40B4-BE49-F238E27FC236}">
+                <a16:creationId xmlns:a16="http://schemas.microsoft.com/office/drawing/2014/main" id="{DB6E68C6-86CE-E7DF-CEB7-59A7A8B47DCA}"/>
+              </a:ext>
+            </a:extLst>
+          </p:cNvPr>
+          <p:cNvCxnSpPr>
+            <a:cxnSpLocks/>
+            <a:stCxn id="23" idx="5"/>
+            <a:endCxn id="26" idx="0"/>
+          </p:cNvCxnSpPr>
+          <p:nvPr/>
+        </p:nvCxnSpPr>
+        <p:spPr>
+          <a:xfrm>
+            <a:off x="9526112" y="4242925"/>
+            <a:ext cx="370823" cy="783155"/>
+          </a:xfrm>
+          <a:prstGeom prst="straightConnector1">
+            <a:avLst/>
+          </a:prstGeom>
+          <a:ln w="38100">
+            <a:solidFill>
+              <a:schemeClr val="tx1"/>
+            </a:solidFill>
+            <a:tailEnd type="triangle" w="lg" len="lg"/>
+          </a:ln>
+        </p:spPr>
+        <p:style>
+          <a:lnRef idx="2">
+            <a:schemeClr val="accent1"/>
+          </a:lnRef>
+          <a:fillRef idx="0">
+            <a:schemeClr val="accent1"/>
+          </a:fillRef>
+          <a:effectRef idx="1">
+            <a:schemeClr val="accent1"/>
+          </a:effectRef>
+          <a:fontRef idx="minor">
+            <a:schemeClr val="tx1"/>
+          </a:fontRef>
+        </p:style>
+      </p:cxnSp>
+      <p:cxnSp>
+        <p:nvCxnSpPr>
+          <p:cNvPr id="33" name="Straight Arrow Connector 32">
+            <a:extLst>
+              <a:ext uri="{FF2B5EF4-FFF2-40B4-BE49-F238E27FC236}">
+                <a16:creationId xmlns:a16="http://schemas.microsoft.com/office/drawing/2014/main" id="{95CCF682-B34F-A73F-D057-8C68C8F65F8C}"/>
+              </a:ext>
+            </a:extLst>
+          </p:cNvPr>
+          <p:cNvCxnSpPr>
+            <a:cxnSpLocks/>
+            <a:stCxn id="19" idx="5"/>
+            <a:endCxn id="23" idx="0"/>
+          </p:cNvCxnSpPr>
+          <p:nvPr/>
+        </p:nvCxnSpPr>
+        <p:spPr>
+          <a:xfrm>
+            <a:off x="6585256" y="2228734"/>
+            <a:ext cx="2451600" cy="878934"/>
+          </a:xfrm>
+          <a:prstGeom prst="straightConnector1">
+            <a:avLst/>
+          </a:prstGeom>
+          <a:ln w="38100">
+            <a:solidFill>
+              <a:schemeClr val="tx1"/>
+            </a:solidFill>
+            <a:tailEnd type="triangle" w="lg" len="lg"/>
+          </a:ln>
+        </p:spPr>
+        <p:style>
+          <a:lnRef idx="2">
+            <a:schemeClr val="accent1"/>
+          </a:lnRef>
+          <a:fillRef idx="0">
+            <a:schemeClr val="accent1"/>
+          </a:fillRef>
+          <a:effectRef idx="1">
+            <a:schemeClr val="accent1"/>
+          </a:effectRef>
+          <a:fontRef idx="minor">
+            <a:schemeClr val="tx1"/>
+          </a:fontRef>
+        </p:style>
+      </p:cxnSp>
+    </p:spTree>
+    <p:extLst>
+      <p:ext uri="{BB962C8B-B14F-4D97-AF65-F5344CB8AC3E}">
+        <p14:creationId xmlns:p14="http://schemas.microsoft.com/office/powerpoint/2010/main" val="1619941824"/>
+      </p:ext>
+    </p:extLst>
+  </p:cSld>
+  <p:clrMapOvr>
+    <a:masterClrMapping/>
+  </p:clrMapOvr>
+</p:sld>
+</file>
+
+<file path=ppt/slides/slide39.xml><?xml version="1.0" encoding="utf-8"?>
+<p:sld xmlns:a="http://schemas.openxmlformats.org/drawingml/2006/main" xmlns:r="http://schemas.openxmlformats.org/officeDocument/2006/relationships" xmlns:p="http://schemas.openxmlformats.org/presentationml/2006/main">
+  <p:cSld>
+    <p:spTree>
+      <p:nvGrpSpPr>
+        <p:cNvPr id="1" name="">
+          <a:extLst>
+            <a:ext uri="{FF2B5EF4-FFF2-40B4-BE49-F238E27FC236}">
+              <a16:creationId xmlns:a16="http://schemas.microsoft.com/office/drawing/2014/main" id="{82D5EB3D-DFDA-EF4D-12B7-484A0FAE8ADB}"/>
+            </a:ext>
+          </a:extLst>
+        </p:cNvPr>
+        <p:cNvGrpSpPr/>
+        <p:nvPr/>
+      </p:nvGrpSpPr>
+      <p:grpSpPr>
+        <a:xfrm>
+          <a:off x="0" y="0"/>
+          <a:ext cx="0" cy="0"/>
+          <a:chOff x="0" y="0"/>
+          <a:chExt cx="0" cy="0"/>
+        </a:xfrm>
+      </p:grpSpPr>
+      <mc:AlternateContent xmlns:mc="http://schemas.openxmlformats.org/markup-compatibility/2006">
+        <mc:Choice xmlns:a14="http://schemas.microsoft.com/office/drawing/2010/main" Requires="a14">
+          <p:sp>
+            <p:nvSpPr>
+              <p:cNvPr id="2" name="TextBox 1">
+                <a:extLst>
+                  <a:ext uri="{FF2B5EF4-FFF2-40B4-BE49-F238E27FC236}">
+                    <a16:creationId xmlns:a16="http://schemas.microsoft.com/office/drawing/2014/main" id="{892D29EF-C357-537A-1E2C-C4AF57EE701F}"/>
+                  </a:ext>
+                </a:extLst>
+              </p:cNvPr>
+              <p:cNvSpPr txBox="1"/>
+              <p:nvPr/>
+            </p:nvSpPr>
+            <p:spPr>
+              <a:xfrm>
+                <a:off x="1788662" y="2909405"/>
+                <a:ext cx="8614675" cy="1244893"/>
+              </a:xfrm>
+              <a:prstGeom prst="rect">
+                <a:avLst/>
+              </a:prstGeom>
+              <a:noFill/>
+            </p:spPr>
+            <p:txBody>
+              <a:bodyPr wrap="square">
+                <a:spAutoFit/>
+              </a:bodyPr>
+              <a:lstStyle/>
+              <a:p>
+                <a:pPr/>
+                <a:r>
+                  <a:rPr lang="en-GB" sz="3600" b="0" i="1" dirty="0">
+                    <a:latin typeface="Cambria Math" panose="02040503050406030204" pitchFamily="18" charset="0"/>
+                  </a:rPr>
+                  <a:t>Level 1</a:t>
+                </a:r>
+              </a:p>
+              <a:p>
+                <a:pPr/>
+                <a14:m>
+                  <m:oMathPara xmlns:m="http://schemas.openxmlformats.org/officeDocument/2006/math">
+                    <m:oMathParaPr>
+                      <m:jc m:val="centerGroup"/>
+                    </m:oMathParaPr>
+                    <m:oMath xmlns:m="http://schemas.openxmlformats.org/officeDocument/2006/math">
+                      <m:sSub>
+                        <m:sSubPr>
+                          <m:ctrlPr>
+                            <a:rPr lang="en-GB" sz="3600" b="0" i="1" smtClean="0">
+                              <a:latin typeface="Cambria Math" panose="02040503050406030204" pitchFamily="18" charset="0"/>
+                            </a:rPr>
+                          </m:ctrlPr>
+                        </m:sSubPr>
+                        <m:e>
+                          <m:r>
+                            <a:rPr lang="en-GB" sz="3600" b="0" i="1" smtClean="0">
+                              <a:latin typeface="Cambria Math" panose="02040503050406030204" pitchFamily="18" charset="0"/>
+                            </a:rPr>
+                            <m:t>𝑦</m:t>
+                          </m:r>
+                        </m:e>
+                        <m:sub>
+                          <m:r>
+                            <a:rPr lang="en-GB" sz="3600" b="0" i="1" smtClean="0">
+                              <a:latin typeface="Cambria Math" panose="02040503050406030204" pitchFamily="18" charset="0"/>
+                            </a:rPr>
+                            <m:t>𝑖</m:t>
+                          </m:r>
+                        </m:sub>
+                      </m:sSub>
+                      <m:r>
+                        <a:rPr lang="en-GB" sz="3600" b="0" i="1" smtClean="0">
+                          <a:latin typeface="Cambria Math" panose="02040503050406030204" pitchFamily="18" charset="0"/>
+                        </a:rPr>
+                        <m:t>=</m:t>
+                      </m:r>
+                      <m:sSub>
+                        <m:sSubPr>
+                          <m:ctrlPr>
+                            <a:rPr lang="en-GB" sz="3600" i="1">
+                              <a:latin typeface="Cambria Math" panose="02040503050406030204" pitchFamily="18" charset="0"/>
+                            </a:rPr>
+                          </m:ctrlPr>
+                        </m:sSubPr>
+                        <m:e>
+                          <m:r>
+                            <a:rPr lang="en-GB" sz="3600" i="1">
+                              <a:latin typeface="Cambria Math" panose="02040503050406030204" pitchFamily="18" charset="0"/>
+                              <a:ea typeface="Cambria Math" panose="02040503050406030204" pitchFamily="18" charset="0"/>
+                            </a:rPr>
+                            <m:t>𝛽</m:t>
+                          </m:r>
+                        </m:e>
+                        <m:sub>
+                          <m:r>
+                            <a:rPr lang="en-GB" sz="3600" i="1">
+                              <a:latin typeface="Cambria Math" panose="02040503050406030204" pitchFamily="18" charset="0"/>
+                              <a:ea typeface="Cambria Math" panose="02040503050406030204" pitchFamily="18" charset="0"/>
+                            </a:rPr>
+                            <m:t>0</m:t>
+                          </m:r>
+                        </m:sub>
+                      </m:sSub>
+                      <m:r>
+                        <a:rPr lang="en-GB" sz="3600" b="0" i="1" smtClean="0">
+                          <a:latin typeface="Cambria Math" panose="02040503050406030204" pitchFamily="18" charset="0"/>
+                        </a:rPr>
+                        <m:t>+</m:t>
+                      </m:r>
+                      <m:sSub>
+                        <m:sSubPr>
+                          <m:ctrlPr>
+                            <a:rPr lang="en-GB" sz="3600" i="1">
+                              <a:latin typeface="Cambria Math" panose="02040503050406030204" pitchFamily="18" charset="0"/>
+                            </a:rPr>
+                          </m:ctrlPr>
+                        </m:sSubPr>
+                        <m:e>
+                          <m:r>
+                            <a:rPr lang="en-GB" sz="3600" i="1">
+                              <a:latin typeface="Cambria Math" panose="02040503050406030204" pitchFamily="18" charset="0"/>
+                              <a:ea typeface="Cambria Math" panose="02040503050406030204" pitchFamily="18" charset="0"/>
+                            </a:rPr>
+                            <m:t>𝛽</m:t>
+                          </m:r>
+                        </m:e>
+                        <m:sub>
+                          <m:r>
+                            <a:rPr lang="en-GB" sz="3600" b="0" i="1" smtClean="0">
+                              <a:latin typeface="Cambria Math" panose="02040503050406030204" pitchFamily="18" charset="0"/>
+                              <a:ea typeface="Cambria Math" panose="02040503050406030204" pitchFamily="18" charset="0"/>
+                            </a:rPr>
+                            <m:t>1</m:t>
+                          </m:r>
+                        </m:sub>
+                      </m:sSub>
+                      <m:r>
+                        <a:rPr lang="en-GB" sz="3600" b="0" i="1" smtClean="0">
+                          <a:latin typeface="Cambria Math" panose="02040503050406030204" pitchFamily="18" charset="0"/>
+                          <a:ea typeface="Cambria Math" panose="02040503050406030204" pitchFamily="18" charset="0"/>
+                        </a:rPr>
+                        <m:t>∗</m:t>
+                      </m:r>
+                      <m:sSub>
+                        <m:sSubPr>
+                          <m:ctrlPr>
+                            <a:rPr lang="en-GB" sz="3600" i="1">
+                              <a:latin typeface="Cambria Math" panose="02040503050406030204" pitchFamily="18" charset="0"/>
+                            </a:rPr>
+                          </m:ctrlPr>
+                        </m:sSubPr>
+                        <m:e>
+                          <m:r>
+                            <a:rPr lang="en-GB" sz="3600" b="0" i="1" smtClean="0">
+                              <a:latin typeface="Cambria Math" panose="02040503050406030204" pitchFamily="18" charset="0"/>
+                            </a:rPr>
+                            <m:t>𝑥</m:t>
+                          </m:r>
+                        </m:e>
+                        <m:sub>
+                          <m:r>
+                            <a:rPr lang="en-GB" sz="3600" i="1">
+                              <a:latin typeface="Cambria Math" panose="02040503050406030204" pitchFamily="18" charset="0"/>
+                              <a:ea typeface="Cambria Math" panose="02040503050406030204" pitchFamily="18" charset="0"/>
+                            </a:rPr>
+                            <m:t>𝑖</m:t>
+                          </m:r>
+                        </m:sub>
+                      </m:sSub>
+                      <m:r>
+                        <a:rPr lang="en-GB" sz="3600" b="0" i="1" smtClean="0">
+                          <a:latin typeface="Cambria Math" panose="02040503050406030204" pitchFamily="18" charset="0"/>
+                        </a:rPr>
+                        <m:t>+</m:t>
+                      </m:r>
+                      <m:sSub>
+                        <m:sSubPr>
+                          <m:ctrlPr>
+                            <a:rPr lang="en-GB" sz="3600" i="1">
+                              <a:latin typeface="Cambria Math" panose="02040503050406030204" pitchFamily="18" charset="0"/>
+                            </a:rPr>
+                          </m:ctrlPr>
+                        </m:sSubPr>
+                        <m:e>
+                          <m:r>
+                            <a:rPr lang="en-GB" sz="3600" i="1">
+                              <a:latin typeface="Cambria Math" panose="02040503050406030204" pitchFamily="18" charset="0"/>
+                              <a:ea typeface="Cambria Math" panose="02040503050406030204" pitchFamily="18" charset="0"/>
+                            </a:rPr>
+                            <m:t>𝜀</m:t>
+                          </m:r>
+                        </m:e>
+                        <m:sub>
+                          <m:r>
+                            <a:rPr lang="en-GB" sz="3600" b="0" i="1" smtClean="0">
+                              <a:latin typeface="Cambria Math" panose="02040503050406030204" pitchFamily="18" charset="0"/>
+                              <a:ea typeface="Cambria Math" panose="02040503050406030204" pitchFamily="18" charset="0"/>
+                            </a:rPr>
+                            <m:t>𝑖</m:t>
+                          </m:r>
+                        </m:sub>
+                      </m:sSub>
+                    </m:oMath>
+                  </m:oMathPara>
+                </a14:m>
+                <a:endParaRPr lang="en-GB" sz="3600" b="0" i="1" dirty="0">
+                  <a:latin typeface="Cambria Math" panose="02040503050406030204" pitchFamily="18" charset="0"/>
+                  <a:ea typeface="Cambria Math" panose="02040503050406030204" pitchFamily="18" charset="0"/>
+                </a:endParaRPr>
+              </a:p>
+            </p:txBody>
+          </p:sp>
+        </mc:Choice>
+        <mc:Fallback>
+          <p:sp>
+            <p:nvSpPr>
+              <p:cNvPr id="2" name="TextBox 1">
+                <a:extLst>
+                  <a:ext uri="{FF2B5EF4-FFF2-40B4-BE49-F238E27FC236}">
+                    <a16:creationId xmlns:a16="http://schemas.microsoft.com/office/drawing/2014/main" id="{892D29EF-C357-537A-1E2C-C4AF57EE701F}"/>
+                  </a:ext>
+                </a:extLst>
+              </p:cNvPr>
+              <p:cNvSpPr txBox="1">
+                <a:spLocks noRot="1" noChangeAspect="1" noMove="1" noResize="1" noEditPoints="1" noAdjustHandles="1" noChangeArrowheads="1" noChangeShapeType="1" noTextEdit="1"/>
+              </p:cNvSpPr>
+              <p:nvPr/>
+            </p:nvSpPr>
+            <p:spPr>
+              <a:xfrm>
+                <a:off x="1788662" y="2909405"/>
+                <a:ext cx="8614675" cy="1244893"/>
+              </a:xfrm>
+              <a:prstGeom prst="rect">
+                <a:avLst/>
+              </a:prstGeom>
+              <a:blipFill>
+                <a:blip r:embed="rId2"/>
+                <a:stretch>
+                  <a:fillRect l="-2122" t="-7353"/>
+                </a:stretch>
+              </a:blipFill>
+            </p:spPr>
+            <p:txBody>
+              <a:bodyPr/>
+              <a:lstStyle/>
+              <a:p>
+                <a:r>
+                  <a:rPr lang="en-GB">
+                    <a:noFill/>
+                  </a:rPr>
+                  <a:t> </a:t>
+                </a:r>
+              </a:p>
+            </p:txBody>
+          </p:sp>
+        </mc:Fallback>
+      </mc:AlternateContent>
+      <mc:AlternateContent xmlns:mc="http://schemas.openxmlformats.org/markup-compatibility/2006">
+        <mc:Choice xmlns:a14="http://schemas.microsoft.com/office/drawing/2010/main" Requires="a14">
+          <p:sp>
+            <p:nvSpPr>
+              <p:cNvPr id="3" name="Oval 2">
+                <a:extLst>
+                  <a:ext uri="{FF2B5EF4-FFF2-40B4-BE49-F238E27FC236}">
+                    <a16:creationId xmlns:a16="http://schemas.microsoft.com/office/drawing/2014/main" id="{E6CD0ACD-A0D8-BD38-9FB7-0F8139E24E50}"/>
+                  </a:ext>
+                </a:extLst>
+              </p:cNvPr>
+              <p:cNvSpPr/>
+              <p:nvPr/>
+            </p:nvSpPr>
+            <p:spPr>
+              <a:xfrm>
+                <a:off x="3942027" y="1232215"/>
+                <a:ext cx="1383825" cy="1330036"/>
+              </a:xfrm>
+              <a:prstGeom prst="ellipse">
+                <a:avLst/>
+              </a:prstGeom>
+              <a:solidFill>
+                <a:schemeClr val="bg1"/>
+              </a:solidFill>
+              <a:ln>
+                <a:solidFill>
+                  <a:schemeClr val="tx1"/>
+                </a:solidFill>
+              </a:ln>
+            </p:spPr>
+            <p:style>
+              <a:lnRef idx="2">
+                <a:schemeClr val="accent1">
+                  <a:shade val="15000"/>
+                </a:schemeClr>
+              </a:lnRef>
+              <a:fillRef idx="1">
+                <a:schemeClr val="accent1"/>
+              </a:fillRef>
+              <a:effectRef idx="0">
+                <a:schemeClr val="accent1"/>
+              </a:effectRef>
+              <a:fontRef idx="minor">
+                <a:schemeClr val="lt1"/>
+              </a:fontRef>
+            </p:style>
+            <p:txBody>
+              <a:bodyPr rtlCol="0" anchor="ctr"/>
+              <a:lstStyle/>
+              <a:p>
+                <a:pPr algn="ctr"/>
+                <a14:m>
+                  <m:oMathPara xmlns:m="http://schemas.openxmlformats.org/officeDocument/2006/math">
+                    <m:oMathParaPr>
+                      <m:jc m:val="centerGroup"/>
+                    </m:oMathParaPr>
+                    <m:oMath xmlns:m="http://schemas.openxmlformats.org/officeDocument/2006/math">
+                      <m:r>
+                        <a:rPr lang="en-GB" sz="4000" b="0" i="1" smtClean="0">
+                          <a:solidFill>
+                            <a:schemeClr val="tx1"/>
+                          </a:solidFill>
+                          <a:latin typeface="Cambria Math" panose="02040503050406030204" pitchFamily="18" charset="0"/>
+                        </a:rPr>
+                        <m:t>𝑥</m:t>
+                      </m:r>
+                    </m:oMath>
+                  </m:oMathPara>
+                </a14:m>
+                <a:endParaRPr lang="en-GB" sz="4000" dirty="0">
+                  <a:solidFill>
+                    <a:schemeClr val="tx1"/>
+                  </a:solidFill>
+                </a:endParaRPr>
+              </a:p>
+            </p:txBody>
+          </p:sp>
+        </mc:Choice>
+        <mc:Fallback>
+          <p:sp>
+            <p:nvSpPr>
+              <p:cNvPr id="3" name="Oval 2">
+                <a:extLst>
+                  <a:ext uri="{FF2B5EF4-FFF2-40B4-BE49-F238E27FC236}">
+                    <a16:creationId xmlns:a16="http://schemas.microsoft.com/office/drawing/2014/main" id="{E6CD0ACD-A0D8-BD38-9FB7-0F8139E24E50}"/>
+                  </a:ext>
+                </a:extLst>
+              </p:cNvPr>
+              <p:cNvSpPr>
+                <a:spLocks noRot="1" noChangeAspect="1" noMove="1" noResize="1" noEditPoints="1" noAdjustHandles="1" noChangeArrowheads="1" noChangeShapeType="1" noTextEdit="1"/>
+              </p:cNvSpPr>
+              <p:nvPr/>
+            </p:nvSpPr>
+            <p:spPr>
+              <a:xfrm>
+                <a:off x="3942027" y="1232215"/>
+                <a:ext cx="1383825" cy="1330036"/>
+              </a:xfrm>
+              <a:prstGeom prst="ellipse">
+                <a:avLst/>
+              </a:prstGeom>
+              <a:blipFill>
+                <a:blip r:embed="rId3"/>
+                <a:stretch>
+                  <a:fillRect/>
+                </a:stretch>
+              </a:blipFill>
+              <a:ln>
+                <a:solidFill>
+                  <a:schemeClr val="tx1"/>
+                </a:solidFill>
+              </a:ln>
+            </p:spPr>
+            <p:txBody>
+              <a:bodyPr/>
+              <a:lstStyle/>
+              <a:p>
+                <a:r>
+                  <a:rPr lang="en-GB">
+                    <a:noFill/>
+                  </a:rPr>
+                  <a:t> </a:t>
+                </a:r>
+              </a:p>
+            </p:txBody>
+          </p:sp>
+        </mc:Fallback>
+      </mc:AlternateContent>
+      <mc:AlternateContent xmlns:mc="http://schemas.openxmlformats.org/markup-compatibility/2006">
+        <mc:Choice xmlns:a14="http://schemas.microsoft.com/office/drawing/2010/main" Requires="a14">
+          <p:sp>
+            <p:nvSpPr>
+              <p:cNvPr id="4" name="Oval 3">
+                <a:extLst>
+                  <a:ext uri="{FF2B5EF4-FFF2-40B4-BE49-F238E27FC236}">
+                    <a16:creationId xmlns:a16="http://schemas.microsoft.com/office/drawing/2014/main" id="{B44EAB95-FE50-A867-D822-AD3A0F919B6D}"/>
+                  </a:ext>
+                </a:extLst>
+              </p:cNvPr>
+              <p:cNvSpPr/>
+              <p:nvPr/>
+            </p:nvSpPr>
+            <p:spPr>
+              <a:xfrm>
+                <a:off x="6866149" y="1232215"/>
+                <a:ext cx="1383825" cy="1330036"/>
+              </a:xfrm>
+              <a:prstGeom prst="ellipse">
+                <a:avLst/>
+              </a:prstGeom>
+              <a:solidFill>
+                <a:schemeClr val="bg1"/>
+              </a:solidFill>
+              <a:ln>
+                <a:solidFill>
+                  <a:schemeClr val="tx1"/>
+                </a:solidFill>
+              </a:ln>
+            </p:spPr>
+            <p:style>
+              <a:lnRef idx="2">
+                <a:schemeClr val="accent1">
+                  <a:shade val="15000"/>
+                </a:schemeClr>
+              </a:lnRef>
+              <a:fillRef idx="1">
+                <a:schemeClr val="accent1"/>
+              </a:fillRef>
+              <a:effectRef idx="0">
+                <a:schemeClr val="accent1"/>
+              </a:effectRef>
+              <a:fontRef idx="minor">
+                <a:schemeClr val="lt1"/>
+              </a:fontRef>
+            </p:style>
+            <p:txBody>
+              <a:bodyPr rtlCol="0" anchor="ctr"/>
+              <a:lstStyle/>
+              <a:p>
+                <a:pPr algn="ctr"/>
+                <a14:m>
+                  <m:oMathPara xmlns:m="http://schemas.openxmlformats.org/officeDocument/2006/math">
+                    <m:oMathParaPr>
+                      <m:jc m:val="centerGroup"/>
+                    </m:oMathParaPr>
+                    <m:oMath xmlns:m="http://schemas.openxmlformats.org/officeDocument/2006/math">
+                      <m:r>
+                        <a:rPr lang="en-GB" sz="4000" b="0" i="1" smtClean="0">
+                          <a:solidFill>
+                            <a:schemeClr val="tx1"/>
+                          </a:solidFill>
+                          <a:latin typeface="Cambria Math" panose="02040503050406030204" pitchFamily="18" charset="0"/>
+                        </a:rPr>
+                        <m:t>𝑦</m:t>
+                      </m:r>
+                    </m:oMath>
+                  </m:oMathPara>
+                </a14:m>
+                <a:endParaRPr lang="en-GB" sz="4000" dirty="0">
+                  <a:solidFill>
+                    <a:schemeClr val="tx1"/>
+                  </a:solidFill>
+                </a:endParaRPr>
+              </a:p>
+            </p:txBody>
+          </p:sp>
+        </mc:Choice>
+        <mc:Fallback>
+          <p:sp>
+            <p:nvSpPr>
+              <p:cNvPr id="4" name="Oval 3">
+                <a:extLst>
+                  <a:ext uri="{FF2B5EF4-FFF2-40B4-BE49-F238E27FC236}">
+                    <a16:creationId xmlns:a16="http://schemas.microsoft.com/office/drawing/2014/main" id="{B44EAB95-FE50-A867-D822-AD3A0F919B6D}"/>
+                  </a:ext>
+                </a:extLst>
+              </p:cNvPr>
+              <p:cNvSpPr>
+                <a:spLocks noRot="1" noChangeAspect="1" noMove="1" noResize="1" noEditPoints="1" noAdjustHandles="1" noChangeArrowheads="1" noChangeShapeType="1" noTextEdit="1"/>
+              </p:cNvSpPr>
+              <p:nvPr/>
+            </p:nvSpPr>
+            <p:spPr>
+              <a:xfrm>
+                <a:off x="6866149" y="1232215"/>
+                <a:ext cx="1383825" cy="1330036"/>
+              </a:xfrm>
+              <a:prstGeom prst="ellipse">
+                <a:avLst/>
+              </a:prstGeom>
+              <a:blipFill>
+                <a:blip r:embed="rId4"/>
+                <a:stretch>
+                  <a:fillRect/>
+                </a:stretch>
+              </a:blipFill>
+              <a:ln>
+                <a:solidFill>
+                  <a:schemeClr val="tx1"/>
+                </a:solidFill>
+              </a:ln>
+            </p:spPr>
+            <p:txBody>
+              <a:bodyPr/>
+              <a:lstStyle/>
+              <a:p>
+                <a:r>
+                  <a:rPr lang="en-GB">
+                    <a:noFill/>
+                  </a:rPr>
+                  <a:t> </a:t>
+                </a:r>
+              </a:p>
+            </p:txBody>
+          </p:sp>
+        </mc:Fallback>
+      </mc:AlternateContent>
+      <p:cxnSp>
+        <p:nvCxnSpPr>
+          <p:cNvPr id="5" name="Straight Arrow Connector 4">
+            <a:extLst>
+              <a:ext uri="{FF2B5EF4-FFF2-40B4-BE49-F238E27FC236}">
+                <a16:creationId xmlns:a16="http://schemas.microsoft.com/office/drawing/2014/main" id="{CD5E3F25-F7DA-09E5-3E3A-9F947E4A4CAC}"/>
+              </a:ext>
+            </a:extLst>
+          </p:cNvPr>
+          <p:cNvCxnSpPr>
+            <a:stCxn id="3" idx="6"/>
+            <a:endCxn id="4" idx="2"/>
+          </p:cNvCxnSpPr>
+          <p:nvPr/>
+        </p:nvCxnSpPr>
+        <p:spPr>
+          <a:xfrm>
+            <a:off x="5325852" y="1897233"/>
+            <a:ext cx="1540297" cy="0"/>
+          </a:xfrm>
+          <a:prstGeom prst="straightConnector1">
+            <a:avLst/>
+          </a:prstGeom>
+          <a:ln w="38100">
+            <a:solidFill>
+              <a:schemeClr val="tx1"/>
+            </a:solidFill>
+            <a:tailEnd type="triangle" w="lg" len="lg"/>
+          </a:ln>
+        </p:spPr>
+        <p:style>
+          <a:lnRef idx="2">
+            <a:schemeClr val="accent1"/>
+          </a:lnRef>
+          <a:fillRef idx="0">
+            <a:schemeClr val="accent1"/>
+          </a:fillRef>
+          <a:effectRef idx="1">
+            <a:schemeClr val="accent1"/>
+          </a:effectRef>
+          <a:fontRef idx="minor">
+            <a:schemeClr val="tx1"/>
+          </a:fontRef>
+        </p:style>
+      </p:cxnSp>
+      <p:sp>
+        <p:nvSpPr>
+          <p:cNvPr id="6" name="Título 1">
+            <a:extLst>
+              <a:ext uri="{FF2B5EF4-FFF2-40B4-BE49-F238E27FC236}">
+                <a16:creationId xmlns:a16="http://schemas.microsoft.com/office/drawing/2014/main" id="{B505618F-48D5-CB73-FAE4-C79CC2BB3716}"/>
+              </a:ext>
+            </a:extLst>
+          </p:cNvPr>
+          <p:cNvSpPr txBox="1">
+            <a:spLocks/>
+          </p:cNvSpPr>
+          <p:nvPr/>
+        </p:nvSpPr>
+        <p:spPr>
+          <a:xfrm>
+            <a:off x="0" y="0"/>
+            <a:ext cx="12192000" cy="885061"/>
+          </a:xfrm>
+          <a:prstGeom prst="rect">
+            <a:avLst/>
+          </a:prstGeom>
+        </p:spPr>
+        <p:txBody>
+          <a:bodyPr vert="horz" lIns="91440" tIns="45720" rIns="91440" bIns="45720" rtlCol="0" anchor="b">
+            <a:normAutofit/>
+          </a:bodyPr>
+          <a:lstStyle>
+            <a:lvl1pPr algn="ctr" defTabSz="914400" rtl="0" eaLnBrk="1" latinLnBrk="0" hangingPunct="1">
+              <a:lnSpc>
+                <a:spcPct val="90000"/>
+              </a:lnSpc>
+              <a:spcBef>
+                <a:spcPct val="0"/>
+              </a:spcBef>
+              <a:buNone/>
+              <a:defRPr sz="6000" kern="1200">
+                <a:solidFill>
+                  <a:schemeClr val="tx1"/>
+                </a:solidFill>
+                <a:latin typeface="+mj-lt"/>
+                <a:ea typeface="+mj-ea"/>
+                <a:cs typeface="+mj-cs"/>
+              </a:defRPr>
+            </a:lvl1pPr>
+          </a:lstStyle>
+          <a:p>
+            <a:r>
+              <a:rPr lang="es-MX" sz="4800" b="1" dirty="0">
+                <a:latin typeface="Times New Roman" panose="02020603050405020304" pitchFamily="18" charset="0"/>
+                <a:cs typeface="Times New Roman" panose="02020603050405020304" pitchFamily="18" charset="0"/>
+              </a:rPr>
+              <a:t>GLMM</a:t>
+            </a:r>
+          </a:p>
+        </p:txBody>
+      </p:sp>
+      <p:pic>
+        <p:nvPicPr>
+          <p:cNvPr id="7" name="Picture 6">
+            <a:extLst>
+              <a:ext uri="{FF2B5EF4-FFF2-40B4-BE49-F238E27FC236}">
+                <a16:creationId xmlns:a16="http://schemas.microsoft.com/office/drawing/2014/main" id="{37C8DC9A-C72B-2D63-9273-B786DF088577}"/>
+              </a:ext>
+            </a:extLst>
+          </p:cNvPr>
+          <p:cNvPicPr>
+            <a:picLocks noChangeAspect="1"/>
+          </p:cNvPicPr>
+          <p:nvPr/>
+        </p:nvPicPr>
+        <p:blipFill>
+          <a:blip r:embed="rId5"/>
+          <a:srcRect r="67522"/>
+          <a:stretch/>
+        </p:blipFill>
+        <p:spPr>
+          <a:xfrm>
+            <a:off x="9047103" y="1151428"/>
+            <a:ext cx="3144897" cy="5400000"/>
+          </a:xfrm>
+          <a:prstGeom prst="rect">
+            <a:avLst/>
+          </a:prstGeom>
+        </p:spPr>
+      </p:pic>
+    </p:spTree>
+    <p:extLst>
+      <p:ext uri="{BB962C8B-B14F-4D97-AF65-F5344CB8AC3E}">
+        <p14:creationId xmlns:p14="http://schemas.microsoft.com/office/powerpoint/2010/main" val="2447360708"/>
+      </p:ext>
+    </p:extLst>
+  </p:cSld>
+  <p:clrMapOvr>
+    <a:masterClrMapping/>
+  </p:clrMapOvr>
+</p:sld>
+</file>
+
 <file path=ppt/slides/slide4.xml><?xml version="1.0" encoding="utf-8"?>
 <p:sld xmlns:a="http://schemas.openxmlformats.org/drawingml/2006/main" xmlns:r="http://schemas.openxmlformats.org/officeDocument/2006/relationships" xmlns:p="http://schemas.openxmlformats.org/presentationml/2006/main">
   <p:cSld>
@@ -21142,6 +28324,2046 @@
     <p:extLst>
       <p:ext uri="{BB962C8B-B14F-4D97-AF65-F5344CB8AC3E}">
         <p14:creationId xmlns:p14="http://schemas.microsoft.com/office/powerpoint/2010/main" val="503701925"/>
+      </p:ext>
+    </p:extLst>
+  </p:cSld>
+  <p:clrMapOvr>
+    <a:masterClrMapping/>
+  </p:clrMapOvr>
+</p:sld>
+</file>
+
+<file path=ppt/slides/slide40.xml><?xml version="1.0" encoding="utf-8"?>
+<p:sld xmlns:a="http://schemas.openxmlformats.org/drawingml/2006/main" xmlns:r="http://schemas.openxmlformats.org/officeDocument/2006/relationships" xmlns:p="http://schemas.openxmlformats.org/presentationml/2006/main">
+  <p:cSld>
+    <p:spTree>
+      <p:nvGrpSpPr>
+        <p:cNvPr id="1" name="">
+          <a:extLst>
+            <a:ext uri="{FF2B5EF4-FFF2-40B4-BE49-F238E27FC236}">
+              <a16:creationId xmlns:a16="http://schemas.microsoft.com/office/drawing/2014/main" id="{A32EC00A-383D-7305-A576-2F3F9DB2C6FE}"/>
+            </a:ext>
+          </a:extLst>
+        </p:cNvPr>
+        <p:cNvGrpSpPr/>
+        <p:nvPr/>
+      </p:nvGrpSpPr>
+      <p:grpSpPr>
+        <a:xfrm>
+          <a:off x="0" y="0"/>
+          <a:ext cx="0" cy="0"/>
+          <a:chOff x="0" y="0"/>
+          <a:chExt cx="0" cy="0"/>
+        </a:xfrm>
+      </p:grpSpPr>
+      <mc:AlternateContent xmlns:mc="http://schemas.openxmlformats.org/markup-compatibility/2006">
+        <mc:Choice xmlns:a14="http://schemas.microsoft.com/office/drawing/2010/main" Requires="a14">
+          <p:sp>
+            <p:nvSpPr>
+              <p:cNvPr id="2" name="TextBox 1">
+                <a:extLst>
+                  <a:ext uri="{FF2B5EF4-FFF2-40B4-BE49-F238E27FC236}">
+                    <a16:creationId xmlns:a16="http://schemas.microsoft.com/office/drawing/2014/main" id="{ECBEB938-3F97-CE62-86AF-1D8263E24ECB}"/>
+                  </a:ext>
+                </a:extLst>
+              </p:cNvPr>
+              <p:cNvSpPr txBox="1"/>
+              <p:nvPr/>
+            </p:nvSpPr>
+            <p:spPr>
+              <a:xfrm>
+                <a:off x="1788662" y="2909405"/>
+                <a:ext cx="8614675" cy="2951449"/>
+              </a:xfrm>
+              <a:prstGeom prst="rect">
+                <a:avLst/>
+              </a:prstGeom>
+              <a:noFill/>
+            </p:spPr>
+            <p:txBody>
+              <a:bodyPr wrap="square">
+                <a:spAutoFit/>
+              </a:bodyPr>
+              <a:lstStyle/>
+              <a:p>
+                <a:pPr/>
+                <a:r>
+                  <a:rPr lang="en-GB" sz="3600" b="0" i="1" dirty="0">
+                    <a:latin typeface="Cambria Math" panose="02040503050406030204" pitchFamily="18" charset="0"/>
+                  </a:rPr>
+                  <a:t>Level 1</a:t>
+                </a:r>
+              </a:p>
+              <a:p>
+                <a:pPr/>
+                <a14:m>
+                  <m:oMathPara xmlns:m="http://schemas.openxmlformats.org/officeDocument/2006/math">
+                    <m:oMathParaPr>
+                      <m:jc m:val="centerGroup"/>
+                    </m:oMathParaPr>
+                    <m:oMath xmlns:m="http://schemas.openxmlformats.org/officeDocument/2006/math">
+                      <m:sSub>
+                        <m:sSubPr>
+                          <m:ctrlPr>
+                            <a:rPr lang="en-GB" sz="3600" b="0" i="1" smtClean="0">
+                              <a:latin typeface="Cambria Math" panose="02040503050406030204" pitchFamily="18" charset="0"/>
+                            </a:rPr>
+                          </m:ctrlPr>
+                        </m:sSubPr>
+                        <m:e>
+                          <m:r>
+                            <a:rPr lang="en-GB" sz="3600" b="0" i="1" smtClean="0">
+                              <a:latin typeface="Cambria Math" panose="02040503050406030204" pitchFamily="18" charset="0"/>
+                            </a:rPr>
+                            <m:t>𝑦</m:t>
+                          </m:r>
+                        </m:e>
+                        <m:sub>
+                          <m:r>
+                            <a:rPr lang="en-GB" sz="3600" b="0" i="1" smtClean="0">
+                              <a:latin typeface="Cambria Math" panose="02040503050406030204" pitchFamily="18" charset="0"/>
+                            </a:rPr>
+                            <m:t>𝑖</m:t>
+                          </m:r>
+                          <m:r>
+                            <a:rPr lang="en-GB" sz="3600" b="0" i="1" smtClean="0">
+                              <a:latin typeface="Cambria Math" panose="02040503050406030204" pitchFamily="18" charset="0"/>
+                            </a:rPr>
+                            <m:t>,</m:t>
+                          </m:r>
+                          <m:r>
+                            <a:rPr lang="en-GB" sz="3600" b="0" i="1" smtClean="0">
+                              <a:latin typeface="Cambria Math" panose="02040503050406030204" pitchFamily="18" charset="0"/>
+                            </a:rPr>
+                            <m:t>𝑗</m:t>
+                          </m:r>
+                        </m:sub>
+                      </m:sSub>
+                      <m:r>
+                        <a:rPr lang="en-GB" sz="3600" b="0" i="1" smtClean="0">
+                          <a:latin typeface="Cambria Math" panose="02040503050406030204" pitchFamily="18" charset="0"/>
+                        </a:rPr>
+                        <m:t>=</m:t>
+                      </m:r>
+                      <m:sSub>
+                        <m:sSubPr>
+                          <m:ctrlPr>
+                            <a:rPr lang="en-GB" sz="3600" i="1">
+                              <a:latin typeface="Cambria Math" panose="02040503050406030204" pitchFamily="18" charset="0"/>
+                            </a:rPr>
+                          </m:ctrlPr>
+                        </m:sSubPr>
+                        <m:e>
+                          <m:r>
+                            <a:rPr lang="en-GB" sz="3600" i="1">
+                              <a:latin typeface="Cambria Math" panose="02040503050406030204" pitchFamily="18" charset="0"/>
+                              <a:ea typeface="Cambria Math" panose="02040503050406030204" pitchFamily="18" charset="0"/>
+                            </a:rPr>
+                            <m:t>𝛽</m:t>
+                          </m:r>
+                        </m:e>
+                        <m:sub>
+                          <m:r>
+                            <a:rPr lang="en-GB" sz="3600" i="1">
+                              <a:latin typeface="Cambria Math" panose="02040503050406030204" pitchFamily="18" charset="0"/>
+                              <a:ea typeface="Cambria Math" panose="02040503050406030204" pitchFamily="18" charset="0"/>
+                            </a:rPr>
+                            <m:t>0,</m:t>
+                          </m:r>
+                          <m:r>
+                            <a:rPr lang="en-GB" sz="3600" i="1">
+                              <a:latin typeface="Cambria Math" panose="02040503050406030204" pitchFamily="18" charset="0"/>
+                              <a:ea typeface="Cambria Math" panose="02040503050406030204" pitchFamily="18" charset="0"/>
+                            </a:rPr>
+                            <m:t>𝑗</m:t>
+                          </m:r>
+                        </m:sub>
+                      </m:sSub>
+                      <m:r>
+                        <a:rPr lang="en-GB" sz="3600" b="0" i="1" smtClean="0">
+                          <a:latin typeface="Cambria Math" panose="02040503050406030204" pitchFamily="18" charset="0"/>
+                        </a:rPr>
+                        <m:t>+</m:t>
+                      </m:r>
+                      <m:sSub>
+                        <m:sSubPr>
+                          <m:ctrlPr>
+                            <a:rPr lang="en-GB" sz="3600" i="1">
+                              <a:latin typeface="Cambria Math" panose="02040503050406030204" pitchFamily="18" charset="0"/>
+                            </a:rPr>
+                          </m:ctrlPr>
+                        </m:sSubPr>
+                        <m:e>
+                          <m:r>
+                            <a:rPr lang="en-GB" sz="3600" i="1">
+                              <a:latin typeface="Cambria Math" panose="02040503050406030204" pitchFamily="18" charset="0"/>
+                              <a:ea typeface="Cambria Math" panose="02040503050406030204" pitchFamily="18" charset="0"/>
+                            </a:rPr>
+                            <m:t>𝛽</m:t>
+                          </m:r>
+                        </m:e>
+                        <m:sub>
+                          <m:r>
+                            <a:rPr lang="en-GB" sz="3600" b="0" i="1" smtClean="0">
+                              <a:latin typeface="Cambria Math" panose="02040503050406030204" pitchFamily="18" charset="0"/>
+                              <a:ea typeface="Cambria Math" panose="02040503050406030204" pitchFamily="18" charset="0"/>
+                            </a:rPr>
+                            <m:t>1</m:t>
+                          </m:r>
+                        </m:sub>
+                      </m:sSub>
+                      <m:r>
+                        <a:rPr lang="en-GB" sz="3600" b="0" i="1" smtClean="0">
+                          <a:latin typeface="Cambria Math" panose="02040503050406030204" pitchFamily="18" charset="0"/>
+                          <a:ea typeface="Cambria Math" panose="02040503050406030204" pitchFamily="18" charset="0"/>
+                        </a:rPr>
+                        <m:t>∗</m:t>
+                      </m:r>
+                      <m:sSub>
+                        <m:sSubPr>
+                          <m:ctrlPr>
+                            <a:rPr lang="en-GB" sz="3600" i="1">
+                              <a:latin typeface="Cambria Math" panose="02040503050406030204" pitchFamily="18" charset="0"/>
+                            </a:rPr>
+                          </m:ctrlPr>
+                        </m:sSubPr>
+                        <m:e>
+                          <m:r>
+                            <a:rPr lang="en-GB" sz="3600" b="0" i="1" smtClean="0">
+                              <a:latin typeface="Cambria Math" panose="02040503050406030204" pitchFamily="18" charset="0"/>
+                            </a:rPr>
+                            <m:t>𝑥</m:t>
+                          </m:r>
+                        </m:e>
+                        <m:sub>
+                          <m:r>
+                            <a:rPr lang="en-GB" sz="3600" i="1">
+                              <a:latin typeface="Cambria Math" panose="02040503050406030204" pitchFamily="18" charset="0"/>
+                              <a:ea typeface="Cambria Math" panose="02040503050406030204" pitchFamily="18" charset="0"/>
+                            </a:rPr>
+                            <m:t>𝑖</m:t>
+                          </m:r>
+                          <m:r>
+                            <a:rPr lang="en-GB" sz="3600" i="1">
+                              <a:latin typeface="Cambria Math" panose="02040503050406030204" pitchFamily="18" charset="0"/>
+                              <a:ea typeface="Cambria Math" panose="02040503050406030204" pitchFamily="18" charset="0"/>
+                            </a:rPr>
+                            <m:t>,</m:t>
+                          </m:r>
+                          <m:r>
+                            <a:rPr lang="en-GB" sz="3600" i="1">
+                              <a:latin typeface="Cambria Math" panose="02040503050406030204" pitchFamily="18" charset="0"/>
+                              <a:ea typeface="Cambria Math" panose="02040503050406030204" pitchFamily="18" charset="0"/>
+                            </a:rPr>
+                            <m:t>𝑗</m:t>
+                          </m:r>
+                        </m:sub>
+                      </m:sSub>
+                      <m:r>
+                        <a:rPr lang="en-GB" sz="3600" b="0" i="1" smtClean="0">
+                          <a:latin typeface="Cambria Math" panose="02040503050406030204" pitchFamily="18" charset="0"/>
+                        </a:rPr>
+                        <m:t>+</m:t>
+                      </m:r>
+                      <m:sSub>
+                        <m:sSubPr>
+                          <m:ctrlPr>
+                            <a:rPr lang="en-GB" sz="3600" i="1">
+                              <a:latin typeface="Cambria Math" panose="02040503050406030204" pitchFamily="18" charset="0"/>
+                            </a:rPr>
+                          </m:ctrlPr>
+                        </m:sSubPr>
+                        <m:e>
+                          <m:r>
+                            <a:rPr lang="en-GB" sz="3600" i="1">
+                              <a:latin typeface="Cambria Math" panose="02040503050406030204" pitchFamily="18" charset="0"/>
+                              <a:ea typeface="Cambria Math" panose="02040503050406030204" pitchFamily="18" charset="0"/>
+                            </a:rPr>
+                            <m:t>𝜀</m:t>
+                          </m:r>
+                        </m:e>
+                        <m:sub>
+                          <m:r>
+                            <a:rPr lang="en-GB" sz="3600" b="0" i="1" smtClean="0">
+                              <a:latin typeface="Cambria Math" panose="02040503050406030204" pitchFamily="18" charset="0"/>
+                              <a:ea typeface="Cambria Math" panose="02040503050406030204" pitchFamily="18" charset="0"/>
+                            </a:rPr>
+                            <m:t>𝑖</m:t>
+                          </m:r>
+                          <m:r>
+                            <a:rPr lang="en-GB" sz="3600" b="0" i="1" smtClean="0">
+                              <a:latin typeface="Cambria Math" panose="02040503050406030204" pitchFamily="18" charset="0"/>
+                              <a:ea typeface="Cambria Math" panose="02040503050406030204" pitchFamily="18" charset="0"/>
+                            </a:rPr>
+                            <m:t>,</m:t>
+                          </m:r>
+                          <m:r>
+                            <a:rPr lang="en-GB" sz="3600" b="0" i="1" smtClean="0">
+                              <a:latin typeface="Cambria Math" panose="02040503050406030204" pitchFamily="18" charset="0"/>
+                              <a:ea typeface="Cambria Math" panose="02040503050406030204" pitchFamily="18" charset="0"/>
+                            </a:rPr>
+                            <m:t>𝑗</m:t>
+                          </m:r>
+                        </m:sub>
+                      </m:sSub>
+                    </m:oMath>
+                  </m:oMathPara>
+                </a14:m>
+                <a:endParaRPr lang="en-GB" sz="3600" b="0" i="1" dirty="0">
+                  <a:latin typeface="Cambria Math" panose="02040503050406030204" pitchFamily="18" charset="0"/>
+                  <a:ea typeface="Cambria Math" panose="02040503050406030204" pitchFamily="18" charset="0"/>
+                </a:endParaRPr>
+              </a:p>
+              <a:p>
+                <a:pPr/>
+                <a:endParaRPr lang="en-GB" sz="3600" i="1" dirty="0">
+                  <a:latin typeface="Cambria Math" panose="02040503050406030204" pitchFamily="18" charset="0"/>
+                  <a:ea typeface="Cambria Math" panose="02040503050406030204" pitchFamily="18" charset="0"/>
+                </a:endParaRPr>
+              </a:p>
+              <a:p>
+                <a:pPr/>
+                <a:r>
+                  <a:rPr lang="en-GB" sz="3600" b="0" i="1" dirty="0">
+                    <a:latin typeface="Cambria Math" panose="02040503050406030204" pitchFamily="18" charset="0"/>
+                  </a:rPr>
+                  <a:t>Level 2</a:t>
+                </a:r>
+              </a:p>
+              <a:p>
+                <a14:m>
+                  <m:oMathPara xmlns:m="http://schemas.openxmlformats.org/officeDocument/2006/math">
+                    <m:oMathParaPr>
+                      <m:jc m:val="centerGroup"/>
+                    </m:oMathParaPr>
+                    <m:oMath xmlns:m="http://schemas.openxmlformats.org/officeDocument/2006/math">
+                      <m:sSub>
+                        <m:sSubPr>
+                          <m:ctrlPr>
+                            <a:rPr lang="en-GB" sz="3600" i="1">
+                              <a:latin typeface="Cambria Math" panose="02040503050406030204" pitchFamily="18" charset="0"/>
+                            </a:rPr>
+                          </m:ctrlPr>
+                        </m:sSubPr>
+                        <m:e>
+                          <m:r>
+                            <a:rPr lang="en-GB" sz="3600" i="1">
+                              <a:latin typeface="Cambria Math" panose="02040503050406030204" pitchFamily="18" charset="0"/>
+                              <a:ea typeface="Cambria Math" panose="02040503050406030204" pitchFamily="18" charset="0"/>
+                            </a:rPr>
+                            <m:t>𝛽</m:t>
+                          </m:r>
+                        </m:e>
+                        <m:sub>
+                          <m:r>
+                            <a:rPr lang="en-GB" sz="3600" i="1">
+                              <a:latin typeface="Cambria Math" panose="02040503050406030204" pitchFamily="18" charset="0"/>
+                              <a:ea typeface="Cambria Math" panose="02040503050406030204" pitchFamily="18" charset="0"/>
+                            </a:rPr>
+                            <m:t>0,</m:t>
+                          </m:r>
+                          <m:r>
+                            <a:rPr lang="en-GB" sz="3600" i="1">
+                              <a:latin typeface="Cambria Math" panose="02040503050406030204" pitchFamily="18" charset="0"/>
+                              <a:ea typeface="Cambria Math" panose="02040503050406030204" pitchFamily="18" charset="0"/>
+                            </a:rPr>
+                            <m:t>𝑗</m:t>
+                          </m:r>
+                        </m:sub>
+                      </m:sSub>
+                      <m:r>
+                        <a:rPr lang="en-GB" sz="3600" b="0" i="1" smtClean="0">
+                          <a:latin typeface="Cambria Math" panose="02040503050406030204" pitchFamily="18" charset="0"/>
+                          <a:ea typeface="Cambria Math" panose="02040503050406030204" pitchFamily="18" charset="0"/>
+                        </a:rPr>
+                        <m:t>=</m:t>
+                      </m:r>
+                      <m:sSub>
+                        <m:sSubPr>
+                          <m:ctrlPr>
+                            <a:rPr lang="en-GB" sz="3600" i="1">
+                              <a:latin typeface="Cambria Math" panose="02040503050406030204" pitchFamily="18" charset="0"/>
+                            </a:rPr>
+                          </m:ctrlPr>
+                        </m:sSubPr>
+                        <m:e>
+                          <m:r>
+                            <m:rPr>
+                              <m:nor/>
+                            </m:rPr>
+                            <a:rPr lang="el-GR" sz="3600">
+                              <a:latin typeface="Cambria Math" panose="02040503050406030204" pitchFamily="18" charset="0"/>
+                              <a:ea typeface="Cambria Math" panose="02040503050406030204" pitchFamily="18" charset="0"/>
+                            </a:rPr>
+                            <m:t>γ</m:t>
+                          </m:r>
+                        </m:e>
+                        <m:sub>
+                          <m:r>
+                            <a:rPr lang="en-GB" sz="3600" i="1">
+                              <a:latin typeface="Cambria Math" panose="02040503050406030204" pitchFamily="18" charset="0"/>
+                              <a:ea typeface="Cambria Math" panose="02040503050406030204" pitchFamily="18" charset="0"/>
+                            </a:rPr>
+                            <m:t>0,</m:t>
+                          </m:r>
+                          <m:r>
+                            <a:rPr lang="en-GB" sz="3600" b="0" i="1" smtClean="0">
+                              <a:latin typeface="Cambria Math" panose="02040503050406030204" pitchFamily="18" charset="0"/>
+                              <a:ea typeface="Cambria Math" panose="02040503050406030204" pitchFamily="18" charset="0"/>
+                            </a:rPr>
+                            <m:t>0</m:t>
+                          </m:r>
+                        </m:sub>
+                      </m:sSub>
+                      <m:r>
+                        <a:rPr lang="en-GB" sz="3600" b="0" i="1" smtClean="0">
+                          <a:latin typeface="Cambria Math" panose="02040503050406030204" pitchFamily="18" charset="0"/>
+                          <a:ea typeface="Cambria Math" panose="02040503050406030204" pitchFamily="18" charset="0"/>
+                        </a:rPr>
+                        <m:t>+</m:t>
+                      </m:r>
+                      <m:sSub>
+                        <m:sSubPr>
+                          <m:ctrlPr>
+                            <a:rPr lang="en-GB" sz="3600" i="1">
+                              <a:latin typeface="Cambria Math" panose="02040503050406030204" pitchFamily="18" charset="0"/>
+                            </a:rPr>
+                          </m:ctrlPr>
+                        </m:sSubPr>
+                        <m:e>
+                          <m:r>
+                            <a:rPr lang="en-GB" sz="3600" i="1">
+                              <a:latin typeface="Cambria Math" panose="02040503050406030204" pitchFamily="18" charset="0"/>
+                              <a:ea typeface="Cambria Math" panose="02040503050406030204" pitchFamily="18" charset="0"/>
+                            </a:rPr>
+                            <m:t>𝜇</m:t>
+                          </m:r>
+                        </m:e>
+                        <m:sub>
+                          <m:r>
+                            <a:rPr lang="en-GB" sz="3600" i="1">
+                              <a:latin typeface="Cambria Math" panose="02040503050406030204" pitchFamily="18" charset="0"/>
+                              <a:ea typeface="Cambria Math" panose="02040503050406030204" pitchFamily="18" charset="0"/>
+                            </a:rPr>
+                            <m:t>0,</m:t>
+                          </m:r>
+                          <m:r>
+                            <a:rPr lang="en-GB" sz="3600" b="0" i="1" smtClean="0">
+                              <a:latin typeface="Cambria Math" panose="02040503050406030204" pitchFamily="18" charset="0"/>
+                              <a:ea typeface="Cambria Math" panose="02040503050406030204" pitchFamily="18" charset="0"/>
+                            </a:rPr>
+                            <m:t>𝑗</m:t>
+                          </m:r>
+                        </m:sub>
+                      </m:sSub>
+                    </m:oMath>
+                  </m:oMathPara>
+                </a14:m>
+                <a:endParaRPr lang="en-GB" sz="3600" b="0" i="1" dirty="0">
+                  <a:latin typeface="Cambria Math" panose="02040503050406030204" pitchFamily="18" charset="0"/>
+                  <a:ea typeface="Cambria Math" panose="02040503050406030204" pitchFamily="18" charset="0"/>
+                </a:endParaRPr>
+              </a:p>
+            </p:txBody>
+          </p:sp>
+        </mc:Choice>
+        <mc:Fallback>
+          <p:sp>
+            <p:nvSpPr>
+              <p:cNvPr id="2" name="TextBox 1">
+                <a:extLst>
+                  <a:ext uri="{FF2B5EF4-FFF2-40B4-BE49-F238E27FC236}">
+                    <a16:creationId xmlns:a16="http://schemas.microsoft.com/office/drawing/2014/main" id="{ECBEB938-3F97-CE62-86AF-1D8263E24ECB}"/>
+                  </a:ext>
+                </a:extLst>
+              </p:cNvPr>
+              <p:cNvSpPr txBox="1">
+                <a:spLocks noRot="1" noChangeAspect="1" noMove="1" noResize="1" noEditPoints="1" noAdjustHandles="1" noChangeArrowheads="1" noChangeShapeType="1" noTextEdit="1"/>
+              </p:cNvSpPr>
+              <p:nvPr/>
+            </p:nvSpPr>
+            <p:spPr>
+              <a:xfrm>
+                <a:off x="1788662" y="2909405"/>
+                <a:ext cx="8614675" cy="2951449"/>
+              </a:xfrm>
+              <a:prstGeom prst="rect">
+                <a:avLst/>
+              </a:prstGeom>
+              <a:blipFill>
+                <a:blip r:embed="rId2"/>
+                <a:stretch>
+                  <a:fillRect l="-2122" t="-3099"/>
+                </a:stretch>
+              </a:blipFill>
+            </p:spPr>
+            <p:txBody>
+              <a:bodyPr/>
+              <a:lstStyle/>
+              <a:p>
+                <a:r>
+                  <a:rPr lang="en-GB">
+                    <a:noFill/>
+                  </a:rPr>
+                  <a:t> </a:t>
+                </a:r>
+              </a:p>
+            </p:txBody>
+          </p:sp>
+        </mc:Fallback>
+      </mc:AlternateContent>
+      <mc:AlternateContent xmlns:mc="http://schemas.openxmlformats.org/markup-compatibility/2006">
+        <mc:Choice xmlns:a14="http://schemas.microsoft.com/office/drawing/2010/main" Requires="a14">
+          <p:sp>
+            <p:nvSpPr>
+              <p:cNvPr id="3" name="Oval 2">
+                <a:extLst>
+                  <a:ext uri="{FF2B5EF4-FFF2-40B4-BE49-F238E27FC236}">
+                    <a16:creationId xmlns:a16="http://schemas.microsoft.com/office/drawing/2014/main" id="{279DA0F9-C896-18CC-78A8-70688E274ECE}"/>
+                  </a:ext>
+                </a:extLst>
+              </p:cNvPr>
+              <p:cNvSpPr/>
+              <p:nvPr/>
+            </p:nvSpPr>
+            <p:spPr>
+              <a:xfrm>
+                <a:off x="3942027" y="1232215"/>
+                <a:ext cx="1383825" cy="1330036"/>
+              </a:xfrm>
+              <a:prstGeom prst="ellipse">
+                <a:avLst/>
+              </a:prstGeom>
+              <a:solidFill>
+                <a:schemeClr val="bg1"/>
+              </a:solidFill>
+              <a:ln>
+                <a:solidFill>
+                  <a:schemeClr val="tx1"/>
+                </a:solidFill>
+              </a:ln>
+            </p:spPr>
+            <p:style>
+              <a:lnRef idx="2">
+                <a:schemeClr val="accent1">
+                  <a:shade val="15000"/>
+                </a:schemeClr>
+              </a:lnRef>
+              <a:fillRef idx="1">
+                <a:schemeClr val="accent1"/>
+              </a:fillRef>
+              <a:effectRef idx="0">
+                <a:schemeClr val="accent1"/>
+              </a:effectRef>
+              <a:fontRef idx="minor">
+                <a:schemeClr val="lt1"/>
+              </a:fontRef>
+            </p:style>
+            <p:txBody>
+              <a:bodyPr rtlCol="0" anchor="ctr"/>
+              <a:lstStyle/>
+              <a:p>
+                <a:pPr algn="ctr"/>
+                <a14:m>
+                  <m:oMathPara xmlns:m="http://schemas.openxmlformats.org/officeDocument/2006/math">
+                    <m:oMathParaPr>
+                      <m:jc m:val="centerGroup"/>
+                    </m:oMathParaPr>
+                    <m:oMath xmlns:m="http://schemas.openxmlformats.org/officeDocument/2006/math">
+                      <m:r>
+                        <a:rPr lang="en-GB" sz="4000" b="0" i="1" smtClean="0">
+                          <a:solidFill>
+                            <a:schemeClr val="tx1"/>
+                          </a:solidFill>
+                          <a:latin typeface="Cambria Math" panose="02040503050406030204" pitchFamily="18" charset="0"/>
+                        </a:rPr>
+                        <m:t>𝑥</m:t>
+                      </m:r>
+                    </m:oMath>
+                  </m:oMathPara>
+                </a14:m>
+                <a:endParaRPr lang="en-GB" sz="4000" dirty="0">
+                  <a:solidFill>
+                    <a:schemeClr val="tx1"/>
+                  </a:solidFill>
+                </a:endParaRPr>
+              </a:p>
+            </p:txBody>
+          </p:sp>
+        </mc:Choice>
+        <mc:Fallback>
+          <p:sp>
+            <p:nvSpPr>
+              <p:cNvPr id="3" name="Oval 2">
+                <a:extLst>
+                  <a:ext uri="{FF2B5EF4-FFF2-40B4-BE49-F238E27FC236}">
+                    <a16:creationId xmlns:a16="http://schemas.microsoft.com/office/drawing/2014/main" id="{279DA0F9-C896-18CC-78A8-70688E274ECE}"/>
+                  </a:ext>
+                </a:extLst>
+              </p:cNvPr>
+              <p:cNvSpPr>
+                <a:spLocks noRot="1" noChangeAspect="1" noMove="1" noResize="1" noEditPoints="1" noAdjustHandles="1" noChangeArrowheads="1" noChangeShapeType="1" noTextEdit="1"/>
+              </p:cNvSpPr>
+              <p:nvPr/>
+            </p:nvSpPr>
+            <p:spPr>
+              <a:xfrm>
+                <a:off x="3942027" y="1232215"/>
+                <a:ext cx="1383825" cy="1330036"/>
+              </a:xfrm>
+              <a:prstGeom prst="ellipse">
+                <a:avLst/>
+              </a:prstGeom>
+              <a:blipFill>
+                <a:blip r:embed="rId3"/>
+                <a:stretch>
+                  <a:fillRect/>
+                </a:stretch>
+              </a:blipFill>
+              <a:ln>
+                <a:solidFill>
+                  <a:schemeClr val="tx1"/>
+                </a:solidFill>
+              </a:ln>
+            </p:spPr>
+            <p:txBody>
+              <a:bodyPr/>
+              <a:lstStyle/>
+              <a:p>
+                <a:r>
+                  <a:rPr lang="en-GB">
+                    <a:noFill/>
+                  </a:rPr>
+                  <a:t> </a:t>
+                </a:r>
+              </a:p>
+            </p:txBody>
+          </p:sp>
+        </mc:Fallback>
+      </mc:AlternateContent>
+      <mc:AlternateContent xmlns:mc="http://schemas.openxmlformats.org/markup-compatibility/2006">
+        <mc:Choice xmlns:a14="http://schemas.microsoft.com/office/drawing/2010/main" Requires="a14">
+          <p:sp>
+            <p:nvSpPr>
+              <p:cNvPr id="4" name="Oval 3">
+                <a:extLst>
+                  <a:ext uri="{FF2B5EF4-FFF2-40B4-BE49-F238E27FC236}">
+                    <a16:creationId xmlns:a16="http://schemas.microsoft.com/office/drawing/2014/main" id="{30E3A714-FA74-EC15-4EB8-D6FA80AFD253}"/>
+                  </a:ext>
+                </a:extLst>
+              </p:cNvPr>
+              <p:cNvSpPr/>
+              <p:nvPr/>
+            </p:nvSpPr>
+            <p:spPr>
+              <a:xfrm>
+                <a:off x="6866149" y="1232215"/>
+                <a:ext cx="1383825" cy="1330036"/>
+              </a:xfrm>
+              <a:prstGeom prst="ellipse">
+                <a:avLst/>
+              </a:prstGeom>
+              <a:solidFill>
+                <a:schemeClr val="bg1"/>
+              </a:solidFill>
+              <a:ln>
+                <a:solidFill>
+                  <a:schemeClr val="tx1"/>
+                </a:solidFill>
+              </a:ln>
+            </p:spPr>
+            <p:style>
+              <a:lnRef idx="2">
+                <a:schemeClr val="accent1">
+                  <a:shade val="15000"/>
+                </a:schemeClr>
+              </a:lnRef>
+              <a:fillRef idx="1">
+                <a:schemeClr val="accent1"/>
+              </a:fillRef>
+              <a:effectRef idx="0">
+                <a:schemeClr val="accent1"/>
+              </a:effectRef>
+              <a:fontRef idx="minor">
+                <a:schemeClr val="lt1"/>
+              </a:fontRef>
+            </p:style>
+            <p:txBody>
+              <a:bodyPr rtlCol="0" anchor="ctr"/>
+              <a:lstStyle/>
+              <a:p>
+                <a:pPr algn="ctr"/>
+                <a14:m>
+                  <m:oMathPara xmlns:m="http://schemas.openxmlformats.org/officeDocument/2006/math">
+                    <m:oMathParaPr>
+                      <m:jc m:val="centerGroup"/>
+                    </m:oMathParaPr>
+                    <m:oMath xmlns:m="http://schemas.openxmlformats.org/officeDocument/2006/math">
+                      <m:r>
+                        <a:rPr lang="en-GB" sz="4000" b="0" i="1" smtClean="0">
+                          <a:solidFill>
+                            <a:schemeClr val="tx1"/>
+                          </a:solidFill>
+                          <a:latin typeface="Cambria Math" panose="02040503050406030204" pitchFamily="18" charset="0"/>
+                        </a:rPr>
+                        <m:t>𝑦</m:t>
+                      </m:r>
+                    </m:oMath>
+                  </m:oMathPara>
+                </a14:m>
+                <a:endParaRPr lang="en-GB" sz="4000" dirty="0">
+                  <a:solidFill>
+                    <a:schemeClr val="tx1"/>
+                  </a:solidFill>
+                </a:endParaRPr>
+              </a:p>
+            </p:txBody>
+          </p:sp>
+        </mc:Choice>
+        <mc:Fallback>
+          <p:sp>
+            <p:nvSpPr>
+              <p:cNvPr id="4" name="Oval 3">
+                <a:extLst>
+                  <a:ext uri="{FF2B5EF4-FFF2-40B4-BE49-F238E27FC236}">
+                    <a16:creationId xmlns:a16="http://schemas.microsoft.com/office/drawing/2014/main" id="{30E3A714-FA74-EC15-4EB8-D6FA80AFD253}"/>
+                  </a:ext>
+                </a:extLst>
+              </p:cNvPr>
+              <p:cNvSpPr>
+                <a:spLocks noRot="1" noChangeAspect="1" noMove="1" noResize="1" noEditPoints="1" noAdjustHandles="1" noChangeArrowheads="1" noChangeShapeType="1" noTextEdit="1"/>
+              </p:cNvSpPr>
+              <p:nvPr/>
+            </p:nvSpPr>
+            <p:spPr>
+              <a:xfrm>
+                <a:off x="6866149" y="1232215"/>
+                <a:ext cx="1383825" cy="1330036"/>
+              </a:xfrm>
+              <a:prstGeom prst="ellipse">
+                <a:avLst/>
+              </a:prstGeom>
+              <a:blipFill>
+                <a:blip r:embed="rId4"/>
+                <a:stretch>
+                  <a:fillRect/>
+                </a:stretch>
+              </a:blipFill>
+              <a:ln>
+                <a:solidFill>
+                  <a:schemeClr val="tx1"/>
+                </a:solidFill>
+              </a:ln>
+            </p:spPr>
+            <p:txBody>
+              <a:bodyPr/>
+              <a:lstStyle/>
+              <a:p>
+                <a:r>
+                  <a:rPr lang="en-GB">
+                    <a:noFill/>
+                  </a:rPr>
+                  <a:t> </a:t>
+                </a:r>
+              </a:p>
+            </p:txBody>
+          </p:sp>
+        </mc:Fallback>
+      </mc:AlternateContent>
+      <p:cxnSp>
+        <p:nvCxnSpPr>
+          <p:cNvPr id="5" name="Straight Arrow Connector 4">
+            <a:extLst>
+              <a:ext uri="{FF2B5EF4-FFF2-40B4-BE49-F238E27FC236}">
+                <a16:creationId xmlns:a16="http://schemas.microsoft.com/office/drawing/2014/main" id="{ABEFECAA-BB32-14B3-956C-4DAB100C6AB5}"/>
+              </a:ext>
+            </a:extLst>
+          </p:cNvPr>
+          <p:cNvCxnSpPr>
+            <a:stCxn id="3" idx="6"/>
+            <a:endCxn id="4" idx="2"/>
+          </p:cNvCxnSpPr>
+          <p:nvPr/>
+        </p:nvCxnSpPr>
+        <p:spPr>
+          <a:xfrm>
+            <a:off x="5325852" y="1897233"/>
+            <a:ext cx="1540297" cy="0"/>
+          </a:xfrm>
+          <a:prstGeom prst="straightConnector1">
+            <a:avLst/>
+          </a:prstGeom>
+          <a:ln w="38100">
+            <a:solidFill>
+              <a:schemeClr val="tx1"/>
+            </a:solidFill>
+            <a:tailEnd type="triangle" w="lg" len="lg"/>
+          </a:ln>
+        </p:spPr>
+        <p:style>
+          <a:lnRef idx="2">
+            <a:schemeClr val="accent1"/>
+          </a:lnRef>
+          <a:fillRef idx="0">
+            <a:schemeClr val="accent1"/>
+          </a:fillRef>
+          <a:effectRef idx="1">
+            <a:schemeClr val="accent1"/>
+          </a:effectRef>
+          <a:fontRef idx="minor">
+            <a:schemeClr val="tx1"/>
+          </a:fontRef>
+        </p:style>
+      </p:cxnSp>
+      <p:sp>
+        <p:nvSpPr>
+          <p:cNvPr id="6" name="Título 1">
+            <a:extLst>
+              <a:ext uri="{FF2B5EF4-FFF2-40B4-BE49-F238E27FC236}">
+                <a16:creationId xmlns:a16="http://schemas.microsoft.com/office/drawing/2014/main" id="{20DCC06B-4EB3-5D33-7EE9-2B0D83C8502F}"/>
+              </a:ext>
+            </a:extLst>
+          </p:cNvPr>
+          <p:cNvSpPr txBox="1">
+            <a:spLocks/>
+          </p:cNvSpPr>
+          <p:nvPr/>
+        </p:nvSpPr>
+        <p:spPr>
+          <a:xfrm>
+            <a:off x="0" y="0"/>
+            <a:ext cx="12192000" cy="885061"/>
+          </a:xfrm>
+          <a:prstGeom prst="rect">
+            <a:avLst/>
+          </a:prstGeom>
+        </p:spPr>
+        <p:txBody>
+          <a:bodyPr vert="horz" lIns="91440" tIns="45720" rIns="91440" bIns="45720" rtlCol="0" anchor="b">
+            <a:normAutofit/>
+          </a:bodyPr>
+          <a:lstStyle>
+            <a:lvl1pPr algn="ctr" defTabSz="914400" rtl="0" eaLnBrk="1" latinLnBrk="0" hangingPunct="1">
+              <a:lnSpc>
+                <a:spcPct val="90000"/>
+              </a:lnSpc>
+              <a:spcBef>
+                <a:spcPct val="0"/>
+              </a:spcBef>
+              <a:buNone/>
+              <a:defRPr sz="6000" kern="1200">
+                <a:solidFill>
+                  <a:schemeClr val="tx1"/>
+                </a:solidFill>
+                <a:latin typeface="+mj-lt"/>
+                <a:ea typeface="+mj-ea"/>
+                <a:cs typeface="+mj-cs"/>
+              </a:defRPr>
+            </a:lvl1pPr>
+          </a:lstStyle>
+          <a:p>
+            <a:r>
+              <a:rPr lang="es-MX" sz="4800" b="1" dirty="0">
+                <a:latin typeface="Times New Roman" panose="02020603050405020304" pitchFamily="18" charset="0"/>
+                <a:cs typeface="Times New Roman" panose="02020603050405020304" pitchFamily="18" charset="0"/>
+              </a:rPr>
+              <a:t>GLMM</a:t>
+            </a:r>
+          </a:p>
+        </p:txBody>
+      </p:sp>
+      <p:pic>
+        <p:nvPicPr>
+          <p:cNvPr id="14" name="Picture 13">
+            <a:extLst>
+              <a:ext uri="{FF2B5EF4-FFF2-40B4-BE49-F238E27FC236}">
+                <a16:creationId xmlns:a16="http://schemas.microsoft.com/office/drawing/2014/main" id="{5D73E42A-7345-951E-89FA-AA525654C893}"/>
+              </a:ext>
+            </a:extLst>
+          </p:cNvPr>
+          <p:cNvPicPr>
+            <a:picLocks noChangeAspect="1"/>
+          </p:cNvPicPr>
+          <p:nvPr/>
+        </p:nvPicPr>
+        <p:blipFill>
+          <a:blip r:embed="rId5"/>
+          <a:srcRect l="33426" r="33331"/>
+          <a:stretch/>
+        </p:blipFill>
+        <p:spPr>
+          <a:xfrm>
+            <a:off x="8972939" y="1151428"/>
+            <a:ext cx="3219061" cy="5400000"/>
+          </a:xfrm>
+          <a:prstGeom prst="rect">
+            <a:avLst/>
+          </a:prstGeom>
+        </p:spPr>
+      </p:pic>
+    </p:spTree>
+    <p:extLst>
+      <p:ext uri="{BB962C8B-B14F-4D97-AF65-F5344CB8AC3E}">
+        <p14:creationId xmlns:p14="http://schemas.microsoft.com/office/powerpoint/2010/main" val="139463335"/>
+      </p:ext>
+    </p:extLst>
+  </p:cSld>
+  <p:clrMapOvr>
+    <a:masterClrMapping/>
+  </p:clrMapOvr>
+</p:sld>
+</file>
+
+<file path=ppt/slides/slide41.xml><?xml version="1.0" encoding="utf-8"?>
+<p:sld xmlns:a="http://schemas.openxmlformats.org/drawingml/2006/main" xmlns:r="http://schemas.openxmlformats.org/officeDocument/2006/relationships" xmlns:p="http://schemas.openxmlformats.org/presentationml/2006/main">
+  <p:cSld>
+    <p:spTree>
+      <p:nvGrpSpPr>
+        <p:cNvPr id="1" name="">
+          <a:extLst>
+            <a:ext uri="{FF2B5EF4-FFF2-40B4-BE49-F238E27FC236}">
+              <a16:creationId xmlns:a16="http://schemas.microsoft.com/office/drawing/2014/main" id="{874D755B-CC10-89E3-43B7-8A098BBE69FA}"/>
+            </a:ext>
+          </a:extLst>
+        </p:cNvPr>
+        <p:cNvGrpSpPr/>
+        <p:nvPr/>
+      </p:nvGrpSpPr>
+      <p:grpSpPr>
+        <a:xfrm>
+          <a:off x="0" y="0"/>
+          <a:ext cx="0" cy="0"/>
+          <a:chOff x="0" y="0"/>
+          <a:chExt cx="0" cy="0"/>
+        </a:xfrm>
+      </p:grpSpPr>
+      <mc:AlternateContent xmlns:mc="http://schemas.openxmlformats.org/markup-compatibility/2006">
+        <mc:Choice xmlns:a14="http://schemas.microsoft.com/office/drawing/2010/main" Requires="a14">
+          <p:sp>
+            <p:nvSpPr>
+              <p:cNvPr id="2" name="TextBox 1">
+                <a:extLst>
+                  <a:ext uri="{FF2B5EF4-FFF2-40B4-BE49-F238E27FC236}">
+                    <a16:creationId xmlns:a16="http://schemas.microsoft.com/office/drawing/2014/main" id="{35FF8E20-7E92-97ED-9599-D91C84FD99F6}"/>
+                  </a:ext>
+                </a:extLst>
+              </p:cNvPr>
+              <p:cNvSpPr txBox="1"/>
+              <p:nvPr/>
+            </p:nvSpPr>
+            <p:spPr>
+              <a:xfrm>
+                <a:off x="1788662" y="2909405"/>
+                <a:ext cx="8614675" cy="3550011"/>
+              </a:xfrm>
+              <a:prstGeom prst="rect">
+                <a:avLst/>
+              </a:prstGeom>
+              <a:noFill/>
+            </p:spPr>
+            <p:txBody>
+              <a:bodyPr wrap="square">
+                <a:spAutoFit/>
+              </a:bodyPr>
+              <a:lstStyle/>
+              <a:p>
+                <a:pPr/>
+                <a:r>
+                  <a:rPr lang="en-GB" sz="3600" b="0" i="1" dirty="0">
+                    <a:latin typeface="Cambria Math" panose="02040503050406030204" pitchFamily="18" charset="0"/>
+                  </a:rPr>
+                  <a:t>Level 1</a:t>
+                </a:r>
+              </a:p>
+              <a:p>
+                <a:pPr/>
+                <a14:m>
+                  <m:oMathPara xmlns:m="http://schemas.openxmlformats.org/officeDocument/2006/math">
+                    <m:oMathParaPr>
+                      <m:jc m:val="centerGroup"/>
+                    </m:oMathParaPr>
+                    <m:oMath xmlns:m="http://schemas.openxmlformats.org/officeDocument/2006/math">
+                      <m:sSub>
+                        <m:sSubPr>
+                          <m:ctrlPr>
+                            <a:rPr lang="en-GB" sz="3600" b="0" i="1" smtClean="0">
+                              <a:latin typeface="Cambria Math" panose="02040503050406030204" pitchFamily="18" charset="0"/>
+                            </a:rPr>
+                          </m:ctrlPr>
+                        </m:sSubPr>
+                        <m:e>
+                          <m:r>
+                            <a:rPr lang="en-GB" sz="3600" b="0" i="1" smtClean="0">
+                              <a:latin typeface="Cambria Math" panose="02040503050406030204" pitchFamily="18" charset="0"/>
+                            </a:rPr>
+                            <m:t>𝑦</m:t>
+                          </m:r>
+                        </m:e>
+                        <m:sub>
+                          <m:r>
+                            <a:rPr lang="en-GB" sz="3600" b="0" i="1" smtClean="0">
+                              <a:latin typeface="Cambria Math" panose="02040503050406030204" pitchFamily="18" charset="0"/>
+                            </a:rPr>
+                            <m:t>𝑖</m:t>
+                          </m:r>
+                          <m:r>
+                            <a:rPr lang="en-GB" sz="3600" b="0" i="1" smtClean="0">
+                              <a:latin typeface="Cambria Math" panose="02040503050406030204" pitchFamily="18" charset="0"/>
+                            </a:rPr>
+                            <m:t>,</m:t>
+                          </m:r>
+                          <m:r>
+                            <a:rPr lang="en-GB" sz="3600" b="0" i="1" smtClean="0">
+                              <a:latin typeface="Cambria Math" panose="02040503050406030204" pitchFamily="18" charset="0"/>
+                            </a:rPr>
+                            <m:t>𝑗</m:t>
+                          </m:r>
+                        </m:sub>
+                      </m:sSub>
+                      <m:r>
+                        <a:rPr lang="en-GB" sz="3600" b="0" i="1" smtClean="0">
+                          <a:latin typeface="Cambria Math" panose="02040503050406030204" pitchFamily="18" charset="0"/>
+                        </a:rPr>
+                        <m:t>=</m:t>
+                      </m:r>
+                      <m:sSub>
+                        <m:sSubPr>
+                          <m:ctrlPr>
+                            <a:rPr lang="en-GB" sz="3600" i="1">
+                              <a:latin typeface="Cambria Math" panose="02040503050406030204" pitchFamily="18" charset="0"/>
+                            </a:rPr>
+                          </m:ctrlPr>
+                        </m:sSubPr>
+                        <m:e>
+                          <m:r>
+                            <a:rPr lang="en-GB" sz="3600" i="1">
+                              <a:latin typeface="Cambria Math" panose="02040503050406030204" pitchFamily="18" charset="0"/>
+                              <a:ea typeface="Cambria Math" panose="02040503050406030204" pitchFamily="18" charset="0"/>
+                            </a:rPr>
+                            <m:t>𝛽</m:t>
+                          </m:r>
+                        </m:e>
+                        <m:sub>
+                          <m:r>
+                            <a:rPr lang="en-GB" sz="3600" i="1">
+                              <a:latin typeface="Cambria Math" panose="02040503050406030204" pitchFamily="18" charset="0"/>
+                              <a:ea typeface="Cambria Math" panose="02040503050406030204" pitchFamily="18" charset="0"/>
+                            </a:rPr>
+                            <m:t>0,</m:t>
+                          </m:r>
+                          <m:r>
+                            <a:rPr lang="en-GB" sz="3600" i="1">
+                              <a:latin typeface="Cambria Math" panose="02040503050406030204" pitchFamily="18" charset="0"/>
+                              <a:ea typeface="Cambria Math" panose="02040503050406030204" pitchFamily="18" charset="0"/>
+                            </a:rPr>
+                            <m:t>𝑗</m:t>
+                          </m:r>
+                        </m:sub>
+                      </m:sSub>
+                      <m:r>
+                        <a:rPr lang="en-GB" sz="3600" b="0" i="1" smtClean="0">
+                          <a:latin typeface="Cambria Math" panose="02040503050406030204" pitchFamily="18" charset="0"/>
+                        </a:rPr>
+                        <m:t>+</m:t>
+                      </m:r>
+                      <m:sSub>
+                        <m:sSubPr>
+                          <m:ctrlPr>
+                            <a:rPr lang="en-GB" sz="3600" i="1">
+                              <a:latin typeface="Cambria Math" panose="02040503050406030204" pitchFamily="18" charset="0"/>
+                            </a:rPr>
+                          </m:ctrlPr>
+                        </m:sSubPr>
+                        <m:e>
+                          <m:r>
+                            <a:rPr lang="en-GB" sz="3600" i="1">
+                              <a:latin typeface="Cambria Math" panose="02040503050406030204" pitchFamily="18" charset="0"/>
+                              <a:ea typeface="Cambria Math" panose="02040503050406030204" pitchFamily="18" charset="0"/>
+                            </a:rPr>
+                            <m:t>𝛽</m:t>
+                          </m:r>
+                        </m:e>
+                        <m:sub>
+                          <m:r>
+                            <a:rPr lang="en-GB" sz="3600" b="0" i="1" smtClean="0">
+                              <a:latin typeface="Cambria Math" panose="02040503050406030204" pitchFamily="18" charset="0"/>
+                              <a:ea typeface="Cambria Math" panose="02040503050406030204" pitchFamily="18" charset="0"/>
+                            </a:rPr>
+                            <m:t>1,</m:t>
+                          </m:r>
+                          <m:r>
+                            <a:rPr lang="en-GB" sz="3600" b="0" i="1" smtClean="0">
+                              <a:latin typeface="Cambria Math" panose="02040503050406030204" pitchFamily="18" charset="0"/>
+                              <a:ea typeface="Cambria Math" panose="02040503050406030204" pitchFamily="18" charset="0"/>
+                            </a:rPr>
+                            <m:t>𝑗</m:t>
+                          </m:r>
+                        </m:sub>
+                      </m:sSub>
+                      <m:r>
+                        <a:rPr lang="en-GB" sz="3600" b="0" i="1" smtClean="0">
+                          <a:latin typeface="Cambria Math" panose="02040503050406030204" pitchFamily="18" charset="0"/>
+                          <a:ea typeface="Cambria Math" panose="02040503050406030204" pitchFamily="18" charset="0"/>
+                        </a:rPr>
+                        <m:t>∗</m:t>
+                      </m:r>
+                      <m:sSub>
+                        <m:sSubPr>
+                          <m:ctrlPr>
+                            <a:rPr lang="en-GB" sz="3600" i="1">
+                              <a:latin typeface="Cambria Math" panose="02040503050406030204" pitchFamily="18" charset="0"/>
+                            </a:rPr>
+                          </m:ctrlPr>
+                        </m:sSubPr>
+                        <m:e>
+                          <m:r>
+                            <a:rPr lang="en-GB" sz="3600" b="0" i="1" smtClean="0">
+                              <a:latin typeface="Cambria Math" panose="02040503050406030204" pitchFamily="18" charset="0"/>
+                            </a:rPr>
+                            <m:t>𝑥</m:t>
+                          </m:r>
+                        </m:e>
+                        <m:sub>
+                          <m:r>
+                            <a:rPr lang="en-GB" sz="3600" i="1">
+                              <a:latin typeface="Cambria Math" panose="02040503050406030204" pitchFamily="18" charset="0"/>
+                              <a:ea typeface="Cambria Math" panose="02040503050406030204" pitchFamily="18" charset="0"/>
+                            </a:rPr>
+                            <m:t>𝑖</m:t>
+                          </m:r>
+                          <m:r>
+                            <a:rPr lang="en-GB" sz="3600" i="1">
+                              <a:latin typeface="Cambria Math" panose="02040503050406030204" pitchFamily="18" charset="0"/>
+                              <a:ea typeface="Cambria Math" panose="02040503050406030204" pitchFamily="18" charset="0"/>
+                            </a:rPr>
+                            <m:t>,</m:t>
+                          </m:r>
+                          <m:r>
+                            <a:rPr lang="en-GB" sz="3600" i="1">
+                              <a:latin typeface="Cambria Math" panose="02040503050406030204" pitchFamily="18" charset="0"/>
+                              <a:ea typeface="Cambria Math" panose="02040503050406030204" pitchFamily="18" charset="0"/>
+                            </a:rPr>
+                            <m:t>𝑗</m:t>
+                          </m:r>
+                        </m:sub>
+                      </m:sSub>
+                      <m:r>
+                        <a:rPr lang="en-GB" sz="3600" b="0" i="1" smtClean="0">
+                          <a:latin typeface="Cambria Math" panose="02040503050406030204" pitchFamily="18" charset="0"/>
+                        </a:rPr>
+                        <m:t>+</m:t>
+                      </m:r>
+                      <m:sSub>
+                        <m:sSubPr>
+                          <m:ctrlPr>
+                            <a:rPr lang="en-GB" sz="3600" i="1">
+                              <a:latin typeface="Cambria Math" panose="02040503050406030204" pitchFamily="18" charset="0"/>
+                            </a:rPr>
+                          </m:ctrlPr>
+                        </m:sSubPr>
+                        <m:e>
+                          <m:r>
+                            <a:rPr lang="en-GB" sz="3600" i="1">
+                              <a:latin typeface="Cambria Math" panose="02040503050406030204" pitchFamily="18" charset="0"/>
+                              <a:ea typeface="Cambria Math" panose="02040503050406030204" pitchFamily="18" charset="0"/>
+                            </a:rPr>
+                            <m:t>𝜀</m:t>
+                          </m:r>
+                        </m:e>
+                        <m:sub>
+                          <m:r>
+                            <a:rPr lang="en-GB" sz="3600" b="0" i="1" smtClean="0">
+                              <a:latin typeface="Cambria Math" panose="02040503050406030204" pitchFamily="18" charset="0"/>
+                              <a:ea typeface="Cambria Math" panose="02040503050406030204" pitchFamily="18" charset="0"/>
+                            </a:rPr>
+                            <m:t>𝑖</m:t>
+                          </m:r>
+                          <m:r>
+                            <a:rPr lang="en-GB" sz="3600" b="0" i="1" smtClean="0">
+                              <a:latin typeface="Cambria Math" panose="02040503050406030204" pitchFamily="18" charset="0"/>
+                              <a:ea typeface="Cambria Math" panose="02040503050406030204" pitchFamily="18" charset="0"/>
+                            </a:rPr>
+                            <m:t>,</m:t>
+                          </m:r>
+                          <m:r>
+                            <a:rPr lang="en-GB" sz="3600" b="0" i="1" smtClean="0">
+                              <a:latin typeface="Cambria Math" panose="02040503050406030204" pitchFamily="18" charset="0"/>
+                              <a:ea typeface="Cambria Math" panose="02040503050406030204" pitchFamily="18" charset="0"/>
+                            </a:rPr>
+                            <m:t>𝑗</m:t>
+                          </m:r>
+                        </m:sub>
+                      </m:sSub>
+                    </m:oMath>
+                  </m:oMathPara>
+                </a14:m>
+                <a:endParaRPr lang="en-GB" sz="3600" b="0" i="1" dirty="0">
+                  <a:latin typeface="Cambria Math" panose="02040503050406030204" pitchFamily="18" charset="0"/>
+                  <a:ea typeface="Cambria Math" panose="02040503050406030204" pitchFamily="18" charset="0"/>
+                </a:endParaRPr>
+              </a:p>
+              <a:p>
+                <a:pPr/>
+                <a:endParaRPr lang="en-GB" sz="3600" i="1" dirty="0">
+                  <a:latin typeface="Cambria Math" panose="02040503050406030204" pitchFamily="18" charset="0"/>
+                  <a:ea typeface="Cambria Math" panose="02040503050406030204" pitchFamily="18" charset="0"/>
+                </a:endParaRPr>
+              </a:p>
+              <a:p>
+                <a:pPr/>
+                <a:r>
+                  <a:rPr lang="en-GB" sz="3600" b="0" i="1" dirty="0">
+                    <a:latin typeface="Cambria Math" panose="02040503050406030204" pitchFamily="18" charset="0"/>
+                  </a:rPr>
+                  <a:t>Level 2</a:t>
+                </a:r>
+              </a:p>
+              <a:p>
+                <a14:m>
+                  <m:oMathPara xmlns:m="http://schemas.openxmlformats.org/officeDocument/2006/math">
+                    <m:oMathParaPr>
+                      <m:jc m:val="centerGroup"/>
+                    </m:oMathParaPr>
+                    <m:oMath xmlns:m="http://schemas.openxmlformats.org/officeDocument/2006/math">
+                      <m:sSub>
+                        <m:sSubPr>
+                          <m:ctrlPr>
+                            <a:rPr lang="en-GB" sz="3600" i="1">
+                              <a:latin typeface="Cambria Math" panose="02040503050406030204" pitchFamily="18" charset="0"/>
+                            </a:rPr>
+                          </m:ctrlPr>
+                        </m:sSubPr>
+                        <m:e>
+                          <m:r>
+                            <a:rPr lang="en-GB" sz="3600" i="1">
+                              <a:latin typeface="Cambria Math" panose="02040503050406030204" pitchFamily="18" charset="0"/>
+                              <a:ea typeface="Cambria Math" panose="02040503050406030204" pitchFamily="18" charset="0"/>
+                            </a:rPr>
+                            <m:t>𝛽</m:t>
+                          </m:r>
+                        </m:e>
+                        <m:sub>
+                          <m:r>
+                            <a:rPr lang="en-GB" sz="3600" i="1">
+                              <a:latin typeface="Cambria Math" panose="02040503050406030204" pitchFamily="18" charset="0"/>
+                              <a:ea typeface="Cambria Math" panose="02040503050406030204" pitchFamily="18" charset="0"/>
+                            </a:rPr>
+                            <m:t>0,</m:t>
+                          </m:r>
+                          <m:r>
+                            <a:rPr lang="en-GB" sz="3600" i="1">
+                              <a:latin typeface="Cambria Math" panose="02040503050406030204" pitchFamily="18" charset="0"/>
+                              <a:ea typeface="Cambria Math" panose="02040503050406030204" pitchFamily="18" charset="0"/>
+                            </a:rPr>
+                            <m:t>𝑗</m:t>
+                          </m:r>
+                        </m:sub>
+                      </m:sSub>
+                      <m:r>
+                        <a:rPr lang="en-GB" sz="3600" b="0" i="1" smtClean="0">
+                          <a:latin typeface="Cambria Math" panose="02040503050406030204" pitchFamily="18" charset="0"/>
+                          <a:ea typeface="Cambria Math" panose="02040503050406030204" pitchFamily="18" charset="0"/>
+                        </a:rPr>
+                        <m:t>=</m:t>
+                      </m:r>
+                      <m:sSub>
+                        <m:sSubPr>
+                          <m:ctrlPr>
+                            <a:rPr lang="en-GB" sz="3600" i="1">
+                              <a:latin typeface="Cambria Math" panose="02040503050406030204" pitchFamily="18" charset="0"/>
+                            </a:rPr>
+                          </m:ctrlPr>
+                        </m:sSubPr>
+                        <m:e>
+                          <m:r>
+                            <m:rPr>
+                              <m:nor/>
+                            </m:rPr>
+                            <a:rPr lang="el-GR" sz="3600">
+                              <a:latin typeface="Cambria Math" panose="02040503050406030204" pitchFamily="18" charset="0"/>
+                              <a:ea typeface="Cambria Math" panose="02040503050406030204" pitchFamily="18" charset="0"/>
+                            </a:rPr>
+                            <m:t>γ</m:t>
+                          </m:r>
+                        </m:e>
+                        <m:sub>
+                          <m:r>
+                            <a:rPr lang="en-GB" sz="3600" i="1">
+                              <a:latin typeface="Cambria Math" panose="02040503050406030204" pitchFamily="18" charset="0"/>
+                              <a:ea typeface="Cambria Math" panose="02040503050406030204" pitchFamily="18" charset="0"/>
+                            </a:rPr>
+                            <m:t>0,</m:t>
+                          </m:r>
+                          <m:r>
+                            <a:rPr lang="en-GB" sz="3600" b="0" i="1" smtClean="0">
+                              <a:latin typeface="Cambria Math" panose="02040503050406030204" pitchFamily="18" charset="0"/>
+                              <a:ea typeface="Cambria Math" panose="02040503050406030204" pitchFamily="18" charset="0"/>
+                            </a:rPr>
+                            <m:t>0</m:t>
+                          </m:r>
+                        </m:sub>
+                      </m:sSub>
+                      <m:r>
+                        <a:rPr lang="en-GB" sz="3600" b="0" i="1" smtClean="0">
+                          <a:latin typeface="Cambria Math" panose="02040503050406030204" pitchFamily="18" charset="0"/>
+                          <a:ea typeface="Cambria Math" panose="02040503050406030204" pitchFamily="18" charset="0"/>
+                        </a:rPr>
+                        <m:t>+</m:t>
+                      </m:r>
+                      <m:sSub>
+                        <m:sSubPr>
+                          <m:ctrlPr>
+                            <a:rPr lang="en-GB" sz="3600" i="1">
+                              <a:latin typeface="Cambria Math" panose="02040503050406030204" pitchFamily="18" charset="0"/>
+                            </a:rPr>
+                          </m:ctrlPr>
+                        </m:sSubPr>
+                        <m:e>
+                          <m:r>
+                            <a:rPr lang="en-GB" sz="3600" i="1">
+                              <a:latin typeface="Cambria Math" panose="02040503050406030204" pitchFamily="18" charset="0"/>
+                              <a:ea typeface="Cambria Math" panose="02040503050406030204" pitchFamily="18" charset="0"/>
+                            </a:rPr>
+                            <m:t>𝜇</m:t>
+                          </m:r>
+                        </m:e>
+                        <m:sub>
+                          <m:r>
+                            <a:rPr lang="en-GB" sz="3600" i="1">
+                              <a:latin typeface="Cambria Math" panose="02040503050406030204" pitchFamily="18" charset="0"/>
+                              <a:ea typeface="Cambria Math" panose="02040503050406030204" pitchFamily="18" charset="0"/>
+                            </a:rPr>
+                            <m:t>0,</m:t>
+                          </m:r>
+                          <m:r>
+                            <a:rPr lang="en-GB" sz="3600" b="0" i="1" smtClean="0">
+                              <a:latin typeface="Cambria Math" panose="02040503050406030204" pitchFamily="18" charset="0"/>
+                              <a:ea typeface="Cambria Math" panose="02040503050406030204" pitchFamily="18" charset="0"/>
+                            </a:rPr>
+                            <m:t>𝑗</m:t>
+                          </m:r>
+                        </m:sub>
+                      </m:sSub>
+                    </m:oMath>
+                  </m:oMathPara>
+                </a14:m>
+                <a:endParaRPr lang="en-GB" sz="3600" b="0" i="1" dirty="0">
+                  <a:latin typeface="Cambria Math" panose="02040503050406030204" pitchFamily="18" charset="0"/>
+                  <a:ea typeface="Cambria Math" panose="02040503050406030204" pitchFamily="18" charset="0"/>
+                </a:endParaRPr>
+              </a:p>
+              <a:p>
+                <a14:m>
+                  <m:oMathPara xmlns:m="http://schemas.openxmlformats.org/officeDocument/2006/math">
+                    <m:oMathParaPr>
+                      <m:jc m:val="centerGroup"/>
+                    </m:oMathParaPr>
+                    <m:oMath xmlns:m="http://schemas.openxmlformats.org/officeDocument/2006/math">
+                      <m:sSub>
+                        <m:sSubPr>
+                          <m:ctrlPr>
+                            <a:rPr lang="en-GB" sz="3600" i="1" smtClean="0">
+                              <a:latin typeface="Cambria Math" panose="02040503050406030204" pitchFamily="18" charset="0"/>
+                            </a:rPr>
+                          </m:ctrlPr>
+                        </m:sSubPr>
+                        <m:e>
+                          <m:r>
+                            <a:rPr lang="en-GB" sz="3600" i="1">
+                              <a:latin typeface="Cambria Math" panose="02040503050406030204" pitchFamily="18" charset="0"/>
+                              <a:ea typeface="Cambria Math" panose="02040503050406030204" pitchFamily="18" charset="0"/>
+                            </a:rPr>
+                            <m:t>𝛽</m:t>
+                          </m:r>
+                        </m:e>
+                        <m:sub>
+                          <m:r>
+                            <a:rPr lang="en-GB" sz="3600" b="0" i="1" smtClean="0">
+                              <a:latin typeface="Cambria Math" panose="02040503050406030204" pitchFamily="18" charset="0"/>
+                              <a:ea typeface="Cambria Math" panose="02040503050406030204" pitchFamily="18" charset="0"/>
+                            </a:rPr>
+                            <m:t>1,</m:t>
+                          </m:r>
+                          <m:r>
+                            <a:rPr lang="en-GB" sz="3600" b="0" i="1" smtClean="0">
+                              <a:latin typeface="Cambria Math" panose="02040503050406030204" pitchFamily="18" charset="0"/>
+                              <a:ea typeface="Cambria Math" panose="02040503050406030204" pitchFamily="18" charset="0"/>
+                            </a:rPr>
+                            <m:t>𝑗</m:t>
+                          </m:r>
+                        </m:sub>
+                      </m:sSub>
+                      <m:r>
+                        <a:rPr lang="en-GB" sz="3600" i="1">
+                          <a:latin typeface="Cambria Math" panose="02040503050406030204" pitchFamily="18" charset="0"/>
+                          <a:ea typeface="Cambria Math" panose="02040503050406030204" pitchFamily="18" charset="0"/>
+                        </a:rPr>
+                        <m:t>=</m:t>
+                      </m:r>
+                      <m:sSub>
+                        <m:sSubPr>
+                          <m:ctrlPr>
+                            <a:rPr lang="en-GB" sz="3600" i="1">
+                              <a:latin typeface="Cambria Math" panose="02040503050406030204" pitchFamily="18" charset="0"/>
+                            </a:rPr>
+                          </m:ctrlPr>
+                        </m:sSubPr>
+                        <m:e>
+                          <m:r>
+                            <m:rPr>
+                              <m:nor/>
+                            </m:rPr>
+                            <a:rPr lang="el-GR" sz="3600">
+                              <a:latin typeface="Cambria Math" panose="02040503050406030204" pitchFamily="18" charset="0"/>
+                              <a:ea typeface="Cambria Math" panose="02040503050406030204" pitchFamily="18" charset="0"/>
+                            </a:rPr>
+                            <m:t>γ</m:t>
+                          </m:r>
+                        </m:e>
+                        <m:sub>
+                          <m:r>
+                            <a:rPr lang="en-GB" sz="3600" b="0" i="1" smtClean="0">
+                              <a:latin typeface="Cambria Math" panose="02040503050406030204" pitchFamily="18" charset="0"/>
+                              <a:ea typeface="Cambria Math" panose="02040503050406030204" pitchFamily="18" charset="0"/>
+                            </a:rPr>
+                            <m:t>1</m:t>
+                          </m:r>
+                          <m:r>
+                            <a:rPr lang="en-GB" sz="3600" i="1">
+                              <a:latin typeface="Cambria Math" panose="02040503050406030204" pitchFamily="18" charset="0"/>
+                              <a:ea typeface="Cambria Math" panose="02040503050406030204" pitchFamily="18" charset="0"/>
+                            </a:rPr>
+                            <m:t>,</m:t>
+                          </m:r>
+                          <m:r>
+                            <a:rPr lang="en-GB" sz="3600" i="1">
+                              <a:latin typeface="Cambria Math" panose="02040503050406030204" pitchFamily="18" charset="0"/>
+                              <a:ea typeface="Cambria Math" panose="02040503050406030204" pitchFamily="18" charset="0"/>
+                            </a:rPr>
+                            <m:t>0</m:t>
+                          </m:r>
+                        </m:sub>
+                      </m:sSub>
+                      <m:r>
+                        <a:rPr lang="en-GB" sz="3600" i="1">
+                          <a:latin typeface="Cambria Math" panose="02040503050406030204" pitchFamily="18" charset="0"/>
+                          <a:ea typeface="Cambria Math" panose="02040503050406030204" pitchFamily="18" charset="0"/>
+                        </a:rPr>
+                        <m:t>+</m:t>
+                      </m:r>
+                      <m:sSub>
+                        <m:sSubPr>
+                          <m:ctrlPr>
+                            <a:rPr lang="en-GB" sz="3600" i="1">
+                              <a:latin typeface="Cambria Math" panose="02040503050406030204" pitchFamily="18" charset="0"/>
+                            </a:rPr>
+                          </m:ctrlPr>
+                        </m:sSubPr>
+                        <m:e>
+                          <m:r>
+                            <a:rPr lang="en-GB" sz="3600" i="1">
+                              <a:latin typeface="Cambria Math" panose="02040503050406030204" pitchFamily="18" charset="0"/>
+                              <a:ea typeface="Cambria Math" panose="02040503050406030204" pitchFamily="18" charset="0"/>
+                            </a:rPr>
+                            <m:t>𝜇</m:t>
+                          </m:r>
+                        </m:e>
+                        <m:sub>
+                          <m:r>
+                            <a:rPr lang="en-GB" sz="3600" b="0" i="1" smtClean="0">
+                              <a:latin typeface="Cambria Math" panose="02040503050406030204" pitchFamily="18" charset="0"/>
+                              <a:ea typeface="Cambria Math" panose="02040503050406030204" pitchFamily="18" charset="0"/>
+                            </a:rPr>
+                            <m:t>1</m:t>
+                          </m:r>
+                          <m:r>
+                            <a:rPr lang="en-GB" sz="3600" i="1">
+                              <a:latin typeface="Cambria Math" panose="02040503050406030204" pitchFamily="18" charset="0"/>
+                              <a:ea typeface="Cambria Math" panose="02040503050406030204" pitchFamily="18" charset="0"/>
+                            </a:rPr>
+                            <m:t>,</m:t>
+                          </m:r>
+                          <m:r>
+                            <a:rPr lang="en-GB" sz="3600" b="0" i="1" smtClean="0">
+                              <a:latin typeface="Cambria Math" panose="02040503050406030204" pitchFamily="18" charset="0"/>
+                              <a:ea typeface="Cambria Math" panose="02040503050406030204" pitchFamily="18" charset="0"/>
+                            </a:rPr>
+                            <m:t>𝑗</m:t>
+                          </m:r>
+                        </m:sub>
+                      </m:sSub>
+                    </m:oMath>
+                  </m:oMathPara>
+                </a14:m>
+                <a:endParaRPr lang="en-GB" sz="3600" b="0" i="1" dirty="0">
+                  <a:latin typeface="Cambria Math" panose="02040503050406030204" pitchFamily="18" charset="0"/>
+                  <a:ea typeface="Cambria Math" panose="02040503050406030204" pitchFamily="18" charset="0"/>
+                </a:endParaRPr>
+              </a:p>
+            </p:txBody>
+          </p:sp>
+        </mc:Choice>
+        <mc:Fallback>
+          <p:sp>
+            <p:nvSpPr>
+              <p:cNvPr id="2" name="TextBox 1">
+                <a:extLst>
+                  <a:ext uri="{FF2B5EF4-FFF2-40B4-BE49-F238E27FC236}">
+                    <a16:creationId xmlns:a16="http://schemas.microsoft.com/office/drawing/2014/main" id="{35FF8E20-7E92-97ED-9599-D91C84FD99F6}"/>
+                  </a:ext>
+                </a:extLst>
+              </p:cNvPr>
+              <p:cNvSpPr txBox="1">
+                <a:spLocks noRot="1" noChangeAspect="1" noMove="1" noResize="1" noEditPoints="1" noAdjustHandles="1" noChangeArrowheads="1" noChangeShapeType="1" noTextEdit="1"/>
+              </p:cNvSpPr>
+              <p:nvPr/>
+            </p:nvSpPr>
+            <p:spPr>
+              <a:xfrm>
+                <a:off x="1788662" y="2909405"/>
+                <a:ext cx="8614675" cy="3550011"/>
+              </a:xfrm>
+              <a:prstGeom prst="rect">
+                <a:avLst/>
+              </a:prstGeom>
+              <a:blipFill>
+                <a:blip r:embed="rId2"/>
+                <a:stretch>
+                  <a:fillRect l="-2122" t="-2573"/>
+                </a:stretch>
+              </a:blipFill>
+            </p:spPr>
+            <p:txBody>
+              <a:bodyPr/>
+              <a:lstStyle/>
+              <a:p>
+                <a:r>
+                  <a:rPr lang="en-GB">
+                    <a:noFill/>
+                  </a:rPr>
+                  <a:t> </a:t>
+                </a:r>
+              </a:p>
+            </p:txBody>
+          </p:sp>
+        </mc:Fallback>
+      </mc:AlternateContent>
+      <mc:AlternateContent xmlns:mc="http://schemas.openxmlformats.org/markup-compatibility/2006">
+        <mc:Choice xmlns:a14="http://schemas.microsoft.com/office/drawing/2010/main" Requires="a14">
+          <p:sp>
+            <p:nvSpPr>
+              <p:cNvPr id="3" name="Oval 2">
+                <a:extLst>
+                  <a:ext uri="{FF2B5EF4-FFF2-40B4-BE49-F238E27FC236}">
+                    <a16:creationId xmlns:a16="http://schemas.microsoft.com/office/drawing/2014/main" id="{5CB268F1-1FD6-98AA-E302-60C6A8F10840}"/>
+                  </a:ext>
+                </a:extLst>
+              </p:cNvPr>
+              <p:cNvSpPr/>
+              <p:nvPr/>
+            </p:nvSpPr>
+            <p:spPr>
+              <a:xfrm>
+                <a:off x="3942027" y="1232215"/>
+                <a:ext cx="1383825" cy="1330036"/>
+              </a:xfrm>
+              <a:prstGeom prst="ellipse">
+                <a:avLst/>
+              </a:prstGeom>
+              <a:solidFill>
+                <a:schemeClr val="bg1"/>
+              </a:solidFill>
+              <a:ln>
+                <a:solidFill>
+                  <a:schemeClr val="tx1"/>
+                </a:solidFill>
+              </a:ln>
+            </p:spPr>
+            <p:style>
+              <a:lnRef idx="2">
+                <a:schemeClr val="accent1">
+                  <a:shade val="15000"/>
+                </a:schemeClr>
+              </a:lnRef>
+              <a:fillRef idx="1">
+                <a:schemeClr val="accent1"/>
+              </a:fillRef>
+              <a:effectRef idx="0">
+                <a:schemeClr val="accent1"/>
+              </a:effectRef>
+              <a:fontRef idx="minor">
+                <a:schemeClr val="lt1"/>
+              </a:fontRef>
+            </p:style>
+            <p:txBody>
+              <a:bodyPr rtlCol="0" anchor="ctr"/>
+              <a:lstStyle/>
+              <a:p>
+                <a:pPr algn="ctr"/>
+                <a14:m>
+                  <m:oMathPara xmlns:m="http://schemas.openxmlformats.org/officeDocument/2006/math">
+                    <m:oMathParaPr>
+                      <m:jc m:val="centerGroup"/>
+                    </m:oMathParaPr>
+                    <m:oMath xmlns:m="http://schemas.openxmlformats.org/officeDocument/2006/math">
+                      <m:r>
+                        <a:rPr lang="en-GB" sz="4000" b="0" i="1" smtClean="0">
+                          <a:solidFill>
+                            <a:schemeClr val="tx1"/>
+                          </a:solidFill>
+                          <a:latin typeface="Cambria Math" panose="02040503050406030204" pitchFamily="18" charset="0"/>
+                        </a:rPr>
+                        <m:t>𝑥</m:t>
+                      </m:r>
+                    </m:oMath>
+                  </m:oMathPara>
+                </a14:m>
+                <a:endParaRPr lang="en-GB" sz="4000" dirty="0">
+                  <a:solidFill>
+                    <a:schemeClr val="tx1"/>
+                  </a:solidFill>
+                </a:endParaRPr>
+              </a:p>
+            </p:txBody>
+          </p:sp>
+        </mc:Choice>
+        <mc:Fallback>
+          <p:sp>
+            <p:nvSpPr>
+              <p:cNvPr id="3" name="Oval 2">
+                <a:extLst>
+                  <a:ext uri="{FF2B5EF4-FFF2-40B4-BE49-F238E27FC236}">
+                    <a16:creationId xmlns:a16="http://schemas.microsoft.com/office/drawing/2014/main" id="{5CB268F1-1FD6-98AA-E302-60C6A8F10840}"/>
+                  </a:ext>
+                </a:extLst>
+              </p:cNvPr>
+              <p:cNvSpPr>
+                <a:spLocks noRot="1" noChangeAspect="1" noMove="1" noResize="1" noEditPoints="1" noAdjustHandles="1" noChangeArrowheads="1" noChangeShapeType="1" noTextEdit="1"/>
+              </p:cNvSpPr>
+              <p:nvPr/>
+            </p:nvSpPr>
+            <p:spPr>
+              <a:xfrm>
+                <a:off x="3942027" y="1232215"/>
+                <a:ext cx="1383825" cy="1330036"/>
+              </a:xfrm>
+              <a:prstGeom prst="ellipse">
+                <a:avLst/>
+              </a:prstGeom>
+              <a:blipFill>
+                <a:blip r:embed="rId3"/>
+                <a:stretch>
+                  <a:fillRect/>
+                </a:stretch>
+              </a:blipFill>
+              <a:ln>
+                <a:solidFill>
+                  <a:schemeClr val="tx1"/>
+                </a:solidFill>
+              </a:ln>
+            </p:spPr>
+            <p:txBody>
+              <a:bodyPr/>
+              <a:lstStyle/>
+              <a:p>
+                <a:r>
+                  <a:rPr lang="en-GB">
+                    <a:noFill/>
+                  </a:rPr>
+                  <a:t> </a:t>
+                </a:r>
+              </a:p>
+            </p:txBody>
+          </p:sp>
+        </mc:Fallback>
+      </mc:AlternateContent>
+      <mc:AlternateContent xmlns:mc="http://schemas.openxmlformats.org/markup-compatibility/2006">
+        <mc:Choice xmlns:a14="http://schemas.microsoft.com/office/drawing/2010/main" Requires="a14">
+          <p:sp>
+            <p:nvSpPr>
+              <p:cNvPr id="4" name="Oval 3">
+                <a:extLst>
+                  <a:ext uri="{FF2B5EF4-FFF2-40B4-BE49-F238E27FC236}">
+                    <a16:creationId xmlns:a16="http://schemas.microsoft.com/office/drawing/2014/main" id="{55151C88-9F65-435F-AF6E-978833EB51F4}"/>
+                  </a:ext>
+                </a:extLst>
+              </p:cNvPr>
+              <p:cNvSpPr/>
+              <p:nvPr/>
+            </p:nvSpPr>
+            <p:spPr>
+              <a:xfrm>
+                <a:off x="6866149" y="1232215"/>
+                <a:ext cx="1383825" cy="1330036"/>
+              </a:xfrm>
+              <a:prstGeom prst="ellipse">
+                <a:avLst/>
+              </a:prstGeom>
+              <a:solidFill>
+                <a:schemeClr val="bg1"/>
+              </a:solidFill>
+              <a:ln>
+                <a:solidFill>
+                  <a:schemeClr val="tx1"/>
+                </a:solidFill>
+              </a:ln>
+            </p:spPr>
+            <p:style>
+              <a:lnRef idx="2">
+                <a:schemeClr val="accent1">
+                  <a:shade val="15000"/>
+                </a:schemeClr>
+              </a:lnRef>
+              <a:fillRef idx="1">
+                <a:schemeClr val="accent1"/>
+              </a:fillRef>
+              <a:effectRef idx="0">
+                <a:schemeClr val="accent1"/>
+              </a:effectRef>
+              <a:fontRef idx="minor">
+                <a:schemeClr val="lt1"/>
+              </a:fontRef>
+            </p:style>
+            <p:txBody>
+              <a:bodyPr rtlCol="0" anchor="ctr"/>
+              <a:lstStyle/>
+              <a:p>
+                <a:pPr algn="ctr"/>
+                <a14:m>
+                  <m:oMathPara xmlns:m="http://schemas.openxmlformats.org/officeDocument/2006/math">
+                    <m:oMathParaPr>
+                      <m:jc m:val="centerGroup"/>
+                    </m:oMathParaPr>
+                    <m:oMath xmlns:m="http://schemas.openxmlformats.org/officeDocument/2006/math">
+                      <m:r>
+                        <a:rPr lang="en-GB" sz="4000" b="0" i="1" smtClean="0">
+                          <a:solidFill>
+                            <a:schemeClr val="tx1"/>
+                          </a:solidFill>
+                          <a:latin typeface="Cambria Math" panose="02040503050406030204" pitchFamily="18" charset="0"/>
+                        </a:rPr>
+                        <m:t>𝑦</m:t>
+                      </m:r>
+                    </m:oMath>
+                  </m:oMathPara>
+                </a14:m>
+                <a:endParaRPr lang="en-GB" sz="4000" dirty="0">
+                  <a:solidFill>
+                    <a:schemeClr val="tx1"/>
+                  </a:solidFill>
+                </a:endParaRPr>
+              </a:p>
+            </p:txBody>
+          </p:sp>
+        </mc:Choice>
+        <mc:Fallback>
+          <p:sp>
+            <p:nvSpPr>
+              <p:cNvPr id="4" name="Oval 3">
+                <a:extLst>
+                  <a:ext uri="{FF2B5EF4-FFF2-40B4-BE49-F238E27FC236}">
+                    <a16:creationId xmlns:a16="http://schemas.microsoft.com/office/drawing/2014/main" id="{55151C88-9F65-435F-AF6E-978833EB51F4}"/>
+                  </a:ext>
+                </a:extLst>
+              </p:cNvPr>
+              <p:cNvSpPr>
+                <a:spLocks noRot="1" noChangeAspect="1" noMove="1" noResize="1" noEditPoints="1" noAdjustHandles="1" noChangeArrowheads="1" noChangeShapeType="1" noTextEdit="1"/>
+              </p:cNvSpPr>
+              <p:nvPr/>
+            </p:nvSpPr>
+            <p:spPr>
+              <a:xfrm>
+                <a:off x="6866149" y="1232215"/>
+                <a:ext cx="1383825" cy="1330036"/>
+              </a:xfrm>
+              <a:prstGeom prst="ellipse">
+                <a:avLst/>
+              </a:prstGeom>
+              <a:blipFill>
+                <a:blip r:embed="rId4"/>
+                <a:stretch>
+                  <a:fillRect/>
+                </a:stretch>
+              </a:blipFill>
+              <a:ln>
+                <a:solidFill>
+                  <a:schemeClr val="tx1"/>
+                </a:solidFill>
+              </a:ln>
+            </p:spPr>
+            <p:txBody>
+              <a:bodyPr/>
+              <a:lstStyle/>
+              <a:p>
+                <a:r>
+                  <a:rPr lang="en-GB">
+                    <a:noFill/>
+                  </a:rPr>
+                  <a:t> </a:t>
+                </a:r>
+              </a:p>
+            </p:txBody>
+          </p:sp>
+        </mc:Fallback>
+      </mc:AlternateContent>
+      <p:cxnSp>
+        <p:nvCxnSpPr>
+          <p:cNvPr id="5" name="Straight Arrow Connector 4">
+            <a:extLst>
+              <a:ext uri="{FF2B5EF4-FFF2-40B4-BE49-F238E27FC236}">
+                <a16:creationId xmlns:a16="http://schemas.microsoft.com/office/drawing/2014/main" id="{DAAC4CCE-EB24-21E1-E3CA-EF46392761E6}"/>
+              </a:ext>
+            </a:extLst>
+          </p:cNvPr>
+          <p:cNvCxnSpPr>
+            <a:stCxn id="3" idx="6"/>
+            <a:endCxn id="4" idx="2"/>
+          </p:cNvCxnSpPr>
+          <p:nvPr/>
+        </p:nvCxnSpPr>
+        <p:spPr>
+          <a:xfrm>
+            <a:off x="5325852" y="1897233"/>
+            <a:ext cx="1540297" cy="0"/>
+          </a:xfrm>
+          <a:prstGeom prst="straightConnector1">
+            <a:avLst/>
+          </a:prstGeom>
+          <a:ln w="38100">
+            <a:solidFill>
+              <a:schemeClr val="tx1"/>
+            </a:solidFill>
+            <a:tailEnd type="triangle" w="lg" len="lg"/>
+          </a:ln>
+        </p:spPr>
+        <p:style>
+          <a:lnRef idx="2">
+            <a:schemeClr val="accent1"/>
+          </a:lnRef>
+          <a:fillRef idx="0">
+            <a:schemeClr val="accent1"/>
+          </a:fillRef>
+          <a:effectRef idx="1">
+            <a:schemeClr val="accent1"/>
+          </a:effectRef>
+          <a:fontRef idx="minor">
+            <a:schemeClr val="tx1"/>
+          </a:fontRef>
+        </p:style>
+      </p:cxnSp>
+      <p:sp>
+        <p:nvSpPr>
+          <p:cNvPr id="6" name="Título 1">
+            <a:extLst>
+              <a:ext uri="{FF2B5EF4-FFF2-40B4-BE49-F238E27FC236}">
+                <a16:creationId xmlns:a16="http://schemas.microsoft.com/office/drawing/2014/main" id="{B976F87D-CB19-5EF9-58BF-FF378A46E0EC}"/>
+              </a:ext>
+            </a:extLst>
+          </p:cNvPr>
+          <p:cNvSpPr txBox="1">
+            <a:spLocks/>
+          </p:cNvSpPr>
+          <p:nvPr/>
+        </p:nvSpPr>
+        <p:spPr>
+          <a:xfrm>
+            <a:off x="0" y="0"/>
+            <a:ext cx="12192000" cy="885061"/>
+          </a:xfrm>
+          <a:prstGeom prst="rect">
+            <a:avLst/>
+          </a:prstGeom>
+        </p:spPr>
+        <p:txBody>
+          <a:bodyPr vert="horz" lIns="91440" tIns="45720" rIns="91440" bIns="45720" rtlCol="0" anchor="b">
+            <a:normAutofit/>
+          </a:bodyPr>
+          <a:lstStyle>
+            <a:lvl1pPr algn="ctr" defTabSz="914400" rtl="0" eaLnBrk="1" latinLnBrk="0" hangingPunct="1">
+              <a:lnSpc>
+                <a:spcPct val="90000"/>
+              </a:lnSpc>
+              <a:spcBef>
+                <a:spcPct val="0"/>
+              </a:spcBef>
+              <a:buNone/>
+              <a:defRPr sz="6000" kern="1200">
+                <a:solidFill>
+                  <a:schemeClr val="tx1"/>
+                </a:solidFill>
+                <a:latin typeface="+mj-lt"/>
+                <a:ea typeface="+mj-ea"/>
+                <a:cs typeface="+mj-cs"/>
+              </a:defRPr>
+            </a:lvl1pPr>
+          </a:lstStyle>
+          <a:p>
+            <a:r>
+              <a:rPr lang="es-MX" sz="4800" b="1" dirty="0">
+                <a:latin typeface="Times New Roman" panose="02020603050405020304" pitchFamily="18" charset="0"/>
+                <a:cs typeface="Times New Roman" panose="02020603050405020304" pitchFamily="18" charset="0"/>
+              </a:rPr>
+              <a:t>GLMM</a:t>
+            </a:r>
+          </a:p>
+        </p:txBody>
+      </p:sp>
+      <p:pic>
+        <p:nvPicPr>
+          <p:cNvPr id="8" name="Picture 7">
+            <a:extLst>
+              <a:ext uri="{FF2B5EF4-FFF2-40B4-BE49-F238E27FC236}">
+                <a16:creationId xmlns:a16="http://schemas.microsoft.com/office/drawing/2014/main" id="{FC6B3F74-C852-05EA-A108-D02CDDA36447}"/>
+              </a:ext>
+            </a:extLst>
+          </p:cNvPr>
+          <p:cNvPicPr>
+            <a:picLocks noChangeAspect="1"/>
+          </p:cNvPicPr>
+          <p:nvPr/>
+        </p:nvPicPr>
+        <p:blipFill>
+          <a:blip r:embed="rId5"/>
+          <a:srcRect l="67184" r="-41"/>
+          <a:stretch/>
+        </p:blipFill>
+        <p:spPr>
+          <a:xfrm>
+            <a:off x="9010260" y="1151428"/>
+            <a:ext cx="3181740" cy="5400000"/>
+          </a:xfrm>
+          <a:prstGeom prst="rect">
+            <a:avLst/>
+          </a:prstGeom>
+        </p:spPr>
+      </p:pic>
+    </p:spTree>
+    <p:extLst>
+      <p:ext uri="{BB962C8B-B14F-4D97-AF65-F5344CB8AC3E}">
+        <p14:creationId xmlns:p14="http://schemas.microsoft.com/office/powerpoint/2010/main" val="4057765917"/>
+      </p:ext>
+    </p:extLst>
+  </p:cSld>
+  <p:clrMapOvr>
+    <a:masterClrMapping/>
+  </p:clrMapOvr>
+</p:sld>
+</file>
+
+<file path=ppt/slides/slide42.xml><?xml version="1.0" encoding="utf-8"?>
+<p:sld xmlns:a="http://schemas.openxmlformats.org/drawingml/2006/main" xmlns:r="http://schemas.openxmlformats.org/officeDocument/2006/relationships" xmlns:p="http://schemas.openxmlformats.org/presentationml/2006/main">
+  <p:cSld>
+    <p:spTree>
+      <p:nvGrpSpPr>
+        <p:cNvPr id="1" name="">
+          <a:extLst>
+            <a:ext uri="{FF2B5EF4-FFF2-40B4-BE49-F238E27FC236}">
+              <a16:creationId xmlns:a16="http://schemas.microsoft.com/office/drawing/2014/main" id="{FEDCCFB7-121B-5567-A91D-9BEFE4CF3B8A}"/>
+            </a:ext>
+          </a:extLst>
+        </p:cNvPr>
+        <p:cNvGrpSpPr/>
+        <p:nvPr/>
+      </p:nvGrpSpPr>
+      <p:grpSpPr>
+        <a:xfrm>
+          <a:off x="0" y="0"/>
+          <a:ext cx="0" cy="0"/>
+          <a:chOff x="0" y="0"/>
+          <a:chExt cx="0" cy="0"/>
+        </a:xfrm>
+      </p:grpSpPr>
+      <p:sp>
+        <p:nvSpPr>
+          <p:cNvPr id="8" name="Título 1">
+            <a:extLst>
+              <a:ext uri="{FF2B5EF4-FFF2-40B4-BE49-F238E27FC236}">
+                <a16:creationId xmlns:a16="http://schemas.microsoft.com/office/drawing/2014/main" id="{57BE2D84-2524-C042-D262-DB52C7AE71DF}"/>
+              </a:ext>
+            </a:extLst>
+          </p:cNvPr>
+          <p:cNvSpPr txBox="1">
+            <a:spLocks/>
+          </p:cNvSpPr>
+          <p:nvPr/>
+        </p:nvSpPr>
+        <p:spPr>
+          <a:xfrm>
+            <a:off x="0" y="0"/>
+            <a:ext cx="12192000" cy="885061"/>
+          </a:xfrm>
+          <a:prstGeom prst="rect">
+            <a:avLst/>
+          </a:prstGeom>
+        </p:spPr>
+        <p:txBody>
+          <a:bodyPr vert="horz" lIns="91440" tIns="45720" rIns="91440" bIns="45720" rtlCol="0" anchor="b">
+            <a:normAutofit/>
+          </a:bodyPr>
+          <a:lstStyle>
+            <a:lvl1pPr algn="ctr" defTabSz="914400" rtl="0" eaLnBrk="1" latinLnBrk="0" hangingPunct="1">
+              <a:lnSpc>
+                <a:spcPct val="90000"/>
+              </a:lnSpc>
+              <a:spcBef>
+                <a:spcPct val="0"/>
+              </a:spcBef>
+              <a:buNone/>
+              <a:defRPr sz="6000" kern="1200">
+                <a:solidFill>
+                  <a:schemeClr val="tx1"/>
+                </a:solidFill>
+                <a:latin typeface="+mj-lt"/>
+                <a:ea typeface="+mj-ea"/>
+                <a:cs typeface="+mj-cs"/>
+              </a:defRPr>
+            </a:lvl1pPr>
+          </a:lstStyle>
+          <a:p>
+            <a:r>
+              <a:rPr lang="es-MX" sz="4800" b="1" dirty="0">
+                <a:latin typeface="Times New Roman" panose="02020603050405020304" pitchFamily="18" charset="0"/>
+                <a:cs typeface="Times New Roman" panose="02020603050405020304" pitchFamily="18" charset="0"/>
+              </a:rPr>
+              <a:t>GLMM</a:t>
+            </a:r>
+          </a:p>
+        </p:txBody>
+      </p:sp>
+      <p:pic>
+        <p:nvPicPr>
+          <p:cNvPr id="5" name="Picture 4">
+            <a:extLst>
+              <a:ext uri="{FF2B5EF4-FFF2-40B4-BE49-F238E27FC236}">
+                <a16:creationId xmlns:a16="http://schemas.microsoft.com/office/drawing/2014/main" id="{27E17D73-BC30-EBCC-DF3A-C6BCB9FB2E0F}"/>
+              </a:ext>
+            </a:extLst>
+          </p:cNvPr>
+          <p:cNvPicPr>
+            <a:picLocks noChangeAspect="1"/>
+          </p:cNvPicPr>
+          <p:nvPr/>
+        </p:nvPicPr>
+        <p:blipFill>
+          <a:blip r:embed="rId2"/>
+          <a:stretch>
+            <a:fillRect/>
+          </a:stretch>
+        </p:blipFill>
+        <p:spPr>
+          <a:xfrm>
+            <a:off x="1254487" y="1198082"/>
+            <a:ext cx="9683025" cy="5400000"/>
+          </a:xfrm>
+          <a:prstGeom prst="rect">
+            <a:avLst/>
+          </a:prstGeom>
+        </p:spPr>
+      </p:pic>
+    </p:spTree>
+    <p:extLst>
+      <p:ext uri="{BB962C8B-B14F-4D97-AF65-F5344CB8AC3E}">
+        <p14:creationId xmlns:p14="http://schemas.microsoft.com/office/powerpoint/2010/main" val="2702450906"/>
       </p:ext>
     </p:extLst>
   </p:cSld>
